--- a/myproject/Murder.pptx
+++ b/myproject/Murder.pptx
@@ -302,7 +302,7 @@
           <a:p>
             <a:fld id="{3A6E5298-5E20-744C-A15D-21E96D13D467}" type="datetimeFigureOut">
               <a:rPr lang="en-US" smtClean="0"/>
-              <a:t>6/13/15</a:t>
+              <a:t>6/16/15</a:t>
             </a:fld>
             <a:endParaRPr lang="en-US"/>
           </a:p>
@@ -472,7 +472,7 @@
           <a:p>
             <a:fld id="{3A6E5298-5E20-744C-A15D-21E96D13D467}" type="datetimeFigureOut">
               <a:rPr lang="en-US" smtClean="0"/>
-              <a:t>6/13/15</a:t>
+              <a:t>6/16/15</a:t>
             </a:fld>
             <a:endParaRPr lang="en-US"/>
           </a:p>
@@ -652,7 +652,7 @@
           <a:p>
             <a:fld id="{3A6E5298-5E20-744C-A15D-21E96D13D467}" type="datetimeFigureOut">
               <a:rPr lang="en-US" smtClean="0"/>
-              <a:t>6/13/15</a:t>
+              <a:t>6/16/15</a:t>
             </a:fld>
             <a:endParaRPr lang="en-US"/>
           </a:p>
@@ -822,7 +822,7 @@
           <a:p>
             <a:fld id="{3A6E5298-5E20-744C-A15D-21E96D13D467}" type="datetimeFigureOut">
               <a:rPr lang="en-US" smtClean="0"/>
-              <a:t>6/13/15</a:t>
+              <a:t>6/16/15</a:t>
             </a:fld>
             <a:endParaRPr lang="en-US"/>
           </a:p>
@@ -1068,7 +1068,7 @@
           <a:p>
             <a:fld id="{3A6E5298-5E20-744C-A15D-21E96D13D467}" type="datetimeFigureOut">
               <a:rPr lang="en-US" smtClean="0"/>
-              <a:t>6/13/15</a:t>
+              <a:t>6/16/15</a:t>
             </a:fld>
             <a:endParaRPr lang="en-US"/>
           </a:p>
@@ -1356,7 +1356,7 @@
           <a:p>
             <a:fld id="{3A6E5298-5E20-744C-A15D-21E96D13D467}" type="datetimeFigureOut">
               <a:rPr lang="en-US" smtClean="0"/>
-              <a:t>6/13/15</a:t>
+              <a:t>6/16/15</a:t>
             </a:fld>
             <a:endParaRPr lang="en-US"/>
           </a:p>
@@ -1778,7 +1778,7 @@
           <a:p>
             <a:fld id="{3A6E5298-5E20-744C-A15D-21E96D13D467}" type="datetimeFigureOut">
               <a:rPr lang="en-US" smtClean="0"/>
-              <a:t>6/13/15</a:t>
+              <a:t>6/16/15</a:t>
             </a:fld>
             <a:endParaRPr lang="en-US"/>
           </a:p>
@@ -1896,7 +1896,7 @@
           <a:p>
             <a:fld id="{3A6E5298-5E20-744C-A15D-21E96D13D467}" type="datetimeFigureOut">
               <a:rPr lang="en-US" smtClean="0"/>
-              <a:t>6/13/15</a:t>
+              <a:t>6/16/15</a:t>
             </a:fld>
             <a:endParaRPr lang="en-US"/>
           </a:p>
@@ -1991,7 +1991,7 @@
           <a:p>
             <a:fld id="{3A6E5298-5E20-744C-A15D-21E96D13D467}" type="datetimeFigureOut">
               <a:rPr lang="en-US" smtClean="0"/>
-              <a:t>6/13/15</a:t>
+              <a:t>6/16/15</a:t>
             </a:fld>
             <a:endParaRPr lang="en-US"/>
           </a:p>
@@ -2268,7 +2268,7 @@
           <a:p>
             <a:fld id="{3A6E5298-5E20-744C-A15D-21E96D13D467}" type="datetimeFigureOut">
               <a:rPr lang="en-US" smtClean="0"/>
-              <a:t>6/13/15</a:t>
+              <a:t>6/16/15</a:t>
             </a:fld>
             <a:endParaRPr lang="en-US"/>
           </a:p>
@@ -2521,7 +2521,7 @@
           <a:p>
             <a:fld id="{3A6E5298-5E20-744C-A15D-21E96D13D467}" type="datetimeFigureOut">
               <a:rPr lang="en-US" smtClean="0"/>
-              <a:t>6/13/15</a:t>
+              <a:t>6/16/15</a:t>
             </a:fld>
             <a:endParaRPr lang="en-US"/>
           </a:p>
@@ -2734,7 +2734,7 @@
           <a:p>
             <a:fld id="{3A6E5298-5E20-744C-A15D-21E96D13D467}" type="datetimeFigureOut">
               <a:rPr lang="en-US" smtClean="0"/>
-              <a:t>6/13/15</a:t>
+              <a:t>6/16/15</a:t>
             </a:fld>
             <a:endParaRPr lang="en-US"/>
           </a:p>
@@ -3383,6 +3383,36 @@
           </a:prstGeom>
         </p:spPr>
       </p:pic>
+      <p:sp>
+        <p:nvSpPr>
+          <p:cNvPr id="5" name="TextBox 4"/>
+          <p:cNvSpPr txBox="1"/>
+          <p:nvPr/>
+        </p:nvSpPr>
+        <p:spPr>
+          <a:xfrm>
+            <a:off x="4919512" y="2723177"/>
+            <a:ext cx="1975083" cy="369332"/>
+          </a:xfrm>
+          <a:prstGeom prst="rect">
+            <a:avLst/>
+          </a:prstGeom>
+          <a:noFill/>
+        </p:spPr>
+        <p:txBody>
+          <a:bodyPr wrap="none" rtlCol="0">
+            <a:spAutoFit/>
+          </a:bodyPr>
+          <a:lstStyle/>
+          <a:p>
+            <a:r>
+              <a:rPr lang="en-US" dirty="0" smtClean="0"/>
+              <a:t>P-value = 0.000127</a:t>
+            </a:r>
+            <a:endParaRPr lang="en-US" dirty="0"/>
+          </a:p>
+        </p:txBody>
+      </p:sp>
     </p:spTree>
     <p:extLst>
       <p:ext uri="{BB962C8B-B14F-4D97-AF65-F5344CB8AC3E}">
@@ -4085,6 +4115,36 @@
           </a:p>
         </p:txBody>
       </p:sp>
+      <p:sp>
+        <p:nvSpPr>
+          <p:cNvPr id="3" name="TextBox 2"/>
+          <p:cNvSpPr txBox="1"/>
+          <p:nvPr/>
+        </p:nvSpPr>
+        <p:spPr>
+          <a:xfrm>
+            <a:off x="7040791" y="2368477"/>
+            <a:ext cx="1634357" cy="369332"/>
+          </a:xfrm>
+          <a:prstGeom prst="rect">
+            <a:avLst/>
+          </a:prstGeom>
+          <a:noFill/>
+        </p:spPr>
+        <p:txBody>
+          <a:bodyPr wrap="none" rtlCol="0">
+            <a:spAutoFit/>
+          </a:bodyPr>
+          <a:lstStyle/>
+          <a:p>
+            <a:r>
+              <a:rPr lang="en-US" dirty="0" smtClean="0"/>
+              <a:t>P-value &lt; 10e-6</a:t>
+            </a:r>
+            <a:endParaRPr lang="en-US" dirty="0"/>
+          </a:p>
+        </p:txBody>
+      </p:sp>
     </p:spTree>
     <p:extLst>
       <p:ext uri="{BB962C8B-B14F-4D97-AF65-F5344CB8AC3E}">
@@ -4177,7 +4237,6 @@
               <a:rPr lang="en-US" dirty="0" smtClean="0"/>
               <a:t>No correlation with gun ownership</a:t>
             </a:r>
-            <a:endParaRPr lang="en-US" dirty="0" smtClean="0"/>
           </a:p>
           <a:p>
             <a:r>

--- a/myproject/Murder.pptx
+++ b/myproject/Murder.pptx
@@ -1,25 +1,43 @@
 
 <file path=ppt/presentation.xml><?xml version="1.0" encoding="utf-8"?>
-<p:presentation xmlns:a="http://schemas.openxmlformats.org/drawingml/2006/main" xmlns:r="http://schemas.openxmlformats.org/officeDocument/2006/relationships" xmlns:p="http://schemas.openxmlformats.org/presentationml/2006/main" saveSubsetFonts="1" autoCompressPictures="0">
+<p:presentation xmlns:a="http://schemas.openxmlformats.org/drawingml/2006/main" xmlns:r="http://schemas.openxmlformats.org/officeDocument/2006/relationships" xmlns:p="http://schemas.openxmlformats.org/presentationml/2006/main" showSpecialPlsOnTitleSld="0" saveSubsetFonts="1" autoCompressPictures="0">
   <p:sldMasterIdLst>
     <p:sldMasterId id="2147483648" r:id="rId1"/>
   </p:sldMasterIdLst>
+  <p:notesMasterIdLst>
+    <p:notesMasterId r:id="rId29"/>
+  </p:notesMasterIdLst>
+  <p:handoutMasterIdLst>
+    <p:handoutMasterId r:id="rId30"/>
+  </p:handoutMasterIdLst>
   <p:sldIdLst>
     <p:sldId id="256" r:id="rId2"/>
-    <p:sldId id="257" r:id="rId3"/>
-    <p:sldId id="258" r:id="rId4"/>
-    <p:sldId id="272" r:id="rId5"/>
-    <p:sldId id="259" r:id="rId6"/>
-    <p:sldId id="262" r:id="rId7"/>
-    <p:sldId id="260" r:id="rId8"/>
-    <p:sldId id="263" r:id="rId9"/>
-    <p:sldId id="268" r:id="rId10"/>
-    <p:sldId id="269" r:id="rId11"/>
-    <p:sldId id="265" r:id="rId12"/>
-    <p:sldId id="267" r:id="rId13"/>
-    <p:sldId id="271" r:id="rId14"/>
-    <p:sldId id="264" r:id="rId15"/>
-    <p:sldId id="270" r:id="rId16"/>
+    <p:sldId id="273" r:id="rId3"/>
+    <p:sldId id="284" r:id="rId4"/>
+    <p:sldId id="257" r:id="rId5"/>
+    <p:sldId id="258" r:id="rId6"/>
+    <p:sldId id="282" r:id="rId7"/>
+    <p:sldId id="286" r:id="rId8"/>
+    <p:sldId id="262" r:id="rId9"/>
+    <p:sldId id="283" r:id="rId10"/>
+    <p:sldId id="285" r:id="rId11"/>
+    <p:sldId id="274" r:id="rId12"/>
+    <p:sldId id="260" r:id="rId13"/>
+    <p:sldId id="263" r:id="rId14"/>
+    <p:sldId id="268" r:id="rId15"/>
+    <p:sldId id="269" r:id="rId16"/>
+    <p:sldId id="265" r:id="rId17"/>
+    <p:sldId id="267" r:id="rId18"/>
+    <p:sldId id="271" r:id="rId19"/>
+    <p:sldId id="279" r:id="rId20"/>
+    <p:sldId id="281" r:id="rId21"/>
+    <p:sldId id="276" r:id="rId22"/>
+    <p:sldId id="277" r:id="rId23"/>
+    <p:sldId id="280" r:id="rId24"/>
+    <p:sldId id="278" r:id="rId25"/>
+    <p:sldId id="287" r:id="rId26"/>
+    <p:sldId id="264" r:id="rId27"/>
+    <p:sldId id="270" r:id="rId28"/>
   </p:sldIdLst>
   <p:sldSz cx="9144000" cy="6858000" type="screen4x3"/>
   <p:notesSz cx="6858000" cy="9144000"/>
@@ -121,6 +139,523 @@
 </p:presentation>
 </file>
 
+<file path=ppt/handoutMasters/handoutMaster1.xml><?xml version="1.0" encoding="utf-8"?>
+<p:handoutMaster xmlns:a="http://schemas.openxmlformats.org/drawingml/2006/main" xmlns:r="http://schemas.openxmlformats.org/officeDocument/2006/relationships" xmlns:p="http://schemas.openxmlformats.org/presentationml/2006/main">
+  <p:cSld>
+    <p:bg>
+      <p:bgRef idx="1001">
+        <a:schemeClr val="bg1"/>
+      </p:bgRef>
+    </p:bg>
+    <p:spTree>
+      <p:nvGrpSpPr>
+        <p:cNvPr id="1" name=""/>
+        <p:cNvGrpSpPr/>
+        <p:nvPr/>
+      </p:nvGrpSpPr>
+      <p:grpSpPr>
+        <a:xfrm>
+          <a:off x="0" y="0"/>
+          <a:ext cx="0" cy="0"/>
+          <a:chOff x="0" y="0"/>
+          <a:chExt cx="0" cy="0"/>
+        </a:xfrm>
+      </p:grpSpPr>
+      <p:sp>
+        <p:nvSpPr>
+          <p:cNvPr id="2" name="Header Placeholder 1"/>
+          <p:cNvSpPr>
+            <a:spLocks noGrp="1"/>
+          </p:cNvSpPr>
+          <p:nvPr>
+            <p:ph type="hdr" sz="quarter"/>
+          </p:nvPr>
+        </p:nvSpPr>
+        <p:spPr>
+          <a:xfrm>
+            <a:off x="0" y="0"/>
+            <a:ext cx="2971800" cy="457200"/>
+          </a:xfrm>
+          <a:prstGeom prst="rect">
+            <a:avLst/>
+          </a:prstGeom>
+        </p:spPr>
+        <p:txBody>
+          <a:bodyPr vert="horz" lIns="91440" tIns="45720" rIns="91440" bIns="45720" rtlCol="0"/>
+          <a:lstStyle>
+            <a:lvl1pPr algn="l">
+              <a:defRPr sz="1200"/>
+            </a:lvl1pPr>
+          </a:lstStyle>
+          <a:p>
+            <a:endParaRPr lang="en-US"/>
+          </a:p>
+        </p:txBody>
+      </p:sp>
+      <p:sp>
+        <p:nvSpPr>
+          <p:cNvPr id="3" name="Date Placeholder 2"/>
+          <p:cNvSpPr>
+            <a:spLocks noGrp="1"/>
+          </p:cNvSpPr>
+          <p:nvPr>
+            <p:ph type="dt" sz="quarter" idx="1"/>
+          </p:nvPr>
+        </p:nvSpPr>
+        <p:spPr>
+          <a:xfrm>
+            <a:off x="3884613" y="0"/>
+            <a:ext cx="2971800" cy="457200"/>
+          </a:xfrm>
+          <a:prstGeom prst="rect">
+            <a:avLst/>
+          </a:prstGeom>
+        </p:spPr>
+        <p:txBody>
+          <a:bodyPr vert="horz" lIns="91440" tIns="45720" rIns="91440" bIns="45720" rtlCol="0"/>
+          <a:lstStyle>
+            <a:lvl1pPr algn="r">
+              <a:defRPr sz="1200"/>
+            </a:lvl1pPr>
+          </a:lstStyle>
+          <a:p>
+            <a:fld id="{A89AE341-F8C5-6D42-B324-54A6F2ADA367}" type="datetimeFigureOut">
+              <a:rPr lang="en-US" smtClean="0"/>
+              <a:t>7/7/15</a:t>
+            </a:fld>
+            <a:endParaRPr lang="en-US"/>
+          </a:p>
+        </p:txBody>
+      </p:sp>
+      <p:sp>
+        <p:nvSpPr>
+          <p:cNvPr id="4" name="Footer Placeholder 3"/>
+          <p:cNvSpPr>
+            <a:spLocks noGrp="1"/>
+          </p:cNvSpPr>
+          <p:nvPr>
+            <p:ph type="ftr" sz="quarter" idx="2"/>
+          </p:nvPr>
+        </p:nvSpPr>
+        <p:spPr>
+          <a:xfrm>
+            <a:off x="0" y="8685213"/>
+            <a:ext cx="2971800" cy="457200"/>
+          </a:xfrm>
+          <a:prstGeom prst="rect">
+            <a:avLst/>
+          </a:prstGeom>
+        </p:spPr>
+        <p:txBody>
+          <a:bodyPr vert="horz" lIns="91440" tIns="45720" rIns="91440" bIns="45720" rtlCol="0" anchor="b"/>
+          <a:lstStyle>
+            <a:lvl1pPr algn="l">
+              <a:defRPr sz="1200"/>
+            </a:lvl1pPr>
+          </a:lstStyle>
+          <a:p>
+            <a:endParaRPr lang="en-US"/>
+          </a:p>
+        </p:txBody>
+      </p:sp>
+      <p:sp>
+        <p:nvSpPr>
+          <p:cNvPr id="5" name="Slide Number Placeholder 4"/>
+          <p:cNvSpPr>
+            <a:spLocks noGrp="1"/>
+          </p:cNvSpPr>
+          <p:nvPr>
+            <p:ph type="sldNum" sz="quarter" idx="3"/>
+          </p:nvPr>
+        </p:nvSpPr>
+        <p:spPr>
+          <a:xfrm>
+            <a:off x="3884613" y="8685213"/>
+            <a:ext cx="2971800" cy="457200"/>
+          </a:xfrm>
+          <a:prstGeom prst="rect">
+            <a:avLst/>
+          </a:prstGeom>
+        </p:spPr>
+        <p:txBody>
+          <a:bodyPr vert="horz" lIns="91440" tIns="45720" rIns="91440" bIns="45720" rtlCol="0" anchor="b"/>
+          <a:lstStyle>
+            <a:lvl1pPr algn="r">
+              <a:defRPr sz="1200"/>
+            </a:lvl1pPr>
+          </a:lstStyle>
+          <a:p>
+            <a:fld id="{FC8AE727-001A-2E46-9F08-92CCBA46127A}" type="slidenum">
+              <a:rPr lang="en-US" smtClean="0"/>
+              <a:t>‹#›</a:t>
+            </a:fld>
+            <a:endParaRPr lang="en-US"/>
+          </a:p>
+        </p:txBody>
+      </p:sp>
+    </p:spTree>
+    <p:extLst>
+      <p:ext uri="{BB962C8B-B14F-4D97-AF65-F5344CB8AC3E}">
+        <p14:creationId xmlns:p14="http://schemas.microsoft.com/office/powerpoint/2010/main" val="53731076"/>
+      </p:ext>
+    </p:extLst>
+  </p:cSld>
+  <p:clrMap bg1="lt1" tx1="dk1" bg2="lt2" tx2="dk2" accent1="accent1" accent2="accent2" accent3="accent3" accent4="accent4" accent5="accent5" accent6="accent6" hlink="hlink" folHlink="folHlink"/>
+  <p:hf hdr="0" ftr="0" dt="0"/>
+</p:handoutMaster>
+</file>
+
+<file path=ppt/notesMasters/notesMaster1.xml><?xml version="1.0" encoding="utf-8"?>
+<p:notesMaster xmlns:a="http://schemas.openxmlformats.org/drawingml/2006/main" xmlns:r="http://schemas.openxmlformats.org/officeDocument/2006/relationships" xmlns:p="http://schemas.openxmlformats.org/presentationml/2006/main">
+  <p:cSld>
+    <p:bg>
+      <p:bgRef idx="1001">
+        <a:schemeClr val="bg1"/>
+      </p:bgRef>
+    </p:bg>
+    <p:spTree>
+      <p:nvGrpSpPr>
+        <p:cNvPr id="1" name=""/>
+        <p:cNvGrpSpPr/>
+        <p:nvPr/>
+      </p:nvGrpSpPr>
+      <p:grpSpPr>
+        <a:xfrm>
+          <a:off x="0" y="0"/>
+          <a:ext cx="0" cy="0"/>
+          <a:chOff x="0" y="0"/>
+          <a:chExt cx="0" cy="0"/>
+        </a:xfrm>
+      </p:grpSpPr>
+      <p:sp>
+        <p:nvSpPr>
+          <p:cNvPr id="2" name="Header Placeholder 1"/>
+          <p:cNvSpPr>
+            <a:spLocks noGrp="1"/>
+          </p:cNvSpPr>
+          <p:nvPr>
+            <p:ph type="hdr" sz="quarter"/>
+          </p:nvPr>
+        </p:nvSpPr>
+        <p:spPr>
+          <a:xfrm>
+            <a:off x="0" y="0"/>
+            <a:ext cx="2971800" cy="457200"/>
+          </a:xfrm>
+          <a:prstGeom prst="rect">
+            <a:avLst/>
+          </a:prstGeom>
+        </p:spPr>
+        <p:txBody>
+          <a:bodyPr vert="horz" lIns="91440" tIns="45720" rIns="91440" bIns="45720" rtlCol="0"/>
+          <a:lstStyle>
+            <a:lvl1pPr algn="l">
+              <a:defRPr sz="1200"/>
+            </a:lvl1pPr>
+          </a:lstStyle>
+          <a:p>
+            <a:endParaRPr lang="en-US"/>
+          </a:p>
+        </p:txBody>
+      </p:sp>
+      <p:sp>
+        <p:nvSpPr>
+          <p:cNvPr id="3" name="Date Placeholder 2"/>
+          <p:cNvSpPr>
+            <a:spLocks noGrp="1"/>
+          </p:cNvSpPr>
+          <p:nvPr>
+            <p:ph type="dt" idx="1"/>
+          </p:nvPr>
+        </p:nvSpPr>
+        <p:spPr>
+          <a:xfrm>
+            <a:off x="3884613" y="0"/>
+            <a:ext cx="2971800" cy="457200"/>
+          </a:xfrm>
+          <a:prstGeom prst="rect">
+            <a:avLst/>
+          </a:prstGeom>
+        </p:spPr>
+        <p:txBody>
+          <a:bodyPr vert="horz" lIns="91440" tIns="45720" rIns="91440" bIns="45720" rtlCol="0"/>
+          <a:lstStyle>
+            <a:lvl1pPr algn="r">
+              <a:defRPr sz="1200"/>
+            </a:lvl1pPr>
+          </a:lstStyle>
+          <a:p>
+            <a:fld id="{782ABDF5-147A-944F-9CB5-57163785B78C}" type="datetimeFigureOut">
+              <a:rPr lang="en-US" smtClean="0"/>
+              <a:t>7/7/15</a:t>
+            </a:fld>
+            <a:endParaRPr lang="en-US"/>
+          </a:p>
+        </p:txBody>
+      </p:sp>
+      <p:sp>
+        <p:nvSpPr>
+          <p:cNvPr id="4" name="Slide Image Placeholder 3"/>
+          <p:cNvSpPr>
+            <a:spLocks noGrp="1" noRot="1" noChangeAspect="1"/>
+          </p:cNvSpPr>
+          <p:nvPr>
+            <p:ph type="sldImg" idx="2"/>
+          </p:nvPr>
+        </p:nvSpPr>
+        <p:spPr>
+          <a:xfrm>
+            <a:off x="1143000" y="685800"/>
+            <a:ext cx="4572000" cy="3429000"/>
+          </a:xfrm>
+          <a:prstGeom prst="rect">
+            <a:avLst/>
+          </a:prstGeom>
+          <a:noFill/>
+          <a:ln w="12700">
+            <a:solidFill>
+              <a:prstClr val="black"/>
+            </a:solidFill>
+          </a:ln>
+        </p:spPr>
+        <p:txBody>
+          <a:bodyPr vert="horz" lIns="91440" tIns="45720" rIns="91440" bIns="45720" rtlCol="0" anchor="ctr"/>
+          <a:lstStyle/>
+          <a:p>
+            <a:endParaRPr lang="en-US"/>
+          </a:p>
+        </p:txBody>
+      </p:sp>
+      <p:sp>
+        <p:nvSpPr>
+          <p:cNvPr id="5" name="Notes Placeholder 4"/>
+          <p:cNvSpPr>
+            <a:spLocks noGrp="1"/>
+          </p:cNvSpPr>
+          <p:nvPr>
+            <p:ph type="body" sz="quarter" idx="3"/>
+          </p:nvPr>
+        </p:nvSpPr>
+        <p:spPr>
+          <a:xfrm>
+            <a:off x="685800" y="4343400"/>
+            <a:ext cx="5486400" cy="4114800"/>
+          </a:xfrm>
+          <a:prstGeom prst="rect">
+            <a:avLst/>
+          </a:prstGeom>
+        </p:spPr>
+        <p:txBody>
+          <a:bodyPr vert="horz" lIns="91440" tIns="45720" rIns="91440" bIns="45720" rtlCol="0"/>
+          <a:lstStyle/>
+          <a:p>
+            <a:pPr lvl="0"/>
+            <a:r>
+              <a:rPr lang="en-US" smtClean="0"/>
+              <a:t>Click to edit Master text styles</a:t>
+            </a:r>
+          </a:p>
+          <a:p>
+            <a:pPr lvl="1"/>
+            <a:r>
+              <a:rPr lang="en-US" smtClean="0"/>
+              <a:t>Second level</a:t>
+            </a:r>
+          </a:p>
+          <a:p>
+            <a:pPr lvl="2"/>
+            <a:r>
+              <a:rPr lang="en-US" smtClean="0"/>
+              <a:t>Third level</a:t>
+            </a:r>
+          </a:p>
+          <a:p>
+            <a:pPr lvl="3"/>
+            <a:r>
+              <a:rPr lang="en-US" smtClean="0"/>
+              <a:t>Fourth level</a:t>
+            </a:r>
+          </a:p>
+          <a:p>
+            <a:pPr lvl="4"/>
+            <a:r>
+              <a:rPr lang="en-US" smtClean="0"/>
+              <a:t>Fifth level</a:t>
+            </a:r>
+            <a:endParaRPr lang="en-US"/>
+          </a:p>
+        </p:txBody>
+      </p:sp>
+      <p:sp>
+        <p:nvSpPr>
+          <p:cNvPr id="6" name="Footer Placeholder 5"/>
+          <p:cNvSpPr>
+            <a:spLocks noGrp="1"/>
+          </p:cNvSpPr>
+          <p:nvPr>
+            <p:ph type="ftr" sz="quarter" idx="4"/>
+          </p:nvPr>
+        </p:nvSpPr>
+        <p:spPr>
+          <a:xfrm>
+            <a:off x="0" y="8685213"/>
+            <a:ext cx="2971800" cy="457200"/>
+          </a:xfrm>
+          <a:prstGeom prst="rect">
+            <a:avLst/>
+          </a:prstGeom>
+        </p:spPr>
+        <p:txBody>
+          <a:bodyPr vert="horz" lIns="91440" tIns="45720" rIns="91440" bIns="45720" rtlCol="0" anchor="b"/>
+          <a:lstStyle>
+            <a:lvl1pPr algn="l">
+              <a:defRPr sz="1200"/>
+            </a:lvl1pPr>
+          </a:lstStyle>
+          <a:p>
+            <a:endParaRPr lang="en-US"/>
+          </a:p>
+        </p:txBody>
+      </p:sp>
+      <p:sp>
+        <p:nvSpPr>
+          <p:cNvPr id="7" name="Slide Number Placeholder 6"/>
+          <p:cNvSpPr>
+            <a:spLocks noGrp="1"/>
+          </p:cNvSpPr>
+          <p:nvPr>
+            <p:ph type="sldNum" sz="quarter" idx="5"/>
+          </p:nvPr>
+        </p:nvSpPr>
+        <p:spPr>
+          <a:xfrm>
+            <a:off x="3884613" y="8685213"/>
+            <a:ext cx="2971800" cy="457200"/>
+          </a:xfrm>
+          <a:prstGeom prst="rect">
+            <a:avLst/>
+          </a:prstGeom>
+        </p:spPr>
+        <p:txBody>
+          <a:bodyPr vert="horz" lIns="91440" tIns="45720" rIns="91440" bIns="45720" rtlCol="0" anchor="b"/>
+          <a:lstStyle>
+            <a:lvl1pPr algn="r">
+              <a:defRPr sz="1200"/>
+            </a:lvl1pPr>
+          </a:lstStyle>
+          <a:p>
+            <a:fld id="{ED835FC8-9BAF-D747-85B5-27223195F359}" type="slidenum">
+              <a:rPr lang="en-US" smtClean="0"/>
+              <a:t>‹#›</a:t>
+            </a:fld>
+            <a:endParaRPr lang="en-US"/>
+          </a:p>
+        </p:txBody>
+      </p:sp>
+    </p:spTree>
+    <p:extLst>
+      <p:ext uri="{BB962C8B-B14F-4D97-AF65-F5344CB8AC3E}">
+        <p14:creationId xmlns:p14="http://schemas.microsoft.com/office/powerpoint/2010/main" val="312066845"/>
+      </p:ext>
+    </p:extLst>
+  </p:cSld>
+  <p:clrMap bg1="lt1" tx1="dk1" bg2="lt2" tx2="dk2" accent1="accent1" accent2="accent2" accent3="accent3" accent4="accent4" accent5="accent5" accent6="accent6" hlink="hlink" folHlink="folHlink"/>
+  <p:hf hdr="0" ftr="0" dt="0"/>
+  <p:notesStyle>
+    <a:lvl1pPr marL="0" algn="l" defTabSz="457200" rtl="0" eaLnBrk="1" latinLnBrk="0" hangingPunct="1">
+      <a:defRPr sz="1200" kern="1200">
+        <a:solidFill>
+          <a:schemeClr val="tx1"/>
+        </a:solidFill>
+        <a:latin typeface="+mn-lt"/>
+        <a:ea typeface="+mn-ea"/>
+        <a:cs typeface="+mn-cs"/>
+      </a:defRPr>
+    </a:lvl1pPr>
+    <a:lvl2pPr marL="457200" algn="l" defTabSz="457200" rtl="0" eaLnBrk="1" latinLnBrk="0" hangingPunct="1">
+      <a:defRPr sz="1200" kern="1200">
+        <a:solidFill>
+          <a:schemeClr val="tx1"/>
+        </a:solidFill>
+        <a:latin typeface="+mn-lt"/>
+        <a:ea typeface="+mn-ea"/>
+        <a:cs typeface="+mn-cs"/>
+      </a:defRPr>
+    </a:lvl2pPr>
+    <a:lvl3pPr marL="914400" algn="l" defTabSz="457200" rtl="0" eaLnBrk="1" latinLnBrk="0" hangingPunct="1">
+      <a:defRPr sz="1200" kern="1200">
+        <a:solidFill>
+          <a:schemeClr val="tx1"/>
+        </a:solidFill>
+        <a:latin typeface="+mn-lt"/>
+        <a:ea typeface="+mn-ea"/>
+        <a:cs typeface="+mn-cs"/>
+      </a:defRPr>
+    </a:lvl3pPr>
+    <a:lvl4pPr marL="1371600" algn="l" defTabSz="457200" rtl="0" eaLnBrk="1" latinLnBrk="0" hangingPunct="1">
+      <a:defRPr sz="1200" kern="1200">
+        <a:solidFill>
+          <a:schemeClr val="tx1"/>
+        </a:solidFill>
+        <a:latin typeface="+mn-lt"/>
+        <a:ea typeface="+mn-ea"/>
+        <a:cs typeface="+mn-cs"/>
+      </a:defRPr>
+    </a:lvl4pPr>
+    <a:lvl5pPr marL="1828800" algn="l" defTabSz="457200" rtl="0" eaLnBrk="1" latinLnBrk="0" hangingPunct="1">
+      <a:defRPr sz="1200" kern="1200">
+        <a:solidFill>
+          <a:schemeClr val="tx1"/>
+        </a:solidFill>
+        <a:latin typeface="+mn-lt"/>
+        <a:ea typeface="+mn-ea"/>
+        <a:cs typeface="+mn-cs"/>
+      </a:defRPr>
+    </a:lvl5pPr>
+    <a:lvl6pPr marL="2286000" algn="l" defTabSz="457200" rtl="0" eaLnBrk="1" latinLnBrk="0" hangingPunct="1">
+      <a:defRPr sz="1200" kern="1200">
+        <a:solidFill>
+          <a:schemeClr val="tx1"/>
+        </a:solidFill>
+        <a:latin typeface="+mn-lt"/>
+        <a:ea typeface="+mn-ea"/>
+        <a:cs typeface="+mn-cs"/>
+      </a:defRPr>
+    </a:lvl6pPr>
+    <a:lvl7pPr marL="2743200" algn="l" defTabSz="457200" rtl="0" eaLnBrk="1" latinLnBrk="0" hangingPunct="1">
+      <a:defRPr sz="1200" kern="1200">
+        <a:solidFill>
+          <a:schemeClr val="tx1"/>
+        </a:solidFill>
+        <a:latin typeface="+mn-lt"/>
+        <a:ea typeface="+mn-ea"/>
+        <a:cs typeface="+mn-cs"/>
+      </a:defRPr>
+    </a:lvl7pPr>
+    <a:lvl8pPr marL="3200400" algn="l" defTabSz="457200" rtl="0" eaLnBrk="1" latinLnBrk="0" hangingPunct="1">
+      <a:defRPr sz="1200" kern="1200">
+        <a:solidFill>
+          <a:schemeClr val="tx1"/>
+        </a:solidFill>
+        <a:latin typeface="+mn-lt"/>
+        <a:ea typeface="+mn-ea"/>
+        <a:cs typeface="+mn-cs"/>
+      </a:defRPr>
+    </a:lvl8pPr>
+    <a:lvl9pPr marL="3657600" algn="l" defTabSz="457200" rtl="0" eaLnBrk="1" latinLnBrk="0" hangingPunct="1">
+      <a:defRPr sz="1200" kern="1200">
+        <a:solidFill>
+          <a:schemeClr val="tx1"/>
+        </a:solidFill>
+        <a:latin typeface="+mn-lt"/>
+        <a:ea typeface="+mn-ea"/>
+        <a:cs typeface="+mn-cs"/>
+      </a:defRPr>
+    </a:lvl9pPr>
+  </p:notesStyle>
+</p:notesMaster>
+</file>
+
 <file path=ppt/slideLayouts/slideLayout1.xml><?xml version="1.0" encoding="utf-8"?>
 <p:sldLayout xmlns:a="http://schemas.openxmlformats.org/drawingml/2006/main" xmlns:r="http://schemas.openxmlformats.org/officeDocument/2006/relationships" xmlns:p="http://schemas.openxmlformats.org/presentationml/2006/main" type="title" preserve="1">
   <p:cSld name="Title Slide">
@@ -300,9 +835,9 @@
           <a:bodyPr/>
           <a:lstStyle/>
           <a:p>
-            <a:fld id="{3A6E5298-5E20-744C-A15D-21E96D13D467}" type="datetimeFigureOut">
-              <a:rPr lang="en-US" smtClean="0"/>
-              <a:t>6/16/15</a:t>
+            <a:fld id="{AC8DFC38-1C0B-2248-9D03-7AD764517C8A}" type="datetime1">
+              <a:rPr lang="en-US" smtClean="0"/>
+              <a:t>7/7/15</a:t>
             </a:fld>
             <a:endParaRPr lang="en-US"/>
           </a:p>
@@ -470,9 +1005,9 @@
           <a:bodyPr/>
           <a:lstStyle/>
           <a:p>
-            <a:fld id="{3A6E5298-5E20-744C-A15D-21E96D13D467}" type="datetimeFigureOut">
-              <a:rPr lang="en-US" smtClean="0"/>
-              <a:t>6/16/15</a:t>
+            <a:fld id="{2A20FE79-51B2-CC4C-B29D-D020F5FCE162}" type="datetime1">
+              <a:rPr lang="en-US" smtClean="0"/>
+              <a:t>7/7/15</a:t>
             </a:fld>
             <a:endParaRPr lang="en-US"/>
           </a:p>
@@ -650,9 +1185,9 @@
           <a:bodyPr/>
           <a:lstStyle/>
           <a:p>
-            <a:fld id="{3A6E5298-5E20-744C-A15D-21E96D13D467}" type="datetimeFigureOut">
-              <a:rPr lang="en-US" smtClean="0"/>
-              <a:t>6/16/15</a:t>
+            <a:fld id="{393B295F-9B98-B446-8E9A-839E40072A18}" type="datetime1">
+              <a:rPr lang="en-US" smtClean="0"/>
+              <a:t>7/7/15</a:t>
             </a:fld>
             <a:endParaRPr lang="en-US"/>
           </a:p>
@@ -820,9 +1355,9 @@
           <a:bodyPr/>
           <a:lstStyle/>
           <a:p>
-            <a:fld id="{3A6E5298-5E20-744C-A15D-21E96D13D467}" type="datetimeFigureOut">
-              <a:rPr lang="en-US" smtClean="0"/>
-              <a:t>6/16/15</a:t>
+            <a:fld id="{1F38797A-50A9-BA48-9415-C38B66A0A498}" type="datetime1">
+              <a:rPr lang="en-US" smtClean="0"/>
+              <a:t>7/7/15</a:t>
             </a:fld>
             <a:endParaRPr lang="en-US"/>
           </a:p>
@@ -1066,9 +1601,9 @@
           <a:bodyPr/>
           <a:lstStyle/>
           <a:p>
-            <a:fld id="{3A6E5298-5E20-744C-A15D-21E96D13D467}" type="datetimeFigureOut">
-              <a:rPr lang="en-US" smtClean="0"/>
-              <a:t>6/16/15</a:t>
+            <a:fld id="{EC457DE1-535B-DD4A-BA7F-2C6C73485939}" type="datetime1">
+              <a:rPr lang="en-US" smtClean="0"/>
+              <a:t>7/7/15</a:t>
             </a:fld>
             <a:endParaRPr lang="en-US"/>
           </a:p>
@@ -1354,9 +1889,9 @@
           <a:bodyPr/>
           <a:lstStyle/>
           <a:p>
-            <a:fld id="{3A6E5298-5E20-744C-A15D-21E96D13D467}" type="datetimeFigureOut">
-              <a:rPr lang="en-US" smtClean="0"/>
-              <a:t>6/16/15</a:t>
+            <a:fld id="{A1E968E3-DEFA-DC45-A439-9142050DD797}" type="datetime1">
+              <a:rPr lang="en-US" smtClean="0"/>
+              <a:t>7/7/15</a:t>
             </a:fld>
             <a:endParaRPr lang="en-US"/>
           </a:p>
@@ -1776,9 +2311,9 @@
           <a:bodyPr/>
           <a:lstStyle/>
           <a:p>
-            <a:fld id="{3A6E5298-5E20-744C-A15D-21E96D13D467}" type="datetimeFigureOut">
-              <a:rPr lang="en-US" smtClean="0"/>
-              <a:t>6/16/15</a:t>
+            <a:fld id="{09D4B3E8-00C5-3748-BCFB-2C32FADCD863}" type="datetime1">
+              <a:rPr lang="en-US" smtClean="0"/>
+              <a:t>7/7/15</a:t>
             </a:fld>
             <a:endParaRPr lang="en-US"/>
           </a:p>
@@ -1894,9 +2429,9 @@
           <a:bodyPr/>
           <a:lstStyle/>
           <a:p>
-            <a:fld id="{3A6E5298-5E20-744C-A15D-21E96D13D467}" type="datetimeFigureOut">
-              <a:rPr lang="en-US" smtClean="0"/>
-              <a:t>6/16/15</a:t>
+            <a:fld id="{16F685BD-60C4-044D-9C6E-2115B6136BFE}" type="datetime1">
+              <a:rPr lang="en-US" smtClean="0"/>
+              <a:t>7/7/15</a:t>
             </a:fld>
             <a:endParaRPr lang="en-US"/>
           </a:p>
@@ -1989,9 +2524,9 @@
           <a:bodyPr/>
           <a:lstStyle/>
           <a:p>
-            <a:fld id="{3A6E5298-5E20-744C-A15D-21E96D13D467}" type="datetimeFigureOut">
-              <a:rPr lang="en-US" smtClean="0"/>
-              <a:t>6/16/15</a:t>
+            <a:fld id="{D508E0D3-208D-1449-8279-AA2118FF2099}" type="datetime1">
+              <a:rPr lang="en-US" smtClean="0"/>
+              <a:t>7/7/15</a:t>
             </a:fld>
             <a:endParaRPr lang="en-US"/>
           </a:p>
@@ -2266,9 +2801,9 @@
           <a:bodyPr/>
           <a:lstStyle/>
           <a:p>
-            <a:fld id="{3A6E5298-5E20-744C-A15D-21E96D13D467}" type="datetimeFigureOut">
-              <a:rPr lang="en-US" smtClean="0"/>
-              <a:t>6/16/15</a:t>
+            <a:fld id="{DE97A7A5-F815-DB4B-9A46-C98941A525E1}" type="datetime1">
+              <a:rPr lang="en-US" smtClean="0"/>
+              <a:t>7/7/15</a:t>
             </a:fld>
             <a:endParaRPr lang="en-US"/>
           </a:p>
@@ -2519,9 +3054,9 @@
           <a:bodyPr/>
           <a:lstStyle/>
           <a:p>
-            <a:fld id="{3A6E5298-5E20-744C-A15D-21E96D13D467}" type="datetimeFigureOut">
-              <a:rPr lang="en-US" smtClean="0"/>
-              <a:t>6/16/15</a:t>
+            <a:fld id="{3029B049-6BA1-A643-ABEF-E8EF0D0AB453}" type="datetime1">
+              <a:rPr lang="en-US" smtClean="0"/>
+              <a:t>7/7/15</a:t>
             </a:fld>
             <a:endParaRPr lang="en-US"/>
           </a:p>
@@ -2732,9 +3267,9 @@
             </a:lvl1pPr>
           </a:lstStyle>
           <a:p>
-            <a:fld id="{3A6E5298-5E20-744C-A15D-21E96D13D467}" type="datetimeFigureOut">
-              <a:rPr lang="en-US" smtClean="0"/>
-              <a:t>6/16/15</a:t>
+            <a:fld id="{29651C28-7C74-FC46-A42F-D60D1713630D}" type="datetime1">
+              <a:rPr lang="en-US" smtClean="0"/>
+              <a:t>7/7/15</a:t>
             </a:fld>
             <a:endParaRPr lang="en-US"/>
           </a:p>
@@ -2839,6 +3374,7 @@
     <p:sldLayoutId id="2147483658" r:id="rId10"/>
     <p:sldLayoutId id="2147483659" r:id="rId11"/>
   </p:sldLayoutIdLst>
+  <p:hf sldNum="0" hdr="0" ftr="0" dt="0"/>
   <p:txStyles>
     <p:titleStyle>
       <a:lvl1pPr algn="ctr" defTabSz="457200" rtl="0" eaLnBrk="1" latinLnBrk="0" hangingPunct="1">
@@ -3109,6 +3645,36 @@
           <a:chExt cx="0" cy="0"/>
         </a:xfrm>
       </p:grpSpPr>
+      <p:pic>
+        <p:nvPicPr>
+          <p:cNvPr id="4" name="Picture 3" descr="huge.101.505091.JPG"/>
+          <p:cNvPicPr>
+            <a:picLocks noChangeAspect="1"/>
+          </p:cNvPicPr>
+          <p:nvPr/>
+        </p:nvPicPr>
+        <p:blipFill>
+          <a:blip r:embed="rId2">
+            <a:extLst>
+              <a:ext uri="{28A0092B-C50C-407E-A947-70E740481C1C}">
+                <a14:useLocalDpi xmlns:a14="http://schemas.microsoft.com/office/drawing/2010/main" val="0"/>
+              </a:ext>
+            </a:extLst>
+          </a:blip>
+          <a:stretch>
+            <a:fillRect/>
+          </a:stretch>
+        </p:blipFill>
+        <p:spPr>
+          <a:xfrm>
+            <a:off x="-184700" y="-183165"/>
+            <a:ext cx="9478301" cy="7119258"/>
+          </a:xfrm>
+          <a:prstGeom prst="rect">
+            <a:avLst/>
+          </a:prstGeom>
+        </p:spPr>
+      </p:pic>
       <p:sp>
         <p:nvSpPr>
           <p:cNvPr id="2" name="Title 1"/>
@@ -3119,18 +3685,45 @@
             <p:ph type="ctrTitle"/>
           </p:nvPr>
         </p:nvSpPr>
-        <p:spPr/>
+        <p:spPr>
+          <a:xfrm>
+            <a:off x="244247" y="1229164"/>
+            <a:ext cx="8780683" cy="1470025"/>
+          </a:xfrm>
+        </p:spPr>
         <p:txBody>
           <a:bodyPr>
-            <a:normAutofit/>
+            <a:noAutofit/>
           </a:bodyPr>
           <a:lstStyle/>
           <a:p>
             <a:r>
-              <a:rPr lang="en-US" dirty="0" smtClean="0"/>
+              <a:rPr lang="en-US" sz="5400" dirty="0" smtClean="0">
+                <a:solidFill>
+                  <a:schemeClr val="bg1"/>
+                </a:solidFill>
+                <a:effectLst>
+                  <a:outerShdw blurRad="50800" dist="38100" dir="2700000" algn="tl" rotWithShape="0">
+                    <a:srgbClr val="FF0000">
+                      <a:alpha val="43000"/>
+                    </a:srgbClr>
+                  </a:outerShdw>
+                </a:effectLst>
+              </a:rPr>
               <a:t>Regression Analysis of Murder Rate by US State</a:t>
             </a:r>
-            <a:endParaRPr lang="en-US" dirty="0"/>
+            <a:endParaRPr lang="en-US" sz="5400" dirty="0">
+              <a:solidFill>
+                <a:schemeClr val="bg1"/>
+              </a:solidFill>
+              <a:effectLst>
+                <a:outerShdw blurRad="50800" dist="38100" dir="2700000" algn="tl" rotWithShape="0">
+                  <a:srgbClr val="FF0000">
+                    <a:alpha val="43000"/>
+                  </a:srgbClr>
+                </a:outerShdw>
+              </a:effectLst>
+            </a:endParaRPr>
           </a:p>
         </p:txBody>
       </p:sp>
@@ -3144,16 +3737,39 @@
             <p:ph type="subTitle" idx="1"/>
           </p:nvPr>
         </p:nvSpPr>
-        <p:spPr/>
+        <p:spPr>
+          <a:xfrm>
+            <a:off x="1371600" y="2790315"/>
+            <a:ext cx="6400800" cy="1752600"/>
+          </a:xfrm>
+        </p:spPr>
         <p:txBody>
           <a:bodyPr/>
           <a:lstStyle/>
           <a:p>
             <a:r>
-              <a:rPr lang="en-US" dirty="0" smtClean="0"/>
+              <a:rPr lang="en-US" dirty="0" smtClean="0">
+                <a:solidFill>
+                  <a:srgbClr val="FF0000"/>
+                </a:solidFill>
+              </a:rPr>
               <a:t>Jeremy McCormick</a:t>
             </a:r>
-            <a:endParaRPr lang="en-US" dirty="0"/>
+          </a:p>
+          <a:p>
+            <a:r>
+              <a:rPr lang="en-US" dirty="0" smtClean="0">
+                <a:solidFill>
+                  <a:srgbClr val="FF0000"/>
+                </a:solidFill>
+              </a:rPr>
+              <a:t>General Assembly / Data Science Final Project</a:t>
+            </a:r>
+            <a:endParaRPr lang="en-US" dirty="0">
+              <a:solidFill>
+                <a:srgbClr val="FF0000"/>
+              </a:solidFill>
+            </a:endParaRPr>
           </a:p>
         </p:txBody>
       </p:sp>
@@ -3167,6 +3783,13 @@
   <p:clrMapOvr>
     <a:masterClrMapping/>
   </p:clrMapOvr>
+  <p:timing>
+    <p:tnLst>
+      <p:par>
+        <p:cTn xmlns:p14="http://schemas.microsoft.com/office/powerpoint/2010/main" id="1" dur="indefinite" restart="never" nodeType="tmRoot"/>
+      </p:par>
+    </p:tnLst>
+  </p:timing>
 </p:sld>
 </file>
 
@@ -3199,8 +3822,8 @@
         </p:nvSpPr>
         <p:spPr>
           <a:xfrm>
-            <a:off x="433896" y="81551"/>
-            <a:ext cx="8229600" cy="788490"/>
+            <a:off x="457200" y="60836"/>
+            <a:ext cx="8229600" cy="897618"/>
           </a:xfrm>
         </p:spPr>
         <p:txBody>
@@ -3209,38 +3832,7 @@
           <a:p>
             <a:r>
               <a:rPr lang="en-US" dirty="0" smtClean="0"/>
-              <a:t>Gun Ownership</a:t>
-            </a:r>
-            <a:endParaRPr lang="en-US" dirty="0"/>
-          </a:p>
-        </p:txBody>
-      </p:sp>
-      <p:sp>
-        <p:nvSpPr>
-          <p:cNvPr id="3" name="Content Placeholder 2"/>
-          <p:cNvSpPr>
-            <a:spLocks noGrp="1"/>
-          </p:cNvSpPr>
-          <p:nvPr>
-            <p:ph idx="1"/>
-          </p:nvPr>
-        </p:nvSpPr>
-        <p:spPr>
-          <a:xfrm>
-            <a:off x="457200" y="5837097"/>
-            <a:ext cx="8229600" cy="801710"/>
-          </a:xfrm>
-        </p:spPr>
-        <p:txBody>
-          <a:bodyPr/>
-          <a:lstStyle/>
-          <a:p>
-            <a:pPr marL="0" indent="0">
-              <a:buNone/>
-            </a:pPr>
-            <a:r>
-              <a:rPr lang="en-US" dirty="0" smtClean="0"/>
-              <a:t>Weak negative correlation (or uncorrelated)</a:t>
+              <a:t>Correlation Plots</a:t>
             </a:r>
             <a:endParaRPr lang="en-US" dirty="0"/>
           </a:p>
@@ -3248,7 +3840,7 @@
       </p:sp>
       <p:pic>
         <p:nvPicPr>
-          <p:cNvPr id="4" name="Picture 3"/>
+          <p:cNvPr id="3" name="Picture 2"/>
           <p:cNvPicPr>
             <a:picLocks noChangeAspect="1"/>
           </p:cNvPicPr>
@@ -3262,24 +3854,211 @@
         </p:blipFill>
         <p:spPr>
           <a:xfrm>
-            <a:off x="1398048" y="990600"/>
-            <a:ext cx="6311900" cy="4864100"/>
+            <a:off x="0" y="872977"/>
+            <a:ext cx="9144000" cy="5431656"/>
           </a:xfrm>
           <a:prstGeom prst="rect">
             <a:avLst/>
           </a:prstGeom>
         </p:spPr>
       </p:pic>
+      <p:sp>
+        <p:nvSpPr>
+          <p:cNvPr id="7" name="Rectangle 6"/>
+          <p:cNvSpPr/>
+          <p:nvPr/>
+        </p:nvSpPr>
+        <p:spPr>
+          <a:xfrm>
+            <a:off x="6921351" y="3463944"/>
+            <a:ext cx="2918752" cy="2971250"/>
+          </a:xfrm>
+          <a:prstGeom prst="rect">
+            <a:avLst/>
+          </a:prstGeom>
+          <a:solidFill>
+            <a:schemeClr val="bg1"/>
+          </a:solidFill>
+          <a:ln>
+            <a:noFill/>
+          </a:ln>
+          <a:effectLst/>
+        </p:spPr>
+        <p:style>
+          <a:lnRef idx="1">
+            <a:schemeClr val="accent1"/>
+          </a:lnRef>
+          <a:fillRef idx="3">
+            <a:schemeClr val="accent1"/>
+          </a:fillRef>
+          <a:effectRef idx="2">
+            <a:schemeClr val="accent1"/>
+          </a:effectRef>
+          <a:fontRef idx="minor">
+            <a:schemeClr val="lt1"/>
+          </a:fontRef>
+        </p:style>
+        <p:txBody>
+          <a:bodyPr rtlCol="0" anchor="ctr"/>
+          <a:lstStyle/>
+          <a:p>
+            <a:pPr algn="ctr"/>
+            <a:endParaRPr lang="en-US"/>
+          </a:p>
+        </p:txBody>
+      </p:sp>
+      <p:sp>
+        <p:nvSpPr>
+          <p:cNvPr id="4" name="Oval 3"/>
+          <p:cNvSpPr/>
+          <p:nvPr/>
+        </p:nvSpPr>
+        <p:spPr>
+          <a:xfrm>
+            <a:off x="2259285" y="1074568"/>
+            <a:ext cx="2405834" cy="2246823"/>
+          </a:xfrm>
+          <a:prstGeom prst="ellipse">
+            <a:avLst/>
+          </a:prstGeom>
+          <a:noFill/>
+          <a:ln w="12700">
+            <a:solidFill>
+              <a:srgbClr val="FF0000"/>
+            </a:solidFill>
+          </a:ln>
+          <a:effectLst/>
+        </p:spPr>
+        <p:style>
+          <a:lnRef idx="1">
+            <a:schemeClr val="accent1"/>
+          </a:lnRef>
+          <a:fillRef idx="3">
+            <a:schemeClr val="accent1"/>
+          </a:fillRef>
+          <a:effectRef idx="2">
+            <a:schemeClr val="accent1"/>
+          </a:effectRef>
+          <a:fontRef idx="minor">
+            <a:schemeClr val="lt1"/>
+          </a:fontRef>
+        </p:style>
+        <p:txBody>
+          <a:bodyPr rtlCol="0" anchor="ctr"/>
+          <a:lstStyle/>
+          <a:p>
+            <a:pPr algn="ctr"/>
+            <a:endParaRPr lang="en-US"/>
+          </a:p>
+        </p:txBody>
+      </p:sp>
+      <p:sp>
+        <p:nvSpPr>
+          <p:cNvPr id="6" name="Oval 5"/>
+          <p:cNvSpPr/>
+          <p:nvPr/>
+        </p:nvSpPr>
+        <p:spPr>
+          <a:xfrm>
+            <a:off x="6832557" y="976534"/>
+            <a:ext cx="2405834" cy="2246823"/>
+          </a:xfrm>
+          <a:prstGeom prst="ellipse">
+            <a:avLst/>
+          </a:prstGeom>
+          <a:noFill/>
+          <a:ln w="12700">
+            <a:solidFill>
+              <a:srgbClr val="FF0000"/>
+            </a:solidFill>
+          </a:ln>
+          <a:effectLst/>
+        </p:spPr>
+        <p:style>
+          <a:lnRef idx="1">
+            <a:schemeClr val="accent1"/>
+          </a:lnRef>
+          <a:fillRef idx="3">
+            <a:schemeClr val="accent1"/>
+          </a:fillRef>
+          <a:effectRef idx="2">
+            <a:schemeClr val="accent1"/>
+          </a:effectRef>
+          <a:fontRef idx="minor">
+            <a:schemeClr val="lt1"/>
+          </a:fontRef>
+        </p:style>
+        <p:txBody>
+          <a:bodyPr rtlCol="0" anchor="ctr"/>
+          <a:lstStyle/>
+          <a:p>
+            <a:pPr algn="ctr"/>
+            <a:endParaRPr lang="en-US"/>
+          </a:p>
+        </p:txBody>
+      </p:sp>
+      <p:sp>
+        <p:nvSpPr>
+          <p:cNvPr id="8" name="Oval 7"/>
+          <p:cNvSpPr/>
+          <p:nvPr/>
+        </p:nvSpPr>
+        <p:spPr>
+          <a:xfrm>
+            <a:off x="91338" y="4075890"/>
+            <a:ext cx="2405834" cy="2246823"/>
+          </a:xfrm>
+          <a:prstGeom prst="ellipse">
+            <a:avLst/>
+          </a:prstGeom>
+          <a:noFill/>
+          <a:ln w="12700">
+            <a:solidFill>
+              <a:srgbClr val="FF0000"/>
+            </a:solidFill>
+          </a:ln>
+          <a:effectLst/>
+        </p:spPr>
+        <p:style>
+          <a:lnRef idx="1">
+            <a:schemeClr val="accent1"/>
+          </a:lnRef>
+          <a:fillRef idx="3">
+            <a:schemeClr val="accent1"/>
+          </a:fillRef>
+          <a:effectRef idx="2">
+            <a:schemeClr val="accent1"/>
+          </a:effectRef>
+          <a:fontRef idx="minor">
+            <a:schemeClr val="lt1"/>
+          </a:fontRef>
+        </p:style>
+        <p:txBody>
+          <a:bodyPr rtlCol="0" anchor="ctr"/>
+          <a:lstStyle/>
+          <a:p>
+            <a:pPr algn="ctr"/>
+            <a:endParaRPr lang="en-US"/>
+          </a:p>
+        </p:txBody>
+      </p:sp>
     </p:spTree>
     <p:extLst>
       <p:ext uri="{BB962C8B-B14F-4D97-AF65-F5344CB8AC3E}">
-        <p14:creationId xmlns:p14="http://schemas.microsoft.com/office/powerpoint/2010/main" val="3745180755"/>
+        <p14:creationId xmlns:p14="http://schemas.microsoft.com/office/powerpoint/2010/main" val="4021598914"/>
       </p:ext>
     </p:extLst>
   </p:cSld>
   <p:clrMapOvr>
     <a:masterClrMapping/>
   </p:clrMapOvr>
+  <p:timing>
+    <p:tnLst>
+      <p:par>
+        <p:cTn xmlns:p14="http://schemas.microsoft.com/office/powerpoint/2010/main" id="1" dur="indefinite" restart="never" nodeType="tmRoot"/>
+      </p:par>
+    </p:tnLst>
+  </p:timing>
 </p:sld>
 </file>
 
@@ -3312,8 +4091,8 @@
         </p:nvSpPr>
         <p:spPr>
           <a:xfrm>
-            <a:off x="457200" y="76571"/>
-            <a:ext cx="8229600" cy="773941"/>
+            <a:off x="457200" y="411909"/>
+            <a:ext cx="8229600" cy="870082"/>
           </a:xfrm>
         </p:spPr>
         <p:txBody>
@@ -3322,7 +4101,11 @@
           <a:p>
             <a:r>
               <a:rPr lang="en-US" dirty="0" smtClean="0"/>
-              <a:t>Poverty Rate</a:t>
+              <a:t>Applying Linear </a:t>
+            </a:r>
+            <a:r>
+              <a:rPr lang="en-US" dirty="0" smtClean="0"/>
+              <a:t>Regression</a:t>
             </a:r>
             <a:endParaRPr lang="en-US" dirty="0"/>
           </a:p>
@@ -3338,91 +4121,112 @@
             <p:ph idx="1"/>
           </p:nvPr>
         </p:nvSpPr>
-        <p:spPr>
-          <a:xfrm>
-            <a:off x="457200" y="5860398"/>
-            <a:ext cx="8229600" cy="603644"/>
-          </a:xfrm>
-        </p:spPr>
-        <p:txBody>
-          <a:bodyPr/>
-          <a:lstStyle/>
-          <a:p>
-            <a:pPr marL="0" indent="0" algn="ctr">
-              <a:buNone/>
-            </a:pPr>
-            <a:r>
-              <a:rPr lang="en-US" dirty="0" smtClean="0"/>
-              <a:t>Strong positive correlation</a:t>
+        <p:spPr/>
+        <p:txBody>
+          <a:bodyPr>
+            <a:normAutofit fontScale="92500" lnSpcReduction="20000"/>
+          </a:bodyPr>
+          <a:lstStyle/>
+          <a:p>
+            <a:r>
+              <a:rPr lang="en-US" dirty="0" smtClean="0"/>
+              <a:t>Start with linear regression using </a:t>
+            </a:r>
+            <a:r>
+              <a:rPr lang="en-US" dirty="0" smtClean="0"/>
+              <a:t>single degree polynomial </a:t>
+            </a:r>
+          </a:p>
+          <a:p>
+            <a:pPr lvl="1"/>
+            <a:r>
+              <a:rPr lang="en-US" dirty="0" smtClean="0"/>
+              <a:t>Likely the errors will be large but </a:t>
+            </a:r>
+            <a:r>
+              <a:rPr lang="en-US" dirty="0" smtClean="0"/>
+              <a:t>this</a:t>
+            </a:r>
+            <a:r>
+              <a:rPr lang="en-US" dirty="0" smtClean="0"/>
+              <a:t> will show basic features and correlations in the data</a:t>
+            </a:r>
+          </a:p>
+          <a:p>
+            <a:r>
+              <a:rPr lang="en-US" dirty="0" smtClean="0"/>
+              <a:t>Identify </a:t>
+            </a:r>
+            <a:r>
+              <a:rPr lang="en-US" dirty="0"/>
+              <a:t>type and level of correlation</a:t>
+            </a:r>
+          </a:p>
+          <a:p>
+            <a:pPr lvl="1"/>
+            <a:r>
+              <a:rPr lang="en-US" dirty="0"/>
+              <a:t>Positive or negative</a:t>
+            </a:r>
+          </a:p>
+          <a:p>
+            <a:pPr lvl="1"/>
+            <a:r>
+              <a:rPr lang="en-US" dirty="0"/>
+              <a:t>Uncorrelated, weak, moderate or </a:t>
+            </a:r>
+            <a:r>
+              <a:rPr lang="en-US" dirty="0" smtClean="0"/>
+              <a:t>strong</a:t>
+            </a:r>
+          </a:p>
+          <a:p>
+            <a:r>
+              <a:rPr lang="en-US" dirty="0"/>
+              <a:t>Scatter plot </a:t>
+            </a:r>
+            <a:r>
+              <a:rPr lang="en-US" dirty="0" smtClean="0"/>
+              <a:t>feature </a:t>
+            </a:r>
+            <a:r>
+              <a:rPr lang="en-US" dirty="0" err="1" smtClean="0"/>
+              <a:t>vs</a:t>
+            </a:r>
+            <a:r>
+              <a:rPr lang="en-US" dirty="0" smtClean="0"/>
+              <a:t> predicted variable with the fit line</a:t>
+            </a:r>
+          </a:p>
+          <a:p>
+            <a:r>
+              <a:rPr lang="en-US" dirty="0" smtClean="0"/>
+              <a:t>Then for a single feature apply more advanced regression models and do cross validation.</a:t>
             </a:r>
             <a:endParaRPr lang="en-US" dirty="0"/>
           </a:p>
-        </p:txBody>
-      </p:sp>
-      <p:pic>
-        <p:nvPicPr>
-          <p:cNvPr id="4" name="Picture 3"/>
-          <p:cNvPicPr>
-            <a:picLocks noChangeAspect="1"/>
-          </p:cNvPicPr>
-          <p:nvPr/>
-        </p:nvPicPr>
-        <p:blipFill>
-          <a:blip r:embed="rId2"/>
-          <a:stretch>
-            <a:fillRect/>
-          </a:stretch>
-        </p:blipFill>
-        <p:spPr>
-          <a:xfrm>
-            <a:off x="1386396" y="943996"/>
-            <a:ext cx="6311900" cy="4876800"/>
-          </a:xfrm>
-          <a:prstGeom prst="rect">
-            <a:avLst/>
-          </a:prstGeom>
-        </p:spPr>
-      </p:pic>
-      <p:sp>
-        <p:nvSpPr>
-          <p:cNvPr id="5" name="TextBox 4"/>
-          <p:cNvSpPr txBox="1"/>
-          <p:nvPr/>
-        </p:nvSpPr>
-        <p:spPr>
-          <a:xfrm>
-            <a:off x="4919512" y="2723177"/>
-            <a:ext cx="1975083" cy="369332"/>
-          </a:xfrm>
-          <a:prstGeom prst="rect">
-            <a:avLst/>
-          </a:prstGeom>
-          <a:noFill/>
-        </p:spPr>
-        <p:txBody>
-          <a:bodyPr wrap="none" rtlCol="0">
-            <a:spAutoFit/>
-          </a:bodyPr>
-          <a:lstStyle/>
-          <a:p>
-            <a:r>
-              <a:rPr lang="en-US" dirty="0" smtClean="0"/>
-              <a:t>P-value = 0.000127</a:t>
-            </a:r>
-            <a:endParaRPr lang="en-US" dirty="0"/>
+          <a:p>
+            <a:endParaRPr lang="en-US" dirty="0" smtClean="0"/>
           </a:p>
         </p:txBody>
       </p:sp>
     </p:spTree>
     <p:extLst>
       <p:ext uri="{BB962C8B-B14F-4D97-AF65-F5344CB8AC3E}">
-        <p14:creationId xmlns:p14="http://schemas.microsoft.com/office/powerpoint/2010/main" val="1564530445"/>
+        <p14:creationId xmlns:p14="http://schemas.microsoft.com/office/powerpoint/2010/main" val="2431064533"/>
       </p:ext>
     </p:extLst>
   </p:cSld>
   <p:clrMapOvr>
     <a:masterClrMapping/>
   </p:clrMapOvr>
+  <p:timing>
+    <p:tnLst>
+      <p:par>
+        <p:cTn xmlns:p14="http://schemas.microsoft.com/office/powerpoint/2010/main" id="1" dur="indefinite" restart="never" nodeType="tmRoot"/>
+      </p:par>
+    </p:tnLst>
+  </p:timing>
 </p:sld>
 </file>
 
@@ -3443,34 +4247,950 @@
           <a:chExt cx="0" cy="0"/>
         </a:xfrm>
       </p:grpSpPr>
+      <p:sp>
+        <p:nvSpPr>
+          <p:cNvPr id="2" name="Title 1"/>
+          <p:cNvSpPr>
+            <a:spLocks noGrp="1"/>
+          </p:cNvSpPr>
+          <p:nvPr>
+            <p:ph type="title"/>
+          </p:nvPr>
+        </p:nvSpPr>
+        <p:spPr>
+          <a:xfrm>
+            <a:off x="457200" y="41058"/>
+            <a:ext cx="8229600" cy="890450"/>
+          </a:xfrm>
+        </p:spPr>
+        <p:txBody>
+          <a:bodyPr/>
+          <a:lstStyle/>
+          <a:p>
+            <a:r>
+              <a:rPr lang="en-US" dirty="0" smtClean="0"/>
+              <a:t>Population Density</a:t>
+            </a:r>
+            <a:endParaRPr lang="en-US" dirty="0"/>
+          </a:p>
+        </p:txBody>
+      </p:sp>
+      <p:sp>
+        <p:nvSpPr>
+          <p:cNvPr id="3" name="Content Placeholder 2"/>
+          <p:cNvSpPr>
+            <a:spLocks noGrp="1"/>
+          </p:cNvSpPr>
+          <p:nvPr>
+            <p:ph idx="1"/>
+          </p:nvPr>
+        </p:nvSpPr>
+        <p:spPr>
+          <a:xfrm>
+            <a:off x="-145504" y="5715937"/>
+            <a:ext cx="8832304" cy="834036"/>
+          </a:xfrm>
+        </p:spPr>
+        <p:txBody>
+          <a:bodyPr/>
+          <a:lstStyle/>
+          <a:p>
+            <a:pPr marL="0" indent="0" algn="ctr">
+              <a:buNone/>
+            </a:pPr>
+            <a:r>
+              <a:rPr lang="en-US" dirty="0" smtClean="0">
+                <a:solidFill>
+                  <a:srgbClr val="FF0000"/>
+                </a:solidFill>
+              </a:rPr>
+              <a:t>Weak positive correlation</a:t>
+            </a:r>
+            <a:endParaRPr lang="en-US" dirty="0">
+              <a:solidFill>
+                <a:srgbClr val="FF0000"/>
+              </a:solidFill>
+            </a:endParaRPr>
+          </a:p>
+        </p:txBody>
+      </p:sp>
       <p:pic>
         <p:nvPicPr>
-          <p:cNvPr id="4" name="Content Placeholder 3" descr="incarceration.png"/>
+          <p:cNvPr id="5" name="Picture 4"/>
           <p:cNvPicPr>
-            <a:picLocks noGrp="1" noChangeAspect="1"/>
+            <a:picLocks noChangeAspect="1"/>
           </p:cNvPicPr>
+          <p:nvPr/>
+        </p:nvPicPr>
+        <p:blipFill>
+          <a:blip r:embed="rId2"/>
+          <a:stretch>
+            <a:fillRect/>
+          </a:stretch>
+        </p:blipFill>
+        <p:spPr>
+          <a:xfrm>
+            <a:off x="1087943" y="955930"/>
+            <a:ext cx="6375400" cy="4876800"/>
+          </a:xfrm>
+          <a:prstGeom prst="rect">
+            <a:avLst/>
+          </a:prstGeom>
+        </p:spPr>
+      </p:pic>
+    </p:spTree>
+    <p:extLst>
+      <p:ext uri="{BB962C8B-B14F-4D97-AF65-F5344CB8AC3E}">
+        <p14:creationId xmlns:p14="http://schemas.microsoft.com/office/powerpoint/2010/main" val="1904526405"/>
+      </p:ext>
+    </p:extLst>
+  </p:cSld>
+  <p:clrMapOvr>
+    <a:masterClrMapping/>
+  </p:clrMapOvr>
+  <p:timing>
+    <p:tnLst>
+      <p:par>
+        <p:cTn xmlns:p14="http://schemas.microsoft.com/office/powerpoint/2010/main" id="1" dur="indefinite" restart="never" nodeType="tmRoot"/>
+      </p:par>
+    </p:tnLst>
+  </p:timing>
+</p:sld>
+</file>
+
+<file path=ppt/slides/slide13.xml><?xml version="1.0" encoding="utf-8"?>
+<p:sld xmlns:a="http://schemas.openxmlformats.org/drawingml/2006/main" xmlns:r="http://schemas.openxmlformats.org/officeDocument/2006/relationships" xmlns:p="http://schemas.openxmlformats.org/presentationml/2006/main">
+  <p:cSld>
+    <p:spTree>
+      <p:nvGrpSpPr>
+        <p:cNvPr id="1" name=""/>
+        <p:cNvGrpSpPr/>
+        <p:nvPr/>
+      </p:nvGrpSpPr>
+      <p:grpSpPr>
+        <a:xfrm>
+          <a:off x="0" y="0"/>
+          <a:ext cx="0" cy="0"/>
+          <a:chOff x="0" y="0"/>
+          <a:chExt cx="0" cy="0"/>
+        </a:xfrm>
+      </p:grpSpPr>
+      <p:sp>
+        <p:nvSpPr>
+          <p:cNvPr id="2" name="Title 1"/>
+          <p:cNvSpPr>
+            <a:spLocks noGrp="1"/>
+          </p:cNvSpPr>
+          <p:nvPr>
+            <p:ph type="title"/>
+          </p:nvPr>
+        </p:nvSpPr>
+        <p:spPr>
+          <a:xfrm>
+            <a:off x="457200" y="111524"/>
+            <a:ext cx="8229600" cy="704037"/>
+          </a:xfrm>
+        </p:spPr>
+        <p:txBody>
+          <a:bodyPr>
+            <a:normAutofit fontScale="90000"/>
+          </a:bodyPr>
+          <a:lstStyle/>
+          <a:p>
+            <a:r>
+              <a:rPr lang="en-US" dirty="0" smtClean="0"/>
+              <a:t>Median Household Income</a:t>
+            </a:r>
+            <a:endParaRPr lang="en-US" dirty="0"/>
+          </a:p>
+        </p:txBody>
+      </p:sp>
+      <p:sp>
+        <p:nvSpPr>
+          <p:cNvPr id="5" name="Content Placeholder 2"/>
+          <p:cNvSpPr txBox="1">
+            <a:spLocks/>
+          </p:cNvSpPr>
+          <p:nvPr/>
+        </p:nvSpPr>
+        <p:spPr>
+          <a:xfrm>
+            <a:off x="387288" y="5697278"/>
+            <a:ext cx="8832304" cy="834036"/>
+          </a:xfrm>
+          <a:prstGeom prst="rect">
+            <a:avLst/>
+          </a:prstGeom>
+        </p:spPr>
+        <p:txBody>
+          <a:bodyPr vert="horz" lIns="91440" tIns="45720" rIns="91440" bIns="45720" rtlCol="0">
+            <a:normAutofit/>
+          </a:bodyPr>
+          <a:lstStyle>
+            <a:lvl1pPr marL="342900" indent="-342900" algn="l" defTabSz="457200" rtl="0" eaLnBrk="1" latinLnBrk="0" hangingPunct="1">
+              <a:spcBef>
+                <a:spcPct val="20000"/>
+              </a:spcBef>
+              <a:buFont typeface="Arial"/>
+              <a:buChar char="•"/>
+              <a:defRPr sz="3200" kern="1200">
+                <a:solidFill>
+                  <a:schemeClr val="tx1"/>
+                </a:solidFill>
+                <a:latin typeface="+mn-lt"/>
+                <a:ea typeface="+mn-ea"/>
+                <a:cs typeface="+mn-cs"/>
+              </a:defRPr>
+            </a:lvl1pPr>
+            <a:lvl2pPr marL="742950" indent="-285750" algn="l" defTabSz="457200" rtl="0" eaLnBrk="1" latinLnBrk="0" hangingPunct="1">
+              <a:spcBef>
+                <a:spcPct val="20000"/>
+              </a:spcBef>
+              <a:buFont typeface="Arial"/>
+              <a:buChar char="–"/>
+              <a:defRPr sz="2800" kern="1200">
+                <a:solidFill>
+                  <a:schemeClr val="tx1"/>
+                </a:solidFill>
+                <a:latin typeface="+mn-lt"/>
+                <a:ea typeface="+mn-ea"/>
+                <a:cs typeface="+mn-cs"/>
+              </a:defRPr>
+            </a:lvl2pPr>
+            <a:lvl3pPr marL="1143000" indent="-228600" algn="l" defTabSz="457200" rtl="0" eaLnBrk="1" latinLnBrk="0" hangingPunct="1">
+              <a:spcBef>
+                <a:spcPct val="20000"/>
+              </a:spcBef>
+              <a:buFont typeface="Arial"/>
+              <a:buChar char="•"/>
+              <a:defRPr sz="2400" kern="1200">
+                <a:solidFill>
+                  <a:schemeClr val="tx1"/>
+                </a:solidFill>
+                <a:latin typeface="+mn-lt"/>
+                <a:ea typeface="+mn-ea"/>
+                <a:cs typeface="+mn-cs"/>
+              </a:defRPr>
+            </a:lvl3pPr>
+            <a:lvl4pPr marL="1600200" indent="-228600" algn="l" defTabSz="457200" rtl="0" eaLnBrk="1" latinLnBrk="0" hangingPunct="1">
+              <a:spcBef>
+                <a:spcPct val="20000"/>
+              </a:spcBef>
+              <a:buFont typeface="Arial"/>
+              <a:buChar char="–"/>
+              <a:defRPr sz="2000" kern="1200">
+                <a:solidFill>
+                  <a:schemeClr val="tx1"/>
+                </a:solidFill>
+                <a:latin typeface="+mn-lt"/>
+                <a:ea typeface="+mn-ea"/>
+                <a:cs typeface="+mn-cs"/>
+              </a:defRPr>
+            </a:lvl4pPr>
+            <a:lvl5pPr marL="2057400" indent="-228600" algn="l" defTabSz="457200" rtl="0" eaLnBrk="1" latinLnBrk="0" hangingPunct="1">
+              <a:spcBef>
+                <a:spcPct val="20000"/>
+              </a:spcBef>
+              <a:buFont typeface="Arial"/>
+              <a:buChar char="»"/>
+              <a:defRPr sz="2000" kern="1200">
+                <a:solidFill>
+                  <a:schemeClr val="tx1"/>
+                </a:solidFill>
+                <a:latin typeface="+mn-lt"/>
+                <a:ea typeface="+mn-ea"/>
+                <a:cs typeface="+mn-cs"/>
+              </a:defRPr>
+            </a:lvl5pPr>
+            <a:lvl6pPr marL="2514600" indent="-228600" algn="l" defTabSz="457200" rtl="0" eaLnBrk="1" latinLnBrk="0" hangingPunct="1">
+              <a:spcBef>
+                <a:spcPct val="20000"/>
+              </a:spcBef>
+              <a:buFont typeface="Arial"/>
+              <a:buChar char="•"/>
+              <a:defRPr sz="2000" kern="1200">
+                <a:solidFill>
+                  <a:schemeClr val="tx1"/>
+                </a:solidFill>
+                <a:latin typeface="+mn-lt"/>
+                <a:ea typeface="+mn-ea"/>
+                <a:cs typeface="+mn-cs"/>
+              </a:defRPr>
+            </a:lvl6pPr>
+            <a:lvl7pPr marL="2971800" indent="-228600" algn="l" defTabSz="457200" rtl="0" eaLnBrk="1" latinLnBrk="0" hangingPunct="1">
+              <a:spcBef>
+                <a:spcPct val="20000"/>
+              </a:spcBef>
+              <a:buFont typeface="Arial"/>
+              <a:buChar char="•"/>
+              <a:defRPr sz="2000" kern="1200">
+                <a:solidFill>
+                  <a:schemeClr val="tx1"/>
+                </a:solidFill>
+                <a:latin typeface="+mn-lt"/>
+                <a:ea typeface="+mn-ea"/>
+                <a:cs typeface="+mn-cs"/>
+              </a:defRPr>
+            </a:lvl7pPr>
+            <a:lvl8pPr marL="3429000" indent="-228600" algn="l" defTabSz="457200" rtl="0" eaLnBrk="1" latinLnBrk="0" hangingPunct="1">
+              <a:spcBef>
+                <a:spcPct val="20000"/>
+              </a:spcBef>
+              <a:buFont typeface="Arial"/>
+              <a:buChar char="•"/>
+              <a:defRPr sz="2000" kern="1200">
+                <a:solidFill>
+                  <a:schemeClr val="tx1"/>
+                </a:solidFill>
+                <a:latin typeface="+mn-lt"/>
+                <a:ea typeface="+mn-ea"/>
+                <a:cs typeface="+mn-cs"/>
+              </a:defRPr>
+            </a:lvl8pPr>
+            <a:lvl9pPr marL="3886200" indent="-228600" algn="l" defTabSz="457200" rtl="0" eaLnBrk="1" latinLnBrk="0" hangingPunct="1">
+              <a:spcBef>
+                <a:spcPct val="20000"/>
+              </a:spcBef>
+              <a:buFont typeface="Arial"/>
+              <a:buChar char="•"/>
+              <a:defRPr sz="2000" kern="1200">
+                <a:solidFill>
+                  <a:schemeClr val="tx1"/>
+                </a:solidFill>
+                <a:latin typeface="+mn-lt"/>
+                <a:ea typeface="+mn-ea"/>
+                <a:cs typeface="+mn-cs"/>
+              </a:defRPr>
+            </a:lvl9pPr>
+          </a:lstStyle>
+          <a:p>
+            <a:pPr marL="0" indent="0" algn="ctr">
+              <a:buNone/>
+            </a:pPr>
+            <a:r>
+              <a:rPr lang="en-US" dirty="0" smtClean="0">
+                <a:solidFill>
+                  <a:srgbClr val="FF0000"/>
+                </a:solidFill>
+              </a:rPr>
+              <a:t>Moderate </a:t>
+            </a:r>
+            <a:r>
+              <a:rPr lang="en-US" dirty="0" smtClean="0">
+                <a:solidFill>
+                  <a:srgbClr val="FF0000"/>
+                </a:solidFill>
+              </a:rPr>
+              <a:t>negative </a:t>
+            </a:r>
+            <a:r>
+              <a:rPr lang="en-US" dirty="0" smtClean="0">
+                <a:solidFill>
+                  <a:srgbClr val="FF0000"/>
+                </a:solidFill>
+              </a:rPr>
+              <a:t>correlation</a:t>
+            </a:r>
+            <a:endParaRPr lang="en-US" dirty="0">
+              <a:solidFill>
+                <a:srgbClr val="FF0000"/>
+              </a:solidFill>
+            </a:endParaRPr>
+          </a:p>
+        </p:txBody>
+      </p:sp>
+      <p:pic>
+        <p:nvPicPr>
+          <p:cNvPr id="7" name="Picture 6"/>
+          <p:cNvPicPr>
+            <a:picLocks noChangeAspect="1"/>
+          </p:cNvPicPr>
+          <p:nvPr/>
+        </p:nvPicPr>
+        <p:blipFill>
+          <a:blip r:embed="rId2"/>
+          <a:stretch>
+            <a:fillRect/>
+          </a:stretch>
+        </p:blipFill>
+        <p:spPr>
+          <a:xfrm>
+            <a:off x="983201" y="815560"/>
+            <a:ext cx="6609610" cy="4881717"/>
+          </a:xfrm>
+          <a:prstGeom prst="rect">
+            <a:avLst/>
+          </a:prstGeom>
+        </p:spPr>
+      </p:pic>
+    </p:spTree>
+    <p:extLst>
+      <p:ext uri="{BB962C8B-B14F-4D97-AF65-F5344CB8AC3E}">
+        <p14:creationId xmlns:p14="http://schemas.microsoft.com/office/powerpoint/2010/main" val="2615722970"/>
+      </p:ext>
+    </p:extLst>
+  </p:cSld>
+  <p:clrMapOvr>
+    <a:masterClrMapping/>
+  </p:clrMapOvr>
+  <p:timing>
+    <p:tnLst>
+      <p:par>
+        <p:cTn xmlns:p14="http://schemas.microsoft.com/office/powerpoint/2010/main" id="1" dur="indefinite" restart="never" nodeType="tmRoot"/>
+      </p:par>
+    </p:tnLst>
+  </p:timing>
+</p:sld>
+</file>
+
+<file path=ppt/slides/slide14.xml><?xml version="1.0" encoding="utf-8"?>
+<p:sld xmlns:a="http://schemas.openxmlformats.org/drawingml/2006/main" xmlns:r="http://schemas.openxmlformats.org/officeDocument/2006/relationships" xmlns:p="http://schemas.openxmlformats.org/presentationml/2006/main">
+  <p:cSld>
+    <p:spTree>
+      <p:nvGrpSpPr>
+        <p:cNvPr id="1" name=""/>
+        <p:cNvGrpSpPr/>
+        <p:nvPr/>
+      </p:nvGrpSpPr>
+      <p:grpSpPr>
+        <a:xfrm>
+          <a:off x="0" y="0"/>
+          <a:ext cx="0" cy="0"/>
+          <a:chOff x="0" y="0"/>
+          <a:chExt cx="0" cy="0"/>
+        </a:xfrm>
+      </p:grpSpPr>
+      <p:sp>
+        <p:nvSpPr>
+          <p:cNvPr id="2" name="Title 1"/>
+          <p:cNvSpPr>
+            <a:spLocks noGrp="1"/>
+          </p:cNvSpPr>
+          <p:nvPr>
+            <p:ph type="title"/>
+          </p:nvPr>
+        </p:nvSpPr>
+        <p:spPr>
+          <a:xfrm>
+            <a:off x="457200" y="-11657"/>
+            <a:ext cx="8229600" cy="788490"/>
+          </a:xfrm>
+        </p:spPr>
+        <p:txBody>
+          <a:bodyPr/>
+          <a:lstStyle/>
+          <a:p>
+            <a:r>
+              <a:rPr lang="en-US" dirty="0" smtClean="0"/>
+              <a:t>Suicide Rate</a:t>
+            </a:r>
+            <a:endParaRPr lang="en-US" dirty="0"/>
+          </a:p>
+        </p:txBody>
+      </p:sp>
+      <p:sp>
+        <p:nvSpPr>
+          <p:cNvPr id="5" name="Content Placeholder 2"/>
+          <p:cNvSpPr txBox="1">
+            <a:spLocks/>
+          </p:cNvSpPr>
+          <p:nvPr/>
+        </p:nvSpPr>
+        <p:spPr>
+          <a:xfrm>
+            <a:off x="116521" y="5939747"/>
+            <a:ext cx="8913871" cy="638596"/>
+          </a:xfrm>
+          <a:prstGeom prst="rect">
+            <a:avLst/>
+          </a:prstGeom>
+        </p:spPr>
+        <p:txBody>
+          <a:bodyPr vert="horz" lIns="91440" tIns="45720" rIns="91440" bIns="45720" rtlCol="0">
+            <a:normAutofit/>
+          </a:bodyPr>
+          <a:lstStyle>
+            <a:lvl1pPr marL="342900" indent="-342900" algn="l" defTabSz="457200" rtl="0" eaLnBrk="1" latinLnBrk="0" hangingPunct="1">
+              <a:spcBef>
+                <a:spcPct val="20000"/>
+              </a:spcBef>
+              <a:buFont typeface="Arial"/>
+              <a:buChar char="•"/>
+              <a:defRPr sz="3200" kern="1200">
+                <a:solidFill>
+                  <a:schemeClr val="tx1"/>
+                </a:solidFill>
+                <a:latin typeface="+mn-lt"/>
+                <a:ea typeface="+mn-ea"/>
+                <a:cs typeface="+mn-cs"/>
+              </a:defRPr>
+            </a:lvl1pPr>
+            <a:lvl2pPr marL="742950" indent="-285750" algn="l" defTabSz="457200" rtl="0" eaLnBrk="1" latinLnBrk="0" hangingPunct="1">
+              <a:spcBef>
+                <a:spcPct val="20000"/>
+              </a:spcBef>
+              <a:buFont typeface="Arial"/>
+              <a:buChar char="–"/>
+              <a:defRPr sz="2800" kern="1200">
+                <a:solidFill>
+                  <a:schemeClr val="tx1"/>
+                </a:solidFill>
+                <a:latin typeface="+mn-lt"/>
+                <a:ea typeface="+mn-ea"/>
+                <a:cs typeface="+mn-cs"/>
+              </a:defRPr>
+            </a:lvl2pPr>
+            <a:lvl3pPr marL="1143000" indent="-228600" algn="l" defTabSz="457200" rtl="0" eaLnBrk="1" latinLnBrk="0" hangingPunct="1">
+              <a:spcBef>
+                <a:spcPct val="20000"/>
+              </a:spcBef>
+              <a:buFont typeface="Arial"/>
+              <a:buChar char="•"/>
+              <a:defRPr sz="2400" kern="1200">
+                <a:solidFill>
+                  <a:schemeClr val="tx1"/>
+                </a:solidFill>
+                <a:latin typeface="+mn-lt"/>
+                <a:ea typeface="+mn-ea"/>
+                <a:cs typeface="+mn-cs"/>
+              </a:defRPr>
+            </a:lvl3pPr>
+            <a:lvl4pPr marL="1600200" indent="-228600" algn="l" defTabSz="457200" rtl="0" eaLnBrk="1" latinLnBrk="0" hangingPunct="1">
+              <a:spcBef>
+                <a:spcPct val="20000"/>
+              </a:spcBef>
+              <a:buFont typeface="Arial"/>
+              <a:buChar char="–"/>
+              <a:defRPr sz="2000" kern="1200">
+                <a:solidFill>
+                  <a:schemeClr val="tx1"/>
+                </a:solidFill>
+                <a:latin typeface="+mn-lt"/>
+                <a:ea typeface="+mn-ea"/>
+                <a:cs typeface="+mn-cs"/>
+              </a:defRPr>
+            </a:lvl4pPr>
+            <a:lvl5pPr marL="2057400" indent="-228600" algn="l" defTabSz="457200" rtl="0" eaLnBrk="1" latinLnBrk="0" hangingPunct="1">
+              <a:spcBef>
+                <a:spcPct val="20000"/>
+              </a:spcBef>
+              <a:buFont typeface="Arial"/>
+              <a:buChar char="»"/>
+              <a:defRPr sz="2000" kern="1200">
+                <a:solidFill>
+                  <a:schemeClr val="tx1"/>
+                </a:solidFill>
+                <a:latin typeface="+mn-lt"/>
+                <a:ea typeface="+mn-ea"/>
+                <a:cs typeface="+mn-cs"/>
+              </a:defRPr>
+            </a:lvl5pPr>
+            <a:lvl6pPr marL="2514600" indent="-228600" algn="l" defTabSz="457200" rtl="0" eaLnBrk="1" latinLnBrk="0" hangingPunct="1">
+              <a:spcBef>
+                <a:spcPct val="20000"/>
+              </a:spcBef>
+              <a:buFont typeface="Arial"/>
+              <a:buChar char="•"/>
+              <a:defRPr sz="2000" kern="1200">
+                <a:solidFill>
+                  <a:schemeClr val="tx1"/>
+                </a:solidFill>
+                <a:latin typeface="+mn-lt"/>
+                <a:ea typeface="+mn-ea"/>
+                <a:cs typeface="+mn-cs"/>
+              </a:defRPr>
+            </a:lvl6pPr>
+            <a:lvl7pPr marL="2971800" indent="-228600" algn="l" defTabSz="457200" rtl="0" eaLnBrk="1" latinLnBrk="0" hangingPunct="1">
+              <a:spcBef>
+                <a:spcPct val="20000"/>
+              </a:spcBef>
+              <a:buFont typeface="Arial"/>
+              <a:buChar char="•"/>
+              <a:defRPr sz="2000" kern="1200">
+                <a:solidFill>
+                  <a:schemeClr val="tx1"/>
+                </a:solidFill>
+                <a:latin typeface="+mn-lt"/>
+                <a:ea typeface="+mn-ea"/>
+                <a:cs typeface="+mn-cs"/>
+              </a:defRPr>
+            </a:lvl7pPr>
+            <a:lvl8pPr marL="3429000" indent="-228600" algn="l" defTabSz="457200" rtl="0" eaLnBrk="1" latinLnBrk="0" hangingPunct="1">
+              <a:spcBef>
+                <a:spcPct val="20000"/>
+              </a:spcBef>
+              <a:buFont typeface="Arial"/>
+              <a:buChar char="•"/>
+              <a:defRPr sz="2000" kern="1200">
+                <a:solidFill>
+                  <a:schemeClr val="tx1"/>
+                </a:solidFill>
+                <a:latin typeface="+mn-lt"/>
+                <a:ea typeface="+mn-ea"/>
+                <a:cs typeface="+mn-cs"/>
+              </a:defRPr>
+            </a:lvl8pPr>
+            <a:lvl9pPr marL="3886200" indent="-228600" algn="l" defTabSz="457200" rtl="0" eaLnBrk="1" latinLnBrk="0" hangingPunct="1">
+              <a:spcBef>
+                <a:spcPct val="20000"/>
+              </a:spcBef>
+              <a:buFont typeface="Arial"/>
+              <a:buChar char="•"/>
+              <a:defRPr sz="2000" kern="1200">
+                <a:solidFill>
+                  <a:schemeClr val="tx1"/>
+                </a:solidFill>
+                <a:latin typeface="+mn-lt"/>
+                <a:ea typeface="+mn-ea"/>
+                <a:cs typeface="+mn-cs"/>
+              </a:defRPr>
+            </a:lvl9pPr>
+          </a:lstStyle>
+          <a:p>
+            <a:pPr marL="0" indent="0" algn="ctr">
+              <a:buNone/>
+            </a:pPr>
+            <a:r>
+              <a:rPr lang="en-US" dirty="0" smtClean="0">
+                <a:solidFill>
+                  <a:srgbClr val="FF0000"/>
+                </a:solidFill>
+              </a:rPr>
+              <a:t>Weak </a:t>
+            </a:r>
+            <a:r>
+              <a:rPr lang="en-US" dirty="0" smtClean="0">
+                <a:solidFill>
+                  <a:srgbClr val="FF0000"/>
+                </a:solidFill>
+              </a:rPr>
+              <a:t>negative (or no) correlation</a:t>
+            </a:r>
+            <a:endParaRPr lang="en-US" dirty="0">
+              <a:solidFill>
+                <a:srgbClr val="FF0000"/>
+              </a:solidFill>
+            </a:endParaRPr>
+          </a:p>
+        </p:txBody>
+      </p:sp>
+      <p:pic>
+        <p:nvPicPr>
+          <p:cNvPr id="7" name="Picture 6"/>
+          <p:cNvPicPr>
+            <a:picLocks noChangeAspect="1"/>
+          </p:cNvPicPr>
+          <p:nvPr/>
+        </p:nvPicPr>
+        <p:blipFill>
+          <a:blip r:embed="rId2"/>
+          <a:stretch>
+            <a:fillRect/>
+          </a:stretch>
+        </p:blipFill>
+        <p:spPr>
+          <a:xfrm>
+            <a:off x="789754" y="878772"/>
+            <a:ext cx="6720844" cy="5079911"/>
+          </a:xfrm>
+          <a:prstGeom prst="rect">
+            <a:avLst/>
+          </a:prstGeom>
+        </p:spPr>
+      </p:pic>
+    </p:spTree>
+    <p:extLst>
+      <p:ext uri="{BB962C8B-B14F-4D97-AF65-F5344CB8AC3E}">
+        <p14:creationId xmlns:p14="http://schemas.microsoft.com/office/powerpoint/2010/main" val="3179471850"/>
+      </p:ext>
+    </p:extLst>
+  </p:cSld>
+  <p:clrMapOvr>
+    <a:masterClrMapping/>
+  </p:clrMapOvr>
+  <p:timing>
+    <p:tnLst>
+      <p:par>
+        <p:cTn xmlns:p14="http://schemas.microsoft.com/office/powerpoint/2010/main" id="1" dur="indefinite" restart="never" nodeType="tmRoot"/>
+      </p:par>
+    </p:tnLst>
+  </p:timing>
+</p:sld>
+</file>
+
+<file path=ppt/slides/slide15.xml><?xml version="1.0" encoding="utf-8"?>
+<p:sld xmlns:a="http://schemas.openxmlformats.org/drawingml/2006/main" xmlns:r="http://schemas.openxmlformats.org/officeDocument/2006/relationships" xmlns:p="http://schemas.openxmlformats.org/presentationml/2006/main">
+  <p:cSld>
+    <p:spTree>
+      <p:nvGrpSpPr>
+        <p:cNvPr id="1" name=""/>
+        <p:cNvGrpSpPr/>
+        <p:nvPr/>
+      </p:nvGrpSpPr>
+      <p:grpSpPr>
+        <a:xfrm>
+          <a:off x="0" y="0"/>
+          <a:ext cx="0" cy="0"/>
+          <a:chOff x="0" y="0"/>
+          <a:chExt cx="0" cy="0"/>
+        </a:xfrm>
+      </p:grpSpPr>
+      <p:sp>
+        <p:nvSpPr>
+          <p:cNvPr id="2" name="Title 1"/>
+          <p:cNvSpPr>
+            <a:spLocks noGrp="1"/>
+          </p:cNvSpPr>
+          <p:nvPr>
+            <p:ph type="title"/>
+          </p:nvPr>
+        </p:nvSpPr>
+        <p:spPr>
+          <a:xfrm>
+            <a:off x="433896" y="81551"/>
+            <a:ext cx="8229600" cy="788490"/>
+          </a:xfrm>
+        </p:spPr>
+        <p:txBody>
+          <a:bodyPr/>
+          <a:lstStyle/>
+          <a:p>
+            <a:r>
+              <a:rPr lang="en-US" dirty="0" smtClean="0"/>
+              <a:t>Gun Ownership</a:t>
+            </a:r>
+            <a:endParaRPr lang="en-US" dirty="0"/>
+          </a:p>
+        </p:txBody>
+      </p:sp>
+      <p:sp>
+        <p:nvSpPr>
+          <p:cNvPr id="3" name="Content Placeholder 2"/>
+          <p:cNvSpPr>
+            <a:spLocks noGrp="1"/>
+          </p:cNvSpPr>
           <p:nvPr>
             <p:ph idx="1"/>
           </p:nvPr>
+        </p:nvSpPr>
+        <p:spPr>
+          <a:xfrm>
+            <a:off x="457200" y="5837097"/>
+            <a:ext cx="8229600" cy="801710"/>
+          </a:xfrm>
+        </p:spPr>
+        <p:txBody>
+          <a:bodyPr/>
+          <a:lstStyle/>
+          <a:p>
+            <a:pPr marL="0" indent="0">
+              <a:buNone/>
+            </a:pPr>
+            <a:r>
+              <a:rPr lang="en-US" dirty="0" smtClean="0">
+                <a:solidFill>
+                  <a:srgbClr val="FF0000"/>
+                </a:solidFill>
+              </a:rPr>
+              <a:t>Weak negative correlation (or uncorrelated)</a:t>
+            </a:r>
+            <a:endParaRPr lang="en-US" dirty="0">
+              <a:solidFill>
+                <a:srgbClr val="FF0000"/>
+              </a:solidFill>
+            </a:endParaRPr>
+          </a:p>
+        </p:txBody>
+      </p:sp>
+      <p:pic>
+        <p:nvPicPr>
+          <p:cNvPr id="5" name="Picture 4"/>
+          <p:cNvPicPr>
+            <a:picLocks noChangeAspect="1"/>
+          </p:cNvPicPr>
+          <p:nvPr/>
         </p:nvPicPr>
-        <p:blipFill rotWithShape="1">
-          <a:blip r:embed="rId2">
-            <a:extLst>
-              <a:ext uri="{28A0092B-C50C-407E-A947-70E740481C1C}">
-                <a14:useLocalDpi xmlns:a14="http://schemas.microsoft.com/office/drawing/2010/main" val="0"/>
-              </a:ext>
-            </a:extLst>
-          </a:blip>
-          <a:srcRect t="-2013" b="1109"/>
-          <a:stretch/>
+        <p:blipFill>
+          <a:blip r:embed="rId2"/>
+          <a:stretch>
+            <a:fillRect/>
+          </a:stretch>
         </p:blipFill>
         <p:spPr>
           <a:xfrm>
-            <a:off x="803998" y="853057"/>
-            <a:ext cx="7638110" cy="5298610"/>
-          </a:xfrm>
+            <a:off x="936300" y="964249"/>
+            <a:ext cx="6293413" cy="4756839"/>
+          </a:xfrm>
+          <a:prstGeom prst="rect">
+            <a:avLst/>
+          </a:prstGeom>
         </p:spPr>
       </p:pic>
+    </p:spTree>
+    <p:extLst>
+      <p:ext uri="{BB962C8B-B14F-4D97-AF65-F5344CB8AC3E}">
+        <p14:creationId xmlns:p14="http://schemas.microsoft.com/office/powerpoint/2010/main" val="3745180755"/>
+      </p:ext>
+    </p:extLst>
+  </p:cSld>
+  <p:clrMapOvr>
+    <a:masterClrMapping/>
+  </p:clrMapOvr>
+  <p:timing>
+    <p:tnLst>
+      <p:par>
+        <p:cTn xmlns:p14="http://schemas.microsoft.com/office/powerpoint/2010/main" id="1" dur="indefinite" restart="never" nodeType="tmRoot"/>
+      </p:par>
+    </p:tnLst>
+  </p:timing>
+</p:sld>
+</file>
+
+<file path=ppt/slides/slide16.xml><?xml version="1.0" encoding="utf-8"?>
+<p:sld xmlns:a="http://schemas.openxmlformats.org/drawingml/2006/main" xmlns:r="http://schemas.openxmlformats.org/officeDocument/2006/relationships" xmlns:p="http://schemas.openxmlformats.org/presentationml/2006/main">
+  <p:cSld>
+    <p:spTree>
+      <p:nvGrpSpPr>
+        <p:cNvPr id="1" name=""/>
+        <p:cNvGrpSpPr/>
+        <p:nvPr/>
+      </p:nvGrpSpPr>
+      <p:grpSpPr>
+        <a:xfrm>
+          <a:off x="0" y="0"/>
+          <a:ext cx="0" cy="0"/>
+          <a:chOff x="0" y="0"/>
+          <a:chExt cx="0" cy="0"/>
+        </a:xfrm>
+      </p:grpSpPr>
+      <p:sp>
+        <p:nvSpPr>
+          <p:cNvPr id="2" name="Title 1"/>
+          <p:cNvSpPr>
+            <a:spLocks noGrp="1"/>
+          </p:cNvSpPr>
+          <p:nvPr>
+            <p:ph type="title"/>
+          </p:nvPr>
+        </p:nvSpPr>
+        <p:spPr>
+          <a:xfrm>
+            <a:off x="457200" y="76571"/>
+            <a:ext cx="8229600" cy="773941"/>
+          </a:xfrm>
+        </p:spPr>
+        <p:txBody>
+          <a:bodyPr/>
+          <a:lstStyle/>
+          <a:p>
+            <a:r>
+              <a:rPr lang="en-US" dirty="0" smtClean="0"/>
+              <a:t>Poverty Rate</a:t>
+            </a:r>
+            <a:endParaRPr lang="en-US" dirty="0"/>
+          </a:p>
+        </p:txBody>
+      </p:sp>
+      <p:sp>
+        <p:nvSpPr>
+          <p:cNvPr id="3" name="Content Placeholder 2"/>
+          <p:cNvSpPr>
+            <a:spLocks noGrp="1"/>
+          </p:cNvSpPr>
+          <p:nvPr>
+            <p:ph idx="1"/>
+          </p:nvPr>
+        </p:nvSpPr>
+        <p:spPr>
+          <a:xfrm>
+            <a:off x="457200" y="5860398"/>
+            <a:ext cx="8229600" cy="603644"/>
+          </a:xfrm>
+        </p:spPr>
+        <p:txBody>
+          <a:bodyPr/>
+          <a:lstStyle/>
+          <a:p>
+            <a:pPr marL="0" indent="0" algn="ctr">
+              <a:buNone/>
+            </a:pPr>
+            <a:r>
+              <a:rPr lang="en-US" dirty="0" smtClean="0">
+                <a:solidFill>
+                  <a:srgbClr val="FF0000"/>
+                </a:solidFill>
+              </a:rPr>
+              <a:t>Strong positive correlation</a:t>
+            </a:r>
+            <a:endParaRPr lang="en-US" dirty="0">
+              <a:solidFill>
+                <a:srgbClr val="FF0000"/>
+              </a:solidFill>
+            </a:endParaRPr>
+          </a:p>
+        </p:txBody>
+      </p:sp>
+      <p:pic>
+        <p:nvPicPr>
+          <p:cNvPr id="5" name="Picture 4"/>
+          <p:cNvPicPr>
+            <a:picLocks noChangeAspect="1"/>
+          </p:cNvPicPr>
+          <p:nvPr/>
+        </p:nvPicPr>
+        <p:blipFill>
+          <a:blip r:embed="rId2"/>
+          <a:stretch>
+            <a:fillRect/>
+          </a:stretch>
+        </p:blipFill>
+        <p:spPr>
+          <a:xfrm>
+            <a:off x="1107274" y="850511"/>
+            <a:ext cx="6696419" cy="5061449"/>
+          </a:xfrm>
+          <a:prstGeom prst="rect">
+            <a:avLst/>
+          </a:prstGeom>
+        </p:spPr>
+      </p:pic>
+    </p:spTree>
+    <p:extLst>
+      <p:ext uri="{BB962C8B-B14F-4D97-AF65-F5344CB8AC3E}">
+        <p14:creationId xmlns:p14="http://schemas.microsoft.com/office/powerpoint/2010/main" val="1564530445"/>
+      </p:ext>
+    </p:extLst>
+  </p:cSld>
+  <p:clrMapOvr>
+    <a:masterClrMapping/>
+  </p:clrMapOvr>
+  <p:timing>
+    <p:tnLst>
+      <p:par>
+        <p:cTn xmlns:p14="http://schemas.microsoft.com/office/powerpoint/2010/main" id="1" dur="indefinite" restart="never" nodeType="tmRoot"/>
+      </p:par>
+    </p:tnLst>
+  </p:timing>
+</p:sld>
+</file>
+
+<file path=ppt/slides/slide17.xml><?xml version="1.0" encoding="utf-8"?>
+<p:sld xmlns:a="http://schemas.openxmlformats.org/drawingml/2006/main" xmlns:r="http://schemas.openxmlformats.org/officeDocument/2006/relationships" xmlns:p="http://schemas.openxmlformats.org/presentationml/2006/main">
+  <p:cSld>
+    <p:spTree>
+      <p:nvGrpSpPr>
+        <p:cNvPr id="1" name=""/>
+        <p:cNvGrpSpPr/>
+        <p:nvPr/>
+      </p:nvGrpSpPr>
+      <p:grpSpPr>
+        <a:xfrm>
+          <a:off x="0" y="0"/>
+          <a:ext cx="0" cy="0"/>
+          <a:chOff x="0" y="0"/>
+          <a:chExt cx="0" cy="0"/>
+        </a:xfrm>
+      </p:grpSpPr>
       <p:sp>
         <p:nvSpPr>
           <p:cNvPr id="5" name="Title 4"/>
@@ -3662,13 +5382,45 @@
               <a:buNone/>
             </a:pPr>
             <a:r>
-              <a:rPr lang="en-US" dirty="0" smtClean="0"/>
+              <a:rPr lang="en-US" dirty="0" smtClean="0">
+                <a:solidFill>
+                  <a:srgbClr val="FF0000"/>
+                </a:solidFill>
+              </a:rPr>
               <a:t>Strong positive correlation</a:t>
             </a:r>
-            <a:endParaRPr lang="en-US" dirty="0"/>
-          </a:p>
-        </p:txBody>
-      </p:sp>
+            <a:endParaRPr lang="en-US" dirty="0">
+              <a:solidFill>
+                <a:srgbClr val="FF0000"/>
+              </a:solidFill>
+            </a:endParaRPr>
+          </a:p>
+        </p:txBody>
+      </p:sp>
+      <p:pic>
+        <p:nvPicPr>
+          <p:cNvPr id="3" name="Picture 2"/>
+          <p:cNvPicPr>
+            <a:picLocks noChangeAspect="1"/>
+          </p:cNvPicPr>
+          <p:nvPr/>
+        </p:nvPicPr>
+        <p:blipFill>
+          <a:blip r:embed="rId2"/>
+          <a:stretch>
+            <a:fillRect/>
+          </a:stretch>
+        </p:blipFill>
+        <p:spPr>
+          <a:xfrm>
+            <a:off x="835771" y="916644"/>
+            <a:ext cx="6809151" cy="5214376"/>
+          </a:xfrm>
+          <a:prstGeom prst="rect">
+            <a:avLst/>
+          </a:prstGeom>
+        </p:spPr>
+      </p:pic>
     </p:spTree>
     <p:extLst>
       <p:ext uri="{BB962C8B-B14F-4D97-AF65-F5344CB8AC3E}">
@@ -3679,10 +5431,17 @@
   <p:clrMapOvr>
     <a:masterClrMapping/>
   </p:clrMapOvr>
+  <p:timing>
+    <p:tnLst>
+      <p:par>
+        <p:cTn xmlns:p14="http://schemas.microsoft.com/office/powerpoint/2010/main" id="1" dur="indefinite" restart="never" nodeType="tmRoot"/>
+      </p:par>
+    </p:tnLst>
+  </p:timing>
 </p:sld>
 </file>
 
-<file path=ppt/slides/slide13.xml><?xml version="1.0" encoding="utf-8"?>
+<file path=ppt/slides/slide18.xml><?xml version="1.0" encoding="utf-8"?>
 <p:sld xmlns:a="http://schemas.openxmlformats.org/drawingml/2006/main" xmlns:r="http://schemas.openxmlformats.org/officeDocument/2006/relationships" xmlns:p="http://schemas.openxmlformats.org/presentationml/2006/main">
   <p:cSld>
     <p:spTree>
@@ -3727,55 +5486,9 @@
           </a:p>
         </p:txBody>
       </p:sp>
-      <p:pic>
-        <p:nvPicPr>
-          <p:cNvPr id="4" name="Content Placeholder 3"/>
-          <p:cNvPicPr>
-            <a:picLocks noGrp="1" noChangeAspect="1"/>
-          </p:cNvPicPr>
-          <p:nvPr>
-            <p:ph idx="1"/>
-          </p:nvPr>
-        </p:nvPicPr>
-        <p:blipFill rotWithShape="1">
-          <a:blip r:embed="rId2"/>
-          <a:srcRect t="-6366" b="-6144"/>
-          <a:stretch/>
-        </p:blipFill>
-        <p:spPr>
-          <a:xfrm>
-            <a:off x="22211" y="1223343"/>
-            <a:ext cx="4650287" cy="3844790"/>
-          </a:xfrm>
-        </p:spPr>
-      </p:pic>
-      <p:pic>
-        <p:nvPicPr>
-          <p:cNvPr id="5" name="Picture 4"/>
-          <p:cNvPicPr>
-            <a:picLocks noChangeAspect="1"/>
-          </p:cNvPicPr>
-          <p:nvPr/>
-        </p:nvPicPr>
-        <p:blipFill>
-          <a:blip r:embed="rId3"/>
-          <a:stretch>
-            <a:fillRect/>
-          </a:stretch>
-        </p:blipFill>
-        <p:spPr>
-          <a:xfrm>
-            <a:off x="4517753" y="1401583"/>
-            <a:ext cx="4591291" cy="3515962"/>
-          </a:xfrm>
-          <a:prstGeom prst="rect">
-            <a:avLst/>
-          </a:prstGeom>
-        </p:spPr>
-      </p:pic>
-      <p:sp>
-        <p:nvSpPr>
-          <p:cNvPr id="7" name="Content Placeholder 2"/>
+      <p:sp>
+        <p:nvSpPr>
+          <p:cNvPr id="8" name="Content Placeholder 2"/>
           <p:cNvSpPr txBox="1">
             <a:spLocks/>
           </p:cNvSpPr>
@@ -3783,7 +5496,7 @@
         </p:nvSpPr>
         <p:spPr>
           <a:xfrm>
-            <a:off x="61029" y="4812915"/>
+            <a:off x="2130832" y="5705797"/>
             <a:ext cx="5054252" cy="603644"/>
           </a:xfrm>
           <a:prstGeom prst="rect">
@@ -3937,16 +5650,954 @@
               <a:buNone/>
             </a:pPr>
             <a:r>
-              <a:rPr lang="en-US" sz="2800" dirty="0" smtClean="0"/>
-              <a:t>Strong negative correlation</a:t>
-            </a:r>
-            <a:endParaRPr lang="en-US" sz="2800" dirty="0"/>
-          </a:p>
-        </p:txBody>
-      </p:sp>
-      <p:sp>
-        <p:nvSpPr>
-          <p:cNvPr id="8" name="Content Placeholder 2"/>
+              <a:rPr lang="en-US" sz="2800" dirty="0" smtClean="0">
+                <a:solidFill>
+                  <a:srgbClr val="FF0000"/>
+                </a:solidFill>
+              </a:rPr>
+              <a:t>Strong positive correlation</a:t>
+            </a:r>
+            <a:endParaRPr lang="en-US" sz="2800" dirty="0">
+              <a:solidFill>
+                <a:srgbClr val="FF0000"/>
+              </a:solidFill>
+            </a:endParaRPr>
+          </a:p>
+        </p:txBody>
+      </p:sp>
+      <p:pic>
+        <p:nvPicPr>
+          <p:cNvPr id="9" name="Picture 8"/>
+          <p:cNvPicPr>
+            <a:picLocks noChangeAspect="1"/>
+          </p:cNvPicPr>
+          <p:nvPr/>
+        </p:nvPicPr>
+        <p:blipFill>
+          <a:blip r:embed="rId2"/>
+          <a:stretch>
+            <a:fillRect/>
+          </a:stretch>
+        </p:blipFill>
+        <p:spPr>
+          <a:xfrm>
+            <a:off x="1304116" y="1069850"/>
+            <a:ext cx="6084338" cy="4659322"/>
+          </a:xfrm>
+          <a:prstGeom prst="rect">
+            <a:avLst/>
+          </a:prstGeom>
+        </p:spPr>
+      </p:pic>
+    </p:spTree>
+    <p:extLst>
+      <p:ext uri="{BB962C8B-B14F-4D97-AF65-F5344CB8AC3E}">
+        <p14:creationId xmlns:p14="http://schemas.microsoft.com/office/powerpoint/2010/main" val="2908218811"/>
+      </p:ext>
+    </p:extLst>
+  </p:cSld>
+  <p:clrMapOvr>
+    <a:masterClrMapping/>
+  </p:clrMapOvr>
+  <p:timing>
+    <p:tnLst>
+      <p:par>
+        <p:cTn xmlns:p14="http://schemas.microsoft.com/office/powerpoint/2010/main" id="1" dur="indefinite" restart="never" nodeType="tmRoot"/>
+      </p:par>
+    </p:tnLst>
+  </p:timing>
+</p:sld>
+</file>
+
+<file path=ppt/slides/slide19.xml><?xml version="1.0" encoding="utf-8"?>
+<p:sld xmlns:a="http://schemas.openxmlformats.org/drawingml/2006/main" xmlns:r="http://schemas.openxmlformats.org/officeDocument/2006/relationships" xmlns:p="http://schemas.openxmlformats.org/presentationml/2006/main">
+  <p:cSld>
+    <p:spTree>
+      <p:nvGrpSpPr>
+        <p:cNvPr id="1" name=""/>
+        <p:cNvGrpSpPr/>
+        <p:nvPr/>
+      </p:nvGrpSpPr>
+      <p:grpSpPr>
+        <a:xfrm>
+          <a:off x="0" y="0"/>
+          <a:ext cx="0" cy="0"/>
+          <a:chOff x="0" y="0"/>
+          <a:chExt cx="0" cy="0"/>
+        </a:xfrm>
+      </p:grpSpPr>
+      <p:sp>
+        <p:nvSpPr>
+          <p:cNvPr id="2" name="Title 1"/>
+          <p:cNvSpPr>
+            <a:spLocks noGrp="1"/>
+          </p:cNvSpPr>
+          <p:nvPr>
+            <p:ph type="title"/>
+          </p:nvPr>
+        </p:nvSpPr>
+        <p:spPr/>
+        <p:txBody>
+          <a:bodyPr/>
+          <a:lstStyle/>
+          <a:p>
+            <a:r>
+              <a:rPr lang="en-US" dirty="0" smtClean="0"/>
+              <a:t>Further </a:t>
+            </a:r>
+            <a:r>
+              <a:rPr lang="en-US" dirty="0" smtClean="0"/>
+              <a:t>Data Exploration</a:t>
+            </a:r>
+            <a:endParaRPr lang="en-US" dirty="0"/>
+          </a:p>
+        </p:txBody>
+      </p:sp>
+      <p:sp>
+        <p:nvSpPr>
+          <p:cNvPr id="3" name="Content Placeholder 2"/>
+          <p:cNvSpPr>
+            <a:spLocks noGrp="1"/>
+          </p:cNvSpPr>
+          <p:nvPr>
+            <p:ph idx="1"/>
+          </p:nvPr>
+        </p:nvSpPr>
+        <p:spPr/>
+        <p:txBody>
+          <a:bodyPr/>
+          <a:lstStyle/>
+          <a:p>
+            <a:r>
+              <a:rPr lang="en-US" dirty="0" smtClean="0"/>
+              <a:t>Use a single feature</a:t>
+            </a:r>
+          </a:p>
+          <a:p>
+            <a:pPr lvl="1"/>
+            <a:r>
+              <a:rPr lang="en-US" dirty="0" smtClean="0"/>
+              <a:t>Percentage without HS Education</a:t>
+            </a:r>
+          </a:p>
+          <a:p>
+            <a:r>
+              <a:rPr lang="en-US" dirty="0" smtClean="0"/>
+              <a:t>Polynomial with </a:t>
+            </a:r>
+            <a:r>
+              <a:rPr lang="en-US" dirty="0"/>
+              <a:t>3</a:t>
+            </a:r>
+            <a:r>
+              <a:rPr lang="en-US" dirty="0" smtClean="0"/>
+              <a:t> degrees</a:t>
+            </a:r>
+            <a:endParaRPr lang="en-US" dirty="0" smtClean="0"/>
+          </a:p>
+          <a:p>
+            <a:r>
+              <a:rPr lang="en-US" dirty="0" smtClean="0"/>
+              <a:t>Cross validation</a:t>
+            </a:r>
+          </a:p>
+          <a:p>
+            <a:pPr lvl="1"/>
+            <a:r>
+              <a:rPr lang="en-US" dirty="0" smtClean="0"/>
+              <a:t>LOO</a:t>
+            </a:r>
+          </a:p>
+          <a:p>
+            <a:pPr lvl="1"/>
+            <a:r>
+              <a:rPr lang="en-US" dirty="0" smtClean="0"/>
+              <a:t>K-Fold</a:t>
+            </a:r>
+          </a:p>
+          <a:p>
+            <a:r>
+              <a:rPr lang="en-US" dirty="0" smtClean="0"/>
+              <a:t>Random Forest </a:t>
+            </a:r>
+            <a:r>
+              <a:rPr lang="en-US" dirty="0" err="1" smtClean="0"/>
+              <a:t>Regressor</a:t>
+            </a:r>
+            <a:endParaRPr lang="en-US" dirty="0" smtClean="0"/>
+          </a:p>
+          <a:p>
+            <a:pPr lvl="1"/>
+            <a:r>
+              <a:rPr lang="en-US" dirty="0" smtClean="0"/>
+              <a:t>LOO</a:t>
+            </a:r>
+            <a:endParaRPr lang="en-US" dirty="0"/>
+          </a:p>
+        </p:txBody>
+      </p:sp>
+    </p:spTree>
+    <p:extLst>
+      <p:ext uri="{BB962C8B-B14F-4D97-AF65-F5344CB8AC3E}">
+        <p14:creationId xmlns:p14="http://schemas.microsoft.com/office/powerpoint/2010/main" val="734131625"/>
+      </p:ext>
+    </p:extLst>
+  </p:cSld>
+  <p:clrMapOvr>
+    <a:masterClrMapping/>
+  </p:clrMapOvr>
+  <p:timing>
+    <p:tnLst>
+      <p:par>
+        <p:cTn xmlns:p14="http://schemas.microsoft.com/office/powerpoint/2010/main" id="1" dur="indefinite" restart="never" nodeType="tmRoot"/>
+      </p:par>
+    </p:tnLst>
+  </p:timing>
+</p:sld>
+</file>
+
+<file path=ppt/slides/slide2.xml><?xml version="1.0" encoding="utf-8"?>
+<p:sld xmlns:a="http://schemas.openxmlformats.org/drawingml/2006/main" xmlns:r="http://schemas.openxmlformats.org/officeDocument/2006/relationships" xmlns:p="http://schemas.openxmlformats.org/presentationml/2006/main">
+  <p:cSld>
+    <p:spTree>
+      <p:nvGrpSpPr>
+        <p:cNvPr id="1" name=""/>
+        <p:cNvGrpSpPr/>
+        <p:nvPr/>
+      </p:nvGrpSpPr>
+      <p:grpSpPr>
+        <a:xfrm>
+          <a:off x="0" y="0"/>
+          <a:ext cx="0" cy="0"/>
+          <a:chOff x="0" y="0"/>
+          <a:chExt cx="0" cy="0"/>
+        </a:xfrm>
+      </p:grpSpPr>
+      <p:sp>
+        <p:nvSpPr>
+          <p:cNvPr id="2" name="Title 1"/>
+          <p:cNvSpPr>
+            <a:spLocks noGrp="1"/>
+          </p:cNvSpPr>
+          <p:nvPr>
+            <p:ph type="title"/>
+          </p:nvPr>
+        </p:nvSpPr>
+        <p:spPr>
+          <a:xfrm>
+            <a:off x="457200" y="274638"/>
+            <a:ext cx="8229600" cy="778019"/>
+          </a:xfrm>
+        </p:spPr>
+        <p:txBody>
+          <a:bodyPr/>
+          <a:lstStyle/>
+          <a:p>
+            <a:r>
+              <a:rPr lang="en-US" dirty="0" smtClean="0"/>
+              <a:t>Goals</a:t>
+            </a:r>
+            <a:endParaRPr lang="en-US" dirty="0"/>
+          </a:p>
+        </p:txBody>
+      </p:sp>
+      <p:sp>
+        <p:nvSpPr>
+          <p:cNvPr id="3" name="Content Placeholder 2"/>
+          <p:cNvSpPr>
+            <a:spLocks noGrp="1"/>
+          </p:cNvSpPr>
+          <p:nvPr>
+            <p:ph idx="1"/>
+          </p:nvPr>
+        </p:nvSpPr>
+        <p:spPr>
+          <a:xfrm>
+            <a:off x="457200" y="1052658"/>
+            <a:ext cx="8229600" cy="5073506"/>
+          </a:xfrm>
+        </p:spPr>
+        <p:txBody>
+          <a:bodyPr>
+            <a:normAutofit lnSpcReduction="10000"/>
+          </a:bodyPr>
+          <a:lstStyle/>
+          <a:p>
+            <a:r>
+              <a:rPr lang="en-US" dirty="0" smtClean="0"/>
+              <a:t>Determine if an accurate </a:t>
+            </a:r>
+            <a:r>
+              <a:rPr lang="en-US" dirty="0" smtClean="0"/>
+              <a:t>model </a:t>
+            </a:r>
+            <a:r>
+              <a:rPr lang="en-US" dirty="0" smtClean="0"/>
+              <a:t>can be built for </a:t>
+            </a:r>
+            <a:r>
+              <a:rPr lang="en-US" dirty="0" smtClean="0"/>
+              <a:t>predicting murder </a:t>
+            </a:r>
+            <a:r>
+              <a:rPr lang="en-US" dirty="0" smtClean="0"/>
+              <a:t>rate in US states using </a:t>
+            </a:r>
+            <a:r>
+              <a:rPr lang="en-US" dirty="0" smtClean="0"/>
+              <a:t>the chosen </a:t>
+            </a:r>
+            <a:r>
+              <a:rPr lang="en-US" dirty="0" smtClean="0"/>
+              <a:t>features</a:t>
+            </a:r>
+          </a:p>
+          <a:p>
+            <a:r>
+              <a:rPr lang="en-US" dirty="0" smtClean="0"/>
+              <a:t>Find meaningful/significant correlations between </a:t>
+            </a:r>
+            <a:r>
+              <a:rPr lang="en-US" dirty="0" smtClean="0"/>
+              <a:t>the features and the predicted variable</a:t>
+            </a:r>
+            <a:endParaRPr lang="en-US" dirty="0" smtClean="0"/>
+          </a:p>
+          <a:p>
+            <a:r>
+              <a:rPr lang="en-US" dirty="0" smtClean="0"/>
+              <a:t>Cross validate </a:t>
+            </a:r>
+            <a:r>
+              <a:rPr lang="en-US" dirty="0" smtClean="0"/>
+              <a:t>using several </a:t>
+            </a:r>
+            <a:r>
+              <a:rPr lang="en-US" dirty="0" smtClean="0"/>
+              <a:t>different techniques to </a:t>
+            </a:r>
+            <a:r>
+              <a:rPr lang="en-US" dirty="0" smtClean="0"/>
+              <a:t>score </a:t>
+            </a:r>
+            <a:r>
+              <a:rPr lang="en-US" dirty="0" smtClean="0"/>
+              <a:t>the models </a:t>
+            </a:r>
+          </a:p>
+          <a:p>
+            <a:r>
+              <a:rPr lang="en-US" dirty="0" smtClean="0"/>
+              <a:t>Explore different regression methods in </a:t>
+            </a:r>
+            <a:r>
+              <a:rPr lang="en-US" dirty="0" err="1" smtClean="0"/>
+              <a:t>scikit</a:t>
+            </a:r>
+            <a:r>
+              <a:rPr lang="en-US" dirty="0" smtClean="0"/>
+              <a:t> learn</a:t>
+            </a:r>
+            <a:endParaRPr lang="en-US" dirty="0"/>
+          </a:p>
+        </p:txBody>
+      </p:sp>
+    </p:spTree>
+    <p:extLst>
+      <p:ext uri="{BB962C8B-B14F-4D97-AF65-F5344CB8AC3E}">
+        <p14:creationId xmlns:p14="http://schemas.microsoft.com/office/powerpoint/2010/main" val="21529205"/>
+      </p:ext>
+    </p:extLst>
+  </p:cSld>
+  <p:clrMapOvr>
+    <a:masterClrMapping/>
+  </p:clrMapOvr>
+  <p:timing>
+    <p:tnLst>
+      <p:par>
+        <p:cTn xmlns:p14="http://schemas.microsoft.com/office/powerpoint/2010/main" id="1" dur="indefinite" restart="never" nodeType="tmRoot"/>
+      </p:par>
+    </p:tnLst>
+  </p:timing>
+</p:sld>
+</file>
+
+<file path=ppt/slides/slide20.xml><?xml version="1.0" encoding="utf-8"?>
+<p:sld xmlns:a="http://schemas.openxmlformats.org/drawingml/2006/main" xmlns:r="http://schemas.openxmlformats.org/officeDocument/2006/relationships" xmlns:p="http://schemas.openxmlformats.org/presentationml/2006/main">
+  <p:cSld>
+    <p:spTree>
+      <p:nvGrpSpPr>
+        <p:cNvPr id="1" name=""/>
+        <p:cNvGrpSpPr/>
+        <p:nvPr/>
+      </p:nvGrpSpPr>
+      <p:grpSpPr>
+        <a:xfrm>
+          <a:off x="0" y="0"/>
+          <a:ext cx="0" cy="0"/>
+          <a:chOff x="0" y="0"/>
+          <a:chExt cx="0" cy="0"/>
+        </a:xfrm>
+      </p:grpSpPr>
+      <p:sp>
+        <p:nvSpPr>
+          <p:cNvPr id="2" name="Title 1"/>
+          <p:cNvSpPr>
+            <a:spLocks noGrp="1"/>
+          </p:cNvSpPr>
+          <p:nvPr>
+            <p:ph type="title"/>
+          </p:nvPr>
+        </p:nvSpPr>
+        <p:spPr>
+          <a:xfrm>
+            <a:off x="457200" y="171626"/>
+            <a:ext cx="8229600" cy="925635"/>
+          </a:xfrm>
+        </p:spPr>
+        <p:txBody>
+          <a:bodyPr/>
+          <a:lstStyle/>
+          <a:p>
+            <a:r>
+              <a:rPr lang="en-US" dirty="0" smtClean="0"/>
+              <a:t>Polynomial Regression</a:t>
+            </a:r>
+            <a:endParaRPr lang="en-US" dirty="0"/>
+          </a:p>
+        </p:txBody>
+      </p:sp>
+      <p:pic>
+        <p:nvPicPr>
+          <p:cNvPr id="4" name="Content Placeholder 3"/>
+          <p:cNvPicPr>
+            <a:picLocks noGrp="1" noChangeAspect="1"/>
+          </p:cNvPicPr>
+          <p:nvPr>
+            <p:ph idx="1"/>
+          </p:nvPr>
+        </p:nvPicPr>
+        <p:blipFill rotWithShape="1">
+          <a:blip r:embed="rId2"/>
+          <a:srcRect t="-2878" b="-1581"/>
+          <a:stretch/>
+        </p:blipFill>
+        <p:spPr>
+          <a:xfrm>
+            <a:off x="1372883" y="1075544"/>
+            <a:ext cx="6467299" cy="5206073"/>
+          </a:xfrm>
+        </p:spPr>
+      </p:pic>
+    </p:spTree>
+    <p:extLst>
+      <p:ext uri="{BB962C8B-B14F-4D97-AF65-F5344CB8AC3E}">
+        <p14:creationId xmlns:p14="http://schemas.microsoft.com/office/powerpoint/2010/main" val="559194007"/>
+      </p:ext>
+    </p:extLst>
+  </p:cSld>
+  <p:clrMapOvr>
+    <a:masterClrMapping/>
+  </p:clrMapOvr>
+  <p:timing>
+    <p:tnLst>
+      <p:par>
+        <p:cTn xmlns:p14="http://schemas.microsoft.com/office/powerpoint/2010/main" id="1" dur="indefinite" restart="never" nodeType="tmRoot"/>
+      </p:par>
+    </p:tnLst>
+  </p:timing>
+</p:sld>
+</file>
+
+<file path=ppt/slides/slide21.xml><?xml version="1.0" encoding="utf-8"?>
+<p:sld xmlns:a="http://schemas.openxmlformats.org/drawingml/2006/main" xmlns:r="http://schemas.openxmlformats.org/officeDocument/2006/relationships" xmlns:p="http://schemas.openxmlformats.org/presentationml/2006/main">
+  <p:cSld>
+    <p:spTree>
+      <p:nvGrpSpPr>
+        <p:cNvPr id="1" name=""/>
+        <p:cNvGrpSpPr/>
+        <p:nvPr/>
+      </p:nvGrpSpPr>
+      <p:grpSpPr>
+        <a:xfrm>
+          <a:off x="0" y="0"/>
+          <a:ext cx="0" cy="0"/>
+          <a:chOff x="0" y="0"/>
+          <a:chExt cx="0" cy="0"/>
+        </a:xfrm>
+      </p:grpSpPr>
+      <p:sp>
+        <p:nvSpPr>
+          <p:cNvPr id="2" name="Title 1"/>
+          <p:cNvSpPr>
+            <a:spLocks noGrp="1"/>
+          </p:cNvSpPr>
+          <p:nvPr>
+            <p:ph type="title"/>
+          </p:nvPr>
+        </p:nvSpPr>
+        <p:spPr>
+          <a:xfrm>
+            <a:off x="308471" y="91534"/>
+            <a:ext cx="8229600" cy="994287"/>
+          </a:xfrm>
+        </p:spPr>
+        <p:txBody>
+          <a:bodyPr/>
+          <a:lstStyle/>
+          <a:p>
+            <a:r>
+              <a:rPr lang="en-US" dirty="0" smtClean="0"/>
+              <a:t>Leave One Out Cross Validation</a:t>
+            </a:r>
+            <a:endParaRPr lang="en-US" dirty="0"/>
+          </a:p>
+        </p:txBody>
+      </p:sp>
+      <p:pic>
+        <p:nvPicPr>
+          <p:cNvPr id="4" name="Content Placeholder 3"/>
+          <p:cNvPicPr>
+            <a:picLocks noGrp="1" noChangeAspect="1"/>
+          </p:cNvPicPr>
+          <p:nvPr>
+            <p:ph idx="1"/>
+          </p:nvPr>
+        </p:nvPicPr>
+        <p:blipFill rotWithShape="1">
+          <a:blip r:embed="rId2"/>
+          <a:srcRect t="2571" b="-27"/>
+          <a:stretch/>
+        </p:blipFill>
+        <p:spPr>
+          <a:xfrm>
+            <a:off x="159738" y="1398426"/>
+            <a:ext cx="4625342" cy="3298602"/>
+          </a:xfrm>
+        </p:spPr>
+      </p:pic>
+      <p:pic>
+        <p:nvPicPr>
+          <p:cNvPr id="5" name="Picture 4"/>
+          <p:cNvPicPr>
+            <a:picLocks noChangeAspect="1"/>
+          </p:cNvPicPr>
+          <p:nvPr/>
+        </p:nvPicPr>
+        <p:blipFill>
+          <a:blip r:embed="rId3"/>
+          <a:stretch>
+            <a:fillRect/>
+          </a:stretch>
+        </p:blipFill>
+        <p:spPr>
+          <a:xfrm>
+            <a:off x="4821553" y="1444194"/>
+            <a:ext cx="4255950" cy="3098243"/>
+          </a:xfrm>
+          <a:prstGeom prst="rect">
+            <a:avLst/>
+          </a:prstGeom>
+        </p:spPr>
+      </p:pic>
+      <p:sp>
+        <p:nvSpPr>
+          <p:cNvPr id="6" name="Rectangle 5"/>
+          <p:cNvSpPr/>
+          <p:nvPr/>
+        </p:nvSpPr>
+        <p:spPr>
+          <a:xfrm>
+            <a:off x="2286000" y="5142497"/>
+            <a:ext cx="4572000" cy="646331"/>
+          </a:xfrm>
+          <a:prstGeom prst="rect">
+            <a:avLst/>
+          </a:prstGeom>
+        </p:spPr>
+        <p:txBody>
+          <a:bodyPr>
+            <a:spAutoFit/>
+          </a:bodyPr>
+          <a:lstStyle/>
+          <a:p>
+            <a:r>
+              <a:rPr lang="en-US" dirty="0"/>
+              <a:t>mean squared error </a:t>
+            </a:r>
+            <a:r>
+              <a:rPr lang="en-US" dirty="0" smtClean="0"/>
+              <a:t>= 2.00880314729</a:t>
+            </a:r>
+            <a:endParaRPr lang="en-US" dirty="0"/>
+          </a:p>
+          <a:p>
+            <a:r>
+              <a:rPr lang="en-US" dirty="0"/>
+              <a:t>mean absolute error </a:t>
+            </a:r>
+            <a:r>
+              <a:rPr lang="en-US" dirty="0" smtClean="0"/>
+              <a:t>= 0.949527796605</a:t>
+            </a:r>
+            <a:endParaRPr lang="en-US" dirty="0"/>
+          </a:p>
+        </p:txBody>
+      </p:sp>
+    </p:spTree>
+    <p:extLst>
+      <p:ext uri="{BB962C8B-B14F-4D97-AF65-F5344CB8AC3E}">
+        <p14:creationId xmlns:p14="http://schemas.microsoft.com/office/powerpoint/2010/main" val="1911671103"/>
+      </p:ext>
+    </p:extLst>
+  </p:cSld>
+  <p:clrMapOvr>
+    <a:masterClrMapping/>
+  </p:clrMapOvr>
+  <p:timing>
+    <p:tnLst>
+      <p:par>
+        <p:cTn xmlns:p14="http://schemas.microsoft.com/office/powerpoint/2010/main" id="1" dur="indefinite" restart="never" nodeType="tmRoot"/>
+      </p:par>
+    </p:tnLst>
+  </p:timing>
+</p:sld>
+</file>
+
+<file path=ppt/slides/slide22.xml><?xml version="1.0" encoding="utf-8"?>
+<p:sld xmlns:a="http://schemas.openxmlformats.org/drawingml/2006/main" xmlns:r="http://schemas.openxmlformats.org/officeDocument/2006/relationships" xmlns:p="http://schemas.openxmlformats.org/presentationml/2006/main">
+  <p:cSld>
+    <p:spTree>
+      <p:nvGrpSpPr>
+        <p:cNvPr id="1" name=""/>
+        <p:cNvGrpSpPr/>
+        <p:nvPr/>
+      </p:nvGrpSpPr>
+      <p:grpSpPr>
+        <a:xfrm>
+          <a:off x="0" y="0"/>
+          <a:ext cx="0" cy="0"/>
+          <a:chOff x="0" y="0"/>
+          <a:chExt cx="0" cy="0"/>
+        </a:xfrm>
+      </p:grpSpPr>
+      <p:sp>
+        <p:nvSpPr>
+          <p:cNvPr id="2" name="Title 1"/>
+          <p:cNvSpPr>
+            <a:spLocks noGrp="1"/>
+          </p:cNvSpPr>
+          <p:nvPr>
+            <p:ph type="title"/>
+          </p:nvPr>
+        </p:nvSpPr>
+        <p:spPr>
+          <a:xfrm>
+            <a:off x="457200" y="205952"/>
+            <a:ext cx="8229600" cy="994287"/>
+          </a:xfrm>
+        </p:spPr>
+        <p:txBody>
+          <a:bodyPr/>
+          <a:lstStyle/>
+          <a:p>
+            <a:r>
+              <a:rPr lang="en-US" dirty="0" smtClean="0"/>
+              <a:t>K-Fold Cross Validation</a:t>
+            </a:r>
+            <a:endParaRPr lang="en-US" dirty="0"/>
+          </a:p>
+        </p:txBody>
+      </p:sp>
+      <p:pic>
+        <p:nvPicPr>
+          <p:cNvPr id="9" name="Content Placeholder 8"/>
+          <p:cNvPicPr>
+            <a:picLocks noGrp="1" noChangeAspect="1"/>
+          </p:cNvPicPr>
+          <p:nvPr>
+            <p:ph idx="1"/>
+          </p:nvPr>
+        </p:nvPicPr>
+        <p:blipFill rotWithShape="1">
+          <a:blip r:embed="rId2"/>
+          <a:srcRect t="-1798" b="2807"/>
+          <a:stretch/>
+        </p:blipFill>
+        <p:spPr>
+          <a:xfrm>
+            <a:off x="114407" y="1312571"/>
+            <a:ext cx="4648224" cy="3367174"/>
+          </a:xfrm>
+        </p:spPr>
+      </p:pic>
+      <p:pic>
+        <p:nvPicPr>
+          <p:cNvPr id="10" name="Picture 9"/>
+          <p:cNvPicPr>
+            <a:picLocks noChangeAspect="1"/>
+          </p:cNvPicPr>
+          <p:nvPr/>
+        </p:nvPicPr>
+        <p:blipFill>
+          <a:blip r:embed="rId3"/>
+          <a:stretch>
+            <a:fillRect/>
+          </a:stretch>
+        </p:blipFill>
+        <p:spPr>
+          <a:xfrm>
+            <a:off x="4762631" y="1521774"/>
+            <a:ext cx="4182093" cy="3044477"/>
+          </a:xfrm>
+          <a:prstGeom prst="rect">
+            <a:avLst/>
+          </a:prstGeom>
+        </p:spPr>
+      </p:pic>
+      <p:sp>
+        <p:nvSpPr>
+          <p:cNvPr id="11" name="Rectangle 10"/>
+          <p:cNvSpPr/>
+          <p:nvPr/>
+        </p:nvSpPr>
+        <p:spPr>
+          <a:xfrm>
+            <a:off x="2476631" y="5096729"/>
+            <a:ext cx="4572000" cy="646331"/>
+          </a:xfrm>
+          <a:prstGeom prst="rect">
+            <a:avLst/>
+          </a:prstGeom>
+        </p:spPr>
+        <p:txBody>
+          <a:bodyPr>
+            <a:spAutoFit/>
+          </a:bodyPr>
+          <a:lstStyle/>
+          <a:p>
+            <a:r>
+              <a:rPr lang="en-US" dirty="0"/>
+              <a:t>mean squared error </a:t>
+            </a:r>
+            <a:r>
+              <a:rPr lang="en-US" dirty="0" smtClean="0"/>
+              <a:t>= 1.93131328262</a:t>
+            </a:r>
+            <a:endParaRPr lang="en-US" dirty="0"/>
+          </a:p>
+          <a:p>
+            <a:r>
+              <a:rPr lang="en-US" dirty="0"/>
+              <a:t>mean absolute error </a:t>
+            </a:r>
+            <a:r>
+              <a:rPr lang="en-US" dirty="0" smtClean="0"/>
+              <a:t>= 0.949527796605</a:t>
+            </a:r>
+            <a:endParaRPr lang="en-US" dirty="0"/>
+          </a:p>
+        </p:txBody>
+      </p:sp>
+    </p:spTree>
+    <p:extLst>
+      <p:ext uri="{BB962C8B-B14F-4D97-AF65-F5344CB8AC3E}">
+        <p14:creationId xmlns:p14="http://schemas.microsoft.com/office/powerpoint/2010/main" val="303056085"/>
+      </p:ext>
+    </p:extLst>
+  </p:cSld>
+  <p:clrMapOvr>
+    <a:masterClrMapping/>
+  </p:clrMapOvr>
+  <p:timing>
+    <p:tnLst>
+      <p:par>
+        <p:cTn xmlns:p14="http://schemas.microsoft.com/office/powerpoint/2010/main" id="1" dur="indefinite" restart="never" nodeType="tmRoot"/>
+      </p:par>
+    </p:tnLst>
+  </p:timing>
+</p:sld>
+</file>
+
+<file path=ppt/slides/slide23.xml><?xml version="1.0" encoding="utf-8"?>
+<p:sld xmlns:a="http://schemas.openxmlformats.org/drawingml/2006/main" xmlns:r="http://schemas.openxmlformats.org/officeDocument/2006/relationships" xmlns:p="http://schemas.openxmlformats.org/presentationml/2006/main">
+  <p:cSld>
+    <p:spTree>
+      <p:nvGrpSpPr>
+        <p:cNvPr id="1" name=""/>
+        <p:cNvGrpSpPr/>
+        <p:nvPr/>
+      </p:nvGrpSpPr>
+      <p:grpSpPr>
+        <a:xfrm>
+          <a:off x="0" y="0"/>
+          <a:ext cx="0" cy="0"/>
+          <a:chOff x="0" y="0"/>
+          <a:chExt cx="0" cy="0"/>
+        </a:xfrm>
+      </p:grpSpPr>
+      <p:sp>
+        <p:nvSpPr>
+          <p:cNvPr id="2" name="Title 1"/>
+          <p:cNvSpPr>
+            <a:spLocks noGrp="1"/>
+          </p:cNvSpPr>
+          <p:nvPr>
+            <p:ph type="title"/>
+          </p:nvPr>
+        </p:nvSpPr>
+        <p:spPr>
+          <a:xfrm>
+            <a:off x="457200" y="286046"/>
+            <a:ext cx="8229600" cy="902752"/>
+          </a:xfrm>
+        </p:spPr>
+        <p:txBody>
+          <a:bodyPr/>
+          <a:lstStyle/>
+          <a:p>
+            <a:r>
+              <a:rPr lang="en-US" dirty="0" smtClean="0"/>
+              <a:t>Cross Validation Results</a:t>
+            </a:r>
+            <a:endParaRPr lang="en-US" dirty="0"/>
+          </a:p>
+        </p:txBody>
+      </p:sp>
+      <p:sp>
+        <p:nvSpPr>
+          <p:cNvPr id="3" name="Content Placeholder 2"/>
+          <p:cNvSpPr>
+            <a:spLocks noGrp="1"/>
+          </p:cNvSpPr>
+          <p:nvPr>
+            <p:ph idx="1"/>
+          </p:nvPr>
+        </p:nvSpPr>
+        <p:spPr>
+          <a:xfrm>
+            <a:off x="457200" y="1188798"/>
+            <a:ext cx="8229600" cy="4937365"/>
+          </a:xfrm>
+        </p:spPr>
+        <p:txBody>
+          <a:bodyPr/>
+          <a:lstStyle/>
+          <a:p>
+            <a:r>
+              <a:rPr lang="en-US" dirty="0" smtClean="0"/>
+              <a:t>Both LOO and K-fold result in similar mean errors for the dataset.</a:t>
+            </a:r>
+          </a:p>
+          <a:p>
+            <a:r>
+              <a:rPr lang="en-US" dirty="0" smtClean="0"/>
+              <a:t>The polynomial regression model results are relatively unchanged when run using these two techniques.</a:t>
+            </a:r>
+          </a:p>
+          <a:p>
+            <a:r>
+              <a:rPr lang="en-US" dirty="0" smtClean="0"/>
+              <a:t>This shows that outliers are not strongly effecting the model parameters determined from training.</a:t>
+            </a:r>
+            <a:endParaRPr lang="en-US" dirty="0"/>
+          </a:p>
+        </p:txBody>
+      </p:sp>
+    </p:spTree>
+    <p:extLst>
+      <p:ext uri="{BB962C8B-B14F-4D97-AF65-F5344CB8AC3E}">
+        <p14:creationId xmlns:p14="http://schemas.microsoft.com/office/powerpoint/2010/main" val="3694424847"/>
+      </p:ext>
+    </p:extLst>
+  </p:cSld>
+  <p:clrMapOvr>
+    <a:masterClrMapping/>
+  </p:clrMapOvr>
+  <p:timing>
+    <p:tnLst>
+      <p:par>
+        <p:cTn xmlns:p14="http://schemas.microsoft.com/office/powerpoint/2010/main" id="1" dur="indefinite" restart="never" nodeType="tmRoot"/>
+      </p:par>
+    </p:tnLst>
+  </p:timing>
+</p:sld>
+</file>
+
+<file path=ppt/slides/slide24.xml><?xml version="1.0" encoding="utf-8"?>
+<p:sld xmlns:a="http://schemas.openxmlformats.org/drawingml/2006/main" xmlns:r="http://schemas.openxmlformats.org/officeDocument/2006/relationships" xmlns:p="http://schemas.openxmlformats.org/presentationml/2006/main">
+  <p:cSld>
+    <p:spTree>
+      <p:nvGrpSpPr>
+        <p:cNvPr id="1" name=""/>
+        <p:cNvGrpSpPr/>
+        <p:nvPr/>
+      </p:nvGrpSpPr>
+      <p:grpSpPr>
+        <a:xfrm>
+          <a:off x="0" y="0"/>
+          <a:ext cx="0" cy="0"/>
+          <a:chOff x="0" y="0"/>
+          <a:chExt cx="0" cy="0"/>
+        </a:xfrm>
+      </p:grpSpPr>
+      <p:sp>
+        <p:nvSpPr>
+          <p:cNvPr id="2" name="Title 1"/>
+          <p:cNvSpPr>
+            <a:spLocks noGrp="1"/>
+          </p:cNvSpPr>
+          <p:nvPr>
+            <p:ph type="title"/>
+          </p:nvPr>
+        </p:nvSpPr>
+        <p:spPr>
+          <a:xfrm>
+            <a:off x="457200" y="205955"/>
+            <a:ext cx="8229600" cy="776890"/>
+          </a:xfrm>
+        </p:spPr>
+        <p:txBody>
+          <a:bodyPr/>
+          <a:lstStyle/>
+          <a:p>
+            <a:r>
+              <a:rPr lang="en-US" dirty="0" smtClean="0"/>
+              <a:t>Random Forest </a:t>
+            </a:r>
+            <a:r>
+              <a:rPr lang="en-US" dirty="0" err="1" smtClean="0"/>
+              <a:t>Regressor</a:t>
+            </a:r>
+            <a:endParaRPr lang="en-US" dirty="0"/>
+          </a:p>
+        </p:txBody>
+      </p:sp>
+      <p:pic>
+        <p:nvPicPr>
+          <p:cNvPr id="4" name="Content Placeholder 3"/>
+          <p:cNvPicPr>
+            <a:picLocks noGrp="1" noChangeAspect="1"/>
+          </p:cNvPicPr>
+          <p:nvPr>
+            <p:ph idx="1"/>
+          </p:nvPr>
+        </p:nvPicPr>
+        <p:blipFill rotWithShape="1">
+          <a:blip r:embed="rId2"/>
+          <a:srcRect l="-27102" t="-18489" r="-32645" b="-33093"/>
+          <a:stretch/>
+        </p:blipFill>
+        <p:spPr>
+          <a:xfrm>
+            <a:off x="457200" y="411910"/>
+            <a:ext cx="8229600" cy="5714254"/>
+          </a:xfrm>
+        </p:spPr>
+      </p:pic>
+      <p:sp>
+        <p:nvSpPr>
+          <p:cNvPr id="6" name="Content Placeholder 2"/>
           <p:cNvSpPr txBox="1">
             <a:spLocks/>
           </p:cNvSpPr>
@@ -3954,8 +6605,8 @@
         </p:nvSpPr>
         <p:spPr>
           <a:xfrm>
-            <a:off x="4500028" y="4826605"/>
-            <a:ext cx="5054252" cy="603644"/>
+            <a:off x="343222" y="4942909"/>
+            <a:ext cx="8343578" cy="1183255"/>
           </a:xfrm>
           <a:prstGeom prst="rect">
             <a:avLst/>
@@ -4103,43 +6754,9 @@
             </a:lvl9pPr>
           </a:lstStyle>
           <a:p>
-            <a:pPr marL="0" indent="0" algn="ctr">
-              <a:buFont typeface="Arial"/>
-              <a:buNone/>
-            </a:pPr>
-            <a:r>
-              <a:rPr lang="en-US" sz="2800" dirty="0" smtClean="0"/>
-              <a:t>Strong positive correlation</a:t>
-            </a:r>
-            <a:endParaRPr lang="en-US" sz="2800" dirty="0"/>
-          </a:p>
-        </p:txBody>
-      </p:sp>
-      <p:sp>
-        <p:nvSpPr>
-          <p:cNvPr id="3" name="TextBox 2"/>
-          <p:cNvSpPr txBox="1"/>
-          <p:nvPr/>
-        </p:nvSpPr>
-        <p:spPr>
-          <a:xfrm>
-            <a:off x="7040791" y="2368477"/>
-            <a:ext cx="1634357" cy="369332"/>
-          </a:xfrm>
-          <a:prstGeom prst="rect">
-            <a:avLst/>
-          </a:prstGeom>
-          <a:noFill/>
-        </p:spPr>
-        <p:txBody>
-          <a:bodyPr wrap="none" rtlCol="0">
-            <a:spAutoFit/>
-          </a:bodyPr>
-          <a:lstStyle/>
-          <a:p>
-            <a:r>
-              <a:rPr lang="en-US" dirty="0" smtClean="0"/>
-              <a:t>P-value &lt; 10e-6</a:t>
+            <a:r>
+              <a:rPr lang="en-US" dirty="0" smtClean="0"/>
+              <a:t>Great!  But I cheated by testing with the training data.</a:t>
             </a:r>
             <a:endParaRPr lang="en-US" dirty="0"/>
           </a:p>
@@ -4148,17 +6765,24 @@
     </p:spTree>
     <p:extLst>
       <p:ext uri="{BB962C8B-B14F-4D97-AF65-F5344CB8AC3E}">
-        <p14:creationId xmlns:p14="http://schemas.microsoft.com/office/powerpoint/2010/main" val="2908218811"/>
+        <p14:creationId xmlns:p14="http://schemas.microsoft.com/office/powerpoint/2010/main" val="3495131685"/>
       </p:ext>
     </p:extLst>
   </p:cSld>
   <p:clrMapOvr>
     <a:masterClrMapping/>
   </p:clrMapOvr>
+  <p:timing>
+    <p:tnLst>
+      <p:par>
+        <p:cTn xmlns:p14="http://schemas.microsoft.com/office/powerpoint/2010/main" id="1" dur="indefinite" restart="never" nodeType="tmRoot"/>
+      </p:par>
+    </p:tnLst>
+  </p:timing>
 </p:sld>
 </file>
 
-<file path=ppt/slides/slide14.xml><?xml version="1.0" encoding="utf-8"?>
+<file path=ppt/slides/slide25.xml><?xml version="1.0" encoding="utf-8"?>
 <p:sld xmlns:a="http://schemas.openxmlformats.org/drawingml/2006/main" xmlns:r="http://schemas.openxmlformats.org/officeDocument/2006/relationships" xmlns:p="http://schemas.openxmlformats.org/presentationml/2006/main">
   <p:cSld>
     <p:spTree>
@@ -4187,8 +6811,8 @@
         </p:nvSpPr>
         <p:spPr>
           <a:xfrm>
-            <a:off x="398940" y="64920"/>
-            <a:ext cx="8229600" cy="715689"/>
+            <a:off x="457200" y="242052"/>
+            <a:ext cx="8229600" cy="614883"/>
           </a:xfrm>
         </p:spPr>
         <p:txBody>
@@ -4199,98 +6823,57 @@
           <a:p>
             <a:r>
               <a:rPr lang="en-US" dirty="0" smtClean="0"/>
-              <a:t>Review</a:t>
+              <a:t>Random Forest with LOO</a:t>
             </a:r>
             <a:endParaRPr lang="en-US" dirty="0"/>
           </a:p>
         </p:txBody>
       </p:sp>
-      <p:sp>
-        <p:nvSpPr>
-          <p:cNvPr id="3" name="Content Placeholder 2"/>
-          <p:cNvSpPr>
-            <a:spLocks noGrp="1"/>
-          </p:cNvSpPr>
-          <p:nvPr>
-            <p:ph idx="1"/>
-          </p:nvPr>
-        </p:nvSpPr>
-        <p:spPr>
-          <a:xfrm>
-            <a:off x="163129" y="1106837"/>
-            <a:ext cx="8937175" cy="5194092"/>
-          </a:xfrm>
-        </p:spPr>
-        <p:txBody>
-          <a:bodyPr>
-            <a:normAutofit lnSpcReduction="10000"/>
-          </a:bodyPr>
-          <a:lstStyle/>
-          <a:p>
-            <a:r>
-              <a:rPr lang="en-US" dirty="0" smtClean="0"/>
-              <a:t>No correlation with suicide rate</a:t>
-            </a:r>
-          </a:p>
-          <a:p>
-            <a:r>
-              <a:rPr lang="en-US" dirty="0" smtClean="0"/>
-              <a:t>No correlation with gun ownership</a:t>
-            </a:r>
-          </a:p>
-          <a:p>
-            <a:r>
-              <a:rPr lang="en-US" dirty="0" smtClean="0"/>
-              <a:t>Weak negative correlation with average income</a:t>
-            </a:r>
-          </a:p>
-          <a:p>
-            <a:r>
-              <a:rPr lang="en-US" dirty="0" smtClean="0"/>
-              <a:t>Weak positive correlation with population density</a:t>
-            </a:r>
-          </a:p>
-          <a:p>
-            <a:r>
-              <a:rPr lang="en-US" dirty="0" smtClean="0"/>
-              <a:t>Strong positive correlation with poverty rate</a:t>
-            </a:r>
-          </a:p>
-          <a:p>
-            <a:r>
-              <a:rPr lang="en-US" dirty="0" smtClean="0"/>
-              <a:t>Strong negative correlation with percentage of population graduating HS</a:t>
-            </a:r>
-          </a:p>
-          <a:p>
-            <a:pPr lvl="1"/>
-            <a:r>
-              <a:rPr lang="en-US" dirty="0" smtClean="0"/>
-              <a:t>Or strong positive correlation with percentage of population who did not graduate HS.</a:t>
-            </a:r>
-          </a:p>
-          <a:p>
-            <a:r>
-              <a:rPr lang="en-US" dirty="0" smtClean="0"/>
-              <a:t>Strong positive correlation with incarceration rate</a:t>
-            </a:r>
-          </a:p>
-        </p:txBody>
-      </p:sp>
+      <p:pic>
+        <p:nvPicPr>
+          <p:cNvPr id="5" name="Picture 4"/>
+          <p:cNvPicPr>
+            <a:picLocks noChangeAspect="1"/>
+          </p:cNvPicPr>
+          <p:nvPr/>
+        </p:nvPicPr>
+        <p:blipFill>
+          <a:blip r:embed="rId2"/>
+          <a:stretch>
+            <a:fillRect/>
+          </a:stretch>
+        </p:blipFill>
+        <p:spPr>
+          <a:xfrm>
+            <a:off x="1269034" y="1042268"/>
+            <a:ext cx="6568722" cy="4806799"/>
+          </a:xfrm>
+          <a:prstGeom prst="rect">
+            <a:avLst/>
+          </a:prstGeom>
+        </p:spPr>
+      </p:pic>
     </p:spTree>
     <p:extLst>
       <p:ext uri="{BB962C8B-B14F-4D97-AF65-F5344CB8AC3E}">
-        <p14:creationId xmlns:p14="http://schemas.microsoft.com/office/powerpoint/2010/main" val="3134373939"/>
+        <p14:creationId xmlns:p14="http://schemas.microsoft.com/office/powerpoint/2010/main" val="847631528"/>
       </p:ext>
     </p:extLst>
   </p:cSld>
   <p:clrMapOvr>
     <a:masterClrMapping/>
   </p:clrMapOvr>
+  <p:timing>
+    <p:tnLst>
+      <p:par>
+        <p:cTn xmlns:p14="http://schemas.microsoft.com/office/powerpoint/2010/main" id="1" dur="indefinite" restart="never" nodeType="tmRoot"/>
+      </p:par>
+    </p:tnLst>
+  </p:timing>
 </p:sld>
 </file>
 
-<file path=ppt/slides/slide15.xml><?xml version="1.0" encoding="utf-8"?>
+<file path=ppt/slides/slide26.xml><?xml version="1.0" encoding="utf-8"?>
 <p:sld xmlns:a="http://schemas.openxmlformats.org/drawingml/2006/main" xmlns:r="http://schemas.openxmlformats.org/officeDocument/2006/relationships" xmlns:p="http://schemas.openxmlformats.org/presentationml/2006/main">
   <p:cSld>
     <p:spTree>
@@ -4319,8 +6902,8 @@
         </p:nvSpPr>
         <p:spPr>
           <a:xfrm>
-            <a:off x="433896" y="158128"/>
-            <a:ext cx="8229600" cy="704036"/>
+            <a:off x="398940" y="64920"/>
+            <a:ext cx="8229600" cy="715689"/>
           </a:xfrm>
         </p:spPr>
         <p:txBody>
@@ -4331,7 +6914,7 @@
           <a:p>
             <a:r>
               <a:rPr lang="en-US" dirty="0" smtClean="0"/>
-              <a:t>Conclusions</a:t>
+              <a:t>Discovered Correlations</a:t>
             </a:r>
             <a:endParaRPr lang="en-US" dirty="0"/>
           </a:p>
@@ -4349,61 +6932,80 @@
         </p:nvSpPr>
         <p:spPr>
           <a:xfrm>
-            <a:off x="198087" y="943722"/>
-            <a:ext cx="8750740" cy="5522518"/>
+            <a:off x="163129" y="1106837"/>
+            <a:ext cx="8937175" cy="5194092"/>
           </a:xfrm>
         </p:spPr>
         <p:txBody>
           <a:bodyPr>
-            <a:normAutofit lnSpcReduction="10000"/>
+            <a:normAutofit/>
           </a:bodyPr>
           <a:lstStyle/>
           <a:p>
             <a:r>
               <a:rPr lang="en-US" dirty="0" smtClean="0"/>
-              <a:t>Population density, suicide rate, average income, and gun ownership are not good predictors of murder rate (and probably overall violent crime rates).</a:t>
-            </a:r>
-          </a:p>
-          <a:p>
-            <a:pPr lvl="1"/>
-            <a:r>
-              <a:rPr lang="en-US" dirty="0" smtClean="0"/>
-              <a:t>Weak correlation or uncorrelated</a:t>
-            </a:r>
-          </a:p>
-          <a:p>
-            <a:r>
-              <a:rPr lang="en-US" dirty="0"/>
-              <a:t>P</a:t>
-            </a:r>
-            <a:r>
-              <a:rPr lang="en-US" dirty="0" smtClean="0"/>
-              <a:t>overty rate, education level, and incarceration rate are good predictors of murder rate.</a:t>
-            </a:r>
-          </a:p>
-          <a:p>
-            <a:r>
-              <a:rPr lang="en-US" dirty="0" smtClean="0"/>
-              <a:t>In particular, murder rate has a strong positive correlation with poverty rate, percentage of the population without a HS education, and incarceration rate.</a:t>
-            </a:r>
-            <a:endParaRPr lang="en-US" dirty="0"/>
+              <a:t>No correlation with suicide rate</a:t>
+            </a:r>
+          </a:p>
+          <a:p>
+            <a:r>
+              <a:rPr lang="en-US" dirty="0" smtClean="0"/>
+              <a:t>No correlation with gun ownership</a:t>
+            </a:r>
+          </a:p>
+          <a:p>
+            <a:r>
+              <a:rPr lang="en-US" dirty="0" smtClean="0"/>
+              <a:t>Weak negative correlation with average income</a:t>
+            </a:r>
+          </a:p>
+          <a:p>
+            <a:r>
+              <a:rPr lang="en-US" dirty="0" smtClean="0"/>
+              <a:t>Weak positive correlation with population density</a:t>
+            </a:r>
+          </a:p>
+          <a:p>
+            <a:r>
+              <a:rPr lang="en-US" dirty="0" smtClean="0"/>
+              <a:t>Strong positive correlation with poverty rate</a:t>
+            </a:r>
+          </a:p>
+          <a:p>
+            <a:r>
+              <a:rPr lang="en-US" dirty="0" smtClean="0"/>
+              <a:t>Strong positive correlation with percentage of population that did not graduate HS</a:t>
+            </a:r>
+          </a:p>
+          <a:p>
+            <a:r>
+              <a:rPr lang="en-US" dirty="0" smtClean="0"/>
+              <a:t>Strong positive correlation with incarceration rate</a:t>
+            </a:r>
           </a:p>
         </p:txBody>
       </p:sp>
     </p:spTree>
     <p:extLst>
       <p:ext uri="{BB962C8B-B14F-4D97-AF65-F5344CB8AC3E}">
-        <p14:creationId xmlns:p14="http://schemas.microsoft.com/office/powerpoint/2010/main" val="613935991"/>
+        <p14:creationId xmlns:p14="http://schemas.microsoft.com/office/powerpoint/2010/main" val="3134373939"/>
       </p:ext>
     </p:extLst>
   </p:cSld>
   <p:clrMapOvr>
     <a:masterClrMapping/>
   </p:clrMapOvr>
+  <p:timing>
+    <p:tnLst>
+      <p:par>
+        <p:cTn xmlns:p14="http://schemas.microsoft.com/office/powerpoint/2010/main" id="1" dur="indefinite" restart="never" nodeType="tmRoot"/>
+      </p:par>
+    </p:tnLst>
+  </p:timing>
 </p:sld>
 </file>
 
-<file path=ppt/slides/slide2.xml><?xml version="1.0" encoding="utf-8"?>
+<file path=ppt/slides/slide27.xml><?xml version="1.0" encoding="utf-8"?>
 <p:sld xmlns:a="http://schemas.openxmlformats.org/drawingml/2006/main" xmlns:r="http://schemas.openxmlformats.org/officeDocument/2006/relationships" xmlns:p="http://schemas.openxmlformats.org/presentationml/2006/main">
   <p:cSld>
     <p:spTree>
@@ -4432,17 +7034,19 @@
         </p:nvSpPr>
         <p:spPr>
           <a:xfrm>
-            <a:off x="457200" y="204732"/>
-            <a:ext cx="8229600" cy="1030261"/>
-          </a:xfrm>
-        </p:spPr>
-        <p:txBody>
-          <a:bodyPr/>
-          <a:lstStyle/>
-          <a:p>
-            <a:r>
-              <a:rPr lang="en-US" dirty="0" smtClean="0"/>
-              <a:t>Input Variables</a:t>
+            <a:off x="433896" y="89476"/>
+            <a:ext cx="8229600" cy="704036"/>
+          </a:xfrm>
+        </p:spPr>
+        <p:txBody>
+          <a:bodyPr>
+            <a:normAutofit fontScale="90000"/>
+          </a:bodyPr>
+          <a:lstStyle/>
+          <a:p>
+            <a:r>
+              <a:rPr lang="en-US" dirty="0" smtClean="0"/>
+              <a:t>Conclusions</a:t>
             </a:r>
             <a:endParaRPr lang="en-US" dirty="0"/>
           </a:p>
@@ -4460,123 +7064,61 @@
         </p:nvSpPr>
         <p:spPr>
           <a:xfrm>
-            <a:off x="457200" y="1483690"/>
-            <a:ext cx="8229600" cy="4525963"/>
+            <a:off x="198087" y="875070"/>
+            <a:ext cx="8750740" cy="5522518"/>
           </a:xfrm>
         </p:spPr>
         <p:txBody>
           <a:bodyPr>
-            <a:normAutofit fontScale="62500" lnSpcReduction="20000"/>
+            <a:normAutofit fontScale="92500" lnSpcReduction="20000"/>
           </a:bodyPr>
           <a:lstStyle/>
           <a:p>
             <a:r>
-              <a:rPr lang="en-US" dirty="0"/>
-              <a:t>P</a:t>
-            </a:r>
-            <a:r>
-              <a:rPr lang="en-US" dirty="0" smtClean="0"/>
-              <a:t>opulation density</a:t>
-            </a:r>
-          </a:p>
-          <a:p>
-            <a:r>
-              <a:rPr lang="en-US" dirty="0" smtClean="0"/>
-              <a:t>Median household income</a:t>
-            </a:r>
-          </a:p>
-          <a:p>
-            <a:r>
-              <a:rPr lang="en-US" dirty="0" smtClean="0"/>
-              <a:t>Poverty rate</a:t>
-            </a:r>
-          </a:p>
-          <a:p>
-            <a:pPr lvl="1"/>
-            <a:r>
-              <a:rPr lang="en-US" dirty="0" smtClean="0"/>
-              <a:t>Percentage of households below federal poverty level</a:t>
-            </a:r>
-          </a:p>
-          <a:p>
-            <a:r>
-              <a:rPr lang="en-US" dirty="0" smtClean="0"/>
-              <a:t>Education</a:t>
-            </a:r>
-          </a:p>
-          <a:p>
-            <a:pPr lvl="1"/>
-            <a:r>
-              <a:rPr lang="en-US" dirty="0" smtClean="0"/>
-              <a:t>Percentage of population graduating HS</a:t>
-            </a:r>
-          </a:p>
-          <a:p>
-            <a:r>
-              <a:rPr lang="en-US" dirty="0" smtClean="0"/>
-              <a:t>Incarceration rate</a:t>
-            </a:r>
-          </a:p>
-          <a:p>
-            <a:pPr lvl="1"/>
-            <a:r>
-              <a:rPr lang="en-US" dirty="0" smtClean="0"/>
-              <a:t># incarcerated per 100k</a:t>
-            </a:r>
-          </a:p>
-          <a:p>
-            <a:r>
-              <a:rPr lang="en-US" dirty="0" smtClean="0"/>
-              <a:t>Suicide rate</a:t>
-            </a:r>
-          </a:p>
-          <a:p>
-            <a:pPr lvl="1"/>
-            <a:r>
-              <a:rPr lang="en-US" dirty="0" smtClean="0"/>
-              <a:t>Suicides per 100k</a:t>
-            </a:r>
-          </a:p>
-          <a:p>
-            <a:r>
-              <a:rPr lang="en-US" dirty="0" smtClean="0"/>
-              <a:t>Gun ownership</a:t>
-            </a:r>
-          </a:p>
-          <a:p>
-            <a:pPr lvl="1"/>
-            <a:r>
-              <a:rPr lang="en-US" dirty="0" smtClean="0"/>
-              <a:t>Percentage of households claiming to own firearms</a:t>
-            </a:r>
-          </a:p>
-          <a:p>
-            <a:pPr marL="0" indent="0">
-              <a:buNone/>
-            </a:pPr>
+              <a:rPr lang="en-US" dirty="0" smtClean="0"/>
+              <a:t>Population density, suicide rate, average income, and gun ownership by US state are not good predictors of murder.</a:t>
+            </a:r>
+          </a:p>
+          <a:p>
+            <a:r>
+              <a:rPr lang="en-US" dirty="0" smtClean="0"/>
+              <a:t>Poverty rate, education level, and incarceration rate are good predictors of murder rate and show strong correlation.</a:t>
+            </a:r>
+          </a:p>
+          <a:p>
+            <a:r>
+              <a:rPr lang="en-US" dirty="0" smtClean="0"/>
+              <a:t>In particular, murder rate has a strong positive correlation with poverty rate, percentage of the population without a HS education, and incarceration rate.</a:t>
+            </a:r>
+          </a:p>
+          <a:p>
+            <a:r>
+              <a:rPr lang="en-US" dirty="0" smtClean="0"/>
+              <a:t>Analysis is hindered by small sample size.  This could be improved by using smaller geographic units (cities, counties).</a:t>
+            </a:r>
+          </a:p>
+          <a:p>
             <a:endParaRPr lang="en-US" dirty="0"/>
-          </a:p>
-          <a:p>
-            <a:pPr marL="0" indent="0">
-              <a:buNone/>
-            </a:pPr>
-            <a:r>
-              <a:rPr lang="en-US" i="1" dirty="0" smtClean="0"/>
-              <a:t>Primarily 2010 data</a:t>
-            </a:r>
           </a:p>
         </p:txBody>
       </p:sp>
     </p:spTree>
     <p:extLst>
       <p:ext uri="{BB962C8B-B14F-4D97-AF65-F5344CB8AC3E}">
-        <p14:creationId xmlns:p14="http://schemas.microsoft.com/office/powerpoint/2010/main" val="4175803727"/>
+        <p14:creationId xmlns:p14="http://schemas.microsoft.com/office/powerpoint/2010/main" val="613935991"/>
       </p:ext>
     </p:extLst>
   </p:cSld>
   <p:clrMapOvr>
     <a:masterClrMapping/>
   </p:clrMapOvr>
+  <p:timing>
+    <p:tnLst>
+      <p:par>
+        <p:cTn xmlns:p14="http://schemas.microsoft.com/office/powerpoint/2010/main" id="1" dur="indefinite" restart="never" nodeType="tmRoot"/>
+      </p:par>
+    </p:tnLst>
+  </p:timing>
 </p:sld>
 </file>
 
@@ -4609,8 +7151,8 @@
         </p:nvSpPr>
         <p:spPr>
           <a:xfrm>
-            <a:off x="457200" y="274638"/>
-            <a:ext cx="8229600" cy="1030261"/>
+            <a:off x="457200" y="152528"/>
+            <a:ext cx="8229600" cy="946461"/>
           </a:xfrm>
         </p:spPr>
         <p:txBody>
@@ -4619,7 +7161,7 @@
           <a:p>
             <a:r>
               <a:rPr lang="en-US" dirty="0" smtClean="0"/>
-              <a:t>Predicted Variable</a:t>
+              <a:t>Linear Regression Review</a:t>
             </a:r>
             <a:endParaRPr lang="en-US" dirty="0"/>
           </a:p>
@@ -4637,52 +7179,215 @@
         </p:nvSpPr>
         <p:spPr>
           <a:xfrm>
-            <a:off x="457200" y="1600201"/>
-            <a:ext cx="8229600" cy="2943644"/>
-          </a:xfrm>
-        </p:spPr>
-        <p:txBody>
-          <a:bodyPr/>
-          <a:lstStyle/>
-          <a:p>
-            <a:r>
-              <a:rPr lang="en-US" dirty="0" smtClean="0"/>
-              <a:t>Murder rate</a:t>
-            </a:r>
-          </a:p>
-          <a:p>
-            <a:pPr lvl="1"/>
-            <a:r>
-              <a:rPr lang="en-US" dirty="0" smtClean="0"/>
-              <a:t>Number of murders per 100k population</a:t>
-            </a:r>
-          </a:p>
-          <a:p>
-            <a:pPr lvl="1"/>
-            <a:r>
-              <a:rPr lang="en-US" dirty="0" smtClean="0"/>
-              <a:t>Strong correlated with violent crime rate</a:t>
-            </a:r>
-          </a:p>
-          <a:p>
-            <a:r>
-              <a:rPr lang="en-US" dirty="0" smtClean="0"/>
-              <a:t>Same analysis technique could easily be applied to other types of crimes</a:t>
-            </a:r>
+            <a:off x="90830" y="1208889"/>
+            <a:ext cx="4684201" cy="2220745"/>
+          </a:xfrm>
+        </p:spPr>
+        <p:txBody>
+          <a:bodyPr>
+            <a:normAutofit fontScale="85000" lnSpcReduction="20000"/>
+          </a:bodyPr>
+          <a:lstStyle/>
+          <a:p>
+            <a:r>
+              <a:rPr lang="en-US" dirty="0" smtClean="0"/>
+              <a:t>Functional relationship between input (features) and response (murder rate)</a:t>
+            </a:r>
+          </a:p>
+          <a:p>
+            <a:r>
+              <a:rPr lang="en-US" dirty="0" smtClean="0"/>
+              <a:t>Analytically solvable problem which minimizes the sum of the squared residuals (errors) </a:t>
+            </a:r>
+          </a:p>
+          <a:p>
             <a:endParaRPr lang="en-US" dirty="0"/>
+          </a:p>
+        </p:txBody>
+      </p:sp>
+      <p:pic>
+        <p:nvPicPr>
+          <p:cNvPr id="4" name="Picture 3" descr="Screen Shot 2015-07-07 at 9.31.28 PM.png"/>
+          <p:cNvPicPr>
+            <a:picLocks noChangeAspect="1"/>
+          </p:cNvPicPr>
+          <p:nvPr/>
+        </p:nvPicPr>
+        <p:blipFill>
+          <a:blip r:embed="rId2">
+            <a:extLst>
+              <a:ext uri="{28A0092B-C50C-407E-A947-70E740481C1C}">
+                <a14:useLocalDpi xmlns:a14="http://schemas.microsoft.com/office/drawing/2010/main" val="0"/>
+              </a:ext>
+            </a:extLst>
+          </a:blip>
+          <a:stretch>
+            <a:fillRect/>
+          </a:stretch>
+        </p:blipFill>
+        <p:spPr>
+          <a:xfrm>
+            <a:off x="1831827" y="4087687"/>
+            <a:ext cx="7177811" cy="2417018"/>
+          </a:xfrm>
+          <a:prstGeom prst="rect">
+            <a:avLst/>
+          </a:prstGeom>
+        </p:spPr>
+      </p:pic>
+      <p:pic>
+        <p:nvPicPr>
+          <p:cNvPr id="6" name="Picture 5" descr="Screen Shot 2015-07-07 at 9.33.31 PM.png"/>
+          <p:cNvPicPr>
+            <a:picLocks noChangeAspect="1"/>
+          </p:cNvPicPr>
+          <p:nvPr/>
+        </p:nvPicPr>
+        <p:blipFill>
+          <a:blip r:embed="rId3">
+            <a:extLst>
+              <a:ext uri="{28A0092B-C50C-407E-A947-70E740481C1C}">
+                <a14:useLocalDpi xmlns:a14="http://schemas.microsoft.com/office/drawing/2010/main" val="0"/>
+              </a:ext>
+            </a:extLst>
+          </a:blip>
+          <a:stretch>
+            <a:fillRect/>
+          </a:stretch>
+        </p:blipFill>
+        <p:spPr>
+          <a:xfrm>
+            <a:off x="4824335" y="1208888"/>
+            <a:ext cx="3623561" cy="2500257"/>
+          </a:xfrm>
+          <a:prstGeom prst="rect">
+            <a:avLst/>
+          </a:prstGeom>
+        </p:spPr>
+      </p:pic>
+      <p:pic>
+        <p:nvPicPr>
+          <p:cNvPr id="8" name="Picture 7" descr="Screen Shot 2015-07-07 at 9.34.48 PM.png"/>
+          <p:cNvPicPr>
+            <a:picLocks noChangeAspect="1"/>
+          </p:cNvPicPr>
+          <p:nvPr/>
+        </p:nvPicPr>
+        <p:blipFill>
+          <a:blip r:embed="rId4">
+            <a:extLst>
+              <a:ext uri="{28A0092B-C50C-407E-A947-70E740481C1C}">
+                <a14:useLocalDpi xmlns:a14="http://schemas.microsoft.com/office/drawing/2010/main" val="0"/>
+              </a:ext>
+            </a:extLst>
+          </a:blip>
+          <a:stretch>
+            <a:fillRect/>
+          </a:stretch>
+        </p:blipFill>
+        <p:spPr>
+          <a:xfrm>
+            <a:off x="256459" y="3751695"/>
+            <a:ext cx="4103352" cy="574631"/>
+          </a:xfrm>
+          <a:prstGeom prst="rect">
+            <a:avLst/>
+          </a:prstGeom>
+        </p:spPr>
+      </p:pic>
+      <p:sp>
+        <p:nvSpPr>
+          <p:cNvPr id="9" name="TextBox 8"/>
+          <p:cNvSpPr txBox="1"/>
+          <p:nvPr/>
+        </p:nvSpPr>
+        <p:spPr>
+          <a:xfrm>
+            <a:off x="305310" y="3548901"/>
+            <a:ext cx="2299916" cy="369332"/>
+          </a:xfrm>
+          <a:prstGeom prst="rect">
+            <a:avLst/>
+          </a:prstGeom>
+          <a:noFill/>
+        </p:spPr>
+        <p:txBody>
+          <a:bodyPr wrap="none" rtlCol="0">
+            <a:spAutoFit/>
+          </a:bodyPr>
+          <a:lstStyle/>
+          <a:p>
+            <a:r>
+              <a:rPr lang="en-US" dirty="0" smtClean="0">
+                <a:solidFill>
+                  <a:srgbClr val="FF0000"/>
+                </a:solidFill>
+              </a:rPr>
+              <a:t>Polynomial Regression</a:t>
+            </a:r>
+            <a:endParaRPr lang="en-US" dirty="0">
+              <a:solidFill>
+                <a:srgbClr val="FF0000"/>
+              </a:solidFill>
+            </a:endParaRPr>
+          </a:p>
+        </p:txBody>
+      </p:sp>
+      <p:sp>
+        <p:nvSpPr>
+          <p:cNvPr id="10" name="TextBox 9"/>
+          <p:cNvSpPr txBox="1"/>
+          <p:nvPr/>
+        </p:nvSpPr>
+        <p:spPr>
+          <a:xfrm>
+            <a:off x="4713971" y="3820414"/>
+            <a:ext cx="1834757" cy="369332"/>
+          </a:xfrm>
+          <a:prstGeom prst="rect">
+            <a:avLst/>
+          </a:prstGeom>
+          <a:noFill/>
+        </p:spPr>
+        <p:txBody>
+          <a:bodyPr wrap="none" rtlCol="0">
+            <a:spAutoFit/>
+          </a:bodyPr>
+          <a:lstStyle/>
+          <a:p>
+            <a:r>
+              <a:rPr lang="en-US" dirty="0" smtClean="0">
+                <a:solidFill>
+                  <a:srgbClr val="FF0000"/>
+                </a:solidFill>
+              </a:rPr>
+              <a:t>Linear Regression</a:t>
+            </a:r>
+            <a:endParaRPr lang="en-US" dirty="0">
+              <a:solidFill>
+                <a:srgbClr val="FF0000"/>
+              </a:solidFill>
+            </a:endParaRPr>
           </a:p>
         </p:txBody>
       </p:sp>
     </p:spTree>
     <p:extLst>
       <p:ext uri="{BB962C8B-B14F-4D97-AF65-F5344CB8AC3E}">
-        <p14:creationId xmlns:p14="http://schemas.microsoft.com/office/powerpoint/2010/main" val="446157027"/>
+        <p14:creationId xmlns:p14="http://schemas.microsoft.com/office/powerpoint/2010/main" val="3593227897"/>
       </p:ext>
     </p:extLst>
   </p:cSld>
   <p:clrMapOvr>
     <a:masterClrMapping/>
   </p:clrMapOvr>
+  <p:timing>
+    <p:tnLst>
+      <p:par>
+        <p:cTn xmlns:p14="http://schemas.microsoft.com/office/powerpoint/2010/main" id="1" dur="indefinite" restart="never" nodeType="tmRoot"/>
+      </p:par>
+    </p:tnLst>
+  </p:timing>
 </p:sld>
 </file>
 
@@ -4715,8 +7420,8 @@
         </p:nvSpPr>
         <p:spPr>
           <a:xfrm>
-            <a:off x="457200" y="-4986"/>
-            <a:ext cx="8229600" cy="797243"/>
+            <a:off x="457200" y="113196"/>
+            <a:ext cx="8229600" cy="1030261"/>
           </a:xfrm>
         </p:spPr>
         <p:txBody>
@@ -4725,7 +7430,7 @@
           <a:p>
             <a:r>
               <a:rPr lang="en-US" dirty="0" smtClean="0"/>
-              <a:t>Violent Crime</a:t>
+              <a:t>Features</a:t>
             </a:r>
             <a:endParaRPr lang="en-US" dirty="0"/>
           </a:p>
@@ -4743,8 +7448,8 @@
         </p:nvSpPr>
         <p:spPr>
           <a:xfrm>
-            <a:off x="503808" y="5743888"/>
-            <a:ext cx="8229600" cy="720154"/>
+            <a:off x="286018" y="1143458"/>
+            <a:ext cx="8637748" cy="5218250"/>
           </a:xfrm>
         </p:spPr>
         <p:txBody>
@@ -4753,51 +7458,124 @@
           </a:bodyPr>
           <a:lstStyle/>
           <a:p>
+            <a:r>
+              <a:rPr lang="en-US" dirty="0"/>
+              <a:t>P</a:t>
+            </a:r>
+            <a:r>
+              <a:rPr lang="en-US" dirty="0" smtClean="0"/>
+              <a:t>opulation density</a:t>
+            </a:r>
+          </a:p>
+          <a:p>
+            <a:r>
+              <a:rPr lang="en-US" dirty="0" smtClean="0"/>
+              <a:t>Median household income</a:t>
+            </a:r>
+          </a:p>
+          <a:p>
+            <a:r>
+              <a:rPr lang="en-US" dirty="0" smtClean="0"/>
+              <a:t>Poverty rate</a:t>
+            </a:r>
+          </a:p>
+          <a:p>
+            <a:pPr lvl="1"/>
+            <a:r>
+              <a:rPr lang="en-US" dirty="0" smtClean="0"/>
+              <a:t>Percentage of households below federal poverty level</a:t>
+            </a:r>
+          </a:p>
+          <a:p>
+            <a:r>
+              <a:rPr lang="en-US" dirty="0" smtClean="0"/>
+              <a:t>Education</a:t>
+            </a:r>
+          </a:p>
+          <a:p>
+            <a:pPr lvl="1"/>
+            <a:r>
+              <a:rPr lang="en-US" dirty="0" smtClean="0"/>
+              <a:t>Percentage of population graduating HS</a:t>
+            </a:r>
+          </a:p>
+          <a:p>
+            <a:r>
+              <a:rPr lang="en-US" dirty="0" smtClean="0"/>
+              <a:t>Incarceration rate</a:t>
+            </a:r>
+          </a:p>
+          <a:p>
+            <a:pPr lvl="1"/>
+            <a:r>
+              <a:rPr lang="en-US" dirty="0"/>
+              <a:t>P</a:t>
+            </a:r>
+            <a:r>
+              <a:rPr lang="en-US" dirty="0" smtClean="0"/>
+              <a:t>ersons incarcerated per 100k</a:t>
+            </a:r>
+          </a:p>
+          <a:p>
+            <a:r>
+              <a:rPr lang="en-US" dirty="0" smtClean="0"/>
+              <a:t>Suicide rate</a:t>
+            </a:r>
+          </a:p>
+          <a:p>
+            <a:pPr lvl="1"/>
+            <a:r>
+              <a:rPr lang="en-US" dirty="0" smtClean="0"/>
+              <a:t>Suicides per 100k</a:t>
+            </a:r>
+          </a:p>
+          <a:p>
+            <a:r>
+              <a:rPr lang="en-US" dirty="0" smtClean="0"/>
+              <a:t>Gun ownership</a:t>
+            </a:r>
+          </a:p>
+          <a:p>
+            <a:pPr lvl="1"/>
+            <a:r>
+              <a:rPr lang="en-US" dirty="0" smtClean="0"/>
+              <a:t>Percentage of households claiming to own firearms</a:t>
+            </a:r>
+          </a:p>
+          <a:p>
             <a:pPr marL="0" indent="0">
               <a:buNone/>
             </a:pPr>
-            <a:r>
-              <a:rPr lang="en-US" dirty="0" smtClean="0"/>
-              <a:t>Violent crime rate and murder rate are strongly correlated.</a:t>
-            </a:r>
             <a:endParaRPr lang="en-US" dirty="0"/>
           </a:p>
-        </p:txBody>
-      </p:sp>
-      <p:pic>
-        <p:nvPicPr>
-          <p:cNvPr id="4" name="Picture 3"/>
-          <p:cNvPicPr>
-            <a:picLocks noChangeAspect="1"/>
-          </p:cNvPicPr>
-          <p:nvPr/>
-        </p:nvPicPr>
-        <p:blipFill>
-          <a:blip r:embed="rId2"/>
-          <a:stretch>
-            <a:fillRect/>
-          </a:stretch>
-        </p:blipFill>
-        <p:spPr>
-          <a:xfrm>
-            <a:off x="1293385" y="972428"/>
-            <a:ext cx="6140667" cy="4605500"/>
-          </a:xfrm>
-          <a:prstGeom prst="rect">
-            <a:avLst/>
-          </a:prstGeom>
-        </p:spPr>
-      </p:pic>
+          <a:p>
+            <a:pPr marL="0" indent="0">
+              <a:buNone/>
+            </a:pPr>
+            <a:r>
+              <a:rPr lang="en-US" i="1" dirty="0" smtClean="0"/>
+              <a:t>Primarily 2010 data</a:t>
+            </a:r>
+          </a:p>
+        </p:txBody>
+      </p:sp>
     </p:spTree>
     <p:extLst>
       <p:ext uri="{BB962C8B-B14F-4D97-AF65-F5344CB8AC3E}">
-        <p14:creationId xmlns:p14="http://schemas.microsoft.com/office/powerpoint/2010/main" val="3259367127"/>
+        <p14:creationId xmlns:p14="http://schemas.microsoft.com/office/powerpoint/2010/main" val="4175803727"/>
       </p:ext>
     </p:extLst>
   </p:cSld>
   <p:clrMapOvr>
     <a:masterClrMapping/>
   </p:clrMapOvr>
+  <p:timing>
+    <p:tnLst>
+      <p:par>
+        <p:cTn xmlns:p14="http://schemas.microsoft.com/office/powerpoint/2010/main" id="1" dur="indefinite" restart="never" nodeType="tmRoot"/>
+      </p:par>
+    </p:tnLst>
+  </p:timing>
 </p:sld>
 </file>
 
@@ -4830,8 +7608,8 @@
         </p:nvSpPr>
         <p:spPr>
           <a:xfrm>
-            <a:off x="457200" y="274639"/>
-            <a:ext cx="8229600" cy="785592"/>
+            <a:off x="457200" y="274638"/>
+            <a:ext cx="8229600" cy="1030261"/>
           </a:xfrm>
         </p:spPr>
         <p:txBody>
@@ -4840,7 +7618,7 @@
           <a:p>
             <a:r>
               <a:rPr lang="en-US" dirty="0" smtClean="0"/>
-              <a:t>Analysis Technique</a:t>
+              <a:t>Issues</a:t>
             </a:r>
             <a:endParaRPr lang="en-US" dirty="0"/>
           </a:p>
@@ -4858,98 +7636,83 @@
         </p:nvSpPr>
         <p:spPr>
           <a:xfrm>
-            <a:off x="457200" y="1332227"/>
-            <a:ext cx="8229600" cy="4525963"/>
+            <a:off x="457199" y="1304898"/>
+            <a:ext cx="8482243" cy="5032607"/>
           </a:xfrm>
         </p:spPr>
         <p:txBody>
           <a:bodyPr>
-            <a:normAutofit/>
+            <a:normAutofit lnSpcReduction="10000"/>
           </a:bodyPr>
           <a:lstStyle/>
           <a:p>
             <a:r>
               <a:rPr lang="en-US" dirty="0" smtClean="0"/>
-              <a:t>Simple Linear Regression model</a:t>
+              <a:t>Only 50 data points (1 for each US state) which is a small amount of data for many regression models.</a:t>
             </a:r>
           </a:p>
           <a:p>
             <a:pPr lvl="1"/>
             <a:r>
               <a:rPr lang="en-US" dirty="0" smtClean="0"/>
-              <a:t>Ordinary Least Squares (OLS)</a:t>
+              <a:t>Risk of </a:t>
+            </a:r>
+            <a:r>
+              <a:rPr lang="en-US" dirty="0" err="1" smtClean="0"/>
+              <a:t>overfitting</a:t>
+            </a:r>
+            <a:r>
+              <a:rPr lang="en-US" dirty="0" smtClean="0"/>
+              <a:t>!</a:t>
             </a:r>
           </a:p>
           <a:p>
             <a:pPr lvl="1"/>
             <a:r>
               <a:rPr lang="en-US" dirty="0" smtClean="0"/>
-              <a:t>Linear Fit</a:t>
+              <a:t>Do not want to use regression with too many polynomial degrees (probably max 2 or 3).</a:t>
             </a:r>
           </a:p>
           <a:p>
             <a:pPr lvl="1"/>
             <a:r>
               <a:rPr lang="en-US" dirty="0" smtClean="0"/>
-              <a:t>Scatter plot data points (X </a:t>
-            </a:r>
-            <a:r>
-              <a:rPr lang="en-US" dirty="0" err="1" smtClean="0"/>
-              <a:t>vs</a:t>
-            </a:r>
-            <a:r>
-              <a:rPr lang="en-US" dirty="0" smtClean="0"/>
-              <a:t> Y) with the predicted </a:t>
-            </a:r>
-            <a:r>
-              <a:rPr lang="en-US" dirty="0"/>
-              <a:t>f</a:t>
-            </a:r>
-            <a:r>
-              <a:rPr lang="en-US" dirty="0" smtClean="0"/>
-              <a:t>it </a:t>
-            </a:r>
-            <a:r>
-              <a:rPr lang="en-US" dirty="0"/>
-              <a:t>l</a:t>
-            </a:r>
-            <a:r>
-              <a:rPr lang="en-US" dirty="0" smtClean="0"/>
-              <a:t>ine</a:t>
-            </a:r>
-          </a:p>
-          <a:p>
-            <a:r>
-              <a:rPr lang="en-US" dirty="0" smtClean="0"/>
-              <a:t>Identify type and level of correlation</a:t>
+              <a:t>Use L1-norm to generate sparse solutions.</a:t>
+            </a:r>
+          </a:p>
+          <a:p>
+            <a:r>
+              <a:rPr lang="en-US" dirty="0" smtClean="0"/>
+              <a:t>Variables strongly correlated.</a:t>
             </a:r>
           </a:p>
           <a:p>
             <a:pPr lvl="1"/>
             <a:r>
               <a:rPr lang="en-US" dirty="0" smtClean="0"/>
-              <a:t>Positive or negative</a:t>
-            </a:r>
-          </a:p>
-          <a:p>
-            <a:pPr lvl="1"/>
-            <a:r>
-              <a:rPr lang="en-US" dirty="0" smtClean="0"/>
-              <a:t>Uncorrelated, weak, moderate or strong</a:t>
-            </a:r>
+              <a:t>  Use single input variables as predictors (no multi-dimensional fits used).</a:t>
+            </a:r>
+            <a:endParaRPr lang="en-US" dirty="0" smtClean="0"/>
           </a:p>
         </p:txBody>
       </p:sp>
     </p:spTree>
     <p:extLst>
       <p:ext uri="{BB962C8B-B14F-4D97-AF65-F5344CB8AC3E}">
-        <p14:creationId xmlns:p14="http://schemas.microsoft.com/office/powerpoint/2010/main" val="2410694630"/>
+        <p14:creationId xmlns:p14="http://schemas.microsoft.com/office/powerpoint/2010/main" val="446157027"/>
       </p:ext>
     </p:extLst>
   </p:cSld>
   <p:clrMapOvr>
     <a:masterClrMapping/>
   </p:clrMapOvr>
+  <p:timing>
+    <p:tnLst>
+      <p:par>
+        <p:cTn xmlns:p14="http://schemas.microsoft.com/office/powerpoint/2010/main" id="1" dur="indefinite" restart="never" nodeType="tmRoot"/>
+      </p:par>
+    </p:tnLst>
+  </p:timing>
 </p:sld>
 </file>
 
@@ -4987,52 +7750,108 @@
           <a:p>
             <a:r>
               <a:rPr lang="en-US" dirty="0" smtClean="0"/>
-              <a:t>Simple Correlation Matrix</a:t>
+              <a:t>Data Import</a:t>
             </a:r>
             <a:endParaRPr lang="en-US" dirty="0"/>
           </a:p>
         </p:txBody>
       </p:sp>
-      <p:pic>
-        <p:nvPicPr>
-          <p:cNvPr id="4" name="Picture 3" descr="Screen Shot 2015-06-14 at 1.40.25 AM.png"/>
-          <p:cNvPicPr>
-            <a:picLocks noChangeAspect="1"/>
-          </p:cNvPicPr>
-          <p:nvPr/>
-        </p:nvPicPr>
-        <p:blipFill>
-          <a:blip r:embed="rId2">
-            <a:extLst>
-              <a:ext uri="{28A0092B-C50C-407E-A947-70E740481C1C}">
-                <a14:useLocalDpi xmlns:a14="http://schemas.microsoft.com/office/drawing/2010/main" val="0"/>
-              </a:ext>
-            </a:extLst>
-          </a:blip>
-          <a:stretch>
-            <a:fillRect/>
-          </a:stretch>
-        </p:blipFill>
-        <p:spPr>
-          <a:xfrm>
-            <a:off x="0" y="2131502"/>
-            <a:ext cx="9144000" cy="2619326"/>
-          </a:xfrm>
-          <a:prstGeom prst="rect">
-            <a:avLst/>
-          </a:prstGeom>
-        </p:spPr>
-      </p:pic>
+      <p:sp>
+        <p:nvSpPr>
+          <p:cNvPr id="3" name="Content Placeholder 2"/>
+          <p:cNvSpPr>
+            <a:spLocks noGrp="1"/>
+          </p:cNvSpPr>
+          <p:nvPr>
+            <p:ph idx="1"/>
+          </p:nvPr>
+        </p:nvSpPr>
+        <p:spPr>
+          <a:xfrm>
+            <a:off x="305309" y="1600200"/>
+            <a:ext cx="8695195" cy="4525963"/>
+          </a:xfrm>
+        </p:spPr>
+        <p:txBody>
+          <a:bodyPr/>
+          <a:lstStyle/>
+          <a:p>
+            <a:r>
+              <a:rPr lang="en-US" dirty="0" smtClean="0"/>
+              <a:t>Scrape data from Wikipedia and other data sources</a:t>
+            </a:r>
+          </a:p>
+          <a:p>
+            <a:pPr lvl="1"/>
+            <a:r>
+              <a:rPr lang="en-US" dirty="0" smtClean="0"/>
+              <a:t>Mostly 2010 </a:t>
+            </a:r>
+            <a:r>
+              <a:rPr lang="en-US" dirty="0" smtClean="0"/>
+              <a:t>sources</a:t>
+            </a:r>
+            <a:endParaRPr lang="en-US" dirty="0" smtClean="0"/>
+          </a:p>
+          <a:p>
+            <a:r>
+              <a:rPr lang="en-US" dirty="0" smtClean="0"/>
+              <a:t>Combine into single </a:t>
+            </a:r>
+            <a:r>
+              <a:rPr lang="en-US" dirty="0" err="1" smtClean="0"/>
+              <a:t>DataFrame</a:t>
+            </a:r>
+            <a:endParaRPr lang="en-US" dirty="0" smtClean="0"/>
+          </a:p>
+          <a:p>
+            <a:pPr lvl="1"/>
+            <a:r>
+              <a:rPr lang="en-US" dirty="0" smtClean="0"/>
+              <a:t>Join together using merge </a:t>
+            </a:r>
+            <a:r>
+              <a:rPr lang="en-US" dirty="0" smtClean="0"/>
+              <a:t>operation on </a:t>
+            </a:r>
+            <a:r>
+              <a:rPr lang="en-US" dirty="0" smtClean="0"/>
+              <a:t>state name</a:t>
+            </a:r>
+          </a:p>
+          <a:p>
+            <a:r>
+              <a:rPr lang="en-US" dirty="0" smtClean="0"/>
+              <a:t>Leave out Washington D.C.</a:t>
+            </a:r>
+          </a:p>
+          <a:p>
+            <a:pPr lvl="1"/>
+            <a:r>
+              <a:rPr lang="en-US" dirty="0" smtClean="0"/>
+              <a:t>It is more like a city than a state.</a:t>
+            </a:r>
+            <a:endParaRPr lang="en-US" dirty="0"/>
+          </a:p>
+        </p:txBody>
+      </p:sp>
     </p:spTree>
     <p:extLst>
       <p:ext uri="{BB962C8B-B14F-4D97-AF65-F5344CB8AC3E}">
-        <p14:creationId xmlns:p14="http://schemas.microsoft.com/office/powerpoint/2010/main" val="1824038185"/>
+        <p14:creationId xmlns:p14="http://schemas.microsoft.com/office/powerpoint/2010/main" val="4232165826"/>
       </p:ext>
     </p:extLst>
   </p:cSld>
   <p:clrMapOvr>
     <a:masterClrMapping/>
   </p:clrMapOvr>
+  <p:timing>
+    <p:tnLst>
+      <p:par>
+        <p:cTn xmlns:p14="http://schemas.microsoft.com/office/powerpoint/2010/main" id="1" dur="indefinite" restart="never" nodeType="tmRoot"/>
+      </p:par>
+    </p:tnLst>
+  </p:timing>
 </p:sld>
 </file>
 
@@ -5063,50 +7882,14 @@
             <p:ph type="title"/>
           </p:nvPr>
         </p:nvSpPr>
-        <p:spPr>
-          <a:xfrm>
-            <a:off x="457200" y="53269"/>
-            <a:ext cx="8229600" cy="890450"/>
-          </a:xfrm>
-        </p:spPr>
+        <p:spPr/>
         <p:txBody>
           <a:bodyPr/>
           <a:lstStyle/>
           <a:p>
             <a:r>
               <a:rPr lang="en-US" dirty="0" smtClean="0"/>
-              <a:t>Population Density</a:t>
-            </a:r>
-            <a:endParaRPr lang="en-US" dirty="0"/>
-          </a:p>
-        </p:txBody>
-      </p:sp>
-      <p:sp>
-        <p:nvSpPr>
-          <p:cNvPr id="3" name="Content Placeholder 2"/>
-          <p:cNvSpPr>
-            <a:spLocks noGrp="1"/>
-          </p:cNvSpPr>
-          <p:nvPr>
-            <p:ph idx="1"/>
-          </p:nvPr>
-        </p:nvSpPr>
-        <p:spPr>
-          <a:xfrm>
-            <a:off x="-145504" y="5715937"/>
-            <a:ext cx="8832304" cy="834036"/>
-          </a:xfrm>
-        </p:spPr>
-        <p:txBody>
-          <a:bodyPr/>
-          <a:lstStyle/>
-          <a:p>
-            <a:pPr marL="0" indent="0" algn="ctr">
-              <a:buNone/>
-            </a:pPr>
-            <a:r>
-              <a:rPr lang="en-US" dirty="0" smtClean="0"/>
-              <a:t>Weak positive correlation</a:t>
+              <a:t>Data Summary</a:t>
             </a:r>
             <a:endParaRPr lang="en-US" dirty="0"/>
           </a:p>
@@ -5114,22 +7897,28 @@
       </p:sp>
       <p:pic>
         <p:nvPicPr>
-          <p:cNvPr id="4" name="Picture 3"/>
+          <p:cNvPr id="6" name="Picture 5" descr="Screen Shot 2015-07-07 at 10.05.20 PM.png"/>
           <p:cNvPicPr>
             <a:picLocks noChangeAspect="1"/>
           </p:cNvPicPr>
           <p:nvPr/>
         </p:nvPicPr>
         <p:blipFill>
-          <a:blip r:embed="rId2"/>
+          <a:blip r:embed="rId2">
+            <a:extLst>
+              <a:ext uri="{28A0092B-C50C-407E-A947-70E740481C1C}">
+                <a14:useLocalDpi xmlns:a14="http://schemas.microsoft.com/office/drawing/2010/main" val="0"/>
+              </a:ext>
+            </a:extLst>
+          </a:blip>
           <a:stretch>
             <a:fillRect/>
           </a:stretch>
         </p:blipFill>
         <p:spPr>
           <a:xfrm>
-            <a:off x="1573036" y="1032099"/>
-            <a:ext cx="5866817" cy="4578979"/>
+            <a:off x="286232" y="2024038"/>
+            <a:ext cx="8686800" cy="2623530"/>
           </a:xfrm>
           <a:prstGeom prst="rect">
             <a:avLst/>
@@ -5139,7 +7928,7 @@
     </p:spTree>
     <p:extLst>
       <p:ext uri="{BB962C8B-B14F-4D97-AF65-F5344CB8AC3E}">
-        <p14:creationId xmlns:p14="http://schemas.microsoft.com/office/powerpoint/2010/main" val="1904526405"/>
+        <p14:creationId xmlns:p14="http://schemas.microsoft.com/office/powerpoint/2010/main" val="2610604818"/>
       </p:ext>
     </p:extLst>
   </p:cSld>
@@ -5176,21 +7965,14 @@
             <p:ph type="title"/>
           </p:nvPr>
         </p:nvSpPr>
-        <p:spPr>
-          <a:xfrm>
-            <a:off x="457200" y="111524"/>
-            <a:ext cx="8229600" cy="704037"/>
-          </a:xfrm>
-        </p:spPr>
-        <p:txBody>
-          <a:bodyPr>
-            <a:normAutofit fontScale="90000"/>
-          </a:bodyPr>
-          <a:lstStyle/>
-          <a:p>
-            <a:r>
-              <a:rPr lang="en-US" dirty="0" smtClean="0"/>
-              <a:t>Median Household Income</a:t>
+        <p:spPr/>
+        <p:txBody>
+          <a:bodyPr/>
+          <a:lstStyle/>
+          <a:p>
+            <a:r>
+              <a:rPr lang="en-US" dirty="0" smtClean="0"/>
+              <a:t>Correlation Matrix</a:t>
             </a:r>
             <a:endParaRPr lang="en-US" dirty="0"/>
           </a:p>
@@ -5198,192 +7980,76 @@
       </p:sp>
       <p:pic>
         <p:nvPicPr>
-          <p:cNvPr id="4" name="Content Placeholder 3"/>
+          <p:cNvPr id="4" name="Picture 3" descr="Screen Shot 2015-06-14 at 1.40.25 AM.png"/>
           <p:cNvPicPr>
-            <a:picLocks noGrp="1" noChangeAspect="1"/>
+            <a:picLocks noChangeAspect="1"/>
           </p:cNvPicPr>
-          <p:nvPr>
-            <p:ph idx="1"/>
-          </p:nvPr>
+          <p:nvPr/>
         </p:nvPicPr>
-        <p:blipFill rotWithShape="1">
-          <a:blip r:embed="rId2"/>
-          <a:srcRect l="-3292" t="8825" r="-5556" b="-1874"/>
-          <a:stretch/>
+        <p:blipFill>
+          <a:blip r:embed="rId2">
+            <a:extLst>
+              <a:ext uri="{28A0092B-C50C-407E-A947-70E740481C1C}">
+                <a14:useLocalDpi xmlns:a14="http://schemas.microsoft.com/office/drawing/2010/main" val="0"/>
+              </a:ext>
+            </a:extLst>
+          </a:blip>
+          <a:stretch>
+            <a:fillRect/>
+          </a:stretch>
         </p:blipFill>
         <p:spPr>
           <a:xfrm>
-            <a:off x="955471" y="1036927"/>
-            <a:ext cx="7034967" cy="4561151"/>
-          </a:xfrm>
-        </p:spPr>
-      </p:pic>
-      <p:sp>
-        <p:nvSpPr>
-          <p:cNvPr id="5" name="Content Placeholder 2"/>
-          <p:cNvSpPr txBox="1">
-            <a:spLocks/>
-          </p:cNvSpPr>
-          <p:nvPr/>
-        </p:nvSpPr>
-        <p:spPr>
-          <a:xfrm>
-            <a:off x="387288" y="5697278"/>
-            <a:ext cx="8832304" cy="834036"/>
+            <a:off x="0" y="1875071"/>
+            <a:ext cx="9144000" cy="2619326"/>
           </a:xfrm>
           <a:prstGeom prst="rect">
             <a:avLst/>
           </a:prstGeom>
         </p:spPr>
-        <p:txBody>
-          <a:bodyPr vert="horz" lIns="91440" tIns="45720" rIns="91440" bIns="45720" rtlCol="0">
-            <a:normAutofit/>
+      </p:pic>
+      <p:sp>
+        <p:nvSpPr>
+          <p:cNvPr id="3" name="TextBox 2"/>
+          <p:cNvSpPr txBox="1"/>
+          <p:nvPr/>
+        </p:nvSpPr>
+        <p:spPr>
+          <a:xfrm>
+            <a:off x="457200" y="4652389"/>
+            <a:ext cx="8408969" cy="1477328"/>
+          </a:xfrm>
+          <a:prstGeom prst="rect">
+            <a:avLst/>
+          </a:prstGeom>
+          <a:noFill/>
+        </p:spPr>
+        <p:txBody>
+          <a:bodyPr wrap="square" rtlCol="0">
+            <a:spAutoFit/>
           </a:bodyPr>
-          <a:lstStyle>
-            <a:lvl1pPr marL="342900" indent="-342900" algn="l" defTabSz="457200" rtl="0" eaLnBrk="1" latinLnBrk="0" hangingPunct="1">
-              <a:spcBef>
-                <a:spcPct val="20000"/>
-              </a:spcBef>
+          <a:lstStyle/>
+          <a:p>
+            <a:pPr marL="285750" indent="-285750">
               <a:buFont typeface="Arial"/>
               <a:buChar char="•"/>
-              <a:defRPr sz="3200" kern="1200">
-                <a:solidFill>
-                  <a:schemeClr val="tx1"/>
-                </a:solidFill>
-                <a:latin typeface="+mn-lt"/>
-                <a:ea typeface="+mn-ea"/>
-                <a:cs typeface="+mn-cs"/>
-              </a:defRPr>
-            </a:lvl1pPr>
-            <a:lvl2pPr marL="742950" indent="-285750" algn="l" defTabSz="457200" rtl="0" eaLnBrk="1" latinLnBrk="0" hangingPunct="1">
-              <a:spcBef>
-                <a:spcPct val="20000"/>
-              </a:spcBef>
-              <a:buFont typeface="Arial"/>
-              <a:buChar char="–"/>
-              <a:defRPr sz="2800" kern="1200">
-                <a:solidFill>
-                  <a:schemeClr val="tx1"/>
-                </a:solidFill>
-                <a:latin typeface="+mn-lt"/>
-                <a:ea typeface="+mn-ea"/>
-                <a:cs typeface="+mn-cs"/>
-              </a:defRPr>
-            </a:lvl2pPr>
-            <a:lvl3pPr marL="1143000" indent="-228600" algn="l" defTabSz="457200" rtl="0" eaLnBrk="1" latinLnBrk="0" hangingPunct="1">
-              <a:spcBef>
-                <a:spcPct val="20000"/>
-              </a:spcBef>
+            </a:pPr>
+            <a:r>
+              <a:rPr lang="en-US" dirty="0" smtClean="0"/>
+              <a:t>Some of our features seem to have strong correlations, so for this analysis we will look at regression using single input variables. </a:t>
+            </a:r>
+          </a:p>
+          <a:p>
+            <a:pPr marL="742950" lvl="1" indent="-285750">
               <a:buFont typeface="Arial"/>
               <a:buChar char="•"/>
-              <a:defRPr sz="2400" kern="1200">
-                <a:solidFill>
-                  <a:schemeClr val="tx1"/>
-                </a:solidFill>
-                <a:latin typeface="+mn-lt"/>
-                <a:ea typeface="+mn-ea"/>
-                <a:cs typeface="+mn-cs"/>
-              </a:defRPr>
-            </a:lvl3pPr>
-            <a:lvl4pPr marL="1600200" indent="-228600" algn="l" defTabSz="457200" rtl="0" eaLnBrk="1" latinLnBrk="0" hangingPunct="1">
-              <a:spcBef>
-                <a:spcPct val="20000"/>
-              </a:spcBef>
-              <a:buFont typeface="Arial"/>
-              <a:buChar char="–"/>
-              <a:defRPr sz="2000" kern="1200">
-                <a:solidFill>
-                  <a:schemeClr val="tx1"/>
-                </a:solidFill>
-                <a:latin typeface="+mn-lt"/>
-                <a:ea typeface="+mn-ea"/>
-                <a:cs typeface="+mn-cs"/>
-              </a:defRPr>
-            </a:lvl4pPr>
-            <a:lvl5pPr marL="2057400" indent="-228600" algn="l" defTabSz="457200" rtl="0" eaLnBrk="1" latinLnBrk="0" hangingPunct="1">
-              <a:spcBef>
-                <a:spcPct val="20000"/>
-              </a:spcBef>
-              <a:buFont typeface="Arial"/>
-              <a:buChar char="»"/>
-              <a:defRPr sz="2000" kern="1200">
-                <a:solidFill>
-                  <a:schemeClr val="tx1"/>
-                </a:solidFill>
-                <a:latin typeface="+mn-lt"/>
-                <a:ea typeface="+mn-ea"/>
-                <a:cs typeface="+mn-cs"/>
-              </a:defRPr>
-            </a:lvl5pPr>
-            <a:lvl6pPr marL="2514600" indent="-228600" algn="l" defTabSz="457200" rtl="0" eaLnBrk="1" latinLnBrk="0" hangingPunct="1">
-              <a:spcBef>
-                <a:spcPct val="20000"/>
-              </a:spcBef>
-              <a:buFont typeface="Arial"/>
-              <a:buChar char="•"/>
-              <a:defRPr sz="2000" kern="1200">
-                <a:solidFill>
-                  <a:schemeClr val="tx1"/>
-                </a:solidFill>
-                <a:latin typeface="+mn-lt"/>
-                <a:ea typeface="+mn-ea"/>
-                <a:cs typeface="+mn-cs"/>
-              </a:defRPr>
-            </a:lvl6pPr>
-            <a:lvl7pPr marL="2971800" indent="-228600" algn="l" defTabSz="457200" rtl="0" eaLnBrk="1" latinLnBrk="0" hangingPunct="1">
-              <a:spcBef>
-                <a:spcPct val="20000"/>
-              </a:spcBef>
-              <a:buFont typeface="Arial"/>
-              <a:buChar char="•"/>
-              <a:defRPr sz="2000" kern="1200">
-                <a:solidFill>
-                  <a:schemeClr val="tx1"/>
-                </a:solidFill>
-                <a:latin typeface="+mn-lt"/>
-                <a:ea typeface="+mn-ea"/>
-                <a:cs typeface="+mn-cs"/>
-              </a:defRPr>
-            </a:lvl7pPr>
-            <a:lvl8pPr marL="3429000" indent="-228600" algn="l" defTabSz="457200" rtl="0" eaLnBrk="1" latinLnBrk="0" hangingPunct="1">
-              <a:spcBef>
-                <a:spcPct val="20000"/>
-              </a:spcBef>
-              <a:buFont typeface="Arial"/>
-              <a:buChar char="•"/>
-              <a:defRPr sz="2000" kern="1200">
-                <a:solidFill>
-                  <a:schemeClr val="tx1"/>
-                </a:solidFill>
-                <a:latin typeface="+mn-lt"/>
-                <a:ea typeface="+mn-ea"/>
-                <a:cs typeface="+mn-cs"/>
-              </a:defRPr>
-            </a:lvl8pPr>
-            <a:lvl9pPr marL="3886200" indent="-228600" algn="l" defTabSz="457200" rtl="0" eaLnBrk="1" latinLnBrk="0" hangingPunct="1">
-              <a:spcBef>
-                <a:spcPct val="20000"/>
-              </a:spcBef>
-              <a:buFont typeface="Arial"/>
-              <a:buChar char="•"/>
-              <a:defRPr sz="2000" kern="1200">
-                <a:solidFill>
-                  <a:schemeClr val="tx1"/>
-                </a:solidFill>
-                <a:latin typeface="+mn-lt"/>
-                <a:ea typeface="+mn-ea"/>
-                <a:cs typeface="+mn-cs"/>
-              </a:defRPr>
-            </a:lvl9pPr>
-          </a:lstStyle>
-          <a:p>
-            <a:pPr marL="0" indent="0" algn="ctr">
-              <a:buNone/>
             </a:pPr>
             <a:r>
               <a:rPr lang="en-US" dirty="0" smtClean="0"/>
-              <a:t>Moderate to weak negative correlation</a:t>
-            </a:r>
+              <a:t>For instance, poverty rate, % graduating high school, and incarceration rate are all strongly correlated, so multivariate discrimination will not work well.</a:t>
+            </a:r>
+          </a:p>
+          <a:p>
             <a:endParaRPr lang="en-US" dirty="0"/>
           </a:p>
         </p:txBody>
@@ -5391,13 +8057,20 @@
     </p:spTree>
     <p:extLst>
       <p:ext uri="{BB962C8B-B14F-4D97-AF65-F5344CB8AC3E}">
-        <p14:creationId xmlns:p14="http://schemas.microsoft.com/office/powerpoint/2010/main" val="2615722970"/>
+        <p14:creationId xmlns:p14="http://schemas.microsoft.com/office/powerpoint/2010/main" val="1824038185"/>
       </p:ext>
     </p:extLst>
   </p:cSld>
   <p:clrMapOvr>
     <a:masterClrMapping/>
   </p:clrMapOvr>
+  <p:timing>
+    <p:tnLst>
+      <p:par>
+        <p:cTn xmlns:p14="http://schemas.microsoft.com/office/powerpoint/2010/main" id="1" dur="indefinite" restart="never" nodeType="tmRoot"/>
+      </p:par>
+    </p:tnLst>
+  </p:timing>
 </p:sld>
 </file>
 
@@ -5430,8 +8103,8 @@
         </p:nvSpPr>
         <p:spPr>
           <a:xfrm>
-            <a:off x="457200" y="-11657"/>
-            <a:ext cx="8229600" cy="788490"/>
+            <a:off x="457200" y="60836"/>
+            <a:ext cx="8229600" cy="897618"/>
           </a:xfrm>
         </p:spPr>
         <p:txBody>
@@ -5440,7 +8113,7 @@
           <a:p>
             <a:r>
               <a:rPr lang="en-US" dirty="0" smtClean="0"/>
-              <a:t>Suicide Rate</a:t>
+              <a:t>Correlation Plots</a:t>
             </a:r>
             <a:endParaRPr lang="en-US" dirty="0"/>
           </a:p>
@@ -5448,206 +8121,90 @@
       </p:sp>
       <p:pic>
         <p:nvPicPr>
-          <p:cNvPr id="4" name="Content Placeholder 3"/>
+          <p:cNvPr id="3" name="Picture 2"/>
           <p:cNvPicPr>
-            <a:picLocks noGrp="1" noChangeAspect="1"/>
+            <a:picLocks noChangeAspect="1"/>
           </p:cNvPicPr>
-          <p:nvPr>
-            <p:ph idx="1"/>
-          </p:nvPr>
+          <p:nvPr/>
         </p:nvPicPr>
-        <p:blipFill rotWithShape="1">
+        <p:blipFill>
           <a:blip r:embed="rId2"/>
-          <a:srcRect t="-5490" b="-2986"/>
-          <a:stretch/>
+          <a:stretch>
+            <a:fillRect/>
+          </a:stretch>
         </p:blipFill>
         <p:spPr>
           <a:xfrm>
-            <a:off x="1258436" y="534193"/>
-            <a:ext cx="6705940" cy="5605815"/>
-          </a:xfrm>
-        </p:spPr>
-      </p:pic>
-      <p:sp>
-        <p:nvSpPr>
-          <p:cNvPr id="5" name="Content Placeholder 2"/>
-          <p:cNvSpPr txBox="1">
-            <a:spLocks/>
-          </p:cNvSpPr>
-          <p:nvPr/>
-        </p:nvSpPr>
-        <p:spPr>
-          <a:xfrm>
-            <a:off x="116521" y="5939747"/>
-            <a:ext cx="8913871" cy="638596"/>
+            <a:off x="0" y="872977"/>
+            <a:ext cx="9144000" cy="5431656"/>
           </a:xfrm>
           <a:prstGeom prst="rect">
             <a:avLst/>
           </a:prstGeom>
         </p:spPr>
-        <p:txBody>
-          <a:bodyPr vert="horz" lIns="91440" tIns="45720" rIns="91440" bIns="45720" rtlCol="0">
-            <a:normAutofit/>
-          </a:bodyPr>
-          <a:lstStyle>
-            <a:lvl1pPr marL="342900" indent="-342900" algn="l" defTabSz="457200" rtl="0" eaLnBrk="1" latinLnBrk="0" hangingPunct="1">
-              <a:spcBef>
-                <a:spcPct val="20000"/>
-              </a:spcBef>
-              <a:buFont typeface="Arial"/>
-              <a:buChar char="•"/>
-              <a:defRPr sz="3200" kern="1200">
-                <a:solidFill>
-                  <a:schemeClr val="tx1"/>
-                </a:solidFill>
-                <a:latin typeface="+mn-lt"/>
-                <a:ea typeface="+mn-ea"/>
-                <a:cs typeface="+mn-cs"/>
-              </a:defRPr>
-            </a:lvl1pPr>
-            <a:lvl2pPr marL="742950" indent="-285750" algn="l" defTabSz="457200" rtl="0" eaLnBrk="1" latinLnBrk="0" hangingPunct="1">
-              <a:spcBef>
-                <a:spcPct val="20000"/>
-              </a:spcBef>
-              <a:buFont typeface="Arial"/>
-              <a:buChar char="–"/>
-              <a:defRPr sz="2800" kern="1200">
-                <a:solidFill>
-                  <a:schemeClr val="tx1"/>
-                </a:solidFill>
-                <a:latin typeface="+mn-lt"/>
-                <a:ea typeface="+mn-ea"/>
-                <a:cs typeface="+mn-cs"/>
-              </a:defRPr>
-            </a:lvl2pPr>
-            <a:lvl3pPr marL="1143000" indent="-228600" algn="l" defTabSz="457200" rtl="0" eaLnBrk="1" latinLnBrk="0" hangingPunct="1">
-              <a:spcBef>
-                <a:spcPct val="20000"/>
-              </a:spcBef>
-              <a:buFont typeface="Arial"/>
-              <a:buChar char="•"/>
-              <a:defRPr sz="2400" kern="1200">
-                <a:solidFill>
-                  <a:schemeClr val="tx1"/>
-                </a:solidFill>
-                <a:latin typeface="+mn-lt"/>
-                <a:ea typeface="+mn-ea"/>
-                <a:cs typeface="+mn-cs"/>
-              </a:defRPr>
-            </a:lvl3pPr>
-            <a:lvl4pPr marL="1600200" indent="-228600" algn="l" defTabSz="457200" rtl="0" eaLnBrk="1" latinLnBrk="0" hangingPunct="1">
-              <a:spcBef>
-                <a:spcPct val="20000"/>
-              </a:spcBef>
-              <a:buFont typeface="Arial"/>
-              <a:buChar char="–"/>
-              <a:defRPr sz="2000" kern="1200">
-                <a:solidFill>
-                  <a:schemeClr val="tx1"/>
-                </a:solidFill>
-                <a:latin typeface="+mn-lt"/>
-                <a:ea typeface="+mn-ea"/>
-                <a:cs typeface="+mn-cs"/>
-              </a:defRPr>
-            </a:lvl4pPr>
-            <a:lvl5pPr marL="2057400" indent="-228600" algn="l" defTabSz="457200" rtl="0" eaLnBrk="1" latinLnBrk="0" hangingPunct="1">
-              <a:spcBef>
-                <a:spcPct val="20000"/>
-              </a:spcBef>
-              <a:buFont typeface="Arial"/>
-              <a:buChar char="»"/>
-              <a:defRPr sz="2000" kern="1200">
-                <a:solidFill>
-                  <a:schemeClr val="tx1"/>
-                </a:solidFill>
-                <a:latin typeface="+mn-lt"/>
-                <a:ea typeface="+mn-ea"/>
-                <a:cs typeface="+mn-cs"/>
-              </a:defRPr>
-            </a:lvl5pPr>
-            <a:lvl6pPr marL="2514600" indent="-228600" algn="l" defTabSz="457200" rtl="0" eaLnBrk="1" latinLnBrk="0" hangingPunct="1">
-              <a:spcBef>
-                <a:spcPct val="20000"/>
-              </a:spcBef>
-              <a:buFont typeface="Arial"/>
-              <a:buChar char="•"/>
-              <a:defRPr sz="2000" kern="1200">
-                <a:solidFill>
-                  <a:schemeClr val="tx1"/>
-                </a:solidFill>
-                <a:latin typeface="+mn-lt"/>
-                <a:ea typeface="+mn-ea"/>
-                <a:cs typeface="+mn-cs"/>
-              </a:defRPr>
-            </a:lvl6pPr>
-            <a:lvl7pPr marL="2971800" indent="-228600" algn="l" defTabSz="457200" rtl="0" eaLnBrk="1" latinLnBrk="0" hangingPunct="1">
-              <a:spcBef>
-                <a:spcPct val="20000"/>
-              </a:spcBef>
-              <a:buFont typeface="Arial"/>
-              <a:buChar char="•"/>
-              <a:defRPr sz="2000" kern="1200">
-                <a:solidFill>
-                  <a:schemeClr val="tx1"/>
-                </a:solidFill>
-                <a:latin typeface="+mn-lt"/>
-                <a:ea typeface="+mn-ea"/>
-                <a:cs typeface="+mn-cs"/>
-              </a:defRPr>
-            </a:lvl7pPr>
-            <a:lvl8pPr marL="3429000" indent="-228600" algn="l" defTabSz="457200" rtl="0" eaLnBrk="1" latinLnBrk="0" hangingPunct="1">
-              <a:spcBef>
-                <a:spcPct val="20000"/>
-              </a:spcBef>
-              <a:buFont typeface="Arial"/>
-              <a:buChar char="•"/>
-              <a:defRPr sz="2000" kern="1200">
-                <a:solidFill>
-                  <a:schemeClr val="tx1"/>
-                </a:solidFill>
-                <a:latin typeface="+mn-lt"/>
-                <a:ea typeface="+mn-ea"/>
-                <a:cs typeface="+mn-cs"/>
-              </a:defRPr>
-            </a:lvl8pPr>
-            <a:lvl9pPr marL="3886200" indent="-228600" algn="l" defTabSz="457200" rtl="0" eaLnBrk="1" latinLnBrk="0" hangingPunct="1">
-              <a:spcBef>
-                <a:spcPct val="20000"/>
-              </a:spcBef>
-              <a:buFont typeface="Arial"/>
-              <a:buChar char="•"/>
-              <a:defRPr sz="2000" kern="1200">
-                <a:solidFill>
-                  <a:schemeClr val="tx1"/>
-                </a:solidFill>
-                <a:latin typeface="+mn-lt"/>
-                <a:ea typeface="+mn-ea"/>
-                <a:cs typeface="+mn-cs"/>
-              </a:defRPr>
-            </a:lvl9pPr>
-          </a:lstStyle>
-          <a:p>
-            <a:pPr marL="0" indent="0" algn="ctr">
-              <a:buNone/>
-            </a:pPr>
-            <a:r>
-              <a:rPr lang="en-US" dirty="0" smtClean="0"/>
-              <a:t>Weak negative correlation (or possibly uncorrelated)</a:t>
-            </a:r>
-            <a:endParaRPr lang="en-US" dirty="0"/>
+      </p:pic>
+      <p:sp>
+        <p:nvSpPr>
+          <p:cNvPr id="7" name="Rectangle 6"/>
+          <p:cNvSpPr/>
+          <p:nvPr/>
+        </p:nvSpPr>
+        <p:spPr>
+          <a:xfrm>
+            <a:off x="6921351" y="3463944"/>
+            <a:ext cx="2918752" cy="2971250"/>
+          </a:xfrm>
+          <a:prstGeom prst="rect">
+            <a:avLst/>
+          </a:prstGeom>
+          <a:solidFill>
+            <a:schemeClr val="bg1"/>
+          </a:solidFill>
+          <a:ln>
+            <a:noFill/>
+          </a:ln>
+          <a:effectLst/>
+        </p:spPr>
+        <p:style>
+          <a:lnRef idx="1">
+            <a:schemeClr val="accent1"/>
+          </a:lnRef>
+          <a:fillRef idx="3">
+            <a:schemeClr val="accent1"/>
+          </a:fillRef>
+          <a:effectRef idx="2">
+            <a:schemeClr val="accent1"/>
+          </a:effectRef>
+          <a:fontRef idx="minor">
+            <a:schemeClr val="lt1"/>
+          </a:fontRef>
+        </p:style>
+        <p:txBody>
+          <a:bodyPr rtlCol="0" anchor="ctr"/>
+          <a:lstStyle/>
+          <a:p>
+            <a:pPr algn="ctr"/>
+            <a:endParaRPr lang="en-US"/>
           </a:p>
         </p:txBody>
       </p:sp>
     </p:spTree>
     <p:extLst>
       <p:ext uri="{BB962C8B-B14F-4D97-AF65-F5344CB8AC3E}">
-        <p14:creationId xmlns:p14="http://schemas.microsoft.com/office/powerpoint/2010/main" val="3179471850"/>
+        <p14:creationId xmlns:p14="http://schemas.microsoft.com/office/powerpoint/2010/main" val="1649952077"/>
       </p:ext>
     </p:extLst>
   </p:cSld>
   <p:clrMapOvr>
     <a:masterClrMapping/>
   </p:clrMapOvr>
+  <p:timing>
+    <p:tnLst>
+      <p:par>
+        <p:cTn xmlns:p14="http://schemas.microsoft.com/office/powerpoint/2010/main" id="1" dur="indefinite" restart="never" nodeType="tmRoot"/>
+      </p:par>
+    </p:tnLst>
+  </p:timing>
 </p:sld>
 </file>
 
@@ -5969,4 +8526,644 @@
   </a:objectDefaults>
   <a:extraClrSchemeLst/>
 </a:theme>
+</file>
+
+<file path=ppt/theme/theme2.xml><?xml version="1.0" encoding="utf-8"?>
+<a:theme xmlns:a="http://schemas.openxmlformats.org/drawingml/2006/main" name="Office Theme">
+  <a:themeElements>
+    <a:clrScheme name="Office">
+      <a:dk1>
+        <a:sysClr val="windowText" lastClr="000000"/>
+      </a:dk1>
+      <a:lt1>
+        <a:sysClr val="window" lastClr="FFFFFF"/>
+      </a:lt1>
+      <a:dk2>
+        <a:srgbClr val="1F497D"/>
+      </a:dk2>
+      <a:lt2>
+        <a:srgbClr val="EEECE1"/>
+      </a:lt2>
+      <a:accent1>
+        <a:srgbClr val="4F81BD"/>
+      </a:accent1>
+      <a:accent2>
+        <a:srgbClr val="C0504D"/>
+      </a:accent2>
+      <a:accent3>
+        <a:srgbClr val="9BBB59"/>
+      </a:accent3>
+      <a:accent4>
+        <a:srgbClr val="8064A2"/>
+      </a:accent4>
+      <a:accent5>
+        <a:srgbClr val="4BACC6"/>
+      </a:accent5>
+      <a:accent6>
+        <a:srgbClr val="F79646"/>
+      </a:accent6>
+      <a:hlink>
+        <a:srgbClr val="0000FF"/>
+      </a:hlink>
+      <a:folHlink>
+        <a:srgbClr val="800080"/>
+      </a:folHlink>
+    </a:clrScheme>
+    <a:fontScheme name="Office">
+      <a:majorFont>
+        <a:latin typeface="Calibri"/>
+        <a:ea typeface=""/>
+        <a:cs typeface=""/>
+        <a:font script="Jpan" typeface="ＭＳ Ｐゴシック"/>
+        <a:font script="Hang" typeface="맑은 고딕"/>
+        <a:font script="Hans" typeface="宋体"/>
+        <a:font script="Hant" typeface="新細明體"/>
+        <a:font script="Arab" typeface="Times New Roman"/>
+        <a:font script="Hebr" typeface="Times New Roman"/>
+        <a:font script="Thai" typeface="Angsana New"/>
+        <a:font script="Ethi" typeface="Nyala"/>
+        <a:font script="Beng" typeface="Vrinda"/>
+        <a:font script="Gujr" typeface="Shruti"/>
+        <a:font script="Khmr" typeface="MoolBoran"/>
+        <a:font script="Knda" typeface="Tunga"/>
+        <a:font script="Guru" typeface="Raavi"/>
+        <a:font script="Cans" typeface="Euphemia"/>
+        <a:font script="Cher" typeface="Plantagenet Cherokee"/>
+        <a:font script="Yiii" typeface="Microsoft Yi Baiti"/>
+        <a:font script="Tibt" typeface="Microsoft Himalaya"/>
+        <a:font script="Thaa" typeface="MV Boli"/>
+        <a:font script="Deva" typeface="Mangal"/>
+        <a:font script="Telu" typeface="Gautami"/>
+        <a:font script="Taml" typeface="Latha"/>
+        <a:font script="Syrc" typeface="Estrangelo Edessa"/>
+        <a:font script="Orya" typeface="Kalinga"/>
+        <a:font script="Mlym" typeface="Kartika"/>
+        <a:font script="Laoo" typeface="DokChampa"/>
+        <a:font script="Sinh" typeface="Iskoola Pota"/>
+        <a:font script="Mong" typeface="Mongolian Baiti"/>
+        <a:font script="Viet" typeface="Times New Roman"/>
+        <a:font script="Uigh" typeface="Microsoft Uighur"/>
+        <a:font script="Geor" typeface="Sylfaen"/>
+      </a:majorFont>
+      <a:minorFont>
+        <a:latin typeface="Calibri"/>
+        <a:ea typeface=""/>
+        <a:cs typeface=""/>
+        <a:font script="Jpan" typeface="ＭＳ Ｐゴシック"/>
+        <a:font script="Hang" typeface="맑은 고딕"/>
+        <a:font script="Hans" typeface="宋体"/>
+        <a:font script="Hant" typeface="新細明體"/>
+        <a:font script="Arab" typeface="Arial"/>
+        <a:font script="Hebr" typeface="Arial"/>
+        <a:font script="Thai" typeface="Cordia New"/>
+        <a:font script="Ethi" typeface="Nyala"/>
+        <a:font script="Beng" typeface="Vrinda"/>
+        <a:font script="Gujr" typeface="Shruti"/>
+        <a:font script="Khmr" typeface="DaunPenh"/>
+        <a:font script="Knda" typeface="Tunga"/>
+        <a:font script="Guru" typeface="Raavi"/>
+        <a:font script="Cans" typeface="Euphemia"/>
+        <a:font script="Cher" typeface="Plantagenet Cherokee"/>
+        <a:font script="Yiii" typeface="Microsoft Yi Baiti"/>
+        <a:font script="Tibt" typeface="Microsoft Himalaya"/>
+        <a:font script="Thaa" typeface="MV Boli"/>
+        <a:font script="Deva" typeface="Mangal"/>
+        <a:font script="Telu" typeface="Gautami"/>
+        <a:font script="Taml" typeface="Latha"/>
+        <a:font script="Syrc" typeface="Estrangelo Edessa"/>
+        <a:font script="Orya" typeface="Kalinga"/>
+        <a:font script="Mlym" typeface="Kartika"/>
+        <a:font script="Laoo" typeface="DokChampa"/>
+        <a:font script="Sinh" typeface="Iskoola Pota"/>
+        <a:font script="Mong" typeface="Mongolian Baiti"/>
+        <a:font script="Viet" typeface="Arial"/>
+        <a:font script="Uigh" typeface="Microsoft Uighur"/>
+        <a:font script="Geor" typeface="Sylfaen"/>
+      </a:minorFont>
+    </a:fontScheme>
+    <a:fmtScheme name="Office">
+      <a:fillStyleLst>
+        <a:solidFill>
+          <a:schemeClr val="phClr"/>
+        </a:solidFill>
+        <a:gradFill rotWithShape="1">
+          <a:gsLst>
+            <a:gs pos="0">
+              <a:schemeClr val="phClr">
+                <a:tint val="50000"/>
+                <a:satMod val="300000"/>
+              </a:schemeClr>
+            </a:gs>
+            <a:gs pos="35000">
+              <a:schemeClr val="phClr">
+                <a:tint val="37000"/>
+                <a:satMod val="300000"/>
+              </a:schemeClr>
+            </a:gs>
+            <a:gs pos="100000">
+              <a:schemeClr val="phClr">
+                <a:tint val="15000"/>
+                <a:satMod val="350000"/>
+              </a:schemeClr>
+            </a:gs>
+          </a:gsLst>
+          <a:lin ang="16200000" scaled="1"/>
+        </a:gradFill>
+        <a:gradFill rotWithShape="1">
+          <a:gsLst>
+            <a:gs pos="0">
+              <a:schemeClr val="phClr">
+                <a:tint val="100000"/>
+                <a:shade val="100000"/>
+                <a:satMod val="130000"/>
+              </a:schemeClr>
+            </a:gs>
+            <a:gs pos="100000">
+              <a:schemeClr val="phClr">
+                <a:tint val="50000"/>
+                <a:shade val="100000"/>
+                <a:satMod val="350000"/>
+              </a:schemeClr>
+            </a:gs>
+          </a:gsLst>
+          <a:lin ang="16200000" scaled="0"/>
+        </a:gradFill>
+      </a:fillStyleLst>
+      <a:lnStyleLst>
+        <a:ln w="9525" cap="flat" cmpd="sng" algn="ctr">
+          <a:solidFill>
+            <a:schemeClr val="phClr">
+              <a:shade val="95000"/>
+              <a:satMod val="105000"/>
+            </a:schemeClr>
+          </a:solidFill>
+          <a:prstDash val="solid"/>
+        </a:ln>
+        <a:ln w="25400" cap="flat" cmpd="sng" algn="ctr">
+          <a:solidFill>
+            <a:schemeClr val="phClr"/>
+          </a:solidFill>
+          <a:prstDash val="solid"/>
+        </a:ln>
+        <a:ln w="38100" cap="flat" cmpd="sng" algn="ctr">
+          <a:solidFill>
+            <a:schemeClr val="phClr"/>
+          </a:solidFill>
+          <a:prstDash val="solid"/>
+        </a:ln>
+      </a:lnStyleLst>
+      <a:effectStyleLst>
+        <a:effectStyle>
+          <a:effectLst>
+            <a:outerShdw blurRad="40000" dist="20000" dir="5400000" rotWithShape="0">
+              <a:srgbClr val="000000">
+                <a:alpha val="38000"/>
+              </a:srgbClr>
+            </a:outerShdw>
+          </a:effectLst>
+        </a:effectStyle>
+        <a:effectStyle>
+          <a:effectLst>
+            <a:outerShdw blurRad="40000" dist="23000" dir="5400000" rotWithShape="0">
+              <a:srgbClr val="000000">
+                <a:alpha val="35000"/>
+              </a:srgbClr>
+            </a:outerShdw>
+          </a:effectLst>
+        </a:effectStyle>
+        <a:effectStyle>
+          <a:effectLst>
+            <a:outerShdw blurRad="40000" dist="23000" dir="5400000" rotWithShape="0">
+              <a:srgbClr val="000000">
+                <a:alpha val="35000"/>
+              </a:srgbClr>
+            </a:outerShdw>
+          </a:effectLst>
+          <a:scene3d>
+            <a:camera prst="orthographicFront">
+              <a:rot lat="0" lon="0" rev="0"/>
+            </a:camera>
+            <a:lightRig rig="threePt" dir="t">
+              <a:rot lat="0" lon="0" rev="1200000"/>
+            </a:lightRig>
+          </a:scene3d>
+          <a:sp3d>
+            <a:bevelT w="63500" h="25400"/>
+          </a:sp3d>
+        </a:effectStyle>
+      </a:effectStyleLst>
+      <a:bgFillStyleLst>
+        <a:solidFill>
+          <a:schemeClr val="phClr"/>
+        </a:solidFill>
+        <a:gradFill rotWithShape="1">
+          <a:gsLst>
+            <a:gs pos="0">
+              <a:schemeClr val="phClr">
+                <a:tint val="40000"/>
+                <a:satMod val="350000"/>
+              </a:schemeClr>
+            </a:gs>
+            <a:gs pos="40000">
+              <a:schemeClr val="phClr">
+                <a:tint val="45000"/>
+                <a:shade val="99000"/>
+                <a:satMod val="350000"/>
+              </a:schemeClr>
+            </a:gs>
+            <a:gs pos="100000">
+              <a:schemeClr val="phClr">
+                <a:shade val="20000"/>
+                <a:satMod val="255000"/>
+              </a:schemeClr>
+            </a:gs>
+          </a:gsLst>
+          <a:path path="circle">
+            <a:fillToRect l="50000" t="-80000" r="50000" b="180000"/>
+          </a:path>
+        </a:gradFill>
+        <a:gradFill rotWithShape="1">
+          <a:gsLst>
+            <a:gs pos="0">
+              <a:schemeClr val="phClr">
+                <a:tint val="80000"/>
+                <a:satMod val="300000"/>
+              </a:schemeClr>
+            </a:gs>
+            <a:gs pos="100000">
+              <a:schemeClr val="phClr">
+                <a:shade val="30000"/>
+                <a:satMod val="200000"/>
+              </a:schemeClr>
+            </a:gs>
+          </a:gsLst>
+          <a:path path="circle">
+            <a:fillToRect l="50000" t="50000" r="50000" b="50000"/>
+          </a:path>
+        </a:gradFill>
+      </a:bgFillStyleLst>
+    </a:fmtScheme>
+  </a:themeElements>
+  <a:objectDefaults>
+    <a:spDef>
+      <a:spPr/>
+      <a:bodyPr/>
+      <a:lstStyle/>
+      <a:style>
+        <a:lnRef idx="1">
+          <a:schemeClr val="accent1"/>
+        </a:lnRef>
+        <a:fillRef idx="3">
+          <a:schemeClr val="accent1"/>
+        </a:fillRef>
+        <a:effectRef idx="2">
+          <a:schemeClr val="accent1"/>
+        </a:effectRef>
+        <a:fontRef idx="minor">
+          <a:schemeClr val="lt1"/>
+        </a:fontRef>
+      </a:style>
+    </a:spDef>
+    <a:lnDef>
+      <a:spPr/>
+      <a:bodyPr/>
+      <a:lstStyle/>
+      <a:style>
+        <a:lnRef idx="2">
+          <a:schemeClr val="accent1"/>
+        </a:lnRef>
+        <a:fillRef idx="0">
+          <a:schemeClr val="accent1"/>
+        </a:fillRef>
+        <a:effectRef idx="1">
+          <a:schemeClr val="accent1"/>
+        </a:effectRef>
+        <a:fontRef idx="minor">
+          <a:schemeClr val="tx1"/>
+        </a:fontRef>
+      </a:style>
+    </a:lnDef>
+  </a:objectDefaults>
+  <a:extraClrSchemeLst/>
+</a:theme>
+</file>
+
+<file path=ppt/theme/theme3.xml><?xml version="1.0" encoding="utf-8"?>
+<a:theme xmlns:a="http://schemas.openxmlformats.org/drawingml/2006/main" name="Office Theme">
+  <a:themeElements>
+    <a:clrScheme name="Office">
+      <a:dk1>
+        <a:sysClr val="windowText" lastClr="000000"/>
+      </a:dk1>
+      <a:lt1>
+        <a:sysClr val="window" lastClr="FFFFFF"/>
+      </a:lt1>
+      <a:dk2>
+        <a:srgbClr val="1F497D"/>
+      </a:dk2>
+      <a:lt2>
+        <a:srgbClr val="EEECE1"/>
+      </a:lt2>
+      <a:accent1>
+        <a:srgbClr val="4F81BD"/>
+      </a:accent1>
+      <a:accent2>
+        <a:srgbClr val="C0504D"/>
+      </a:accent2>
+      <a:accent3>
+        <a:srgbClr val="9BBB59"/>
+      </a:accent3>
+      <a:accent4>
+        <a:srgbClr val="8064A2"/>
+      </a:accent4>
+      <a:accent5>
+        <a:srgbClr val="4BACC6"/>
+      </a:accent5>
+      <a:accent6>
+        <a:srgbClr val="F79646"/>
+      </a:accent6>
+      <a:hlink>
+        <a:srgbClr val="0000FF"/>
+      </a:hlink>
+      <a:folHlink>
+        <a:srgbClr val="800080"/>
+      </a:folHlink>
+    </a:clrScheme>
+    <a:fontScheme name="Office">
+      <a:majorFont>
+        <a:latin typeface="Calibri"/>
+        <a:ea typeface=""/>
+        <a:cs typeface=""/>
+        <a:font script="Jpan" typeface="ＭＳ Ｐゴシック"/>
+        <a:font script="Hang" typeface="맑은 고딕"/>
+        <a:font script="Hans" typeface="宋体"/>
+        <a:font script="Hant" typeface="新細明體"/>
+        <a:font script="Arab" typeface="Times New Roman"/>
+        <a:font script="Hebr" typeface="Times New Roman"/>
+        <a:font script="Thai" typeface="Angsana New"/>
+        <a:font script="Ethi" typeface="Nyala"/>
+        <a:font script="Beng" typeface="Vrinda"/>
+        <a:font script="Gujr" typeface="Shruti"/>
+        <a:font script="Khmr" typeface="MoolBoran"/>
+        <a:font script="Knda" typeface="Tunga"/>
+        <a:font script="Guru" typeface="Raavi"/>
+        <a:font script="Cans" typeface="Euphemia"/>
+        <a:font script="Cher" typeface="Plantagenet Cherokee"/>
+        <a:font script="Yiii" typeface="Microsoft Yi Baiti"/>
+        <a:font script="Tibt" typeface="Microsoft Himalaya"/>
+        <a:font script="Thaa" typeface="MV Boli"/>
+        <a:font script="Deva" typeface="Mangal"/>
+        <a:font script="Telu" typeface="Gautami"/>
+        <a:font script="Taml" typeface="Latha"/>
+        <a:font script="Syrc" typeface="Estrangelo Edessa"/>
+        <a:font script="Orya" typeface="Kalinga"/>
+        <a:font script="Mlym" typeface="Kartika"/>
+        <a:font script="Laoo" typeface="DokChampa"/>
+        <a:font script="Sinh" typeface="Iskoola Pota"/>
+        <a:font script="Mong" typeface="Mongolian Baiti"/>
+        <a:font script="Viet" typeface="Times New Roman"/>
+        <a:font script="Uigh" typeface="Microsoft Uighur"/>
+        <a:font script="Geor" typeface="Sylfaen"/>
+      </a:majorFont>
+      <a:minorFont>
+        <a:latin typeface="Calibri"/>
+        <a:ea typeface=""/>
+        <a:cs typeface=""/>
+        <a:font script="Jpan" typeface="ＭＳ Ｐゴシック"/>
+        <a:font script="Hang" typeface="맑은 고딕"/>
+        <a:font script="Hans" typeface="宋体"/>
+        <a:font script="Hant" typeface="新細明體"/>
+        <a:font script="Arab" typeface="Arial"/>
+        <a:font script="Hebr" typeface="Arial"/>
+        <a:font script="Thai" typeface="Cordia New"/>
+        <a:font script="Ethi" typeface="Nyala"/>
+        <a:font script="Beng" typeface="Vrinda"/>
+        <a:font script="Gujr" typeface="Shruti"/>
+        <a:font script="Khmr" typeface="DaunPenh"/>
+        <a:font script="Knda" typeface="Tunga"/>
+        <a:font script="Guru" typeface="Raavi"/>
+        <a:font script="Cans" typeface="Euphemia"/>
+        <a:font script="Cher" typeface="Plantagenet Cherokee"/>
+        <a:font script="Yiii" typeface="Microsoft Yi Baiti"/>
+        <a:font script="Tibt" typeface="Microsoft Himalaya"/>
+        <a:font script="Thaa" typeface="MV Boli"/>
+        <a:font script="Deva" typeface="Mangal"/>
+        <a:font script="Telu" typeface="Gautami"/>
+        <a:font script="Taml" typeface="Latha"/>
+        <a:font script="Syrc" typeface="Estrangelo Edessa"/>
+        <a:font script="Orya" typeface="Kalinga"/>
+        <a:font script="Mlym" typeface="Kartika"/>
+        <a:font script="Laoo" typeface="DokChampa"/>
+        <a:font script="Sinh" typeface="Iskoola Pota"/>
+        <a:font script="Mong" typeface="Mongolian Baiti"/>
+        <a:font script="Viet" typeface="Arial"/>
+        <a:font script="Uigh" typeface="Microsoft Uighur"/>
+        <a:font script="Geor" typeface="Sylfaen"/>
+      </a:minorFont>
+    </a:fontScheme>
+    <a:fmtScheme name="Office">
+      <a:fillStyleLst>
+        <a:solidFill>
+          <a:schemeClr val="phClr"/>
+        </a:solidFill>
+        <a:gradFill rotWithShape="1">
+          <a:gsLst>
+            <a:gs pos="0">
+              <a:schemeClr val="phClr">
+                <a:tint val="50000"/>
+                <a:satMod val="300000"/>
+              </a:schemeClr>
+            </a:gs>
+            <a:gs pos="35000">
+              <a:schemeClr val="phClr">
+                <a:tint val="37000"/>
+                <a:satMod val="300000"/>
+              </a:schemeClr>
+            </a:gs>
+            <a:gs pos="100000">
+              <a:schemeClr val="phClr">
+                <a:tint val="15000"/>
+                <a:satMod val="350000"/>
+              </a:schemeClr>
+            </a:gs>
+          </a:gsLst>
+          <a:lin ang="16200000" scaled="1"/>
+        </a:gradFill>
+        <a:gradFill rotWithShape="1">
+          <a:gsLst>
+            <a:gs pos="0">
+              <a:schemeClr val="phClr">
+                <a:tint val="100000"/>
+                <a:shade val="100000"/>
+                <a:satMod val="130000"/>
+              </a:schemeClr>
+            </a:gs>
+            <a:gs pos="100000">
+              <a:schemeClr val="phClr">
+                <a:tint val="50000"/>
+                <a:shade val="100000"/>
+                <a:satMod val="350000"/>
+              </a:schemeClr>
+            </a:gs>
+          </a:gsLst>
+          <a:lin ang="16200000" scaled="0"/>
+        </a:gradFill>
+      </a:fillStyleLst>
+      <a:lnStyleLst>
+        <a:ln w="9525" cap="flat" cmpd="sng" algn="ctr">
+          <a:solidFill>
+            <a:schemeClr val="phClr">
+              <a:shade val="95000"/>
+              <a:satMod val="105000"/>
+            </a:schemeClr>
+          </a:solidFill>
+          <a:prstDash val="solid"/>
+        </a:ln>
+        <a:ln w="25400" cap="flat" cmpd="sng" algn="ctr">
+          <a:solidFill>
+            <a:schemeClr val="phClr"/>
+          </a:solidFill>
+          <a:prstDash val="solid"/>
+        </a:ln>
+        <a:ln w="38100" cap="flat" cmpd="sng" algn="ctr">
+          <a:solidFill>
+            <a:schemeClr val="phClr"/>
+          </a:solidFill>
+          <a:prstDash val="solid"/>
+        </a:ln>
+      </a:lnStyleLst>
+      <a:effectStyleLst>
+        <a:effectStyle>
+          <a:effectLst>
+            <a:outerShdw blurRad="40000" dist="20000" dir="5400000" rotWithShape="0">
+              <a:srgbClr val="000000">
+                <a:alpha val="38000"/>
+              </a:srgbClr>
+            </a:outerShdw>
+          </a:effectLst>
+        </a:effectStyle>
+        <a:effectStyle>
+          <a:effectLst>
+            <a:outerShdw blurRad="40000" dist="23000" dir="5400000" rotWithShape="0">
+              <a:srgbClr val="000000">
+                <a:alpha val="35000"/>
+              </a:srgbClr>
+            </a:outerShdw>
+          </a:effectLst>
+        </a:effectStyle>
+        <a:effectStyle>
+          <a:effectLst>
+            <a:outerShdw blurRad="40000" dist="23000" dir="5400000" rotWithShape="0">
+              <a:srgbClr val="000000">
+                <a:alpha val="35000"/>
+              </a:srgbClr>
+            </a:outerShdw>
+          </a:effectLst>
+          <a:scene3d>
+            <a:camera prst="orthographicFront">
+              <a:rot lat="0" lon="0" rev="0"/>
+            </a:camera>
+            <a:lightRig rig="threePt" dir="t">
+              <a:rot lat="0" lon="0" rev="1200000"/>
+            </a:lightRig>
+          </a:scene3d>
+          <a:sp3d>
+            <a:bevelT w="63500" h="25400"/>
+          </a:sp3d>
+        </a:effectStyle>
+      </a:effectStyleLst>
+      <a:bgFillStyleLst>
+        <a:solidFill>
+          <a:schemeClr val="phClr"/>
+        </a:solidFill>
+        <a:gradFill rotWithShape="1">
+          <a:gsLst>
+            <a:gs pos="0">
+              <a:schemeClr val="phClr">
+                <a:tint val="40000"/>
+                <a:satMod val="350000"/>
+              </a:schemeClr>
+            </a:gs>
+            <a:gs pos="40000">
+              <a:schemeClr val="phClr">
+                <a:tint val="45000"/>
+                <a:shade val="99000"/>
+                <a:satMod val="350000"/>
+              </a:schemeClr>
+            </a:gs>
+            <a:gs pos="100000">
+              <a:schemeClr val="phClr">
+                <a:shade val="20000"/>
+                <a:satMod val="255000"/>
+              </a:schemeClr>
+            </a:gs>
+          </a:gsLst>
+          <a:path path="circle">
+            <a:fillToRect l="50000" t="-80000" r="50000" b="180000"/>
+          </a:path>
+        </a:gradFill>
+        <a:gradFill rotWithShape="1">
+          <a:gsLst>
+            <a:gs pos="0">
+              <a:schemeClr val="phClr">
+                <a:tint val="80000"/>
+                <a:satMod val="300000"/>
+              </a:schemeClr>
+            </a:gs>
+            <a:gs pos="100000">
+              <a:schemeClr val="phClr">
+                <a:shade val="30000"/>
+                <a:satMod val="200000"/>
+              </a:schemeClr>
+            </a:gs>
+          </a:gsLst>
+          <a:path path="circle">
+            <a:fillToRect l="50000" t="50000" r="50000" b="50000"/>
+          </a:path>
+        </a:gradFill>
+      </a:bgFillStyleLst>
+    </a:fmtScheme>
+  </a:themeElements>
+  <a:objectDefaults>
+    <a:spDef>
+      <a:spPr/>
+      <a:bodyPr/>
+      <a:lstStyle/>
+      <a:style>
+        <a:lnRef idx="1">
+          <a:schemeClr val="accent1"/>
+        </a:lnRef>
+        <a:fillRef idx="3">
+          <a:schemeClr val="accent1"/>
+        </a:fillRef>
+        <a:effectRef idx="2">
+          <a:schemeClr val="accent1"/>
+        </a:effectRef>
+        <a:fontRef idx="minor">
+          <a:schemeClr val="lt1"/>
+        </a:fontRef>
+      </a:style>
+    </a:spDef>
+    <a:lnDef>
+      <a:spPr/>
+      <a:bodyPr/>
+      <a:lstStyle/>
+      <a:style>
+        <a:lnRef idx="2">
+          <a:schemeClr val="accent1"/>
+        </a:lnRef>
+        <a:fillRef idx="0">
+          <a:schemeClr val="accent1"/>
+        </a:fillRef>
+        <a:effectRef idx="1">
+          <a:schemeClr val="accent1"/>
+        </a:effectRef>
+        <a:fontRef idx="minor">
+          <a:schemeClr val="tx1"/>
+        </a:fontRef>
+      </a:style>
+    </a:lnDef>
+  </a:objectDefaults>
+  <a:extraClrSchemeLst/>
+</a:theme>
 </file>
--- a/myproject/Murder.pptx
+++ b/myproject/Murder.pptx
@@ -5,10 +5,10 @@
     <p:sldMasterId id="2147483648" r:id="rId1"/>
   </p:sldMasterIdLst>
   <p:notesMasterIdLst>
-    <p:notesMasterId r:id="rId29"/>
+    <p:notesMasterId r:id="rId30"/>
   </p:notesMasterIdLst>
   <p:handoutMasterIdLst>
-    <p:handoutMasterId r:id="rId30"/>
+    <p:handoutMasterId r:id="rId31"/>
   </p:handoutMasterIdLst>
   <p:sldIdLst>
     <p:sldId id="256" r:id="rId2"/>
@@ -22,22 +22,23 @@
     <p:sldId id="283" r:id="rId10"/>
     <p:sldId id="285" r:id="rId11"/>
     <p:sldId id="274" r:id="rId12"/>
-    <p:sldId id="260" r:id="rId13"/>
-    <p:sldId id="263" r:id="rId14"/>
-    <p:sldId id="268" r:id="rId15"/>
-    <p:sldId id="269" r:id="rId16"/>
-    <p:sldId id="265" r:id="rId17"/>
-    <p:sldId id="267" r:id="rId18"/>
-    <p:sldId id="271" r:id="rId19"/>
-    <p:sldId id="279" r:id="rId20"/>
-    <p:sldId id="281" r:id="rId21"/>
-    <p:sldId id="276" r:id="rId22"/>
-    <p:sldId id="277" r:id="rId23"/>
-    <p:sldId id="280" r:id="rId24"/>
+    <p:sldId id="291" r:id="rId13"/>
+    <p:sldId id="265" r:id="rId14"/>
+    <p:sldId id="267" r:id="rId15"/>
+    <p:sldId id="271" r:id="rId16"/>
+    <p:sldId id="288" r:id="rId17"/>
+    <p:sldId id="289" r:id="rId18"/>
+    <p:sldId id="292" r:id="rId19"/>
+    <p:sldId id="294" r:id="rId20"/>
+    <p:sldId id="293" r:id="rId21"/>
+    <p:sldId id="297" r:id="rId22"/>
+    <p:sldId id="276" r:id="rId23"/>
+    <p:sldId id="300" r:id="rId24"/>
     <p:sldId id="278" r:id="rId25"/>
     <p:sldId id="287" r:id="rId26"/>
-    <p:sldId id="264" r:id="rId27"/>
-    <p:sldId id="270" r:id="rId28"/>
+    <p:sldId id="295" r:id="rId27"/>
+    <p:sldId id="296" r:id="rId28"/>
+    <p:sldId id="298" r:id="rId29"/>
   </p:sldIdLst>
   <p:sldSz cx="9144000" cy="6858000" type="screen4x3"/>
   <p:notesSz cx="6858000" cy="9144000"/>
@@ -221,7 +222,7 @@
           <a:p>
             <a:fld id="{A89AE341-F8C5-6D42-B324-54A6F2ADA367}" type="datetimeFigureOut">
               <a:rPr lang="en-US" smtClean="0"/>
-              <a:t>7/7/15</a:t>
+              <a:t>7/9/15</a:t>
             </a:fld>
             <a:endParaRPr lang="en-US"/>
           </a:p>
@@ -387,7 +388,7 @@
           <a:p>
             <a:fld id="{782ABDF5-147A-944F-9CB5-57163785B78C}" type="datetimeFigureOut">
               <a:rPr lang="en-US" smtClean="0"/>
-              <a:t>7/7/15</a:t>
+              <a:t>7/9/15</a:t>
             </a:fld>
             <a:endParaRPr lang="en-US"/>
           </a:p>
@@ -835,9 +836,9 @@
           <a:bodyPr/>
           <a:lstStyle/>
           <a:p>
-            <a:fld id="{AC8DFC38-1C0B-2248-9D03-7AD764517C8A}" type="datetime1">
-              <a:rPr lang="en-US" smtClean="0"/>
-              <a:t>7/7/15</a:t>
+            <a:fld id="{7091A9B0-3AEF-084A-AD4F-CCE06AD3A077}" type="datetime1">
+              <a:rPr lang="en-US" smtClean="0"/>
+              <a:t>7/9/15</a:t>
             </a:fld>
             <a:endParaRPr lang="en-US"/>
           </a:p>
@@ -1005,9 +1006,9 @@
           <a:bodyPr/>
           <a:lstStyle/>
           <a:p>
-            <a:fld id="{2A20FE79-51B2-CC4C-B29D-D020F5FCE162}" type="datetime1">
-              <a:rPr lang="en-US" smtClean="0"/>
-              <a:t>7/7/15</a:t>
+            <a:fld id="{6378CEF1-1A77-6D4F-BC00-33A78B041D49}" type="datetime1">
+              <a:rPr lang="en-US" smtClean="0"/>
+              <a:t>7/9/15</a:t>
             </a:fld>
             <a:endParaRPr lang="en-US"/>
           </a:p>
@@ -1185,9 +1186,9 @@
           <a:bodyPr/>
           <a:lstStyle/>
           <a:p>
-            <a:fld id="{393B295F-9B98-B446-8E9A-839E40072A18}" type="datetime1">
-              <a:rPr lang="en-US" smtClean="0"/>
-              <a:t>7/7/15</a:t>
+            <a:fld id="{0194D4BC-BAC0-E146-897B-B12E1B4BEC68}" type="datetime1">
+              <a:rPr lang="en-US" smtClean="0"/>
+              <a:t>7/9/15</a:t>
             </a:fld>
             <a:endParaRPr lang="en-US"/>
           </a:p>
@@ -1355,9 +1356,9 @@
           <a:bodyPr/>
           <a:lstStyle/>
           <a:p>
-            <a:fld id="{1F38797A-50A9-BA48-9415-C38B66A0A498}" type="datetime1">
-              <a:rPr lang="en-US" smtClean="0"/>
-              <a:t>7/7/15</a:t>
+            <a:fld id="{359859B1-9ACE-924D-AC64-BCC9F0A7C27A}" type="datetime1">
+              <a:rPr lang="en-US" smtClean="0"/>
+              <a:t>7/9/15</a:t>
             </a:fld>
             <a:endParaRPr lang="en-US"/>
           </a:p>
@@ -1601,9 +1602,9 @@
           <a:bodyPr/>
           <a:lstStyle/>
           <a:p>
-            <a:fld id="{EC457DE1-535B-DD4A-BA7F-2C6C73485939}" type="datetime1">
-              <a:rPr lang="en-US" smtClean="0"/>
-              <a:t>7/7/15</a:t>
+            <a:fld id="{10C0FFF7-7DAB-B845-ACFA-65428B525150}" type="datetime1">
+              <a:rPr lang="en-US" smtClean="0"/>
+              <a:t>7/9/15</a:t>
             </a:fld>
             <a:endParaRPr lang="en-US"/>
           </a:p>
@@ -1889,9 +1890,9 @@
           <a:bodyPr/>
           <a:lstStyle/>
           <a:p>
-            <a:fld id="{A1E968E3-DEFA-DC45-A439-9142050DD797}" type="datetime1">
-              <a:rPr lang="en-US" smtClean="0"/>
-              <a:t>7/7/15</a:t>
+            <a:fld id="{14886900-66F3-9240-B349-C21FE14CFB66}" type="datetime1">
+              <a:rPr lang="en-US" smtClean="0"/>
+              <a:t>7/9/15</a:t>
             </a:fld>
             <a:endParaRPr lang="en-US"/>
           </a:p>
@@ -2311,9 +2312,9 @@
           <a:bodyPr/>
           <a:lstStyle/>
           <a:p>
-            <a:fld id="{09D4B3E8-00C5-3748-BCFB-2C32FADCD863}" type="datetime1">
-              <a:rPr lang="en-US" smtClean="0"/>
-              <a:t>7/7/15</a:t>
+            <a:fld id="{6577C666-3706-974C-84F6-218BCF213B57}" type="datetime1">
+              <a:rPr lang="en-US" smtClean="0"/>
+              <a:t>7/9/15</a:t>
             </a:fld>
             <a:endParaRPr lang="en-US"/>
           </a:p>
@@ -2429,9 +2430,9 @@
           <a:bodyPr/>
           <a:lstStyle/>
           <a:p>
-            <a:fld id="{16F685BD-60C4-044D-9C6E-2115B6136BFE}" type="datetime1">
-              <a:rPr lang="en-US" smtClean="0"/>
-              <a:t>7/7/15</a:t>
+            <a:fld id="{35AFDEF7-281C-864B-B8B1-E92052838026}" type="datetime1">
+              <a:rPr lang="en-US" smtClean="0"/>
+              <a:t>7/9/15</a:t>
             </a:fld>
             <a:endParaRPr lang="en-US"/>
           </a:p>
@@ -2524,9 +2525,9 @@
           <a:bodyPr/>
           <a:lstStyle/>
           <a:p>
-            <a:fld id="{D508E0D3-208D-1449-8279-AA2118FF2099}" type="datetime1">
-              <a:rPr lang="en-US" smtClean="0"/>
-              <a:t>7/7/15</a:t>
+            <a:fld id="{5FDE38C0-97D3-9C45-9FBC-139642C9CA74}" type="datetime1">
+              <a:rPr lang="en-US" smtClean="0"/>
+              <a:t>7/9/15</a:t>
             </a:fld>
             <a:endParaRPr lang="en-US"/>
           </a:p>
@@ -2801,9 +2802,9 @@
           <a:bodyPr/>
           <a:lstStyle/>
           <a:p>
-            <a:fld id="{DE97A7A5-F815-DB4B-9A46-C98941A525E1}" type="datetime1">
-              <a:rPr lang="en-US" smtClean="0"/>
-              <a:t>7/7/15</a:t>
+            <a:fld id="{1E9224D7-3DCC-F741-97DA-48711934DE71}" type="datetime1">
+              <a:rPr lang="en-US" smtClean="0"/>
+              <a:t>7/9/15</a:t>
             </a:fld>
             <a:endParaRPr lang="en-US"/>
           </a:p>
@@ -3054,9 +3055,9 @@
           <a:bodyPr/>
           <a:lstStyle/>
           <a:p>
-            <a:fld id="{3029B049-6BA1-A643-ABEF-E8EF0D0AB453}" type="datetime1">
-              <a:rPr lang="en-US" smtClean="0"/>
-              <a:t>7/7/15</a:t>
+            <a:fld id="{BC367B1F-635F-D748-8548-E54E1A6030F1}" type="datetime1">
+              <a:rPr lang="en-US" smtClean="0"/>
+              <a:t>7/9/15</a:t>
             </a:fld>
             <a:endParaRPr lang="en-US"/>
           </a:p>
@@ -3267,9 +3268,9 @@
             </a:lvl1pPr>
           </a:lstStyle>
           <a:p>
-            <a:fld id="{29651C28-7C74-FC46-A42F-D60D1713630D}" type="datetime1">
-              <a:rPr lang="en-US" smtClean="0"/>
-              <a:t>7/7/15</a:t>
+            <a:fld id="{A988EEEE-2F9C-8B43-A9D4-D78AAD809A21}" type="datetime1">
+              <a:rPr lang="en-US" smtClean="0"/>
+              <a:t>7/9/15</a:t>
             </a:fld>
             <a:endParaRPr lang="en-US"/>
           </a:p>
@@ -3374,7 +3375,7 @@
     <p:sldLayoutId id="2147483658" r:id="rId10"/>
     <p:sldLayoutId id="2147483659" r:id="rId11"/>
   </p:sldLayoutIdLst>
-  <p:hf sldNum="0" hdr="0" ftr="0" dt="0"/>
+  <p:hf hdr="0" ftr="0" dt="0"/>
   <p:txStyles>
     <p:titleStyle>
       <a:lvl1pPr algn="ctr" defTabSz="457200" rtl="0" eaLnBrk="1" latinLnBrk="0" hangingPunct="1">
@@ -3739,7 +3740,7 @@
         </p:nvSpPr>
         <p:spPr>
           <a:xfrm>
-            <a:off x="1371600" y="2790315"/>
+            <a:off x="1371600" y="2841115"/>
             <a:ext cx="6400800" cy="1752600"/>
           </a:xfrm>
         </p:spPr>
@@ -3750,7 +3751,7 @@
             <a:r>
               <a:rPr lang="en-US" dirty="0" smtClean="0">
                 <a:solidFill>
-                  <a:srgbClr val="FF0000"/>
+                  <a:schemeClr val="bg1"/>
                 </a:solidFill>
               </a:rPr>
               <a:t>Jeremy McCormick</a:t>
@@ -3760,14 +3761,14 @@
             <a:r>
               <a:rPr lang="en-US" dirty="0" smtClean="0">
                 <a:solidFill>
-                  <a:srgbClr val="FF0000"/>
+                  <a:schemeClr val="bg1"/>
                 </a:solidFill>
               </a:rPr>
               <a:t>General Assembly / Data Science Final Project</a:t>
             </a:r>
             <a:endParaRPr lang="en-US" dirty="0">
               <a:solidFill>
-                <a:srgbClr val="FF0000"/>
+                <a:schemeClr val="bg1"/>
               </a:solidFill>
             </a:endParaRPr>
           </a:p>
@@ -3903,7 +3904,7 @@
           <a:lstStyle/>
           <a:p>
             <a:pPr algn="ctr"/>
-            <a:endParaRPr lang="en-US"/>
+            <a:endParaRPr lang="en-US" dirty="0"/>
           </a:p>
         </p:txBody>
       </p:sp>
@@ -3915,8 +3916,8 @@
         </p:nvSpPr>
         <p:spPr>
           <a:xfrm>
-            <a:off x="2259285" y="1074568"/>
-            <a:ext cx="2405834" cy="2246823"/>
+            <a:off x="2198225" y="1013513"/>
+            <a:ext cx="2558476" cy="2389376"/>
           </a:xfrm>
           <a:prstGeom prst="ellipse">
             <a:avLst/>
@@ -3960,8 +3961,8 @@
         </p:nvSpPr>
         <p:spPr>
           <a:xfrm>
-            <a:off x="6832557" y="976534"/>
-            <a:ext cx="2405834" cy="2246823"/>
+            <a:off x="6637165" y="976534"/>
+            <a:ext cx="2510806" cy="2344857"/>
           </a:xfrm>
           <a:prstGeom prst="ellipse">
             <a:avLst/>
@@ -4005,8 +4006,8 @@
         </p:nvSpPr>
         <p:spPr>
           <a:xfrm>
-            <a:off x="91338" y="4075890"/>
-            <a:ext cx="2405834" cy="2246823"/>
+            <a:off x="66913" y="4075890"/>
+            <a:ext cx="2526275" cy="2359304"/>
           </a:xfrm>
           <a:prstGeom prst="ellipse">
             <a:avLst/>
@@ -4039,6 +4040,68 @@
           <a:p>
             <a:pPr algn="ctr"/>
             <a:endParaRPr lang="en-US"/>
+          </a:p>
+        </p:txBody>
+      </p:sp>
+      <p:sp>
+        <p:nvSpPr>
+          <p:cNvPr id="5" name="Slide Number Placeholder 4"/>
+          <p:cNvSpPr>
+            <a:spLocks noGrp="1"/>
+          </p:cNvSpPr>
+          <p:nvPr>
+            <p:ph type="sldNum" sz="quarter" idx="12"/>
+          </p:nvPr>
+        </p:nvSpPr>
+        <p:spPr/>
+        <p:txBody>
+          <a:bodyPr/>
+          <a:lstStyle/>
+          <a:p>
+            <a:fld id="{F4868C7E-E561-7D4F-8BFA-0F5E3C84BDAE}" type="slidenum">
+              <a:rPr lang="en-US" smtClean="0"/>
+              <a:t>10</a:t>
+            </a:fld>
+            <a:endParaRPr lang="en-US"/>
+          </a:p>
+        </p:txBody>
+      </p:sp>
+      <p:sp>
+        <p:nvSpPr>
+          <p:cNvPr id="9" name="TextBox 8"/>
+          <p:cNvSpPr txBox="1"/>
+          <p:nvPr/>
+        </p:nvSpPr>
+        <p:spPr>
+          <a:xfrm>
+            <a:off x="7035080" y="3822041"/>
+            <a:ext cx="1937949" cy="2308324"/>
+          </a:xfrm>
+          <a:prstGeom prst="rect">
+            <a:avLst/>
+          </a:prstGeom>
+          <a:noFill/>
+        </p:spPr>
+        <p:txBody>
+          <a:bodyPr wrap="square" rtlCol="0">
+            <a:spAutoFit/>
+          </a:bodyPr>
+          <a:lstStyle/>
+          <a:p>
+            <a:pPr algn="ctr"/>
+            <a:r>
+              <a:rPr lang="en-US" sz="2400" dirty="0" smtClean="0">
+                <a:solidFill>
+                  <a:srgbClr val="FF0000"/>
+                </a:solidFill>
+              </a:rPr>
+              <a:t>These features look like they could have strong correlation! </a:t>
+            </a:r>
+            <a:endParaRPr lang="en-US" sz="2400" dirty="0">
+              <a:solidFill>
+                <a:srgbClr val="FF0000"/>
+              </a:solidFill>
+            </a:endParaRPr>
           </a:p>
         </p:txBody>
       </p:sp>
@@ -4101,11 +4164,7 @@
           <a:p>
             <a:r>
               <a:rPr lang="en-US" dirty="0" smtClean="0"/>
-              <a:t>Applying Linear </a:t>
-            </a:r>
-            <a:r>
-              <a:rPr lang="en-US" dirty="0" smtClean="0"/>
-              <a:t>Regression</a:t>
+              <a:t>Applying Linear Regression</a:t>
             </a:r>
             <a:endParaRPr lang="en-US" dirty="0"/>
           </a:p>
@@ -4124,70 +4183,77 @@
         <p:spPr/>
         <p:txBody>
           <a:bodyPr>
-            <a:normAutofit fontScale="92500" lnSpcReduction="20000"/>
+            <a:normAutofit fontScale="92500"/>
           </a:bodyPr>
           <a:lstStyle/>
           <a:p>
             <a:r>
               <a:rPr lang="en-US" dirty="0" smtClean="0"/>
-              <a:t>Start with linear regression using </a:t>
-            </a:r>
-            <a:r>
-              <a:rPr lang="en-US" dirty="0" smtClean="0"/>
-              <a:t>single degree polynomial </a:t>
+              <a:t>Linear regression using single degree polynomial (line fit)</a:t>
             </a:r>
           </a:p>
           <a:p>
             <a:pPr lvl="1"/>
             <a:r>
               <a:rPr lang="en-US" dirty="0" smtClean="0"/>
-              <a:t>Likely the errors will be large but </a:t>
-            </a:r>
-            <a:r>
-              <a:rPr lang="en-US" dirty="0" smtClean="0"/>
-              <a:t>this</a:t>
-            </a:r>
-            <a:r>
-              <a:rPr lang="en-US" dirty="0" smtClean="0"/>
-              <a:t> will show basic features and correlations in the data</a:t>
-            </a:r>
-          </a:p>
-          <a:p>
-            <a:r>
-              <a:rPr lang="en-US" dirty="0" smtClean="0"/>
-              <a:t>Identify </a:t>
+              <a:t>This fit will have the largest errors but it is a clear way to visualize possible positive/negative correlations. </a:t>
+            </a:r>
+          </a:p>
+          <a:p>
+            <a:r>
+              <a:rPr lang="en-US" dirty="0" smtClean="0"/>
+              <a:t>Use a more advanced fit to reduce errors</a:t>
+            </a:r>
+          </a:p>
+          <a:p>
+            <a:pPr lvl="1"/>
+            <a:r>
+              <a:rPr lang="en-US" dirty="0" smtClean="0"/>
+              <a:t>Polynomial (</a:t>
+            </a:r>
+            <a:r>
+              <a:rPr lang="en-US" dirty="0" err="1" smtClean="0"/>
+              <a:t>deg</a:t>
+            </a:r>
+            <a:r>
+              <a:rPr lang="en-US" dirty="0" smtClean="0"/>
+              <a:t> 3) with LASSO</a:t>
+            </a:r>
+          </a:p>
+          <a:p>
+            <a:r>
+              <a:rPr lang="en-US" dirty="0" smtClean="0"/>
+              <a:t>Scatter </a:t>
             </a:r>
             <a:r>
               <a:rPr lang="en-US" dirty="0"/>
-              <a:t>type and level of correlation</a:t>
-            </a:r>
-          </a:p>
-          <a:p>
-            <a:pPr lvl="1"/>
+              <a:t>plot feature </a:t>
+            </a:r>
+            <a:r>
+              <a:rPr lang="en-US" dirty="0" err="1"/>
+              <a:t>vs</a:t>
+            </a:r>
             <a:r>
               <a:rPr lang="en-US" dirty="0"/>
-              <a:t>Positive or negative</a:t>
-            </a:r>
-          </a:p>
-          <a:p>
-            <a:pPr lvl="1"/>
+              <a:t> predicted </a:t>
+            </a:r>
+            <a:r>
+              <a:rPr lang="en-US" dirty="0" smtClean="0"/>
+              <a:t>with </a:t>
+            </a:r>
             <a:r>
               <a:rPr lang="en-US" dirty="0"/>
-              <a:t>Uncorrelated, weak, moderate or </a:t>
-            </a:r>
-            <a:r>
-              <a:rPr lang="en-US" dirty="0" smtClean="0"/>
-              <a:t>strong</a:t>
-            </a:r>
-          </a:p>
-          <a:p>
-            <a:r>
-              <a:rPr lang="en-US" dirty="0"/>
-              <a:t>Scatter plot </a:t>
-            </a:r>
-            <a:r>
-              <a:rPr lang="en-US" dirty="0" smtClean="0"/>
-              <a:t>feature </a:t>
+              <a:t>the fit </a:t>
+            </a:r>
+            <a:r>
+              <a:rPr lang="en-US" dirty="0" smtClean="0"/>
+              <a:t>line</a:t>
+            </a:r>
+          </a:p>
+          <a:p>
+            <a:r>
+              <a:rPr lang="en-US" dirty="0" smtClean="0"/>
+              <a:t>Compare the Mean Errors to determine how much better the polynomial fit is </a:t>
             </a:r>
             <a:r>
               <a:rPr lang="en-US" dirty="0" err="1" smtClean="0"/>
@@ -4195,18 +4261,39 @@
             </a:r>
             <a:r>
               <a:rPr lang="en-US" dirty="0" smtClean="0"/>
-              <a:t> predicted variable with the fit line</a:t>
-            </a:r>
-          </a:p>
-          <a:p>
-            <a:r>
-              <a:rPr lang="en-US" dirty="0" smtClean="0"/>
-              <a:t>Then for a single feature apply more advanced regression models and do cross validation.</a:t>
+              <a:t> the line fit.</a:t>
             </a:r>
             <a:endParaRPr lang="en-US" dirty="0"/>
           </a:p>
           <a:p>
+            <a:pPr lvl="1"/>
+            <a:endParaRPr lang="en-US" dirty="0"/>
+          </a:p>
+          <a:p>
             <a:endParaRPr lang="en-US" dirty="0" smtClean="0"/>
+          </a:p>
+        </p:txBody>
+      </p:sp>
+      <p:sp>
+        <p:nvSpPr>
+          <p:cNvPr id="4" name="Slide Number Placeholder 3"/>
+          <p:cNvSpPr>
+            <a:spLocks noGrp="1"/>
+          </p:cNvSpPr>
+          <p:nvPr>
+            <p:ph type="sldNum" sz="quarter" idx="12"/>
+          </p:nvPr>
+        </p:nvSpPr>
+        <p:spPr/>
+        <p:txBody>
+          <a:bodyPr/>
+          <a:lstStyle/>
+          <a:p>
+            <a:fld id="{F4868C7E-E561-7D4F-8BFA-0F5E3C84BDAE}" type="slidenum">
+              <a:rPr lang="en-US" smtClean="0"/>
+              <a:t>11</a:t>
+            </a:fld>
+            <a:endParaRPr lang="en-US"/>
           </a:p>
         </p:txBody>
       </p:sp>
@@ -4249,34 +4336,6 @@
       </p:grpSpPr>
       <p:sp>
         <p:nvSpPr>
-          <p:cNvPr id="2" name="Title 1"/>
-          <p:cNvSpPr>
-            <a:spLocks noGrp="1"/>
-          </p:cNvSpPr>
-          <p:nvPr>
-            <p:ph type="title"/>
-          </p:nvPr>
-        </p:nvSpPr>
-        <p:spPr>
-          <a:xfrm>
-            <a:off x="457200" y="41058"/>
-            <a:ext cx="8229600" cy="890450"/>
-          </a:xfrm>
-        </p:spPr>
-        <p:txBody>
-          <a:bodyPr/>
-          <a:lstStyle/>
-          <a:p>
-            <a:r>
-              <a:rPr lang="en-US" dirty="0" smtClean="0"/>
-              <a:t>Population Density</a:t>
-            </a:r>
-            <a:endParaRPr lang="en-US" dirty="0"/>
-          </a:p>
-        </p:txBody>
-      </p:sp>
-      <p:sp>
-        <p:nvSpPr>
           <p:cNvPr id="3" name="Content Placeholder 2"/>
           <p:cNvSpPr>
             <a:spLocks noGrp="1"/>
@@ -4287,30 +4346,47 @@
         </p:nvSpPr>
         <p:spPr>
           <a:xfrm>
-            <a:off x="-145504" y="5715937"/>
-            <a:ext cx="8832304" cy="834036"/>
-          </a:xfrm>
-        </p:spPr>
-        <p:txBody>
-          <a:bodyPr/>
+            <a:off x="457200" y="1500187"/>
+            <a:ext cx="8229600" cy="4525963"/>
+          </a:xfrm>
+        </p:spPr>
+        <p:txBody>
+          <a:bodyPr>
+            <a:normAutofit/>
+          </a:bodyPr>
           <a:lstStyle/>
           <a:p>
             <a:pPr marL="0" indent="0" algn="ctr">
               <a:buNone/>
             </a:pPr>
             <a:r>
-              <a:rPr lang="en-US" dirty="0" smtClean="0">
-                <a:solidFill>
-                  <a:srgbClr val="FF0000"/>
-                </a:solidFill>
-              </a:rPr>
-              <a:t>Weak positive correlation</a:t>
-            </a:r>
-            <a:endParaRPr lang="en-US" dirty="0">
-              <a:solidFill>
-                <a:srgbClr val="FF0000"/>
-              </a:solidFill>
-            </a:endParaRPr>
+              <a:rPr lang="en-US" sz="4800" dirty="0" smtClean="0"/>
+              <a:t>Look at the features which appear correlated first…</a:t>
+            </a:r>
+            <a:endParaRPr lang="en-US" sz="4800" dirty="0"/>
+          </a:p>
+        </p:txBody>
+      </p:sp>
+      <p:sp>
+        <p:nvSpPr>
+          <p:cNvPr id="4" name="Slide Number Placeholder 3"/>
+          <p:cNvSpPr>
+            <a:spLocks noGrp="1"/>
+          </p:cNvSpPr>
+          <p:nvPr>
+            <p:ph type="sldNum" sz="quarter" idx="12"/>
+          </p:nvPr>
+        </p:nvSpPr>
+        <p:spPr/>
+        <p:txBody>
+          <a:bodyPr/>
+          <a:lstStyle/>
+          <a:p>
+            <a:fld id="{F4868C7E-E561-7D4F-8BFA-0F5E3C84BDAE}" type="slidenum">
+              <a:rPr lang="en-US" smtClean="0"/>
+              <a:t>12</a:t>
+            </a:fld>
+            <a:endParaRPr lang="en-US"/>
           </a:p>
         </p:txBody>
       </p:sp>
@@ -4330,8 +4406,8 @@
         </p:blipFill>
         <p:spPr>
           <a:xfrm>
-            <a:off x="1087943" y="955930"/>
-            <a:ext cx="6375400" cy="4876800"/>
+            <a:off x="2578100" y="3310466"/>
+            <a:ext cx="3987800" cy="2658533"/>
           </a:xfrm>
           <a:prstGeom prst="rect">
             <a:avLst/>
@@ -4341,7 +4417,7 @@
     </p:spTree>
     <p:extLst>
       <p:ext uri="{BB962C8B-B14F-4D97-AF65-F5344CB8AC3E}">
-        <p14:creationId xmlns:p14="http://schemas.microsoft.com/office/powerpoint/2010/main" val="1904526405"/>
+        <p14:creationId xmlns:p14="http://schemas.microsoft.com/office/powerpoint/2010/main" val="1098699136"/>
       </p:ext>
     </p:extLst>
   </p:cSld>
@@ -4387,19 +4463,1454 @@
         </p:nvSpPr>
         <p:spPr>
           <a:xfrm>
-            <a:off x="457200" y="111524"/>
-            <a:ext cx="8229600" cy="704037"/>
+            <a:off x="457200" y="76571"/>
+            <a:ext cx="8229600" cy="773941"/>
+          </a:xfrm>
+        </p:spPr>
+        <p:txBody>
+          <a:bodyPr/>
+          <a:lstStyle/>
+          <a:p>
+            <a:r>
+              <a:rPr lang="en-US" dirty="0" smtClean="0"/>
+              <a:t>Poverty Rate</a:t>
+            </a:r>
+            <a:endParaRPr lang="en-US" dirty="0"/>
+          </a:p>
+        </p:txBody>
+      </p:sp>
+      <p:sp>
+        <p:nvSpPr>
+          <p:cNvPr id="4" name="Slide Number Placeholder 3"/>
+          <p:cNvSpPr>
+            <a:spLocks noGrp="1"/>
+          </p:cNvSpPr>
+          <p:nvPr>
+            <p:ph type="sldNum" sz="quarter" idx="12"/>
+          </p:nvPr>
+        </p:nvSpPr>
+        <p:spPr/>
+        <p:txBody>
+          <a:bodyPr/>
+          <a:lstStyle/>
+          <a:p>
+            <a:fld id="{F4868C7E-E561-7D4F-8BFA-0F5E3C84BDAE}" type="slidenum">
+              <a:rPr lang="en-US" smtClean="0"/>
+              <a:t>13</a:t>
+            </a:fld>
+            <a:endParaRPr lang="en-US"/>
+          </a:p>
+        </p:txBody>
+      </p:sp>
+      <p:pic>
+        <p:nvPicPr>
+          <p:cNvPr id="8" name="Picture 7"/>
+          <p:cNvPicPr>
+            <a:picLocks noChangeAspect="1"/>
+          </p:cNvPicPr>
+          <p:nvPr/>
+        </p:nvPicPr>
+        <p:blipFill>
+          <a:blip r:embed="rId2"/>
+          <a:stretch>
+            <a:fillRect/>
+          </a:stretch>
+        </p:blipFill>
+        <p:spPr>
+          <a:xfrm>
+            <a:off x="55552" y="1478090"/>
+            <a:ext cx="4520020" cy="3320831"/>
+          </a:xfrm>
+          <a:prstGeom prst="rect">
+            <a:avLst/>
+          </a:prstGeom>
+        </p:spPr>
+      </p:pic>
+      <p:pic>
+        <p:nvPicPr>
+          <p:cNvPr id="9" name="Picture 8"/>
+          <p:cNvPicPr>
+            <a:picLocks noChangeAspect="1"/>
+          </p:cNvPicPr>
+          <p:nvPr/>
+        </p:nvPicPr>
+        <p:blipFill>
+          <a:blip r:embed="rId3"/>
+          <a:stretch>
+            <a:fillRect/>
+          </a:stretch>
+        </p:blipFill>
+        <p:spPr>
+          <a:xfrm>
+            <a:off x="4518572" y="1465879"/>
+            <a:ext cx="4552156" cy="3352995"/>
+          </a:xfrm>
+          <a:prstGeom prst="rect">
+            <a:avLst/>
+          </a:prstGeom>
+        </p:spPr>
+      </p:pic>
+      <p:sp>
+        <p:nvSpPr>
+          <p:cNvPr id="10" name="TextBox 9"/>
+          <p:cNvSpPr txBox="1"/>
+          <p:nvPr/>
+        </p:nvSpPr>
+        <p:spPr>
+          <a:xfrm>
+            <a:off x="586193" y="5433892"/>
+            <a:ext cx="8194489" cy="646331"/>
+          </a:xfrm>
+          <a:prstGeom prst="rect">
+            <a:avLst/>
+          </a:prstGeom>
+          <a:noFill/>
+        </p:spPr>
+        <p:txBody>
+          <a:bodyPr wrap="square" rtlCol="0">
+            <a:spAutoFit/>
+          </a:bodyPr>
+          <a:lstStyle/>
+          <a:p>
+            <a:r>
+              <a:rPr lang="en-US" dirty="0" smtClean="0"/>
+              <a:t>The errors are nearly unchanged between the linear and polynomial regression so the line fit works well for this feature.</a:t>
+            </a:r>
+            <a:endParaRPr lang="en-US" dirty="0"/>
+          </a:p>
+        </p:txBody>
+      </p:sp>
+      <p:sp>
+        <p:nvSpPr>
+          <p:cNvPr id="3" name="Rectangle 2"/>
+          <p:cNvSpPr/>
+          <p:nvPr/>
+        </p:nvSpPr>
+        <p:spPr>
+          <a:xfrm>
+            <a:off x="4518572" y="2710841"/>
+            <a:ext cx="195398" cy="757082"/>
+          </a:xfrm>
+          <a:prstGeom prst="rect">
+            <a:avLst/>
+          </a:prstGeom>
+          <a:solidFill>
+            <a:schemeClr val="bg1"/>
+          </a:solidFill>
+          <a:ln>
+            <a:noFill/>
+          </a:ln>
+          <a:effectLst/>
+        </p:spPr>
+        <p:style>
+          <a:lnRef idx="1">
+            <a:schemeClr val="accent1"/>
+          </a:lnRef>
+          <a:fillRef idx="3">
+            <a:schemeClr val="accent1"/>
+          </a:fillRef>
+          <a:effectRef idx="2">
+            <a:schemeClr val="accent1"/>
+          </a:effectRef>
+          <a:fontRef idx="minor">
+            <a:schemeClr val="lt1"/>
+          </a:fontRef>
+        </p:style>
+        <p:txBody>
+          <a:bodyPr rtlCol="0" anchor="ctr"/>
+          <a:lstStyle/>
+          <a:p>
+            <a:pPr algn="ctr"/>
+            <a:endParaRPr lang="en-US"/>
+          </a:p>
+        </p:txBody>
+      </p:sp>
+    </p:spTree>
+    <p:extLst>
+      <p:ext uri="{BB962C8B-B14F-4D97-AF65-F5344CB8AC3E}">
+        <p14:creationId xmlns:p14="http://schemas.microsoft.com/office/powerpoint/2010/main" val="1564530445"/>
+      </p:ext>
+    </p:extLst>
+  </p:cSld>
+  <p:clrMapOvr>
+    <a:masterClrMapping/>
+  </p:clrMapOvr>
+  <p:timing>
+    <p:tnLst>
+      <p:par>
+        <p:cTn xmlns:p14="http://schemas.microsoft.com/office/powerpoint/2010/main" id="1" dur="indefinite" restart="never" nodeType="tmRoot"/>
+      </p:par>
+    </p:tnLst>
+  </p:timing>
+</p:sld>
+</file>
+
+<file path=ppt/slides/slide14.xml><?xml version="1.0" encoding="utf-8"?>
+<p:sld xmlns:a="http://schemas.openxmlformats.org/drawingml/2006/main" xmlns:r="http://schemas.openxmlformats.org/officeDocument/2006/relationships" xmlns:p="http://schemas.openxmlformats.org/presentationml/2006/main">
+  <p:cSld>
+    <p:spTree>
+      <p:nvGrpSpPr>
+        <p:cNvPr id="1" name=""/>
+        <p:cNvGrpSpPr/>
+        <p:nvPr/>
+      </p:nvGrpSpPr>
+      <p:grpSpPr>
+        <a:xfrm>
+          <a:off x="0" y="0"/>
+          <a:ext cx="0" cy="0"/>
+          <a:chOff x="0" y="0"/>
+          <a:chExt cx="0" cy="0"/>
+        </a:xfrm>
+      </p:grpSpPr>
+      <p:sp>
+        <p:nvSpPr>
+          <p:cNvPr id="5" name="Title 4"/>
+          <p:cNvSpPr>
+            <a:spLocks noGrp="1"/>
+          </p:cNvSpPr>
+          <p:nvPr>
+            <p:ph type="title"/>
+          </p:nvPr>
+        </p:nvSpPr>
+        <p:spPr>
+          <a:xfrm>
+            <a:off x="457200" y="116503"/>
+            <a:ext cx="8229600" cy="800141"/>
+          </a:xfrm>
+        </p:spPr>
+        <p:txBody>
+          <a:bodyPr/>
+          <a:lstStyle/>
+          <a:p>
+            <a:r>
+              <a:rPr lang="en-US" dirty="0" smtClean="0"/>
+              <a:t>Incarceration Rate</a:t>
+            </a:r>
+            <a:endParaRPr lang="en-US" dirty="0"/>
+          </a:p>
+        </p:txBody>
+      </p:sp>
+      <p:sp>
+        <p:nvSpPr>
+          <p:cNvPr id="2" name="Slide Number Placeholder 1"/>
+          <p:cNvSpPr>
+            <a:spLocks noGrp="1"/>
+          </p:cNvSpPr>
+          <p:nvPr>
+            <p:ph type="sldNum" sz="quarter" idx="12"/>
+          </p:nvPr>
+        </p:nvSpPr>
+        <p:spPr/>
+        <p:txBody>
+          <a:bodyPr/>
+          <a:lstStyle/>
+          <a:p>
+            <a:fld id="{F4868C7E-E561-7D4F-8BFA-0F5E3C84BDAE}" type="slidenum">
+              <a:rPr lang="en-US" smtClean="0"/>
+              <a:t>14</a:t>
+            </a:fld>
+            <a:endParaRPr lang="en-US"/>
+          </a:p>
+        </p:txBody>
+      </p:sp>
+      <p:pic>
+        <p:nvPicPr>
+          <p:cNvPr id="4" name="Picture 3"/>
+          <p:cNvPicPr>
+            <a:picLocks noChangeAspect="1"/>
+          </p:cNvPicPr>
+          <p:nvPr/>
+        </p:nvPicPr>
+        <p:blipFill>
+          <a:blip r:embed="rId2"/>
+          <a:stretch>
+            <a:fillRect/>
+          </a:stretch>
+        </p:blipFill>
+        <p:spPr>
+          <a:xfrm>
+            <a:off x="152780" y="1575219"/>
+            <a:ext cx="4563648" cy="3352884"/>
+          </a:xfrm>
+          <a:prstGeom prst="rect">
+            <a:avLst/>
+          </a:prstGeom>
+        </p:spPr>
+      </p:pic>
+      <p:pic>
+        <p:nvPicPr>
+          <p:cNvPr id="7" name="Picture 6"/>
+          <p:cNvPicPr>
+            <a:picLocks noChangeAspect="1"/>
+          </p:cNvPicPr>
+          <p:nvPr/>
+        </p:nvPicPr>
+        <p:blipFill>
+          <a:blip r:embed="rId3"/>
+          <a:stretch>
+            <a:fillRect/>
+          </a:stretch>
+        </p:blipFill>
+        <p:spPr>
+          <a:xfrm>
+            <a:off x="4379028" y="1575219"/>
+            <a:ext cx="4663372" cy="3426151"/>
+          </a:xfrm>
+          <a:prstGeom prst="rect">
+            <a:avLst/>
+          </a:prstGeom>
+        </p:spPr>
+      </p:pic>
+      <p:sp>
+        <p:nvSpPr>
+          <p:cNvPr id="3" name="TextBox 2"/>
+          <p:cNvSpPr txBox="1"/>
+          <p:nvPr/>
+        </p:nvSpPr>
+        <p:spPr>
+          <a:xfrm>
+            <a:off x="2821054" y="5345414"/>
+            <a:ext cx="3528242" cy="369332"/>
+          </a:xfrm>
+          <a:prstGeom prst="rect">
+            <a:avLst/>
+          </a:prstGeom>
+          <a:noFill/>
+        </p:spPr>
+        <p:txBody>
+          <a:bodyPr wrap="none" rtlCol="0">
+            <a:spAutoFit/>
+          </a:bodyPr>
+          <a:lstStyle/>
+          <a:p>
+            <a:r>
+              <a:rPr lang="en-US" dirty="0" smtClean="0"/>
+              <a:t>Again, the line fit looks pretty good.</a:t>
+            </a:r>
+            <a:endParaRPr lang="en-US" dirty="0"/>
+          </a:p>
+        </p:txBody>
+      </p:sp>
+      <p:sp>
+        <p:nvSpPr>
+          <p:cNvPr id="9" name="Rectangle 8"/>
+          <p:cNvSpPr/>
+          <p:nvPr/>
+        </p:nvSpPr>
+        <p:spPr>
+          <a:xfrm>
+            <a:off x="4379028" y="2613153"/>
+            <a:ext cx="195398" cy="1208888"/>
+          </a:xfrm>
+          <a:prstGeom prst="rect">
+            <a:avLst/>
+          </a:prstGeom>
+          <a:solidFill>
+            <a:schemeClr val="bg1"/>
+          </a:solidFill>
+          <a:ln>
+            <a:noFill/>
+          </a:ln>
+          <a:effectLst/>
+        </p:spPr>
+        <p:style>
+          <a:lnRef idx="1">
+            <a:schemeClr val="accent1"/>
+          </a:lnRef>
+          <a:fillRef idx="3">
+            <a:schemeClr val="accent1"/>
+          </a:fillRef>
+          <a:effectRef idx="2">
+            <a:schemeClr val="accent1"/>
+          </a:effectRef>
+          <a:fontRef idx="minor">
+            <a:schemeClr val="lt1"/>
+          </a:fontRef>
+        </p:style>
+        <p:txBody>
+          <a:bodyPr rtlCol="0" anchor="ctr"/>
+          <a:lstStyle/>
+          <a:p>
+            <a:pPr algn="ctr"/>
+            <a:endParaRPr lang="en-US"/>
+          </a:p>
+        </p:txBody>
+      </p:sp>
+    </p:spTree>
+    <p:extLst>
+      <p:ext uri="{BB962C8B-B14F-4D97-AF65-F5344CB8AC3E}">
+        <p14:creationId xmlns:p14="http://schemas.microsoft.com/office/powerpoint/2010/main" val="3003447855"/>
+      </p:ext>
+    </p:extLst>
+  </p:cSld>
+  <p:clrMapOvr>
+    <a:masterClrMapping/>
+  </p:clrMapOvr>
+  <p:timing>
+    <p:tnLst>
+      <p:par>
+        <p:cTn xmlns:p14="http://schemas.microsoft.com/office/powerpoint/2010/main" id="1" dur="indefinite" restart="never" nodeType="tmRoot"/>
+      </p:par>
+    </p:tnLst>
+  </p:timing>
+</p:sld>
+</file>
+
+<file path=ppt/slides/slide15.xml><?xml version="1.0" encoding="utf-8"?>
+<p:sld xmlns:a="http://schemas.openxmlformats.org/drawingml/2006/main" xmlns:r="http://schemas.openxmlformats.org/officeDocument/2006/relationships" xmlns:p="http://schemas.openxmlformats.org/presentationml/2006/main">
+  <p:cSld>
+    <p:spTree>
+      <p:nvGrpSpPr>
+        <p:cNvPr id="1" name=""/>
+        <p:cNvGrpSpPr/>
+        <p:nvPr/>
+      </p:nvGrpSpPr>
+      <p:grpSpPr>
+        <a:xfrm>
+          <a:off x="0" y="0"/>
+          <a:ext cx="0" cy="0"/>
+          <a:chOff x="0" y="0"/>
+          <a:chExt cx="0" cy="0"/>
+        </a:xfrm>
+      </p:grpSpPr>
+      <p:sp>
+        <p:nvSpPr>
+          <p:cNvPr id="2" name="Title 1"/>
+          <p:cNvSpPr>
+            <a:spLocks noGrp="1"/>
+          </p:cNvSpPr>
+          <p:nvPr>
+            <p:ph type="title"/>
+          </p:nvPr>
+        </p:nvSpPr>
+        <p:spPr>
+          <a:xfrm>
+            <a:off x="445548" y="111524"/>
+            <a:ext cx="8229600" cy="913752"/>
+          </a:xfrm>
+        </p:spPr>
+        <p:txBody>
+          <a:bodyPr/>
+          <a:lstStyle/>
+          <a:p>
+            <a:r>
+              <a:rPr lang="en-US" dirty="0" smtClean="0"/>
+              <a:t>High School Graduation Rate</a:t>
+            </a:r>
+            <a:endParaRPr lang="en-US" dirty="0"/>
+          </a:p>
+        </p:txBody>
+      </p:sp>
+      <p:sp>
+        <p:nvSpPr>
+          <p:cNvPr id="3" name="Slide Number Placeholder 2"/>
+          <p:cNvSpPr>
+            <a:spLocks noGrp="1"/>
+          </p:cNvSpPr>
+          <p:nvPr>
+            <p:ph type="sldNum" sz="quarter" idx="12"/>
+          </p:nvPr>
+        </p:nvSpPr>
+        <p:spPr/>
+        <p:txBody>
+          <a:bodyPr/>
+          <a:lstStyle/>
+          <a:p>
+            <a:fld id="{F4868C7E-E561-7D4F-8BFA-0F5E3C84BDAE}" type="slidenum">
+              <a:rPr lang="en-US" smtClean="0"/>
+              <a:t>15</a:t>
+            </a:fld>
+            <a:endParaRPr lang="en-US"/>
+          </a:p>
+        </p:txBody>
+      </p:sp>
+      <p:pic>
+        <p:nvPicPr>
+          <p:cNvPr id="4" name="Picture 3"/>
+          <p:cNvPicPr>
+            <a:picLocks noChangeAspect="1"/>
+          </p:cNvPicPr>
+          <p:nvPr/>
+        </p:nvPicPr>
+        <p:blipFill>
+          <a:blip r:embed="rId2"/>
+          <a:stretch>
+            <a:fillRect/>
+          </a:stretch>
+        </p:blipFill>
+        <p:spPr>
+          <a:xfrm>
+            <a:off x="73276" y="1787197"/>
+            <a:ext cx="4557670" cy="3348492"/>
+          </a:xfrm>
+          <a:prstGeom prst="rect">
+            <a:avLst/>
+          </a:prstGeom>
+        </p:spPr>
+      </p:pic>
+      <p:pic>
+        <p:nvPicPr>
+          <p:cNvPr id="5" name="Picture 4"/>
+          <p:cNvPicPr>
+            <a:picLocks noChangeAspect="1"/>
+          </p:cNvPicPr>
+          <p:nvPr/>
+        </p:nvPicPr>
+        <p:blipFill>
+          <a:blip r:embed="rId3"/>
+          <a:stretch>
+            <a:fillRect/>
+          </a:stretch>
+        </p:blipFill>
+        <p:spPr>
+          <a:xfrm>
+            <a:off x="4433084" y="1777660"/>
+            <a:ext cx="4670376" cy="3431296"/>
+          </a:xfrm>
+          <a:prstGeom prst="rect">
+            <a:avLst/>
+          </a:prstGeom>
+        </p:spPr>
+      </p:pic>
+      <p:sp>
+        <p:nvSpPr>
+          <p:cNvPr id="6" name="TextBox 5"/>
+          <p:cNvSpPr txBox="1"/>
+          <p:nvPr/>
+        </p:nvSpPr>
+        <p:spPr>
+          <a:xfrm>
+            <a:off x="2580992" y="5530080"/>
+            <a:ext cx="3704184" cy="369332"/>
+          </a:xfrm>
+          <a:prstGeom prst="rect">
+            <a:avLst/>
+          </a:prstGeom>
+          <a:noFill/>
+        </p:spPr>
+        <p:txBody>
+          <a:bodyPr wrap="none" rtlCol="0">
+            <a:spAutoFit/>
+          </a:bodyPr>
+          <a:lstStyle/>
+          <a:p>
+            <a:r>
+              <a:rPr lang="en-US" dirty="0" smtClean="0"/>
+              <a:t>The polynomial fit is a little bit better.</a:t>
+            </a:r>
+            <a:endParaRPr lang="en-US" dirty="0"/>
+          </a:p>
+        </p:txBody>
+      </p:sp>
+      <p:sp>
+        <p:nvSpPr>
+          <p:cNvPr id="7" name="Rectangle 6"/>
+          <p:cNvSpPr/>
+          <p:nvPr/>
+        </p:nvSpPr>
+        <p:spPr>
+          <a:xfrm>
+            <a:off x="4452300" y="2710841"/>
+            <a:ext cx="195398" cy="1208888"/>
+          </a:xfrm>
+          <a:prstGeom prst="rect">
+            <a:avLst/>
+          </a:prstGeom>
+          <a:solidFill>
+            <a:schemeClr val="bg1"/>
+          </a:solidFill>
+          <a:ln>
+            <a:noFill/>
+          </a:ln>
+          <a:effectLst/>
+        </p:spPr>
+        <p:style>
+          <a:lnRef idx="1">
+            <a:schemeClr val="accent1"/>
+          </a:lnRef>
+          <a:fillRef idx="3">
+            <a:schemeClr val="accent1"/>
+          </a:fillRef>
+          <a:effectRef idx="2">
+            <a:schemeClr val="accent1"/>
+          </a:effectRef>
+          <a:fontRef idx="minor">
+            <a:schemeClr val="lt1"/>
+          </a:fontRef>
+        </p:style>
+        <p:txBody>
+          <a:bodyPr rtlCol="0" anchor="ctr"/>
+          <a:lstStyle/>
+          <a:p>
+            <a:pPr algn="ctr"/>
+            <a:endParaRPr lang="en-US"/>
+          </a:p>
+        </p:txBody>
+      </p:sp>
+    </p:spTree>
+    <p:extLst>
+      <p:ext uri="{BB962C8B-B14F-4D97-AF65-F5344CB8AC3E}">
+        <p14:creationId xmlns:p14="http://schemas.microsoft.com/office/powerpoint/2010/main" val="2908218811"/>
+      </p:ext>
+    </p:extLst>
+  </p:cSld>
+  <p:clrMapOvr>
+    <a:masterClrMapping/>
+  </p:clrMapOvr>
+  <p:timing>
+    <p:tnLst>
+      <p:par>
+        <p:cTn xmlns:p14="http://schemas.microsoft.com/office/powerpoint/2010/main" id="1" dur="indefinite" restart="never" nodeType="tmRoot"/>
+      </p:par>
+    </p:tnLst>
+  </p:timing>
+</p:sld>
+</file>
+
+<file path=ppt/slides/slide16.xml><?xml version="1.0" encoding="utf-8"?>
+<p:sld xmlns:a="http://schemas.openxmlformats.org/drawingml/2006/main" xmlns:r="http://schemas.openxmlformats.org/officeDocument/2006/relationships" xmlns:p="http://schemas.openxmlformats.org/presentationml/2006/main">
+  <p:cSld>
+    <p:spTree>
+      <p:nvGrpSpPr>
+        <p:cNvPr id="1" name=""/>
+        <p:cNvGrpSpPr/>
+        <p:nvPr/>
+      </p:nvGrpSpPr>
+      <p:grpSpPr>
+        <a:xfrm>
+          <a:off x="0" y="0"/>
+          <a:ext cx="0" cy="0"/>
+          <a:chOff x="0" y="0"/>
+          <a:chExt cx="0" cy="0"/>
+        </a:xfrm>
+      </p:grpSpPr>
+      <p:sp>
+        <p:nvSpPr>
+          <p:cNvPr id="4" name="Slide Number Placeholder 3"/>
+          <p:cNvSpPr>
+            <a:spLocks noGrp="1"/>
+          </p:cNvSpPr>
+          <p:nvPr>
+            <p:ph type="sldNum" sz="quarter" idx="12"/>
+          </p:nvPr>
+        </p:nvSpPr>
+        <p:spPr/>
+        <p:txBody>
+          <a:bodyPr/>
+          <a:lstStyle/>
+          <a:p>
+            <a:fld id="{F4868C7E-E561-7D4F-8BFA-0F5E3C84BDAE}" type="slidenum">
+              <a:rPr lang="en-US" smtClean="0"/>
+              <a:t>16</a:t>
+            </a:fld>
+            <a:endParaRPr lang="en-US"/>
+          </a:p>
+        </p:txBody>
+      </p:sp>
+      <p:pic>
+        <p:nvPicPr>
+          <p:cNvPr id="3" name="Picture 2"/>
+          <p:cNvPicPr>
+            <a:picLocks noChangeAspect="1"/>
+          </p:cNvPicPr>
+          <p:nvPr/>
+        </p:nvPicPr>
+        <p:blipFill>
+          <a:blip r:embed="rId2"/>
+          <a:stretch>
+            <a:fillRect/>
+          </a:stretch>
+        </p:blipFill>
+        <p:spPr>
+          <a:xfrm>
+            <a:off x="2882900" y="3413991"/>
+            <a:ext cx="3022600" cy="2747818"/>
+          </a:xfrm>
+          <a:prstGeom prst="rect">
+            <a:avLst/>
+          </a:prstGeom>
+        </p:spPr>
+      </p:pic>
+      <p:sp>
+        <p:nvSpPr>
+          <p:cNvPr id="6" name="TextBox 5"/>
+          <p:cNvSpPr txBox="1"/>
+          <p:nvPr/>
+        </p:nvSpPr>
+        <p:spPr>
+          <a:xfrm>
+            <a:off x="289188" y="2100291"/>
+            <a:ext cx="8587627" cy="1569660"/>
+          </a:xfrm>
+          <a:prstGeom prst="rect">
+            <a:avLst/>
+          </a:prstGeom>
+          <a:noFill/>
+        </p:spPr>
+        <p:txBody>
+          <a:bodyPr wrap="square" rtlCol="0">
+            <a:spAutoFit/>
+          </a:bodyPr>
+          <a:lstStyle/>
+          <a:p>
+            <a:pPr algn="ctr"/>
+            <a:r>
+              <a:rPr lang="en-US" sz="4800" dirty="0" smtClean="0"/>
+              <a:t>Now the features which did not appear to be correlated…</a:t>
+            </a:r>
+            <a:endParaRPr lang="en-US" sz="4800" dirty="0"/>
+          </a:p>
+        </p:txBody>
+      </p:sp>
+    </p:spTree>
+    <p:extLst>
+      <p:ext uri="{BB962C8B-B14F-4D97-AF65-F5344CB8AC3E}">
+        <p14:creationId xmlns:p14="http://schemas.microsoft.com/office/powerpoint/2010/main" val="4051566803"/>
+      </p:ext>
+    </p:extLst>
+  </p:cSld>
+  <p:clrMapOvr>
+    <a:masterClrMapping/>
+  </p:clrMapOvr>
+  <p:timing>
+    <p:tnLst>
+      <p:par>
+        <p:cTn xmlns:p14="http://schemas.microsoft.com/office/powerpoint/2010/main" id="1" dur="indefinite" restart="never" nodeType="tmRoot"/>
+      </p:par>
+    </p:tnLst>
+  </p:timing>
+</p:sld>
+</file>
+
+<file path=ppt/slides/slide17.xml><?xml version="1.0" encoding="utf-8"?>
+<p:sld xmlns:a="http://schemas.openxmlformats.org/drawingml/2006/main" xmlns:r="http://schemas.openxmlformats.org/officeDocument/2006/relationships" xmlns:p="http://schemas.openxmlformats.org/presentationml/2006/main">
+  <p:cSld>
+    <p:spTree>
+      <p:nvGrpSpPr>
+        <p:cNvPr id="1" name=""/>
+        <p:cNvGrpSpPr/>
+        <p:nvPr/>
+      </p:nvGrpSpPr>
+      <p:grpSpPr>
+        <a:xfrm>
+          <a:off x="0" y="0"/>
+          <a:ext cx="0" cy="0"/>
+          <a:chOff x="0" y="0"/>
+          <a:chExt cx="0" cy="0"/>
+        </a:xfrm>
+      </p:grpSpPr>
+      <p:sp>
+        <p:nvSpPr>
+          <p:cNvPr id="2" name="Title 1"/>
+          <p:cNvSpPr>
+            <a:spLocks noGrp="1"/>
+          </p:cNvSpPr>
+          <p:nvPr>
+            <p:ph type="title"/>
+          </p:nvPr>
+        </p:nvSpPr>
+        <p:spPr>
+          <a:xfrm>
+            <a:off x="457200" y="274638"/>
+            <a:ext cx="8229600" cy="970883"/>
+          </a:xfrm>
+        </p:spPr>
+        <p:txBody>
+          <a:bodyPr/>
+          <a:lstStyle/>
+          <a:p>
+            <a:r>
+              <a:rPr lang="en-US" dirty="0" smtClean="0"/>
+              <a:t>Population Density</a:t>
+            </a:r>
+            <a:endParaRPr lang="en-US" dirty="0"/>
+          </a:p>
+        </p:txBody>
+      </p:sp>
+      <p:sp>
+        <p:nvSpPr>
+          <p:cNvPr id="4" name="Slide Number Placeholder 3"/>
+          <p:cNvSpPr>
+            <a:spLocks noGrp="1"/>
+          </p:cNvSpPr>
+          <p:nvPr>
+            <p:ph type="sldNum" sz="quarter" idx="12"/>
+          </p:nvPr>
+        </p:nvSpPr>
+        <p:spPr/>
+        <p:txBody>
+          <a:bodyPr/>
+          <a:lstStyle/>
+          <a:p>
+            <a:fld id="{F4868C7E-E561-7D4F-8BFA-0F5E3C84BDAE}" type="slidenum">
+              <a:rPr lang="en-US" smtClean="0"/>
+              <a:t>17</a:t>
+            </a:fld>
+            <a:endParaRPr lang="en-US"/>
+          </a:p>
+        </p:txBody>
+      </p:sp>
+      <p:pic>
+        <p:nvPicPr>
+          <p:cNvPr id="5" name="Picture 4"/>
+          <p:cNvPicPr>
+            <a:picLocks noChangeAspect="1"/>
+          </p:cNvPicPr>
+          <p:nvPr/>
+        </p:nvPicPr>
+        <p:blipFill>
+          <a:blip r:embed="rId2"/>
+          <a:stretch>
+            <a:fillRect/>
+          </a:stretch>
+        </p:blipFill>
+        <p:spPr>
+          <a:xfrm>
+            <a:off x="81900" y="1648484"/>
+            <a:ext cx="4646752" cy="3413940"/>
+          </a:xfrm>
+          <a:prstGeom prst="rect">
+            <a:avLst/>
+          </a:prstGeom>
+        </p:spPr>
+      </p:pic>
+      <p:pic>
+        <p:nvPicPr>
+          <p:cNvPr id="6" name="Picture 5"/>
+          <p:cNvPicPr>
+            <a:picLocks noChangeAspect="1"/>
+          </p:cNvPicPr>
+          <p:nvPr/>
+        </p:nvPicPr>
+        <p:blipFill>
+          <a:blip r:embed="rId3"/>
+          <a:stretch>
+            <a:fillRect/>
+          </a:stretch>
+        </p:blipFill>
+        <p:spPr>
+          <a:xfrm>
+            <a:off x="4532006" y="1672906"/>
+            <a:ext cx="4547029" cy="3340674"/>
+          </a:xfrm>
+          <a:prstGeom prst="rect">
+            <a:avLst/>
+          </a:prstGeom>
+        </p:spPr>
+      </p:pic>
+      <p:sp>
+        <p:nvSpPr>
+          <p:cNvPr id="7" name="TextBox 6"/>
+          <p:cNvSpPr txBox="1"/>
+          <p:nvPr/>
+        </p:nvSpPr>
+        <p:spPr>
+          <a:xfrm>
+            <a:off x="457200" y="5481863"/>
+            <a:ext cx="8621835" cy="923330"/>
+          </a:xfrm>
+          <a:prstGeom prst="rect">
+            <a:avLst/>
+          </a:prstGeom>
+          <a:noFill/>
+        </p:spPr>
+        <p:txBody>
+          <a:bodyPr wrap="square" rtlCol="0">
+            <a:spAutoFit/>
+          </a:bodyPr>
+          <a:lstStyle/>
+          <a:p>
+            <a:r>
+              <a:rPr lang="en-US" dirty="0" smtClean="0"/>
+              <a:t>The Variance Score indicates the line fit is extremely poor.  The polynomial is better but still not very good, so these techniques do not indicate a correlation between the input and output.</a:t>
+            </a:r>
+            <a:endParaRPr lang="en-US" dirty="0"/>
+          </a:p>
+        </p:txBody>
+      </p:sp>
+      <p:sp>
+        <p:nvSpPr>
+          <p:cNvPr id="8" name="Rectangle 7"/>
+          <p:cNvSpPr/>
+          <p:nvPr/>
+        </p:nvSpPr>
+        <p:spPr>
+          <a:xfrm>
+            <a:off x="4549996" y="2674208"/>
+            <a:ext cx="195398" cy="1208888"/>
+          </a:xfrm>
+          <a:prstGeom prst="rect">
+            <a:avLst/>
+          </a:prstGeom>
+          <a:solidFill>
+            <a:schemeClr val="bg1"/>
+          </a:solidFill>
+          <a:ln>
+            <a:noFill/>
+          </a:ln>
+          <a:effectLst/>
+        </p:spPr>
+        <p:style>
+          <a:lnRef idx="1">
+            <a:schemeClr val="accent1"/>
+          </a:lnRef>
+          <a:fillRef idx="3">
+            <a:schemeClr val="accent1"/>
+          </a:fillRef>
+          <a:effectRef idx="2">
+            <a:schemeClr val="accent1"/>
+          </a:effectRef>
+          <a:fontRef idx="minor">
+            <a:schemeClr val="lt1"/>
+          </a:fontRef>
+        </p:style>
+        <p:txBody>
+          <a:bodyPr rtlCol="0" anchor="ctr"/>
+          <a:lstStyle/>
+          <a:p>
+            <a:pPr algn="ctr"/>
+            <a:endParaRPr lang="en-US"/>
+          </a:p>
+        </p:txBody>
+      </p:sp>
+    </p:spTree>
+    <p:extLst>
+      <p:ext uri="{BB962C8B-B14F-4D97-AF65-F5344CB8AC3E}">
+        <p14:creationId xmlns:p14="http://schemas.microsoft.com/office/powerpoint/2010/main" val="1215719363"/>
+      </p:ext>
+    </p:extLst>
+  </p:cSld>
+  <p:clrMapOvr>
+    <a:masterClrMapping/>
+  </p:clrMapOvr>
+  <p:timing>
+    <p:tnLst>
+      <p:par>
+        <p:cTn xmlns:p14="http://schemas.microsoft.com/office/powerpoint/2010/main" id="1" dur="indefinite" restart="never" nodeType="tmRoot"/>
+      </p:par>
+    </p:tnLst>
+  </p:timing>
+</p:sld>
+</file>
+
+<file path=ppt/slides/slide18.xml><?xml version="1.0" encoding="utf-8"?>
+<p:sld xmlns:a="http://schemas.openxmlformats.org/drawingml/2006/main" xmlns:r="http://schemas.openxmlformats.org/officeDocument/2006/relationships" xmlns:p="http://schemas.openxmlformats.org/presentationml/2006/main">
+  <p:cSld>
+    <p:spTree>
+      <p:nvGrpSpPr>
+        <p:cNvPr id="1" name=""/>
+        <p:cNvGrpSpPr/>
+        <p:nvPr/>
+      </p:nvGrpSpPr>
+      <p:grpSpPr>
+        <a:xfrm>
+          <a:off x="0" y="0"/>
+          <a:ext cx="0" cy="0"/>
+          <a:chOff x="0" y="0"/>
+          <a:chExt cx="0" cy="0"/>
+        </a:xfrm>
+      </p:grpSpPr>
+      <p:sp>
+        <p:nvSpPr>
+          <p:cNvPr id="2" name="Title 1"/>
+          <p:cNvSpPr>
+            <a:spLocks noGrp="1"/>
+          </p:cNvSpPr>
+          <p:nvPr>
+            <p:ph type="title"/>
+          </p:nvPr>
+        </p:nvSpPr>
+        <p:spPr/>
+        <p:txBody>
+          <a:bodyPr/>
+          <a:lstStyle/>
+          <a:p>
+            <a:r>
+              <a:rPr lang="en-US" dirty="0" smtClean="0"/>
+              <a:t>Household Income</a:t>
+            </a:r>
+            <a:endParaRPr lang="en-US" dirty="0"/>
+          </a:p>
+        </p:txBody>
+      </p:sp>
+      <p:sp>
+        <p:nvSpPr>
+          <p:cNvPr id="4" name="Slide Number Placeholder 3"/>
+          <p:cNvSpPr>
+            <a:spLocks noGrp="1"/>
+          </p:cNvSpPr>
+          <p:nvPr>
+            <p:ph type="sldNum" sz="quarter" idx="12"/>
+          </p:nvPr>
+        </p:nvSpPr>
+        <p:spPr/>
+        <p:txBody>
+          <a:bodyPr/>
+          <a:lstStyle/>
+          <a:p>
+            <a:fld id="{F4868C7E-E561-7D4F-8BFA-0F5E3C84BDAE}" type="slidenum">
+              <a:rPr lang="en-US" smtClean="0"/>
+              <a:t>18</a:t>
+            </a:fld>
+            <a:endParaRPr lang="en-US"/>
+          </a:p>
+        </p:txBody>
+      </p:sp>
+      <p:pic>
+        <p:nvPicPr>
+          <p:cNvPr id="5" name="Picture 4"/>
+          <p:cNvPicPr>
+            <a:picLocks noChangeAspect="1"/>
+          </p:cNvPicPr>
+          <p:nvPr/>
+        </p:nvPicPr>
+        <p:blipFill>
+          <a:blip r:embed="rId2"/>
+          <a:stretch>
+            <a:fillRect/>
+          </a:stretch>
+        </p:blipFill>
+        <p:spPr>
+          <a:xfrm>
+            <a:off x="97702" y="1821275"/>
+            <a:ext cx="4350545" cy="3180094"/>
+          </a:xfrm>
+          <a:prstGeom prst="rect">
+            <a:avLst/>
+          </a:prstGeom>
+        </p:spPr>
+      </p:pic>
+      <p:pic>
+        <p:nvPicPr>
+          <p:cNvPr id="6" name="Picture 5"/>
+          <p:cNvPicPr>
+            <a:picLocks noChangeAspect="1"/>
+          </p:cNvPicPr>
+          <p:nvPr/>
+        </p:nvPicPr>
+        <p:blipFill>
+          <a:blip r:embed="rId3"/>
+          <a:stretch>
+            <a:fillRect/>
+          </a:stretch>
+        </p:blipFill>
+        <p:spPr>
+          <a:xfrm>
+            <a:off x="4607003" y="1845697"/>
+            <a:ext cx="4350545" cy="3180094"/>
+          </a:xfrm>
+          <a:prstGeom prst="rect">
+            <a:avLst/>
+          </a:prstGeom>
+        </p:spPr>
+      </p:pic>
+      <p:sp>
+        <p:nvSpPr>
+          <p:cNvPr id="7" name="Rectangle 6"/>
+          <p:cNvSpPr/>
+          <p:nvPr/>
+        </p:nvSpPr>
+        <p:spPr>
+          <a:xfrm>
+            <a:off x="4586632" y="2613153"/>
+            <a:ext cx="195398" cy="1208888"/>
+          </a:xfrm>
+          <a:prstGeom prst="rect">
+            <a:avLst/>
+          </a:prstGeom>
+          <a:solidFill>
+            <a:schemeClr val="bg1"/>
+          </a:solidFill>
+          <a:ln>
+            <a:noFill/>
+          </a:ln>
+          <a:effectLst/>
+        </p:spPr>
+        <p:style>
+          <a:lnRef idx="1">
+            <a:schemeClr val="accent1"/>
+          </a:lnRef>
+          <a:fillRef idx="3">
+            <a:schemeClr val="accent1"/>
+          </a:fillRef>
+          <a:effectRef idx="2">
+            <a:schemeClr val="accent1"/>
+          </a:effectRef>
+          <a:fontRef idx="minor">
+            <a:schemeClr val="lt1"/>
+          </a:fontRef>
+        </p:style>
+        <p:txBody>
+          <a:bodyPr rtlCol="0" anchor="ctr"/>
+          <a:lstStyle/>
+          <a:p>
+            <a:pPr algn="ctr"/>
+            <a:endParaRPr lang="en-US"/>
+          </a:p>
+        </p:txBody>
+      </p:sp>
+      <p:sp>
+        <p:nvSpPr>
+          <p:cNvPr id="8" name="TextBox 7"/>
+          <p:cNvSpPr txBox="1"/>
+          <p:nvPr/>
+        </p:nvSpPr>
+        <p:spPr>
+          <a:xfrm>
+            <a:off x="457200" y="5481863"/>
+            <a:ext cx="8621835" cy="923330"/>
+          </a:xfrm>
+          <a:prstGeom prst="rect">
+            <a:avLst/>
+          </a:prstGeom>
+          <a:noFill/>
+        </p:spPr>
+        <p:txBody>
+          <a:bodyPr wrap="square" rtlCol="0">
+            <a:spAutoFit/>
+          </a:bodyPr>
+          <a:lstStyle/>
+          <a:p>
+            <a:r>
+              <a:rPr lang="en-US" dirty="0" smtClean="0"/>
+              <a:t>The low Variance Score indicates that the line fit </a:t>
+            </a:r>
+            <a:r>
+              <a:rPr lang="en-US" dirty="0" smtClean="0"/>
+              <a:t>does not show correlation.  The polynomial has a much better Variance Score, indicating that it reveals some structure in the data.</a:t>
+            </a:r>
+            <a:endParaRPr lang="en-US" dirty="0"/>
+          </a:p>
+        </p:txBody>
+      </p:sp>
+    </p:spTree>
+    <p:extLst>
+      <p:ext uri="{BB962C8B-B14F-4D97-AF65-F5344CB8AC3E}">
+        <p14:creationId xmlns:p14="http://schemas.microsoft.com/office/powerpoint/2010/main" val="3028910794"/>
+      </p:ext>
+    </p:extLst>
+  </p:cSld>
+  <p:clrMapOvr>
+    <a:masterClrMapping/>
+  </p:clrMapOvr>
+  <p:timing>
+    <p:tnLst>
+      <p:par>
+        <p:cTn xmlns:p14="http://schemas.microsoft.com/office/powerpoint/2010/main" id="1" dur="indefinite" restart="never" nodeType="tmRoot"/>
+      </p:par>
+    </p:tnLst>
+  </p:timing>
+</p:sld>
+</file>
+
+<file path=ppt/slides/slide19.xml><?xml version="1.0" encoding="utf-8"?>
+<p:sld xmlns:a="http://schemas.openxmlformats.org/drawingml/2006/main" xmlns:r="http://schemas.openxmlformats.org/officeDocument/2006/relationships" xmlns:p="http://schemas.openxmlformats.org/presentationml/2006/main">
+  <p:cSld>
+    <p:spTree>
+      <p:nvGrpSpPr>
+        <p:cNvPr id="1" name=""/>
+        <p:cNvGrpSpPr/>
+        <p:nvPr/>
+      </p:nvGrpSpPr>
+      <p:grpSpPr>
+        <a:xfrm>
+          <a:off x="0" y="0"/>
+          <a:ext cx="0" cy="0"/>
+          <a:chOff x="0" y="0"/>
+          <a:chExt cx="0" cy="0"/>
+        </a:xfrm>
+      </p:grpSpPr>
+      <p:sp>
+        <p:nvSpPr>
+          <p:cNvPr id="2" name="Title 1"/>
+          <p:cNvSpPr>
+            <a:spLocks noGrp="1"/>
+          </p:cNvSpPr>
+          <p:nvPr>
+            <p:ph type="title"/>
+          </p:nvPr>
+        </p:nvSpPr>
+        <p:spPr/>
+        <p:txBody>
+          <a:bodyPr/>
+          <a:lstStyle/>
+          <a:p>
+            <a:r>
+              <a:rPr lang="en-US" dirty="0" smtClean="0"/>
+              <a:t>Suicide Rate</a:t>
+            </a:r>
+            <a:endParaRPr lang="en-US" dirty="0"/>
+          </a:p>
+        </p:txBody>
+      </p:sp>
+      <p:sp>
+        <p:nvSpPr>
+          <p:cNvPr id="4" name="Slide Number Placeholder 3"/>
+          <p:cNvSpPr>
+            <a:spLocks noGrp="1"/>
+          </p:cNvSpPr>
+          <p:nvPr>
+            <p:ph type="sldNum" sz="quarter" idx="12"/>
+          </p:nvPr>
+        </p:nvSpPr>
+        <p:spPr/>
+        <p:txBody>
+          <a:bodyPr/>
+          <a:lstStyle/>
+          <a:p>
+            <a:fld id="{F4868C7E-E561-7D4F-8BFA-0F5E3C84BDAE}" type="slidenum">
+              <a:rPr lang="en-US" smtClean="0"/>
+              <a:t>19</a:t>
+            </a:fld>
+            <a:endParaRPr lang="en-US" dirty="0"/>
+          </a:p>
+        </p:txBody>
+      </p:sp>
+      <p:pic>
+        <p:nvPicPr>
+          <p:cNvPr id="5" name="Picture 4"/>
+          <p:cNvPicPr>
+            <a:picLocks noChangeAspect="1"/>
+          </p:cNvPicPr>
+          <p:nvPr/>
+        </p:nvPicPr>
+        <p:blipFill>
+          <a:blip r:embed="rId2"/>
+          <a:stretch>
+            <a:fillRect/>
+          </a:stretch>
+        </p:blipFill>
+        <p:spPr>
+          <a:xfrm>
+            <a:off x="115264" y="1688446"/>
+            <a:ext cx="4625598" cy="3398399"/>
+          </a:xfrm>
+          <a:prstGeom prst="rect">
+            <a:avLst/>
+          </a:prstGeom>
+        </p:spPr>
+      </p:pic>
+      <p:pic>
+        <p:nvPicPr>
+          <p:cNvPr id="6" name="Picture 5"/>
+          <p:cNvPicPr>
+            <a:picLocks noChangeAspect="1"/>
+          </p:cNvPicPr>
+          <p:nvPr/>
+        </p:nvPicPr>
+        <p:blipFill>
+          <a:blip r:embed="rId3"/>
+          <a:stretch>
+            <a:fillRect/>
+          </a:stretch>
+        </p:blipFill>
+        <p:spPr>
+          <a:xfrm>
+            <a:off x="4442978" y="1697328"/>
+            <a:ext cx="4713233" cy="3462784"/>
+          </a:xfrm>
+          <a:prstGeom prst="rect">
+            <a:avLst/>
+          </a:prstGeom>
+        </p:spPr>
+      </p:pic>
+      <p:sp>
+        <p:nvSpPr>
+          <p:cNvPr id="7" name="TextBox 6"/>
+          <p:cNvSpPr txBox="1"/>
+          <p:nvPr/>
+        </p:nvSpPr>
+        <p:spPr>
+          <a:xfrm>
+            <a:off x="329733" y="5617058"/>
+            <a:ext cx="8814267" cy="369332"/>
+          </a:xfrm>
+          <a:prstGeom prst="rect">
+            <a:avLst/>
+          </a:prstGeom>
+          <a:noFill/>
+        </p:spPr>
+        <p:txBody>
+          <a:bodyPr wrap="square" rtlCol="0">
+            <a:spAutoFit/>
+          </a:bodyPr>
+          <a:lstStyle/>
+          <a:p>
+            <a:r>
+              <a:rPr lang="en-US" dirty="0" smtClean="0"/>
+              <a:t>Low Variance Scores on both fits indicates that input and output appear to be uncorrelated.</a:t>
+            </a:r>
+            <a:endParaRPr lang="en-US" dirty="0"/>
+          </a:p>
+        </p:txBody>
+      </p:sp>
+      <p:sp>
+        <p:nvSpPr>
+          <p:cNvPr id="8" name="Rectangle 7"/>
+          <p:cNvSpPr/>
+          <p:nvPr/>
+        </p:nvSpPr>
+        <p:spPr>
+          <a:xfrm>
+            <a:off x="4452300" y="2918428"/>
+            <a:ext cx="195398" cy="1208888"/>
+          </a:xfrm>
+          <a:prstGeom prst="rect">
+            <a:avLst/>
+          </a:prstGeom>
+          <a:solidFill>
+            <a:schemeClr val="bg1"/>
+          </a:solidFill>
+          <a:ln>
+            <a:noFill/>
+          </a:ln>
+          <a:effectLst/>
+        </p:spPr>
+        <p:style>
+          <a:lnRef idx="1">
+            <a:schemeClr val="accent1"/>
+          </a:lnRef>
+          <a:fillRef idx="3">
+            <a:schemeClr val="accent1"/>
+          </a:fillRef>
+          <a:effectRef idx="2">
+            <a:schemeClr val="accent1"/>
+          </a:effectRef>
+          <a:fontRef idx="minor">
+            <a:schemeClr val="lt1"/>
+          </a:fontRef>
+        </p:style>
+        <p:txBody>
+          <a:bodyPr rtlCol="0" anchor="ctr"/>
+          <a:lstStyle/>
+          <a:p>
+            <a:pPr algn="ctr"/>
+            <a:endParaRPr lang="en-US"/>
+          </a:p>
+        </p:txBody>
+      </p:sp>
+    </p:spTree>
+    <p:extLst>
+      <p:ext uri="{BB962C8B-B14F-4D97-AF65-F5344CB8AC3E}">
+        <p14:creationId xmlns:p14="http://schemas.microsoft.com/office/powerpoint/2010/main" val="1681784307"/>
+      </p:ext>
+    </p:extLst>
+  </p:cSld>
+  <p:clrMapOvr>
+    <a:masterClrMapping/>
+  </p:clrMapOvr>
+  <p:timing>
+    <p:tnLst>
+      <p:par>
+        <p:cTn xmlns:p14="http://schemas.microsoft.com/office/powerpoint/2010/main" id="1" dur="indefinite" restart="never" nodeType="tmRoot"/>
+      </p:par>
+    </p:tnLst>
+  </p:timing>
+</p:sld>
+</file>
+
+<file path=ppt/slides/slide2.xml><?xml version="1.0" encoding="utf-8"?>
+<p:sld xmlns:a="http://schemas.openxmlformats.org/drawingml/2006/main" xmlns:r="http://schemas.openxmlformats.org/officeDocument/2006/relationships" xmlns:p="http://schemas.openxmlformats.org/presentationml/2006/main">
+  <p:cSld>
+    <p:spTree>
+      <p:nvGrpSpPr>
+        <p:cNvPr id="1" name=""/>
+        <p:cNvGrpSpPr/>
+        <p:nvPr/>
+      </p:nvGrpSpPr>
+      <p:grpSpPr>
+        <a:xfrm>
+          <a:off x="0" y="0"/>
+          <a:ext cx="0" cy="0"/>
+          <a:chOff x="0" y="0"/>
+          <a:chExt cx="0" cy="0"/>
+        </a:xfrm>
+      </p:grpSpPr>
+      <p:sp>
+        <p:nvSpPr>
+          <p:cNvPr id="2" name="Title 1"/>
+          <p:cNvSpPr>
+            <a:spLocks noGrp="1"/>
+          </p:cNvSpPr>
+          <p:nvPr>
+            <p:ph type="title"/>
+          </p:nvPr>
+        </p:nvSpPr>
+        <p:spPr>
+          <a:xfrm>
+            <a:off x="457200" y="274638"/>
+            <a:ext cx="8229600" cy="778019"/>
+          </a:xfrm>
+        </p:spPr>
+        <p:txBody>
+          <a:bodyPr/>
+          <a:lstStyle/>
+          <a:p>
+            <a:r>
+              <a:rPr lang="en-US" dirty="0" smtClean="0"/>
+              <a:t>Goals</a:t>
+            </a:r>
+            <a:endParaRPr lang="en-US" dirty="0"/>
+          </a:p>
+        </p:txBody>
+      </p:sp>
+      <p:sp>
+        <p:nvSpPr>
+          <p:cNvPr id="3" name="Content Placeholder 2"/>
+          <p:cNvSpPr>
+            <a:spLocks noGrp="1"/>
+          </p:cNvSpPr>
+          <p:nvPr>
+            <p:ph idx="1"/>
+          </p:nvPr>
+        </p:nvSpPr>
+        <p:spPr>
+          <a:xfrm>
+            <a:off x="457199" y="1052658"/>
+            <a:ext cx="8408969" cy="5303692"/>
           </a:xfrm>
         </p:spPr>
         <p:txBody>
           <a:bodyPr>
-            <a:normAutofit fontScale="90000"/>
+            <a:normAutofit fontScale="92500"/>
           </a:bodyPr>
           <a:lstStyle/>
           <a:p>
             <a:r>
               <a:rPr lang="en-US" dirty="0" smtClean="0"/>
-              <a:t>Median Household Income</a:t>
+              <a:t>Test my intuition about what statistical features of US states might be correlated with their murder rates</a:t>
+            </a:r>
+          </a:p>
+          <a:p>
+            <a:r>
+              <a:rPr lang="en-US" dirty="0" smtClean="0"/>
+              <a:t>Determine if an accurate model can be built for predicting murder rate using the chosen features</a:t>
+            </a:r>
+          </a:p>
+          <a:p>
+            <a:r>
+              <a:rPr lang="en-US" dirty="0" smtClean="0"/>
+              <a:t>Find meaningful/significant correlations between the features and the predicted variable</a:t>
+            </a:r>
+          </a:p>
+          <a:p>
+            <a:r>
+              <a:rPr lang="en-US" dirty="0" smtClean="0"/>
+              <a:t>Cross validate to test and score the models </a:t>
+            </a:r>
+          </a:p>
+          <a:p>
+            <a:r>
+              <a:rPr lang="en-US" dirty="0" smtClean="0"/>
+              <a:t>Explore different regression and cross validation methods in </a:t>
+            </a:r>
+            <a:r>
+              <a:rPr lang="en-US" dirty="0" err="1" smtClean="0"/>
+              <a:t>scikit</a:t>
+            </a:r>
+            <a:r>
+              <a:rPr lang="en-US" dirty="0" smtClean="0"/>
+              <a:t> learn</a:t>
             </a:r>
             <a:endParaRPr lang="en-US" dirty="0"/>
           </a:p>
@@ -4407,7 +5918,1054 @@
       </p:sp>
       <p:sp>
         <p:nvSpPr>
-          <p:cNvPr id="5" name="Content Placeholder 2"/>
+          <p:cNvPr id="4" name="Slide Number Placeholder 3"/>
+          <p:cNvSpPr>
+            <a:spLocks noGrp="1"/>
+          </p:cNvSpPr>
+          <p:nvPr>
+            <p:ph type="sldNum" sz="quarter" idx="12"/>
+          </p:nvPr>
+        </p:nvSpPr>
+        <p:spPr/>
+        <p:txBody>
+          <a:bodyPr/>
+          <a:lstStyle/>
+          <a:p>
+            <a:fld id="{F4868C7E-E561-7D4F-8BFA-0F5E3C84BDAE}" type="slidenum">
+              <a:rPr lang="en-US" smtClean="0"/>
+              <a:t>2</a:t>
+            </a:fld>
+            <a:endParaRPr lang="en-US"/>
+          </a:p>
+        </p:txBody>
+      </p:sp>
+    </p:spTree>
+    <p:extLst>
+      <p:ext uri="{BB962C8B-B14F-4D97-AF65-F5344CB8AC3E}">
+        <p14:creationId xmlns:p14="http://schemas.microsoft.com/office/powerpoint/2010/main" val="21529205"/>
+      </p:ext>
+    </p:extLst>
+  </p:cSld>
+  <p:clrMapOvr>
+    <a:masterClrMapping/>
+  </p:clrMapOvr>
+  <p:timing>
+    <p:tnLst>
+      <p:par>
+        <p:cTn xmlns:p14="http://schemas.microsoft.com/office/powerpoint/2010/main" id="1" dur="indefinite" restart="never" nodeType="tmRoot"/>
+      </p:par>
+    </p:tnLst>
+  </p:timing>
+</p:sld>
+</file>
+
+<file path=ppt/slides/slide20.xml><?xml version="1.0" encoding="utf-8"?>
+<p:sld xmlns:a="http://schemas.openxmlformats.org/drawingml/2006/main" xmlns:r="http://schemas.openxmlformats.org/officeDocument/2006/relationships" xmlns:p="http://schemas.openxmlformats.org/presentationml/2006/main">
+  <p:cSld>
+    <p:spTree>
+      <p:nvGrpSpPr>
+        <p:cNvPr id="1" name=""/>
+        <p:cNvGrpSpPr/>
+        <p:nvPr/>
+      </p:nvGrpSpPr>
+      <p:grpSpPr>
+        <a:xfrm>
+          <a:off x="0" y="0"/>
+          <a:ext cx="0" cy="0"/>
+          <a:chOff x="0" y="0"/>
+          <a:chExt cx="0" cy="0"/>
+        </a:xfrm>
+      </p:grpSpPr>
+      <p:sp>
+        <p:nvSpPr>
+          <p:cNvPr id="2" name="Title 1"/>
+          <p:cNvSpPr>
+            <a:spLocks noGrp="1"/>
+          </p:cNvSpPr>
+          <p:nvPr>
+            <p:ph type="title"/>
+          </p:nvPr>
+        </p:nvSpPr>
+        <p:spPr>
+          <a:xfrm>
+            <a:off x="457200" y="128106"/>
+            <a:ext cx="8229600" cy="897618"/>
+          </a:xfrm>
+        </p:spPr>
+        <p:txBody>
+          <a:bodyPr/>
+          <a:lstStyle/>
+          <a:p>
+            <a:r>
+              <a:rPr lang="en-US" dirty="0" smtClean="0"/>
+              <a:t>Gun Ownership</a:t>
+            </a:r>
+            <a:endParaRPr lang="en-US" dirty="0"/>
+          </a:p>
+        </p:txBody>
+      </p:sp>
+      <p:sp>
+        <p:nvSpPr>
+          <p:cNvPr id="4" name="Slide Number Placeholder 3"/>
+          <p:cNvSpPr>
+            <a:spLocks noGrp="1"/>
+          </p:cNvSpPr>
+          <p:nvPr>
+            <p:ph type="sldNum" sz="quarter" idx="12"/>
+          </p:nvPr>
+        </p:nvSpPr>
+        <p:spPr/>
+        <p:txBody>
+          <a:bodyPr/>
+          <a:lstStyle/>
+          <a:p>
+            <a:fld id="{F4868C7E-E561-7D4F-8BFA-0F5E3C84BDAE}" type="slidenum">
+              <a:rPr lang="en-US" smtClean="0"/>
+              <a:t>20</a:t>
+            </a:fld>
+            <a:endParaRPr lang="en-US"/>
+          </a:p>
+        </p:txBody>
+      </p:sp>
+      <p:pic>
+        <p:nvPicPr>
+          <p:cNvPr id="5" name="Picture 4"/>
+          <p:cNvPicPr>
+            <a:picLocks noChangeAspect="1"/>
+          </p:cNvPicPr>
+          <p:nvPr/>
+        </p:nvPicPr>
+        <p:blipFill>
+          <a:blip r:embed="rId2"/>
+          <a:stretch>
+            <a:fillRect/>
+          </a:stretch>
+        </p:blipFill>
+        <p:spPr>
+          <a:xfrm>
+            <a:off x="0" y="1587428"/>
+            <a:ext cx="4585163" cy="3377307"/>
+          </a:xfrm>
+          <a:prstGeom prst="rect">
+            <a:avLst/>
+          </a:prstGeom>
+        </p:spPr>
+      </p:pic>
+      <p:pic>
+        <p:nvPicPr>
+          <p:cNvPr id="6" name="Picture 5"/>
+          <p:cNvPicPr>
+            <a:picLocks noChangeAspect="1"/>
+          </p:cNvPicPr>
+          <p:nvPr/>
+        </p:nvPicPr>
+        <p:blipFill>
+          <a:blip r:embed="rId3"/>
+          <a:stretch>
+            <a:fillRect/>
+          </a:stretch>
+        </p:blipFill>
+        <p:spPr>
+          <a:xfrm>
+            <a:off x="4315690" y="1563006"/>
+            <a:ext cx="4812193" cy="3535489"/>
+          </a:xfrm>
+          <a:prstGeom prst="rect">
+            <a:avLst/>
+          </a:prstGeom>
+        </p:spPr>
+      </p:pic>
+      <p:sp>
+        <p:nvSpPr>
+          <p:cNvPr id="3" name="TextBox 2"/>
+          <p:cNvSpPr txBox="1"/>
+          <p:nvPr/>
+        </p:nvSpPr>
+        <p:spPr>
+          <a:xfrm>
+            <a:off x="734347" y="5422858"/>
+            <a:ext cx="7800054" cy="830997"/>
+          </a:xfrm>
+          <a:prstGeom prst="rect">
+            <a:avLst/>
+          </a:prstGeom>
+          <a:noFill/>
+        </p:spPr>
+        <p:txBody>
+          <a:bodyPr wrap="square" rtlCol="0">
+            <a:spAutoFit/>
+          </a:bodyPr>
+          <a:lstStyle/>
+          <a:p>
+            <a:r>
+              <a:rPr lang="en-US" sz="2400" dirty="0" smtClean="0"/>
+              <a:t>I found the lack of correlation with this input surprising</a:t>
+            </a:r>
+            <a:r>
+              <a:rPr lang="en-US" sz="2400" dirty="0" smtClean="0"/>
+              <a:t>!  I would have expected a positive correlation.</a:t>
+            </a:r>
+            <a:endParaRPr lang="en-US" sz="2400" dirty="0"/>
+          </a:p>
+        </p:txBody>
+      </p:sp>
+      <p:sp>
+        <p:nvSpPr>
+          <p:cNvPr id="7" name="Rectangle 6"/>
+          <p:cNvSpPr/>
+          <p:nvPr/>
+        </p:nvSpPr>
+        <p:spPr>
+          <a:xfrm>
+            <a:off x="4330180" y="2637575"/>
+            <a:ext cx="195398" cy="1208888"/>
+          </a:xfrm>
+          <a:prstGeom prst="rect">
+            <a:avLst/>
+          </a:prstGeom>
+          <a:solidFill>
+            <a:schemeClr val="bg1"/>
+          </a:solidFill>
+          <a:ln>
+            <a:noFill/>
+          </a:ln>
+          <a:effectLst/>
+        </p:spPr>
+        <p:style>
+          <a:lnRef idx="1">
+            <a:schemeClr val="accent1"/>
+          </a:lnRef>
+          <a:fillRef idx="3">
+            <a:schemeClr val="accent1"/>
+          </a:fillRef>
+          <a:effectRef idx="2">
+            <a:schemeClr val="accent1"/>
+          </a:effectRef>
+          <a:fontRef idx="minor">
+            <a:schemeClr val="lt1"/>
+          </a:fontRef>
+        </p:style>
+        <p:txBody>
+          <a:bodyPr rtlCol="0" anchor="ctr"/>
+          <a:lstStyle/>
+          <a:p>
+            <a:pPr algn="ctr"/>
+            <a:endParaRPr lang="en-US"/>
+          </a:p>
+        </p:txBody>
+      </p:sp>
+    </p:spTree>
+    <p:extLst>
+      <p:ext uri="{BB962C8B-B14F-4D97-AF65-F5344CB8AC3E}">
+        <p14:creationId xmlns:p14="http://schemas.microsoft.com/office/powerpoint/2010/main" val="4253794339"/>
+      </p:ext>
+    </p:extLst>
+  </p:cSld>
+  <p:clrMapOvr>
+    <a:masterClrMapping/>
+  </p:clrMapOvr>
+  <p:timing>
+    <p:tnLst>
+      <p:par>
+        <p:cTn xmlns:p14="http://schemas.microsoft.com/office/powerpoint/2010/main" id="1" dur="indefinite" restart="never" nodeType="tmRoot"/>
+      </p:par>
+    </p:tnLst>
+  </p:timing>
+</p:sld>
+</file>
+
+<file path=ppt/slides/slide21.xml><?xml version="1.0" encoding="utf-8"?>
+<p:sld xmlns:a="http://schemas.openxmlformats.org/drawingml/2006/main" xmlns:r="http://schemas.openxmlformats.org/officeDocument/2006/relationships" xmlns:p="http://schemas.openxmlformats.org/presentationml/2006/main">
+  <p:cSld>
+    <p:spTree>
+      <p:nvGrpSpPr>
+        <p:cNvPr id="1" name=""/>
+        <p:cNvGrpSpPr/>
+        <p:nvPr/>
+      </p:nvGrpSpPr>
+      <p:grpSpPr>
+        <a:xfrm>
+          <a:off x="0" y="0"/>
+          <a:ext cx="0" cy="0"/>
+          <a:chOff x="0" y="0"/>
+          <a:chExt cx="0" cy="0"/>
+        </a:xfrm>
+      </p:grpSpPr>
+      <p:sp>
+        <p:nvSpPr>
+          <p:cNvPr id="2" name="Title 1"/>
+          <p:cNvSpPr>
+            <a:spLocks noGrp="1"/>
+          </p:cNvSpPr>
+          <p:nvPr>
+            <p:ph type="title"/>
+          </p:nvPr>
+        </p:nvSpPr>
+        <p:spPr>
+          <a:xfrm>
+            <a:off x="457200" y="-30162"/>
+            <a:ext cx="8229600" cy="885407"/>
+          </a:xfrm>
+        </p:spPr>
+        <p:txBody>
+          <a:bodyPr/>
+          <a:lstStyle/>
+          <a:p>
+            <a:r>
+              <a:rPr lang="en-US" dirty="0" smtClean="0"/>
+              <a:t>LOO Cross Validation</a:t>
+            </a:r>
+            <a:endParaRPr lang="en-US" dirty="0"/>
+          </a:p>
+        </p:txBody>
+      </p:sp>
+      <p:sp>
+        <p:nvSpPr>
+          <p:cNvPr id="4" name="Slide Number Placeholder 3"/>
+          <p:cNvSpPr>
+            <a:spLocks noGrp="1"/>
+          </p:cNvSpPr>
+          <p:nvPr>
+            <p:ph type="sldNum" sz="quarter" idx="12"/>
+          </p:nvPr>
+        </p:nvSpPr>
+        <p:spPr/>
+        <p:txBody>
+          <a:bodyPr/>
+          <a:lstStyle/>
+          <a:p>
+            <a:fld id="{F4868C7E-E561-7D4F-8BFA-0F5E3C84BDAE}" type="slidenum">
+              <a:rPr lang="en-US" smtClean="0"/>
+              <a:t>21</a:t>
+            </a:fld>
+            <a:endParaRPr lang="en-US"/>
+          </a:p>
+        </p:txBody>
+      </p:sp>
+      <p:pic>
+        <p:nvPicPr>
+          <p:cNvPr id="6" name="Picture 5" descr="Screen Shot 2015-07-08 at 9.04.08 PM.png"/>
+          <p:cNvPicPr>
+            <a:picLocks noChangeAspect="1"/>
+          </p:cNvPicPr>
+          <p:nvPr/>
+        </p:nvPicPr>
+        <p:blipFill>
+          <a:blip r:embed="rId2">
+            <a:extLst>
+              <a:ext uri="{28A0092B-C50C-407E-A947-70E740481C1C}">
+                <a14:useLocalDpi xmlns:a14="http://schemas.microsoft.com/office/drawing/2010/main" val="0"/>
+              </a:ext>
+            </a:extLst>
+          </a:blip>
+          <a:stretch>
+            <a:fillRect/>
+          </a:stretch>
+        </p:blipFill>
+        <p:spPr>
+          <a:xfrm>
+            <a:off x="1333500" y="818688"/>
+            <a:ext cx="6700402" cy="5008606"/>
+          </a:xfrm>
+          <a:prstGeom prst="rect">
+            <a:avLst/>
+          </a:prstGeom>
+        </p:spPr>
+      </p:pic>
+      <p:sp>
+        <p:nvSpPr>
+          <p:cNvPr id="7" name="TextBox 6"/>
+          <p:cNvSpPr txBox="1"/>
+          <p:nvPr/>
+        </p:nvSpPr>
+        <p:spPr>
+          <a:xfrm>
+            <a:off x="2083717" y="5950781"/>
+            <a:ext cx="5269291" cy="830997"/>
+          </a:xfrm>
+          <a:prstGeom prst="rect">
+            <a:avLst/>
+          </a:prstGeom>
+          <a:noFill/>
+        </p:spPr>
+        <p:txBody>
+          <a:bodyPr wrap="none" rtlCol="0">
+            <a:spAutoFit/>
+          </a:bodyPr>
+          <a:lstStyle/>
+          <a:p>
+            <a:r>
+              <a:rPr lang="en-US" sz="2400" dirty="0" smtClean="0"/>
+              <a:t>Compare to </a:t>
+            </a:r>
+            <a:r>
+              <a:rPr lang="en-US" sz="2400" dirty="0" smtClean="0">
+                <a:sym typeface="Wingdings"/>
+              </a:rPr>
+              <a:t> </a:t>
+            </a:r>
+            <a:r>
+              <a:rPr lang="en-US" sz="2400" dirty="0" smtClean="0"/>
+              <a:t>Mean Deviation = </a:t>
+            </a:r>
+            <a:r>
+              <a:rPr lang="en-US" sz="2400" dirty="0"/>
+              <a:t>1.5624</a:t>
+            </a:r>
+          </a:p>
+          <a:p>
+            <a:r>
+              <a:rPr lang="en-US" sz="2400" dirty="0" smtClean="0"/>
+              <a:t> </a:t>
+            </a:r>
+          </a:p>
+        </p:txBody>
+      </p:sp>
+      <p:sp>
+        <p:nvSpPr>
+          <p:cNvPr id="8" name="Oval 7"/>
+          <p:cNvSpPr/>
+          <p:nvPr/>
+        </p:nvSpPr>
+        <p:spPr>
+          <a:xfrm>
+            <a:off x="7112000" y="1879600"/>
+            <a:ext cx="876300" cy="368297"/>
+          </a:xfrm>
+          <a:prstGeom prst="ellipse">
+            <a:avLst/>
+          </a:prstGeom>
+          <a:noFill/>
+          <a:ln w="19050">
+            <a:solidFill>
+              <a:srgbClr val="FF0000"/>
+            </a:solidFill>
+          </a:ln>
+          <a:effectLst/>
+        </p:spPr>
+        <p:style>
+          <a:lnRef idx="1">
+            <a:schemeClr val="accent1"/>
+          </a:lnRef>
+          <a:fillRef idx="3">
+            <a:schemeClr val="accent1"/>
+          </a:fillRef>
+          <a:effectRef idx="2">
+            <a:schemeClr val="accent1"/>
+          </a:effectRef>
+          <a:fontRef idx="minor">
+            <a:schemeClr val="lt1"/>
+          </a:fontRef>
+        </p:style>
+        <p:txBody>
+          <a:bodyPr rtlCol="0" anchor="ctr"/>
+          <a:lstStyle/>
+          <a:p>
+            <a:pPr algn="ctr"/>
+            <a:endParaRPr lang="en-US"/>
+          </a:p>
+        </p:txBody>
+      </p:sp>
+      <p:sp>
+        <p:nvSpPr>
+          <p:cNvPr id="9" name="Oval 8"/>
+          <p:cNvSpPr/>
+          <p:nvPr/>
+        </p:nvSpPr>
+        <p:spPr>
+          <a:xfrm>
+            <a:off x="7112000" y="3175000"/>
+            <a:ext cx="850900" cy="354887"/>
+          </a:xfrm>
+          <a:prstGeom prst="ellipse">
+            <a:avLst/>
+          </a:prstGeom>
+          <a:noFill/>
+          <a:ln w="19050">
+            <a:solidFill>
+              <a:srgbClr val="FF0000"/>
+            </a:solidFill>
+          </a:ln>
+          <a:effectLst/>
+        </p:spPr>
+        <p:style>
+          <a:lnRef idx="1">
+            <a:schemeClr val="accent1"/>
+          </a:lnRef>
+          <a:fillRef idx="3">
+            <a:schemeClr val="accent1"/>
+          </a:fillRef>
+          <a:effectRef idx="2">
+            <a:schemeClr val="accent1"/>
+          </a:effectRef>
+          <a:fontRef idx="minor">
+            <a:schemeClr val="lt1"/>
+          </a:fontRef>
+        </p:style>
+        <p:txBody>
+          <a:bodyPr rtlCol="0" anchor="ctr"/>
+          <a:lstStyle/>
+          <a:p>
+            <a:pPr algn="ctr"/>
+            <a:endParaRPr lang="en-US"/>
+          </a:p>
+        </p:txBody>
+      </p:sp>
+      <p:sp>
+        <p:nvSpPr>
+          <p:cNvPr id="10" name="Oval 9"/>
+          <p:cNvSpPr/>
+          <p:nvPr/>
+        </p:nvSpPr>
+        <p:spPr>
+          <a:xfrm>
+            <a:off x="7122964" y="3835400"/>
+            <a:ext cx="827236" cy="354888"/>
+          </a:xfrm>
+          <a:prstGeom prst="ellipse">
+            <a:avLst/>
+          </a:prstGeom>
+          <a:noFill/>
+          <a:ln w="19050">
+            <a:solidFill>
+              <a:srgbClr val="FF0000"/>
+            </a:solidFill>
+          </a:ln>
+          <a:effectLst/>
+        </p:spPr>
+        <p:style>
+          <a:lnRef idx="1">
+            <a:schemeClr val="accent1"/>
+          </a:lnRef>
+          <a:fillRef idx="3">
+            <a:schemeClr val="accent1"/>
+          </a:fillRef>
+          <a:effectRef idx="2">
+            <a:schemeClr val="accent1"/>
+          </a:effectRef>
+          <a:fontRef idx="minor">
+            <a:schemeClr val="lt1"/>
+          </a:fontRef>
+        </p:style>
+        <p:txBody>
+          <a:bodyPr rtlCol="0" anchor="ctr"/>
+          <a:lstStyle/>
+          <a:p>
+            <a:pPr algn="ctr"/>
+            <a:endParaRPr lang="en-US"/>
+          </a:p>
+        </p:txBody>
+      </p:sp>
+    </p:spTree>
+    <p:extLst>
+      <p:ext uri="{BB962C8B-B14F-4D97-AF65-F5344CB8AC3E}">
+        <p14:creationId xmlns:p14="http://schemas.microsoft.com/office/powerpoint/2010/main" val="3621476"/>
+      </p:ext>
+    </p:extLst>
+  </p:cSld>
+  <p:clrMapOvr>
+    <a:masterClrMapping/>
+  </p:clrMapOvr>
+  <p:timing>
+    <p:tnLst>
+      <p:par>
+        <p:cTn xmlns:p14="http://schemas.microsoft.com/office/powerpoint/2010/main" id="1" dur="indefinite" restart="never" nodeType="tmRoot"/>
+      </p:par>
+    </p:tnLst>
+  </p:timing>
+</p:sld>
+</file>
+
+<file path=ppt/slides/slide22.xml><?xml version="1.0" encoding="utf-8"?>
+<p:sld xmlns:a="http://schemas.openxmlformats.org/drawingml/2006/main" xmlns:r="http://schemas.openxmlformats.org/officeDocument/2006/relationships" xmlns:p="http://schemas.openxmlformats.org/presentationml/2006/main">
+  <p:cSld>
+    <p:spTree>
+      <p:nvGrpSpPr>
+        <p:cNvPr id="1" name=""/>
+        <p:cNvGrpSpPr/>
+        <p:nvPr/>
+      </p:nvGrpSpPr>
+      <p:grpSpPr>
+        <a:xfrm>
+          <a:off x="0" y="0"/>
+          <a:ext cx="0" cy="0"/>
+          <a:chOff x="0" y="0"/>
+          <a:chExt cx="0" cy="0"/>
+        </a:xfrm>
+      </p:grpSpPr>
+      <p:sp>
+        <p:nvSpPr>
+          <p:cNvPr id="2" name="Title 1"/>
+          <p:cNvSpPr>
+            <a:spLocks noGrp="1"/>
+          </p:cNvSpPr>
+          <p:nvPr>
+            <p:ph type="title"/>
+          </p:nvPr>
+        </p:nvSpPr>
+        <p:spPr>
+          <a:xfrm>
+            <a:off x="422771" y="28034"/>
+            <a:ext cx="8229600" cy="994287"/>
+          </a:xfrm>
+        </p:spPr>
+        <p:txBody>
+          <a:bodyPr>
+            <a:normAutofit/>
+          </a:bodyPr>
+          <a:lstStyle/>
+          <a:p>
+            <a:r>
+              <a:rPr lang="en-US" dirty="0" smtClean="0"/>
+              <a:t>Cross Validation Plots</a:t>
+            </a:r>
+            <a:endParaRPr lang="en-US" dirty="0"/>
+          </a:p>
+        </p:txBody>
+      </p:sp>
+      <p:sp>
+        <p:nvSpPr>
+          <p:cNvPr id="3" name="Slide Number Placeholder 2"/>
+          <p:cNvSpPr>
+            <a:spLocks noGrp="1"/>
+          </p:cNvSpPr>
+          <p:nvPr>
+            <p:ph type="sldNum" sz="quarter" idx="12"/>
+          </p:nvPr>
+        </p:nvSpPr>
+        <p:spPr/>
+        <p:txBody>
+          <a:bodyPr/>
+          <a:lstStyle/>
+          <a:p>
+            <a:fld id="{F4868C7E-E561-7D4F-8BFA-0F5E3C84BDAE}" type="slidenum">
+              <a:rPr lang="en-US" smtClean="0"/>
+              <a:t>22</a:t>
+            </a:fld>
+            <a:endParaRPr lang="en-US"/>
+          </a:p>
+        </p:txBody>
+      </p:sp>
+      <p:pic>
+        <p:nvPicPr>
+          <p:cNvPr id="10" name="Picture 9" descr="Screen Shot 2015-07-09 at 1.02.20 PM.png"/>
+          <p:cNvPicPr>
+            <a:picLocks noChangeAspect="1"/>
+          </p:cNvPicPr>
+          <p:nvPr/>
+        </p:nvPicPr>
+        <p:blipFill>
+          <a:blip r:embed="rId2">
+            <a:extLst>
+              <a:ext uri="{28A0092B-C50C-407E-A947-70E740481C1C}">
+                <a14:useLocalDpi xmlns:a14="http://schemas.microsoft.com/office/drawing/2010/main" val="0"/>
+              </a:ext>
+            </a:extLst>
+          </a:blip>
+          <a:stretch>
+            <a:fillRect/>
+          </a:stretch>
+        </p:blipFill>
+        <p:spPr>
+          <a:xfrm>
+            <a:off x="-21730" y="1437030"/>
+            <a:ext cx="3371411" cy="4824070"/>
+          </a:xfrm>
+          <a:prstGeom prst="rect">
+            <a:avLst/>
+          </a:prstGeom>
+        </p:spPr>
+      </p:pic>
+      <p:pic>
+        <p:nvPicPr>
+          <p:cNvPr id="11" name="Picture 10" descr="Screen Shot 2015-07-09 at 1.03.26 PM.png"/>
+          <p:cNvPicPr>
+            <a:picLocks noChangeAspect="1"/>
+          </p:cNvPicPr>
+          <p:nvPr/>
+        </p:nvPicPr>
+        <p:blipFill>
+          <a:blip r:embed="rId3">
+            <a:extLst>
+              <a:ext uri="{28A0092B-C50C-407E-A947-70E740481C1C}">
+                <a14:useLocalDpi xmlns:a14="http://schemas.microsoft.com/office/drawing/2010/main" val="0"/>
+              </a:ext>
+            </a:extLst>
+          </a:blip>
+          <a:stretch>
+            <a:fillRect/>
+          </a:stretch>
+        </p:blipFill>
+        <p:spPr>
+          <a:xfrm>
+            <a:off x="3102179" y="1462430"/>
+            <a:ext cx="3121004" cy="4824070"/>
+          </a:xfrm>
+          <a:prstGeom prst="rect">
+            <a:avLst/>
+          </a:prstGeom>
+        </p:spPr>
+      </p:pic>
+      <p:pic>
+        <p:nvPicPr>
+          <p:cNvPr id="12" name="Picture 11" descr="Screen Shot 2015-07-09 at 1.04.11 PM.png"/>
+          <p:cNvPicPr>
+            <a:picLocks noChangeAspect="1"/>
+          </p:cNvPicPr>
+          <p:nvPr/>
+        </p:nvPicPr>
+        <p:blipFill>
+          <a:blip r:embed="rId4">
+            <a:extLst>
+              <a:ext uri="{28A0092B-C50C-407E-A947-70E740481C1C}">
+                <a14:useLocalDpi xmlns:a14="http://schemas.microsoft.com/office/drawing/2010/main" val="0"/>
+              </a:ext>
+            </a:extLst>
+          </a:blip>
+          <a:stretch>
+            <a:fillRect/>
+          </a:stretch>
+        </p:blipFill>
+        <p:spPr>
+          <a:xfrm>
+            <a:off x="6087368" y="1473199"/>
+            <a:ext cx="3120132" cy="4845021"/>
+          </a:xfrm>
+          <a:prstGeom prst="rect">
+            <a:avLst/>
+          </a:prstGeom>
+        </p:spPr>
+      </p:pic>
+      <p:sp>
+        <p:nvSpPr>
+          <p:cNvPr id="13" name="TextBox 12"/>
+          <p:cNvSpPr txBox="1"/>
+          <p:nvPr/>
+        </p:nvSpPr>
+        <p:spPr>
+          <a:xfrm>
+            <a:off x="676771" y="996434"/>
+            <a:ext cx="1387294" cy="369332"/>
+          </a:xfrm>
+          <a:prstGeom prst="rect">
+            <a:avLst/>
+          </a:prstGeom>
+          <a:noFill/>
+        </p:spPr>
+        <p:txBody>
+          <a:bodyPr wrap="none" rtlCol="0">
+            <a:spAutoFit/>
+          </a:bodyPr>
+          <a:lstStyle/>
+          <a:p>
+            <a:r>
+              <a:rPr lang="en-US" dirty="0" smtClean="0"/>
+              <a:t>Poverty Rate</a:t>
+            </a:r>
+            <a:endParaRPr lang="en-US" dirty="0"/>
+          </a:p>
+        </p:txBody>
+      </p:sp>
+      <p:sp>
+        <p:nvSpPr>
+          <p:cNvPr id="14" name="TextBox 13"/>
+          <p:cNvSpPr txBox="1"/>
+          <p:nvPr/>
+        </p:nvSpPr>
+        <p:spPr>
+          <a:xfrm>
+            <a:off x="3724771" y="1001722"/>
+            <a:ext cx="1908132" cy="369332"/>
+          </a:xfrm>
+          <a:prstGeom prst="rect">
+            <a:avLst/>
+          </a:prstGeom>
+          <a:noFill/>
+        </p:spPr>
+        <p:txBody>
+          <a:bodyPr wrap="none" rtlCol="0">
+            <a:spAutoFit/>
+          </a:bodyPr>
+          <a:lstStyle/>
+          <a:p>
+            <a:r>
+              <a:rPr lang="en-US" dirty="0" smtClean="0"/>
+              <a:t>Incarceration Rate</a:t>
+            </a:r>
+            <a:endParaRPr lang="en-US" dirty="0"/>
+          </a:p>
+        </p:txBody>
+      </p:sp>
+      <p:sp>
+        <p:nvSpPr>
+          <p:cNvPr id="15" name="TextBox 14"/>
+          <p:cNvSpPr txBox="1"/>
+          <p:nvPr/>
+        </p:nvSpPr>
+        <p:spPr>
+          <a:xfrm>
+            <a:off x="6553200" y="1011811"/>
+            <a:ext cx="2335533" cy="369332"/>
+          </a:xfrm>
+          <a:prstGeom prst="rect">
+            <a:avLst/>
+          </a:prstGeom>
+          <a:noFill/>
+        </p:spPr>
+        <p:txBody>
+          <a:bodyPr wrap="none" rtlCol="0">
+            <a:spAutoFit/>
+          </a:bodyPr>
+          <a:lstStyle/>
+          <a:p>
+            <a:r>
+              <a:rPr lang="en-US" dirty="0" smtClean="0"/>
+              <a:t>Percentage without HS</a:t>
+            </a:r>
+            <a:endParaRPr lang="en-US" dirty="0"/>
+          </a:p>
+        </p:txBody>
+      </p:sp>
+    </p:spTree>
+    <p:extLst>
+      <p:ext uri="{BB962C8B-B14F-4D97-AF65-F5344CB8AC3E}">
+        <p14:creationId xmlns:p14="http://schemas.microsoft.com/office/powerpoint/2010/main" val="1911671103"/>
+      </p:ext>
+    </p:extLst>
+  </p:cSld>
+  <p:clrMapOvr>
+    <a:masterClrMapping/>
+  </p:clrMapOvr>
+  <p:timing>
+    <p:tnLst>
+      <p:par>
+        <p:cTn xmlns:p14="http://schemas.microsoft.com/office/powerpoint/2010/main" id="1" dur="indefinite" restart="never" nodeType="tmRoot"/>
+      </p:par>
+    </p:tnLst>
+  </p:timing>
+</p:sld>
+</file>
+
+<file path=ppt/slides/slide23.xml><?xml version="1.0" encoding="utf-8"?>
+<p:sld xmlns:a="http://schemas.openxmlformats.org/drawingml/2006/main" xmlns:r="http://schemas.openxmlformats.org/officeDocument/2006/relationships" xmlns:p="http://schemas.openxmlformats.org/presentationml/2006/main">
+  <p:cSld>
+    <p:spTree>
+      <p:nvGrpSpPr>
+        <p:cNvPr id="1" name=""/>
+        <p:cNvGrpSpPr/>
+        <p:nvPr/>
+      </p:nvGrpSpPr>
+      <p:grpSpPr>
+        <a:xfrm>
+          <a:off x="0" y="0"/>
+          <a:ext cx="0" cy="0"/>
+          <a:chOff x="0" y="0"/>
+          <a:chExt cx="0" cy="0"/>
+        </a:xfrm>
+      </p:grpSpPr>
+      <p:pic>
+        <p:nvPicPr>
+          <p:cNvPr id="5" name="Picture 4"/>
+          <p:cNvPicPr>
+            <a:picLocks noChangeAspect="1"/>
+          </p:cNvPicPr>
+          <p:nvPr/>
+        </p:nvPicPr>
+        <p:blipFill>
+          <a:blip r:embed="rId2"/>
+          <a:stretch>
+            <a:fillRect/>
+          </a:stretch>
+        </p:blipFill>
+        <p:spPr>
+          <a:xfrm>
+            <a:off x="2382420" y="3727340"/>
+            <a:ext cx="4170780" cy="3130660"/>
+          </a:xfrm>
+          <a:prstGeom prst="rect">
+            <a:avLst/>
+          </a:prstGeom>
+        </p:spPr>
+      </p:pic>
+      <p:sp>
+        <p:nvSpPr>
+          <p:cNvPr id="3" name="Content Placeholder 2"/>
+          <p:cNvSpPr>
+            <a:spLocks noGrp="1"/>
+          </p:cNvSpPr>
+          <p:nvPr>
+            <p:ph idx="1"/>
+          </p:nvPr>
+        </p:nvSpPr>
+        <p:spPr>
+          <a:xfrm>
+            <a:off x="457200" y="381000"/>
+            <a:ext cx="8229600" cy="4525963"/>
+          </a:xfrm>
+        </p:spPr>
+        <p:txBody>
+          <a:bodyPr>
+            <a:normAutofit/>
+          </a:bodyPr>
+          <a:lstStyle/>
+          <a:p>
+            <a:pPr marL="0" indent="0" algn="ctr">
+              <a:buNone/>
+            </a:pPr>
+            <a:r>
+              <a:rPr lang="en-US" sz="4800" dirty="0" smtClean="0"/>
+              <a:t>Now let’s use </a:t>
+            </a:r>
+            <a:r>
+              <a:rPr lang="en-US" sz="4800" dirty="0" smtClean="0"/>
+              <a:t>a different </a:t>
+            </a:r>
+            <a:r>
+              <a:rPr lang="en-US" sz="4800" dirty="0" smtClean="0"/>
+              <a:t>technique which can </a:t>
+            </a:r>
+            <a:r>
+              <a:rPr lang="en-US" sz="4800" dirty="0" smtClean="0"/>
+              <a:t>utilize </a:t>
+            </a:r>
+            <a:r>
+              <a:rPr lang="en-US" sz="4800" dirty="0" smtClean="0"/>
+              <a:t>all the features simultaneously….</a:t>
+            </a:r>
+          </a:p>
+          <a:p>
+            <a:pPr marL="0" indent="0" algn="ctr">
+              <a:buNone/>
+            </a:pPr>
+            <a:r>
+              <a:rPr lang="en-US" sz="4800" dirty="0" smtClean="0"/>
+              <a:t>Random </a:t>
+            </a:r>
+            <a:r>
+              <a:rPr lang="en-US" sz="4800" dirty="0" smtClean="0"/>
+              <a:t>Forest Regression</a:t>
+            </a:r>
+            <a:endParaRPr lang="en-US" sz="4800" dirty="0"/>
+          </a:p>
+        </p:txBody>
+      </p:sp>
+      <p:sp>
+        <p:nvSpPr>
+          <p:cNvPr id="4" name="Slide Number Placeholder 3"/>
+          <p:cNvSpPr>
+            <a:spLocks noGrp="1"/>
+          </p:cNvSpPr>
+          <p:nvPr>
+            <p:ph type="sldNum" sz="quarter" idx="12"/>
+          </p:nvPr>
+        </p:nvSpPr>
+        <p:spPr/>
+        <p:txBody>
+          <a:bodyPr/>
+          <a:lstStyle/>
+          <a:p>
+            <a:fld id="{F4868C7E-E561-7D4F-8BFA-0F5E3C84BDAE}" type="slidenum">
+              <a:rPr lang="en-US" smtClean="0"/>
+              <a:t>23</a:t>
+            </a:fld>
+            <a:endParaRPr lang="en-US"/>
+          </a:p>
+        </p:txBody>
+      </p:sp>
+    </p:spTree>
+    <p:extLst>
+      <p:ext uri="{BB962C8B-B14F-4D97-AF65-F5344CB8AC3E}">
+        <p14:creationId xmlns:p14="http://schemas.microsoft.com/office/powerpoint/2010/main" val="4170270403"/>
+      </p:ext>
+    </p:extLst>
+  </p:cSld>
+  <p:clrMapOvr>
+    <a:masterClrMapping/>
+  </p:clrMapOvr>
+  <p:timing>
+    <p:tnLst>
+      <p:par>
+        <p:cTn xmlns:p14="http://schemas.microsoft.com/office/powerpoint/2010/main" id="1" dur="indefinite" restart="never" nodeType="tmRoot"/>
+      </p:par>
+    </p:tnLst>
+  </p:timing>
+</p:sld>
+</file>
+
+<file path=ppt/slides/slide24.xml><?xml version="1.0" encoding="utf-8"?>
+<p:sld xmlns:a="http://schemas.openxmlformats.org/drawingml/2006/main" xmlns:r="http://schemas.openxmlformats.org/officeDocument/2006/relationships" xmlns:p="http://schemas.openxmlformats.org/presentationml/2006/main">
+  <p:cSld>
+    <p:spTree>
+      <p:nvGrpSpPr>
+        <p:cNvPr id="1" name=""/>
+        <p:cNvGrpSpPr/>
+        <p:nvPr/>
+      </p:nvGrpSpPr>
+      <p:grpSpPr>
+        <a:xfrm>
+          <a:off x="0" y="0"/>
+          <a:ext cx="0" cy="0"/>
+          <a:chOff x="0" y="0"/>
+          <a:chExt cx="0" cy="0"/>
+        </a:xfrm>
+      </p:grpSpPr>
+      <p:sp>
+        <p:nvSpPr>
+          <p:cNvPr id="2" name="Title 1"/>
+          <p:cNvSpPr>
+            <a:spLocks noGrp="1"/>
+          </p:cNvSpPr>
+          <p:nvPr>
+            <p:ph type="title"/>
+          </p:nvPr>
+        </p:nvSpPr>
+        <p:spPr>
+          <a:xfrm>
+            <a:off x="457200" y="205955"/>
+            <a:ext cx="8229600" cy="776890"/>
+          </a:xfrm>
+        </p:spPr>
+        <p:txBody>
+          <a:bodyPr/>
+          <a:lstStyle/>
+          <a:p>
+            <a:r>
+              <a:rPr lang="en-US" dirty="0" smtClean="0"/>
+              <a:t>Random Forest </a:t>
+            </a:r>
+            <a:r>
+              <a:rPr lang="en-US" dirty="0" err="1" smtClean="0"/>
+              <a:t>Regressor</a:t>
+            </a:r>
+            <a:endParaRPr lang="en-US" dirty="0"/>
+          </a:p>
+        </p:txBody>
+      </p:sp>
+      <p:pic>
+        <p:nvPicPr>
+          <p:cNvPr id="4" name="Content Placeholder 3"/>
+          <p:cNvPicPr>
+            <a:picLocks noGrp="1" noChangeAspect="1"/>
+          </p:cNvPicPr>
+          <p:nvPr>
+            <p:ph idx="1"/>
+          </p:nvPr>
+        </p:nvPicPr>
+        <p:blipFill rotWithShape="1">
+          <a:blip r:embed="rId2"/>
+          <a:srcRect l="-27102" t="-18489" r="-32645" b="-33093"/>
+          <a:stretch/>
+        </p:blipFill>
+        <p:spPr>
+          <a:xfrm>
+            <a:off x="457200" y="411910"/>
+            <a:ext cx="8229600" cy="5714254"/>
+          </a:xfrm>
+        </p:spPr>
+      </p:pic>
+      <p:sp>
+        <p:nvSpPr>
+          <p:cNvPr id="6" name="Content Placeholder 2"/>
           <p:cNvSpPr txBox="1">
             <a:spLocks/>
           </p:cNvSpPr>
@@ -4415,8 +6973,8 @@
         </p:nvSpPr>
         <p:spPr>
           <a:xfrm>
-            <a:off x="387288" y="5697278"/>
-            <a:ext cx="8832304" cy="834036"/>
+            <a:off x="343222" y="4942909"/>
+            <a:ext cx="8343578" cy="1183255"/>
           </a:xfrm>
           <a:prstGeom prst="rect">
             <a:avLst/>
@@ -4564,1657 +7122,52 @@
             </a:lvl9pPr>
           </a:lstStyle>
           <a:p>
-            <a:pPr marL="0" indent="0" algn="ctr">
-              <a:buNone/>
-            </a:pPr>
-            <a:r>
-              <a:rPr lang="en-US" dirty="0" smtClean="0">
-                <a:solidFill>
-                  <a:srgbClr val="FF0000"/>
-                </a:solidFill>
-              </a:rPr>
-              <a:t>Moderate </a:t>
-            </a:r>
-            <a:r>
-              <a:rPr lang="en-US" dirty="0" smtClean="0">
-                <a:solidFill>
-                  <a:srgbClr val="FF0000"/>
-                </a:solidFill>
-              </a:rPr>
-              <a:t>negative </a:t>
-            </a:r>
-            <a:r>
-              <a:rPr lang="en-US" dirty="0" smtClean="0">
-                <a:solidFill>
-                  <a:srgbClr val="FF0000"/>
-                </a:solidFill>
-              </a:rPr>
-              <a:t>correlation</a:t>
-            </a:r>
-            <a:endParaRPr lang="en-US" dirty="0">
-              <a:solidFill>
-                <a:srgbClr val="FF0000"/>
-              </a:solidFill>
-            </a:endParaRPr>
-          </a:p>
-        </p:txBody>
-      </p:sp>
-      <p:pic>
-        <p:nvPicPr>
-          <p:cNvPr id="7" name="Picture 6"/>
-          <p:cNvPicPr>
-            <a:picLocks noChangeAspect="1"/>
-          </p:cNvPicPr>
+            <a:r>
+              <a:rPr lang="en-US" dirty="0" smtClean="0"/>
+              <a:t>This works great but I cheated by testing with the same data.</a:t>
+            </a:r>
+            <a:endParaRPr lang="en-US" dirty="0"/>
+          </a:p>
+        </p:txBody>
+      </p:sp>
+      <p:sp>
+        <p:nvSpPr>
+          <p:cNvPr id="3" name="Slide Number Placeholder 2"/>
+          <p:cNvSpPr>
+            <a:spLocks noGrp="1"/>
+          </p:cNvSpPr>
+          <p:nvPr>
+            <p:ph type="sldNum" sz="quarter" idx="12"/>
+          </p:nvPr>
+        </p:nvSpPr>
+        <p:spPr/>
+        <p:txBody>
+          <a:bodyPr/>
+          <a:lstStyle/>
+          <a:p>
+            <a:fld id="{F4868C7E-E561-7D4F-8BFA-0F5E3C84BDAE}" type="slidenum">
+              <a:rPr lang="en-US" smtClean="0"/>
+              <a:t>24</a:t>
+            </a:fld>
+            <a:endParaRPr lang="en-US"/>
+          </a:p>
+        </p:txBody>
+      </p:sp>
+      <p:sp>
+        <p:nvSpPr>
+          <p:cNvPr id="5" name="Rectangle 4"/>
+          <p:cNvSpPr/>
           <p:nvPr/>
-        </p:nvPicPr>
-        <p:blipFill>
-          <a:blip r:embed="rId2"/>
-          <a:stretch>
-            <a:fillRect/>
-          </a:stretch>
-        </p:blipFill>
-        <p:spPr>
-          <a:xfrm>
-            <a:off x="983201" y="815560"/>
-            <a:ext cx="6609610" cy="4881717"/>
+        </p:nvSpPr>
+        <p:spPr>
+          <a:xfrm>
+            <a:off x="2413000" y="1531035"/>
+            <a:ext cx="4572000" cy="646331"/>
           </a:xfrm>
           <a:prstGeom prst="rect">
             <a:avLst/>
           </a:prstGeom>
         </p:spPr>
-      </p:pic>
-    </p:spTree>
-    <p:extLst>
-      <p:ext uri="{BB962C8B-B14F-4D97-AF65-F5344CB8AC3E}">
-        <p14:creationId xmlns:p14="http://schemas.microsoft.com/office/powerpoint/2010/main" val="2615722970"/>
-      </p:ext>
-    </p:extLst>
-  </p:cSld>
-  <p:clrMapOvr>
-    <a:masterClrMapping/>
-  </p:clrMapOvr>
-  <p:timing>
-    <p:tnLst>
-      <p:par>
-        <p:cTn xmlns:p14="http://schemas.microsoft.com/office/powerpoint/2010/main" id="1" dur="indefinite" restart="never" nodeType="tmRoot"/>
-      </p:par>
-    </p:tnLst>
-  </p:timing>
-</p:sld>
-</file>
-
-<file path=ppt/slides/slide14.xml><?xml version="1.0" encoding="utf-8"?>
-<p:sld xmlns:a="http://schemas.openxmlformats.org/drawingml/2006/main" xmlns:r="http://schemas.openxmlformats.org/officeDocument/2006/relationships" xmlns:p="http://schemas.openxmlformats.org/presentationml/2006/main">
-  <p:cSld>
-    <p:spTree>
-      <p:nvGrpSpPr>
-        <p:cNvPr id="1" name=""/>
-        <p:cNvGrpSpPr/>
-        <p:nvPr/>
-      </p:nvGrpSpPr>
-      <p:grpSpPr>
-        <a:xfrm>
-          <a:off x="0" y="0"/>
-          <a:ext cx="0" cy="0"/>
-          <a:chOff x="0" y="0"/>
-          <a:chExt cx="0" cy="0"/>
-        </a:xfrm>
-      </p:grpSpPr>
-      <p:sp>
-        <p:nvSpPr>
-          <p:cNvPr id="2" name="Title 1"/>
-          <p:cNvSpPr>
-            <a:spLocks noGrp="1"/>
-          </p:cNvSpPr>
-          <p:nvPr>
-            <p:ph type="title"/>
-          </p:nvPr>
-        </p:nvSpPr>
-        <p:spPr>
-          <a:xfrm>
-            <a:off x="457200" y="-11657"/>
-            <a:ext cx="8229600" cy="788490"/>
-          </a:xfrm>
-        </p:spPr>
-        <p:txBody>
-          <a:bodyPr/>
-          <a:lstStyle/>
-          <a:p>
-            <a:r>
-              <a:rPr lang="en-US" dirty="0" smtClean="0"/>
-              <a:t>Suicide Rate</a:t>
-            </a:r>
-            <a:endParaRPr lang="en-US" dirty="0"/>
-          </a:p>
-        </p:txBody>
-      </p:sp>
-      <p:sp>
-        <p:nvSpPr>
-          <p:cNvPr id="5" name="Content Placeholder 2"/>
-          <p:cNvSpPr txBox="1">
-            <a:spLocks/>
-          </p:cNvSpPr>
-          <p:nvPr/>
-        </p:nvSpPr>
-        <p:spPr>
-          <a:xfrm>
-            <a:off x="116521" y="5939747"/>
-            <a:ext cx="8913871" cy="638596"/>
-          </a:xfrm>
-          <a:prstGeom prst="rect">
-            <a:avLst/>
-          </a:prstGeom>
-        </p:spPr>
-        <p:txBody>
-          <a:bodyPr vert="horz" lIns="91440" tIns="45720" rIns="91440" bIns="45720" rtlCol="0">
-            <a:normAutofit/>
-          </a:bodyPr>
-          <a:lstStyle>
-            <a:lvl1pPr marL="342900" indent="-342900" algn="l" defTabSz="457200" rtl="0" eaLnBrk="1" latinLnBrk="0" hangingPunct="1">
-              <a:spcBef>
-                <a:spcPct val="20000"/>
-              </a:spcBef>
-              <a:buFont typeface="Arial"/>
-              <a:buChar char="•"/>
-              <a:defRPr sz="3200" kern="1200">
-                <a:solidFill>
-                  <a:schemeClr val="tx1"/>
-                </a:solidFill>
-                <a:latin typeface="+mn-lt"/>
-                <a:ea typeface="+mn-ea"/>
-                <a:cs typeface="+mn-cs"/>
-              </a:defRPr>
-            </a:lvl1pPr>
-            <a:lvl2pPr marL="742950" indent="-285750" algn="l" defTabSz="457200" rtl="0" eaLnBrk="1" latinLnBrk="0" hangingPunct="1">
-              <a:spcBef>
-                <a:spcPct val="20000"/>
-              </a:spcBef>
-              <a:buFont typeface="Arial"/>
-              <a:buChar char="–"/>
-              <a:defRPr sz="2800" kern="1200">
-                <a:solidFill>
-                  <a:schemeClr val="tx1"/>
-                </a:solidFill>
-                <a:latin typeface="+mn-lt"/>
-                <a:ea typeface="+mn-ea"/>
-                <a:cs typeface="+mn-cs"/>
-              </a:defRPr>
-            </a:lvl2pPr>
-            <a:lvl3pPr marL="1143000" indent="-228600" algn="l" defTabSz="457200" rtl="0" eaLnBrk="1" latinLnBrk="0" hangingPunct="1">
-              <a:spcBef>
-                <a:spcPct val="20000"/>
-              </a:spcBef>
-              <a:buFont typeface="Arial"/>
-              <a:buChar char="•"/>
-              <a:defRPr sz="2400" kern="1200">
-                <a:solidFill>
-                  <a:schemeClr val="tx1"/>
-                </a:solidFill>
-                <a:latin typeface="+mn-lt"/>
-                <a:ea typeface="+mn-ea"/>
-                <a:cs typeface="+mn-cs"/>
-              </a:defRPr>
-            </a:lvl3pPr>
-            <a:lvl4pPr marL="1600200" indent="-228600" algn="l" defTabSz="457200" rtl="0" eaLnBrk="1" latinLnBrk="0" hangingPunct="1">
-              <a:spcBef>
-                <a:spcPct val="20000"/>
-              </a:spcBef>
-              <a:buFont typeface="Arial"/>
-              <a:buChar char="–"/>
-              <a:defRPr sz="2000" kern="1200">
-                <a:solidFill>
-                  <a:schemeClr val="tx1"/>
-                </a:solidFill>
-                <a:latin typeface="+mn-lt"/>
-                <a:ea typeface="+mn-ea"/>
-                <a:cs typeface="+mn-cs"/>
-              </a:defRPr>
-            </a:lvl4pPr>
-            <a:lvl5pPr marL="2057400" indent="-228600" algn="l" defTabSz="457200" rtl="0" eaLnBrk="1" latinLnBrk="0" hangingPunct="1">
-              <a:spcBef>
-                <a:spcPct val="20000"/>
-              </a:spcBef>
-              <a:buFont typeface="Arial"/>
-              <a:buChar char="»"/>
-              <a:defRPr sz="2000" kern="1200">
-                <a:solidFill>
-                  <a:schemeClr val="tx1"/>
-                </a:solidFill>
-                <a:latin typeface="+mn-lt"/>
-                <a:ea typeface="+mn-ea"/>
-                <a:cs typeface="+mn-cs"/>
-              </a:defRPr>
-            </a:lvl5pPr>
-            <a:lvl6pPr marL="2514600" indent="-228600" algn="l" defTabSz="457200" rtl="0" eaLnBrk="1" latinLnBrk="0" hangingPunct="1">
-              <a:spcBef>
-                <a:spcPct val="20000"/>
-              </a:spcBef>
-              <a:buFont typeface="Arial"/>
-              <a:buChar char="•"/>
-              <a:defRPr sz="2000" kern="1200">
-                <a:solidFill>
-                  <a:schemeClr val="tx1"/>
-                </a:solidFill>
-                <a:latin typeface="+mn-lt"/>
-                <a:ea typeface="+mn-ea"/>
-                <a:cs typeface="+mn-cs"/>
-              </a:defRPr>
-            </a:lvl6pPr>
-            <a:lvl7pPr marL="2971800" indent="-228600" algn="l" defTabSz="457200" rtl="0" eaLnBrk="1" latinLnBrk="0" hangingPunct="1">
-              <a:spcBef>
-                <a:spcPct val="20000"/>
-              </a:spcBef>
-              <a:buFont typeface="Arial"/>
-              <a:buChar char="•"/>
-              <a:defRPr sz="2000" kern="1200">
-                <a:solidFill>
-                  <a:schemeClr val="tx1"/>
-                </a:solidFill>
-                <a:latin typeface="+mn-lt"/>
-                <a:ea typeface="+mn-ea"/>
-                <a:cs typeface="+mn-cs"/>
-              </a:defRPr>
-            </a:lvl7pPr>
-            <a:lvl8pPr marL="3429000" indent="-228600" algn="l" defTabSz="457200" rtl="0" eaLnBrk="1" latinLnBrk="0" hangingPunct="1">
-              <a:spcBef>
-                <a:spcPct val="20000"/>
-              </a:spcBef>
-              <a:buFont typeface="Arial"/>
-              <a:buChar char="•"/>
-              <a:defRPr sz="2000" kern="1200">
-                <a:solidFill>
-                  <a:schemeClr val="tx1"/>
-                </a:solidFill>
-                <a:latin typeface="+mn-lt"/>
-                <a:ea typeface="+mn-ea"/>
-                <a:cs typeface="+mn-cs"/>
-              </a:defRPr>
-            </a:lvl8pPr>
-            <a:lvl9pPr marL="3886200" indent="-228600" algn="l" defTabSz="457200" rtl="0" eaLnBrk="1" latinLnBrk="0" hangingPunct="1">
-              <a:spcBef>
-                <a:spcPct val="20000"/>
-              </a:spcBef>
-              <a:buFont typeface="Arial"/>
-              <a:buChar char="•"/>
-              <a:defRPr sz="2000" kern="1200">
-                <a:solidFill>
-                  <a:schemeClr val="tx1"/>
-                </a:solidFill>
-                <a:latin typeface="+mn-lt"/>
-                <a:ea typeface="+mn-ea"/>
-                <a:cs typeface="+mn-cs"/>
-              </a:defRPr>
-            </a:lvl9pPr>
-          </a:lstStyle>
-          <a:p>
-            <a:pPr marL="0" indent="0" algn="ctr">
-              <a:buNone/>
-            </a:pPr>
-            <a:r>
-              <a:rPr lang="en-US" dirty="0" smtClean="0">
-                <a:solidFill>
-                  <a:srgbClr val="FF0000"/>
-                </a:solidFill>
-              </a:rPr>
-              <a:t>Weak </a:t>
-            </a:r>
-            <a:r>
-              <a:rPr lang="en-US" dirty="0" smtClean="0">
-                <a:solidFill>
-                  <a:srgbClr val="FF0000"/>
-                </a:solidFill>
-              </a:rPr>
-              <a:t>negative (or no) correlation</a:t>
-            </a:r>
-            <a:endParaRPr lang="en-US" dirty="0">
-              <a:solidFill>
-                <a:srgbClr val="FF0000"/>
-              </a:solidFill>
-            </a:endParaRPr>
-          </a:p>
-        </p:txBody>
-      </p:sp>
-      <p:pic>
-        <p:nvPicPr>
-          <p:cNvPr id="7" name="Picture 6"/>
-          <p:cNvPicPr>
-            <a:picLocks noChangeAspect="1"/>
-          </p:cNvPicPr>
-          <p:nvPr/>
-        </p:nvPicPr>
-        <p:blipFill>
-          <a:blip r:embed="rId2"/>
-          <a:stretch>
-            <a:fillRect/>
-          </a:stretch>
-        </p:blipFill>
-        <p:spPr>
-          <a:xfrm>
-            <a:off x="789754" y="878772"/>
-            <a:ext cx="6720844" cy="5079911"/>
-          </a:xfrm>
-          <a:prstGeom prst="rect">
-            <a:avLst/>
-          </a:prstGeom>
-        </p:spPr>
-      </p:pic>
-    </p:spTree>
-    <p:extLst>
-      <p:ext uri="{BB962C8B-B14F-4D97-AF65-F5344CB8AC3E}">
-        <p14:creationId xmlns:p14="http://schemas.microsoft.com/office/powerpoint/2010/main" val="3179471850"/>
-      </p:ext>
-    </p:extLst>
-  </p:cSld>
-  <p:clrMapOvr>
-    <a:masterClrMapping/>
-  </p:clrMapOvr>
-  <p:timing>
-    <p:tnLst>
-      <p:par>
-        <p:cTn xmlns:p14="http://schemas.microsoft.com/office/powerpoint/2010/main" id="1" dur="indefinite" restart="never" nodeType="tmRoot"/>
-      </p:par>
-    </p:tnLst>
-  </p:timing>
-</p:sld>
-</file>
-
-<file path=ppt/slides/slide15.xml><?xml version="1.0" encoding="utf-8"?>
-<p:sld xmlns:a="http://schemas.openxmlformats.org/drawingml/2006/main" xmlns:r="http://schemas.openxmlformats.org/officeDocument/2006/relationships" xmlns:p="http://schemas.openxmlformats.org/presentationml/2006/main">
-  <p:cSld>
-    <p:spTree>
-      <p:nvGrpSpPr>
-        <p:cNvPr id="1" name=""/>
-        <p:cNvGrpSpPr/>
-        <p:nvPr/>
-      </p:nvGrpSpPr>
-      <p:grpSpPr>
-        <a:xfrm>
-          <a:off x="0" y="0"/>
-          <a:ext cx="0" cy="0"/>
-          <a:chOff x="0" y="0"/>
-          <a:chExt cx="0" cy="0"/>
-        </a:xfrm>
-      </p:grpSpPr>
-      <p:sp>
-        <p:nvSpPr>
-          <p:cNvPr id="2" name="Title 1"/>
-          <p:cNvSpPr>
-            <a:spLocks noGrp="1"/>
-          </p:cNvSpPr>
-          <p:nvPr>
-            <p:ph type="title"/>
-          </p:nvPr>
-        </p:nvSpPr>
-        <p:spPr>
-          <a:xfrm>
-            <a:off x="433896" y="81551"/>
-            <a:ext cx="8229600" cy="788490"/>
-          </a:xfrm>
-        </p:spPr>
-        <p:txBody>
-          <a:bodyPr/>
-          <a:lstStyle/>
-          <a:p>
-            <a:r>
-              <a:rPr lang="en-US" dirty="0" smtClean="0"/>
-              <a:t>Gun Ownership</a:t>
-            </a:r>
-            <a:endParaRPr lang="en-US" dirty="0"/>
-          </a:p>
-        </p:txBody>
-      </p:sp>
-      <p:sp>
-        <p:nvSpPr>
-          <p:cNvPr id="3" name="Content Placeholder 2"/>
-          <p:cNvSpPr>
-            <a:spLocks noGrp="1"/>
-          </p:cNvSpPr>
-          <p:nvPr>
-            <p:ph idx="1"/>
-          </p:nvPr>
-        </p:nvSpPr>
-        <p:spPr>
-          <a:xfrm>
-            <a:off x="457200" y="5837097"/>
-            <a:ext cx="8229600" cy="801710"/>
-          </a:xfrm>
-        </p:spPr>
-        <p:txBody>
-          <a:bodyPr/>
-          <a:lstStyle/>
-          <a:p>
-            <a:pPr marL="0" indent="0">
-              <a:buNone/>
-            </a:pPr>
-            <a:r>
-              <a:rPr lang="en-US" dirty="0" smtClean="0">
-                <a:solidFill>
-                  <a:srgbClr val="FF0000"/>
-                </a:solidFill>
-              </a:rPr>
-              <a:t>Weak negative correlation (or uncorrelated)</a:t>
-            </a:r>
-            <a:endParaRPr lang="en-US" dirty="0">
-              <a:solidFill>
-                <a:srgbClr val="FF0000"/>
-              </a:solidFill>
-            </a:endParaRPr>
-          </a:p>
-        </p:txBody>
-      </p:sp>
-      <p:pic>
-        <p:nvPicPr>
-          <p:cNvPr id="5" name="Picture 4"/>
-          <p:cNvPicPr>
-            <a:picLocks noChangeAspect="1"/>
-          </p:cNvPicPr>
-          <p:nvPr/>
-        </p:nvPicPr>
-        <p:blipFill>
-          <a:blip r:embed="rId2"/>
-          <a:stretch>
-            <a:fillRect/>
-          </a:stretch>
-        </p:blipFill>
-        <p:spPr>
-          <a:xfrm>
-            <a:off x="936300" y="964249"/>
-            <a:ext cx="6293413" cy="4756839"/>
-          </a:xfrm>
-          <a:prstGeom prst="rect">
-            <a:avLst/>
-          </a:prstGeom>
-        </p:spPr>
-      </p:pic>
-    </p:spTree>
-    <p:extLst>
-      <p:ext uri="{BB962C8B-B14F-4D97-AF65-F5344CB8AC3E}">
-        <p14:creationId xmlns:p14="http://schemas.microsoft.com/office/powerpoint/2010/main" val="3745180755"/>
-      </p:ext>
-    </p:extLst>
-  </p:cSld>
-  <p:clrMapOvr>
-    <a:masterClrMapping/>
-  </p:clrMapOvr>
-  <p:timing>
-    <p:tnLst>
-      <p:par>
-        <p:cTn xmlns:p14="http://schemas.microsoft.com/office/powerpoint/2010/main" id="1" dur="indefinite" restart="never" nodeType="tmRoot"/>
-      </p:par>
-    </p:tnLst>
-  </p:timing>
-</p:sld>
-</file>
-
-<file path=ppt/slides/slide16.xml><?xml version="1.0" encoding="utf-8"?>
-<p:sld xmlns:a="http://schemas.openxmlformats.org/drawingml/2006/main" xmlns:r="http://schemas.openxmlformats.org/officeDocument/2006/relationships" xmlns:p="http://schemas.openxmlformats.org/presentationml/2006/main">
-  <p:cSld>
-    <p:spTree>
-      <p:nvGrpSpPr>
-        <p:cNvPr id="1" name=""/>
-        <p:cNvGrpSpPr/>
-        <p:nvPr/>
-      </p:nvGrpSpPr>
-      <p:grpSpPr>
-        <a:xfrm>
-          <a:off x="0" y="0"/>
-          <a:ext cx="0" cy="0"/>
-          <a:chOff x="0" y="0"/>
-          <a:chExt cx="0" cy="0"/>
-        </a:xfrm>
-      </p:grpSpPr>
-      <p:sp>
-        <p:nvSpPr>
-          <p:cNvPr id="2" name="Title 1"/>
-          <p:cNvSpPr>
-            <a:spLocks noGrp="1"/>
-          </p:cNvSpPr>
-          <p:nvPr>
-            <p:ph type="title"/>
-          </p:nvPr>
-        </p:nvSpPr>
-        <p:spPr>
-          <a:xfrm>
-            <a:off x="457200" y="76571"/>
-            <a:ext cx="8229600" cy="773941"/>
-          </a:xfrm>
-        </p:spPr>
-        <p:txBody>
-          <a:bodyPr/>
-          <a:lstStyle/>
-          <a:p>
-            <a:r>
-              <a:rPr lang="en-US" dirty="0" smtClean="0"/>
-              <a:t>Poverty Rate</a:t>
-            </a:r>
-            <a:endParaRPr lang="en-US" dirty="0"/>
-          </a:p>
-        </p:txBody>
-      </p:sp>
-      <p:sp>
-        <p:nvSpPr>
-          <p:cNvPr id="3" name="Content Placeholder 2"/>
-          <p:cNvSpPr>
-            <a:spLocks noGrp="1"/>
-          </p:cNvSpPr>
-          <p:nvPr>
-            <p:ph idx="1"/>
-          </p:nvPr>
-        </p:nvSpPr>
-        <p:spPr>
-          <a:xfrm>
-            <a:off x="457200" y="5860398"/>
-            <a:ext cx="8229600" cy="603644"/>
-          </a:xfrm>
-        </p:spPr>
-        <p:txBody>
-          <a:bodyPr/>
-          <a:lstStyle/>
-          <a:p>
-            <a:pPr marL="0" indent="0" algn="ctr">
-              <a:buNone/>
-            </a:pPr>
-            <a:r>
-              <a:rPr lang="en-US" dirty="0" smtClean="0">
-                <a:solidFill>
-                  <a:srgbClr val="FF0000"/>
-                </a:solidFill>
-              </a:rPr>
-              <a:t>Strong positive correlation</a:t>
-            </a:r>
-            <a:endParaRPr lang="en-US" dirty="0">
-              <a:solidFill>
-                <a:srgbClr val="FF0000"/>
-              </a:solidFill>
-            </a:endParaRPr>
-          </a:p>
-        </p:txBody>
-      </p:sp>
-      <p:pic>
-        <p:nvPicPr>
-          <p:cNvPr id="5" name="Picture 4"/>
-          <p:cNvPicPr>
-            <a:picLocks noChangeAspect="1"/>
-          </p:cNvPicPr>
-          <p:nvPr/>
-        </p:nvPicPr>
-        <p:blipFill>
-          <a:blip r:embed="rId2"/>
-          <a:stretch>
-            <a:fillRect/>
-          </a:stretch>
-        </p:blipFill>
-        <p:spPr>
-          <a:xfrm>
-            <a:off x="1107274" y="850511"/>
-            <a:ext cx="6696419" cy="5061449"/>
-          </a:xfrm>
-          <a:prstGeom prst="rect">
-            <a:avLst/>
-          </a:prstGeom>
-        </p:spPr>
-      </p:pic>
-    </p:spTree>
-    <p:extLst>
-      <p:ext uri="{BB962C8B-B14F-4D97-AF65-F5344CB8AC3E}">
-        <p14:creationId xmlns:p14="http://schemas.microsoft.com/office/powerpoint/2010/main" val="1564530445"/>
-      </p:ext>
-    </p:extLst>
-  </p:cSld>
-  <p:clrMapOvr>
-    <a:masterClrMapping/>
-  </p:clrMapOvr>
-  <p:timing>
-    <p:tnLst>
-      <p:par>
-        <p:cTn xmlns:p14="http://schemas.microsoft.com/office/powerpoint/2010/main" id="1" dur="indefinite" restart="never" nodeType="tmRoot"/>
-      </p:par>
-    </p:tnLst>
-  </p:timing>
-</p:sld>
-</file>
-
-<file path=ppt/slides/slide17.xml><?xml version="1.0" encoding="utf-8"?>
-<p:sld xmlns:a="http://schemas.openxmlformats.org/drawingml/2006/main" xmlns:r="http://schemas.openxmlformats.org/officeDocument/2006/relationships" xmlns:p="http://schemas.openxmlformats.org/presentationml/2006/main">
-  <p:cSld>
-    <p:spTree>
-      <p:nvGrpSpPr>
-        <p:cNvPr id="1" name=""/>
-        <p:cNvGrpSpPr/>
-        <p:nvPr/>
-      </p:nvGrpSpPr>
-      <p:grpSpPr>
-        <a:xfrm>
-          <a:off x="0" y="0"/>
-          <a:ext cx="0" cy="0"/>
-          <a:chOff x="0" y="0"/>
-          <a:chExt cx="0" cy="0"/>
-        </a:xfrm>
-      </p:grpSpPr>
-      <p:sp>
-        <p:nvSpPr>
-          <p:cNvPr id="5" name="Title 4"/>
-          <p:cNvSpPr>
-            <a:spLocks noGrp="1"/>
-          </p:cNvSpPr>
-          <p:nvPr>
-            <p:ph type="title"/>
-          </p:nvPr>
-        </p:nvSpPr>
-        <p:spPr>
-          <a:xfrm>
-            <a:off x="457200" y="116503"/>
-            <a:ext cx="8229600" cy="800141"/>
-          </a:xfrm>
-        </p:spPr>
-        <p:txBody>
-          <a:bodyPr/>
-          <a:lstStyle/>
-          <a:p>
-            <a:r>
-              <a:rPr lang="en-US" dirty="0" smtClean="0"/>
-              <a:t>Incarceration Rate</a:t>
-            </a:r>
-            <a:endParaRPr lang="en-US" dirty="0"/>
-          </a:p>
-        </p:txBody>
-      </p:sp>
-      <p:sp>
-        <p:nvSpPr>
-          <p:cNvPr id="6" name="Content Placeholder 2"/>
-          <p:cNvSpPr txBox="1">
-            <a:spLocks/>
-          </p:cNvSpPr>
-          <p:nvPr/>
-        </p:nvSpPr>
-        <p:spPr>
-          <a:xfrm>
-            <a:off x="104869" y="6000209"/>
-            <a:ext cx="8913871" cy="522088"/>
-          </a:xfrm>
-          <a:prstGeom prst="rect">
-            <a:avLst/>
-          </a:prstGeom>
-        </p:spPr>
-        <p:txBody>
-          <a:bodyPr vert="horz" lIns="91440" tIns="45720" rIns="91440" bIns="45720" rtlCol="0">
-            <a:normAutofit fontScale="92500" lnSpcReduction="10000"/>
-          </a:bodyPr>
-          <a:lstStyle>
-            <a:lvl1pPr marL="342900" indent="-342900" algn="l" defTabSz="457200" rtl="0" eaLnBrk="1" latinLnBrk="0" hangingPunct="1">
-              <a:spcBef>
-                <a:spcPct val="20000"/>
-              </a:spcBef>
-              <a:buFont typeface="Arial"/>
-              <a:buChar char="•"/>
-              <a:defRPr sz="3200" kern="1200">
-                <a:solidFill>
-                  <a:schemeClr val="tx1"/>
-                </a:solidFill>
-                <a:latin typeface="+mn-lt"/>
-                <a:ea typeface="+mn-ea"/>
-                <a:cs typeface="+mn-cs"/>
-              </a:defRPr>
-            </a:lvl1pPr>
-            <a:lvl2pPr marL="742950" indent="-285750" algn="l" defTabSz="457200" rtl="0" eaLnBrk="1" latinLnBrk="0" hangingPunct="1">
-              <a:spcBef>
-                <a:spcPct val="20000"/>
-              </a:spcBef>
-              <a:buFont typeface="Arial"/>
-              <a:buChar char="–"/>
-              <a:defRPr sz="2800" kern="1200">
-                <a:solidFill>
-                  <a:schemeClr val="tx1"/>
-                </a:solidFill>
-                <a:latin typeface="+mn-lt"/>
-                <a:ea typeface="+mn-ea"/>
-                <a:cs typeface="+mn-cs"/>
-              </a:defRPr>
-            </a:lvl2pPr>
-            <a:lvl3pPr marL="1143000" indent="-228600" algn="l" defTabSz="457200" rtl="0" eaLnBrk="1" latinLnBrk="0" hangingPunct="1">
-              <a:spcBef>
-                <a:spcPct val="20000"/>
-              </a:spcBef>
-              <a:buFont typeface="Arial"/>
-              <a:buChar char="•"/>
-              <a:defRPr sz="2400" kern="1200">
-                <a:solidFill>
-                  <a:schemeClr val="tx1"/>
-                </a:solidFill>
-                <a:latin typeface="+mn-lt"/>
-                <a:ea typeface="+mn-ea"/>
-                <a:cs typeface="+mn-cs"/>
-              </a:defRPr>
-            </a:lvl3pPr>
-            <a:lvl4pPr marL="1600200" indent="-228600" algn="l" defTabSz="457200" rtl="0" eaLnBrk="1" latinLnBrk="0" hangingPunct="1">
-              <a:spcBef>
-                <a:spcPct val="20000"/>
-              </a:spcBef>
-              <a:buFont typeface="Arial"/>
-              <a:buChar char="–"/>
-              <a:defRPr sz="2000" kern="1200">
-                <a:solidFill>
-                  <a:schemeClr val="tx1"/>
-                </a:solidFill>
-                <a:latin typeface="+mn-lt"/>
-                <a:ea typeface="+mn-ea"/>
-                <a:cs typeface="+mn-cs"/>
-              </a:defRPr>
-            </a:lvl4pPr>
-            <a:lvl5pPr marL="2057400" indent="-228600" algn="l" defTabSz="457200" rtl="0" eaLnBrk="1" latinLnBrk="0" hangingPunct="1">
-              <a:spcBef>
-                <a:spcPct val="20000"/>
-              </a:spcBef>
-              <a:buFont typeface="Arial"/>
-              <a:buChar char="»"/>
-              <a:defRPr sz="2000" kern="1200">
-                <a:solidFill>
-                  <a:schemeClr val="tx1"/>
-                </a:solidFill>
-                <a:latin typeface="+mn-lt"/>
-                <a:ea typeface="+mn-ea"/>
-                <a:cs typeface="+mn-cs"/>
-              </a:defRPr>
-            </a:lvl5pPr>
-            <a:lvl6pPr marL="2514600" indent="-228600" algn="l" defTabSz="457200" rtl="0" eaLnBrk="1" latinLnBrk="0" hangingPunct="1">
-              <a:spcBef>
-                <a:spcPct val="20000"/>
-              </a:spcBef>
-              <a:buFont typeface="Arial"/>
-              <a:buChar char="•"/>
-              <a:defRPr sz="2000" kern="1200">
-                <a:solidFill>
-                  <a:schemeClr val="tx1"/>
-                </a:solidFill>
-                <a:latin typeface="+mn-lt"/>
-                <a:ea typeface="+mn-ea"/>
-                <a:cs typeface="+mn-cs"/>
-              </a:defRPr>
-            </a:lvl6pPr>
-            <a:lvl7pPr marL="2971800" indent="-228600" algn="l" defTabSz="457200" rtl="0" eaLnBrk="1" latinLnBrk="0" hangingPunct="1">
-              <a:spcBef>
-                <a:spcPct val="20000"/>
-              </a:spcBef>
-              <a:buFont typeface="Arial"/>
-              <a:buChar char="•"/>
-              <a:defRPr sz="2000" kern="1200">
-                <a:solidFill>
-                  <a:schemeClr val="tx1"/>
-                </a:solidFill>
-                <a:latin typeface="+mn-lt"/>
-                <a:ea typeface="+mn-ea"/>
-                <a:cs typeface="+mn-cs"/>
-              </a:defRPr>
-            </a:lvl7pPr>
-            <a:lvl8pPr marL="3429000" indent="-228600" algn="l" defTabSz="457200" rtl="0" eaLnBrk="1" latinLnBrk="0" hangingPunct="1">
-              <a:spcBef>
-                <a:spcPct val="20000"/>
-              </a:spcBef>
-              <a:buFont typeface="Arial"/>
-              <a:buChar char="•"/>
-              <a:defRPr sz="2000" kern="1200">
-                <a:solidFill>
-                  <a:schemeClr val="tx1"/>
-                </a:solidFill>
-                <a:latin typeface="+mn-lt"/>
-                <a:ea typeface="+mn-ea"/>
-                <a:cs typeface="+mn-cs"/>
-              </a:defRPr>
-            </a:lvl8pPr>
-            <a:lvl9pPr marL="3886200" indent="-228600" algn="l" defTabSz="457200" rtl="0" eaLnBrk="1" latinLnBrk="0" hangingPunct="1">
-              <a:spcBef>
-                <a:spcPct val="20000"/>
-              </a:spcBef>
-              <a:buFont typeface="Arial"/>
-              <a:buChar char="•"/>
-              <a:defRPr sz="2000" kern="1200">
-                <a:solidFill>
-                  <a:schemeClr val="tx1"/>
-                </a:solidFill>
-                <a:latin typeface="+mn-lt"/>
-                <a:ea typeface="+mn-ea"/>
-                <a:cs typeface="+mn-cs"/>
-              </a:defRPr>
-            </a:lvl9pPr>
-          </a:lstStyle>
-          <a:p>
-            <a:pPr marL="0" indent="0" algn="ctr">
-              <a:buNone/>
-            </a:pPr>
-            <a:r>
-              <a:rPr lang="en-US" dirty="0" smtClean="0">
-                <a:solidFill>
-                  <a:srgbClr val="FF0000"/>
-                </a:solidFill>
-              </a:rPr>
-              <a:t>Strong positive correlation</a:t>
-            </a:r>
-            <a:endParaRPr lang="en-US" dirty="0">
-              <a:solidFill>
-                <a:srgbClr val="FF0000"/>
-              </a:solidFill>
-            </a:endParaRPr>
-          </a:p>
-        </p:txBody>
-      </p:sp>
-      <p:pic>
-        <p:nvPicPr>
-          <p:cNvPr id="3" name="Picture 2"/>
-          <p:cNvPicPr>
-            <a:picLocks noChangeAspect="1"/>
-          </p:cNvPicPr>
-          <p:nvPr/>
-        </p:nvPicPr>
-        <p:blipFill>
-          <a:blip r:embed="rId2"/>
-          <a:stretch>
-            <a:fillRect/>
-          </a:stretch>
-        </p:blipFill>
-        <p:spPr>
-          <a:xfrm>
-            <a:off x="835771" y="916644"/>
-            <a:ext cx="6809151" cy="5214376"/>
-          </a:xfrm>
-          <a:prstGeom prst="rect">
-            <a:avLst/>
-          </a:prstGeom>
-        </p:spPr>
-      </p:pic>
-    </p:spTree>
-    <p:extLst>
-      <p:ext uri="{BB962C8B-B14F-4D97-AF65-F5344CB8AC3E}">
-        <p14:creationId xmlns:p14="http://schemas.microsoft.com/office/powerpoint/2010/main" val="3003447855"/>
-      </p:ext>
-    </p:extLst>
-  </p:cSld>
-  <p:clrMapOvr>
-    <a:masterClrMapping/>
-  </p:clrMapOvr>
-  <p:timing>
-    <p:tnLst>
-      <p:par>
-        <p:cTn xmlns:p14="http://schemas.microsoft.com/office/powerpoint/2010/main" id="1" dur="indefinite" restart="never" nodeType="tmRoot"/>
-      </p:par>
-    </p:tnLst>
-  </p:timing>
-</p:sld>
-</file>
-
-<file path=ppt/slides/slide18.xml><?xml version="1.0" encoding="utf-8"?>
-<p:sld xmlns:a="http://schemas.openxmlformats.org/drawingml/2006/main" xmlns:r="http://schemas.openxmlformats.org/officeDocument/2006/relationships" xmlns:p="http://schemas.openxmlformats.org/presentationml/2006/main">
-  <p:cSld>
-    <p:spTree>
-      <p:nvGrpSpPr>
-        <p:cNvPr id="1" name=""/>
-        <p:cNvGrpSpPr/>
-        <p:nvPr/>
-      </p:nvGrpSpPr>
-      <p:grpSpPr>
-        <a:xfrm>
-          <a:off x="0" y="0"/>
-          <a:ext cx="0" cy="0"/>
-          <a:chOff x="0" y="0"/>
-          <a:chExt cx="0" cy="0"/>
-        </a:xfrm>
-      </p:grpSpPr>
-      <p:sp>
-        <p:nvSpPr>
-          <p:cNvPr id="2" name="Title 1"/>
-          <p:cNvSpPr>
-            <a:spLocks noGrp="1"/>
-          </p:cNvSpPr>
-          <p:nvPr>
-            <p:ph type="title"/>
-          </p:nvPr>
-        </p:nvSpPr>
-        <p:spPr>
-          <a:xfrm>
-            <a:off x="445548" y="111524"/>
-            <a:ext cx="8229600" cy="913752"/>
-          </a:xfrm>
-        </p:spPr>
-        <p:txBody>
-          <a:bodyPr/>
-          <a:lstStyle/>
-          <a:p>
-            <a:r>
-              <a:rPr lang="en-US" dirty="0" smtClean="0"/>
-              <a:t>Education</a:t>
-            </a:r>
-            <a:endParaRPr lang="en-US" dirty="0"/>
-          </a:p>
-        </p:txBody>
-      </p:sp>
-      <p:sp>
-        <p:nvSpPr>
-          <p:cNvPr id="8" name="Content Placeholder 2"/>
-          <p:cNvSpPr txBox="1">
-            <a:spLocks/>
-          </p:cNvSpPr>
-          <p:nvPr/>
-        </p:nvSpPr>
-        <p:spPr>
-          <a:xfrm>
-            <a:off x="2130832" y="5705797"/>
-            <a:ext cx="5054252" cy="603644"/>
-          </a:xfrm>
-          <a:prstGeom prst="rect">
-            <a:avLst/>
-          </a:prstGeom>
-        </p:spPr>
-        <p:txBody>
-          <a:bodyPr vert="horz" lIns="91440" tIns="45720" rIns="91440" bIns="45720" rtlCol="0">
-            <a:normAutofit/>
-          </a:bodyPr>
-          <a:lstStyle>
-            <a:lvl1pPr marL="342900" indent="-342900" algn="l" defTabSz="457200" rtl="0" eaLnBrk="1" latinLnBrk="0" hangingPunct="1">
-              <a:spcBef>
-                <a:spcPct val="20000"/>
-              </a:spcBef>
-              <a:buFont typeface="Arial"/>
-              <a:buChar char="•"/>
-              <a:defRPr sz="3200" kern="1200">
-                <a:solidFill>
-                  <a:schemeClr val="tx1"/>
-                </a:solidFill>
-                <a:latin typeface="+mn-lt"/>
-                <a:ea typeface="+mn-ea"/>
-                <a:cs typeface="+mn-cs"/>
-              </a:defRPr>
-            </a:lvl1pPr>
-            <a:lvl2pPr marL="742950" indent="-285750" algn="l" defTabSz="457200" rtl="0" eaLnBrk="1" latinLnBrk="0" hangingPunct="1">
-              <a:spcBef>
-                <a:spcPct val="20000"/>
-              </a:spcBef>
-              <a:buFont typeface="Arial"/>
-              <a:buChar char="–"/>
-              <a:defRPr sz="2800" kern="1200">
-                <a:solidFill>
-                  <a:schemeClr val="tx1"/>
-                </a:solidFill>
-                <a:latin typeface="+mn-lt"/>
-                <a:ea typeface="+mn-ea"/>
-                <a:cs typeface="+mn-cs"/>
-              </a:defRPr>
-            </a:lvl2pPr>
-            <a:lvl3pPr marL="1143000" indent="-228600" algn="l" defTabSz="457200" rtl="0" eaLnBrk="1" latinLnBrk="0" hangingPunct="1">
-              <a:spcBef>
-                <a:spcPct val="20000"/>
-              </a:spcBef>
-              <a:buFont typeface="Arial"/>
-              <a:buChar char="•"/>
-              <a:defRPr sz="2400" kern="1200">
-                <a:solidFill>
-                  <a:schemeClr val="tx1"/>
-                </a:solidFill>
-                <a:latin typeface="+mn-lt"/>
-                <a:ea typeface="+mn-ea"/>
-                <a:cs typeface="+mn-cs"/>
-              </a:defRPr>
-            </a:lvl3pPr>
-            <a:lvl4pPr marL="1600200" indent="-228600" algn="l" defTabSz="457200" rtl="0" eaLnBrk="1" latinLnBrk="0" hangingPunct="1">
-              <a:spcBef>
-                <a:spcPct val="20000"/>
-              </a:spcBef>
-              <a:buFont typeface="Arial"/>
-              <a:buChar char="–"/>
-              <a:defRPr sz="2000" kern="1200">
-                <a:solidFill>
-                  <a:schemeClr val="tx1"/>
-                </a:solidFill>
-                <a:latin typeface="+mn-lt"/>
-                <a:ea typeface="+mn-ea"/>
-                <a:cs typeface="+mn-cs"/>
-              </a:defRPr>
-            </a:lvl4pPr>
-            <a:lvl5pPr marL="2057400" indent="-228600" algn="l" defTabSz="457200" rtl="0" eaLnBrk="1" latinLnBrk="0" hangingPunct="1">
-              <a:spcBef>
-                <a:spcPct val="20000"/>
-              </a:spcBef>
-              <a:buFont typeface="Arial"/>
-              <a:buChar char="»"/>
-              <a:defRPr sz="2000" kern="1200">
-                <a:solidFill>
-                  <a:schemeClr val="tx1"/>
-                </a:solidFill>
-                <a:latin typeface="+mn-lt"/>
-                <a:ea typeface="+mn-ea"/>
-                <a:cs typeface="+mn-cs"/>
-              </a:defRPr>
-            </a:lvl5pPr>
-            <a:lvl6pPr marL="2514600" indent="-228600" algn="l" defTabSz="457200" rtl="0" eaLnBrk="1" latinLnBrk="0" hangingPunct="1">
-              <a:spcBef>
-                <a:spcPct val="20000"/>
-              </a:spcBef>
-              <a:buFont typeface="Arial"/>
-              <a:buChar char="•"/>
-              <a:defRPr sz="2000" kern="1200">
-                <a:solidFill>
-                  <a:schemeClr val="tx1"/>
-                </a:solidFill>
-                <a:latin typeface="+mn-lt"/>
-                <a:ea typeface="+mn-ea"/>
-                <a:cs typeface="+mn-cs"/>
-              </a:defRPr>
-            </a:lvl6pPr>
-            <a:lvl7pPr marL="2971800" indent="-228600" algn="l" defTabSz="457200" rtl="0" eaLnBrk="1" latinLnBrk="0" hangingPunct="1">
-              <a:spcBef>
-                <a:spcPct val="20000"/>
-              </a:spcBef>
-              <a:buFont typeface="Arial"/>
-              <a:buChar char="•"/>
-              <a:defRPr sz="2000" kern="1200">
-                <a:solidFill>
-                  <a:schemeClr val="tx1"/>
-                </a:solidFill>
-                <a:latin typeface="+mn-lt"/>
-                <a:ea typeface="+mn-ea"/>
-                <a:cs typeface="+mn-cs"/>
-              </a:defRPr>
-            </a:lvl7pPr>
-            <a:lvl8pPr marL="3429000" indent="-228600" algn="l" defTabSz="457200" rtl="0" eaLnBrk="1" latinLnBrk="0" hangingPunct="1">
-              <a:spcBef>
-                <a:spcPct val="20000"/>
-              </a:spcBef>
-              <a:buFont typeface="Arial"/>
-              <a:buChar char="•"/>
-              <a:defRPr sz="2000" kern="1200">
-                <a:solidFill>
-                  <a:schemeClr val="tx1"/>
-                </a:solidFill>
-                <a:latin typeface="+mn-lt"/>
-                <a:ea typeface="+mn-ea"/>
-                <a:cs typeface="+mn-cs"/>
-              </a:defRPr>
-            </a:lvl8pPr>
-            <a:lvl9pPr marL="3886200" indent="-228600" algn="l" defTabSz="457200" rtl="0" eaLnBrk="1" latinLnBrk="0" hangingPunct="1">
-              <a:spcBef>
-                <a:spcPct val="20000"/>
-              </a:spcBef>
-              <a:buFont typeface="Arial"/>
-              <a:buChar char="•"/>
-              <a:defRPr sz="2000" kern="1200">
-                <a:solidFill>
-                  <a:schemeClr val="tx1"/>
-                </a:solidFill>
-                <a:latin typeface="+mn-lt"/>
-                <a:ea typeface="+mn-ea"/>
-                <a:cs typeface="+mn-cs"/>
-              </a:defRPr>
-            </a:lvl9pPr>
-          </a:lstStyle>
-          <a:p>
-            <a:pPr marL="0" indent="0" algn="ctr">
-              <a:buFont typeface="Arial"/>
-              <a:buNone/>
-            </a:pPr>
-            <a:r>
-              <a:rPr lang="en-US" sz="2800" dirty="0" smtClean="0">
-                <a:solidFill>
-                  <a:srgbClr val="FF0000"/>
-                </a:solidFill>
-              </a:rPr>
-              <a:t>Strong positive correlation</a:t>
-            </a:r>
-            <a:endParaRPr lang="en-US" sz="2800" dirty="0">
-              <a:solidFill>
-                <a:srgbClr val="FF0000"/>
-              </a:solidFill>
-            </a:endParaRPr>
-          </a:p>
-        </p:txBody>
-      </p:sp>
-      <p:pic>
-        <p:nvPicPr>
-          <p:cNvPr id="9" name="Picture 8"/>
-          <p:cNvPicPr>
-            <a:picLocks noChangeAspect="1"/>
-          </p:cNvPicPr>
-          <p:nvPr/>
-        </p:nvPicPr>
-        <p:blipFill>
-          <a:blip r:embed="rId2"/>
-          <a:stretch>
-            <a:fillRect/>
-          </a:stretch>
-        </p:blipFill>
-        <p:spPr>
-          <a:xfrm>
-            <a:off x="1304116" y="1069850"/>
-            <a:ext cx="6084338" cy="4659322"/>
-          </a:xfrm>
-          <a:prstGeom prst="rect">
-            <a:avLst/>
-          </a:prstGeom>
-        </p:spPr>
-      </p:pic>
-    </p:spTree>
-    <p:extLst>
-      <p:ext uri="{BB962C8B-B14F-4D97-AF65-F5344CB8AC3E}">
-        <p14:creationId xmlns:p14="http://schemas.microsoft.com/office/powerpoint/2010/main" val="2908218811"/>
-      </p:ext>
-    </p:extLst>
-  </p:cSld>
-  <p:clrMapOvr>
-    <a:masterClrMapping/>
-  </p:clrMapOvr>
-  <p:timing>
-    <p:tnLst>
-      <p:par>
-        <p:cTn xmlns:p14="http://schemas.microsoft.com/office/powerpoint/2010/main" id="1" dur="indefinite" restart="never" nodeType="tmRoot"/>
-      </p:par>
-    </p:tnLst>
-  </p:timing>
-</p:sld>
-</file>
-
-<file path=ppt/slides/slide19.xml><?xml version="1.0" encoding="utf-8"?>
-<p:sld xmlns:a="http://schemas.openxmlformats.org/drawingml/2006/main" xmlns:r="http://schemas.openxmlformats.org/officeDocument/2006/relationships" xmlns:p="http://schemas.openxmlformats.org/presentationml/2006/main">
-  <p:cSld>
-    <p:spTree>
-      <p:nvGrpSpPr>
-        <p:cNvPr id="1" name=""/>
-        <p:cNvGrpSpPr/>
-        <p:nvPr/>
-      </p:nvGrpSpPr>
-      <p:grpSpPr>
-        <a:xfrm>
-          <a:off x="0" y="0"/>
-          <a:ext cx="0" cy="0"/>
-          <a:chOff x="0" y="0"/>
-          <a:chExt cx="0" cy="0"/>
-        </a:xfrm>
-      </p:grpSpPr>
-      <p:sp>
-        <p:nvSpPr>
-          <p:cNvPr id="2" name="Title 1"/>
-          <p:cNvSpPr>
-            <a:spLocks noGrp="1"/>
-          </p:cNvSpPr>
-          <p:nvPr>
-            <p:ph type="title"/>
-          </p:nvPr>
-        </p:nvSpPr>
-        <p:spPr/>
-        <p:txBody>
-          <a:bodyPr/>
-          <a:lstStyle/>
-          <a:p>
-            <a:r>
-              <a:rPr lang="en-US" dirty="0" smtClean="0"/>
-              <a:t>Further </a:t>
-            </a:r>
-            <a:r>
-              <a:rPr lang="en-US" dirty="0" smtClean="0"/>
-              <a:t>Data Exploration</a:t>
-            </a:r>
-            <a:endParaRPr lang="en-US" dirty="0"/>
-          </a:p>
-        </p:txBody>
-      </p:sp>
-      <p:sp>
-        <p:nvSpPr>
-          <p:cNvPr id="3" name="Content Placeholder 2"/>
-          <p:cNvSpPr>
-            <a:spLocks noGrp="1"/>
-          </p:cNvSpPr>
-          <p:nvPr>
-            <p:ph idx="1"/>
-          </p:nvPr>
-        </p:nvSpPr>
-        <p:spPr/>
-        <p:txBody>
-          <a:bodyPr/>
-          <a:lstStyle/>
-          <a:p>
-            <a:r>
-              <a:rPr lang="en-US" dirty="0" smtClean="0"/>
-              <a:t>Use a single feature</a:t>
-            </a:r>
-          </a:p>
-          <a:p>
-            <a:pPr lvl="1"/>
-            <a:r>
-              <a:rPr lang="en-US" dirty="0" smtClean="0"/>
-              <a:t>Percentage without HS Education</a:t>
-            </a:r>
-          </a:p>
-          <a:p>
-            <a:r>
-              <a:rPr lang="en-US" dirty="0" smtClean="0"/>
-              <a:t>Polynomial with </a:t>
-            </a:r>
-            <a:r>
-              <a:rPr lang="en-US" dirty="0"/>
-              <a:t>3</a:t>
-            </a:r>
-            <a:r>
-              <a:rPr lang="en-US" dirty="0" smtClean="0"/>
-              <a:t> degrees</a:t>
-            </a:r>
-            <a:endParaRPr lang="en-US" dirty="0" smtClean="0"/>
-          </a:p>
-          <a:p>
-            <a:r>
-              <a:rPr lang="en-US" dirty="0" smtClean="0"/>
-              <a:t>Cross validation</a:t>
-            </a:r>
-          </a:p>
-          <a:p>
-            <a:pPr lvl="1"/>
-            <a:r>
-              <a:rPr lang="en-US" dirty="0" smtClean="0"/>
-              <a:t>LOO</a:t>
-            </a:r>
-          </a:p>
-          <a:p>
-            <a:pPr lvl="1"/>
-            <a:r>
-              <a:rPr lang="en-US" dirty="0" smtClean="0"/>
-              <a:t>K-Fold</a:t>
-            </a:r>
-          </a:p>
-          <a:p>
-            <a:r>
-              <a:rPr lang="en-US" dirty="0" smtClean="0"/>
-              <a:t>Random Forest </a:t>
-            </a:r>
-            <a:r>
-              <a:rPr lang="en-US" dirty="0" err="1" smtClean="0"/>
-              <a:t>Regressor</a:t>
-            </a:r>
-            <a:endParaRPr lang="en-US" dirty="0" smtClean="0"/>
-          </a:p>
-          <a:p>
-            <a:pPr lvl="1"/>
-            <a:r>
-              <a:rPr lang="en-US" dirty="0" smtClean="0"/>
-              <a:t>LOO</a:t>
-            </a:r>
-            <a:endParaRPr lang="en-US" dirty="0"/>
-          </a:p>
-        </p:txBody>
-      </p:sp>
-    </p:spTree>
-    <p:extLst>
-      <p:ext uri="{BB962C8B-B14F-4D97-AF65-F5344CB8AC3E}">
-        <p14:creationId xmlns:p14="http://schemas.microsoft.com/office/powerpoint/2010/main" val="734131625"/>
-      </p:ext>
-    </p:extLst>
-  </p:cSld>
-  <p:clrMapOvr>
-    <a:masterClrMapping/>
-  </p:clrMapOvr>
-  <p:timing>
-    <p:tnLst>
-      <p:par>
-        <p:cTn xmlns:p14="http://schemas.microsoft.com/office/powerpoint/2010/main" id="1" dur="indefinite" restart="never" nodeType="tmRoot"/>
-      </p:par>
-    </p:tnLst>
-  </p:timing>
-</p:sld>
-</file>
-
-<file path=ppt/slides/slide2.xml><?xml version="1.0" encoding="utf-8"?>
-<p:sld xmlns:a="http://schemas.openxmlformats.org/drawingml/2006/main" xmlns:r="http://schemas.openxmlformats.org/officeDocument/2006/relationships" xmlns:p="http://schemas.openxmlformats.org/presentationml/2006/main">
-  <p:cSld>
-    <p:spTree>
-      <p:nvGrpSpPr>
-        <p:cNvPr id="1" name=""/>
-        <p:cNvGrpSpPr/>
-        <p:nvPr/>
-      </p:nvGrpSpPr>
-      <p:grpSpPr>
-        <a:xfrm>
-          <a:off x="0" y="0"/>
-          <a:ext cx="0" cy="0"/>
-          <a:chOff x="0" y="0"/>
-          <a:chExt cx="0" cy="0"/>
-        </a:xfrm>
-      </p:grpSpPr>
-      <p:sp>
-        <p:nvSpPr>
-          <p:cNvPr id="2" name="Title 1"/>
-          <p:cNvSpPr>
-            <a:spLocks noGrp="1"/>
-          </p:cNvSpPr>
-          <p:nvPr>
-            <p:ph type="title"/>
-          </p:nvPr>
-        </p:nvSpPr>
-        <p:spPr>
-          <a:xfrm>
-            <a:off x="457200" y="274638"/>
-            <a:ext cx="8229600" cy="778019"/>
-          </a:xfrm>
-        </p:spPr>
-        <p:txBody>
-          <a:bodyPr/>
-          <a:lstStyle/>
-          <a:p>
-            <a:r>
-              <a:rPr lang="en-US" dirty="0" smtClean="0"/>
-              <a:t>Goals</a:t>
-            </a:r>
-            <a:endParaRPr lang="en-US" dirty="0"/>
-          </a:p>
-        </p:txBody>
-      </p:sp>
-      <p:sp>
-        <p:nvSpPr>
-          <p:cNvPr id="3" name="Content Placeholder 2"/>
-          <p:cNvSpPr>
-            <a:spLocks noGrp="1"/>
-          </p:cNvSpPr>
-          <p:nvPr>
-            <p:ph idx="1"/>
-          </p:nvPr>
-        </p:nvSpPr>
-        <p:spPr>
-          <a:xfrm>
-            <a:off x="457200" y="1052658"/>
-            <a:ext cx="8229600" cy="5073506"/>
-          </a:xfrm>
-        </p:spPr>
-        <p:txBody>
-          <a:bodyPr>
-            <a:normAutofit lnSpcReduction="10000"/>
-          </a:bodyPr>
-          <a:lstStyle/>
-          <a:p>
-            <a:r>
-              <a:rPr lang="en-US" dirty="0" smtClean="0"/>
-              <a:t>Determine if an accurate </a:t>
-            </a:r>
-            <a:r>
-              <a:rPr lang="en-US" dirty="0" smtClean="0"/>
-              <a:t>model </a:t>
-            </a:r>
-            <a:r>
-              <a:rPr lang="en-US" dirty="0" smtClean="0"/>
-              <a:t>can be built for </a:t>
-            </a:r>
-            <a:r>
-              <a:rPr lang="en-US" dirty="0" smtClean="0"/>
-              <a:t>predicting murder </a:t>
-            </a:r>
-            <a:r>
-              <a:rPr lang="en-US" dirty="0" smtClean="0"/>
-              <a:t>rate in US states using </a:t>
-            </a:r>
-            <a:r>
-              <a:rPr lang="en-US" dirty="0" smtClean="0"/>
-              <a:t>the chosen </a:t>
-            </a:r>
-            <a:r>
-              <a:rPr lang="en-US" dirty="0" smtClean="0"/>
-              <a:t>features</a:t>
-            </a:r>
-          </a:p>
-          <a:p>
-            <a:r>
-              <a:rPr lang="en-US" dirty="0" smtClean="0"/>
-              <a:t>Find meaningful/significant correlations between </a:t>
-            </a:r>
-            <a:r>
-              <a:rPr lang="en-US" dirty="0" smtClean="0"/>
-              <a:t>the features and the predicted variable</a:t>
-            </a:r>
-            <a:endParaRPr lang="en-US" dirty="0" smtClean="0"/>
-          </a:p>
-          <a:p>
-            <a:r>
-              <a:rPr lang="en-US" dirty="0" smtClean="0"/>
-              <a:t>Cross validate </a:t>
-            </a:r>
-            <a:r>
-              <a:rPr lang="en-US" dirty="0" smtClean="0"/>
-              <a:t>using several </a:t>
-            </a:r>
-            <a:r>
-              <a:rPr lang="en-US" dirty="0" smtClean="0"/>
-              <a:t>different techniques to </a:t>
-            </a:r>
-            <a:r>
-              <a:rPr lang="en-US" dirty="0" smtClean="0"/>
-              <a:t>score </a:t>
-            </a:r>
-            <a:r>
-              <a:rPr lang="en-US" dirty="0" smtClean="0"/>
-              <a:t>the models </a:t>
-            </a:r>
-          </a:p>
-          <a:p>
-            <a:r>
-              <a:rPr lang="en-US" dirty="0" smtClean="0"/>
-              <a:t>Explore different regression methods in </a:t>
-            </a:r>
-            <a:r>
-              <a:rPr lang="en-US" dirty="0" err="1" smtClean="0"/>
-              <a:t>scikit</a:t>
-            </a:r>
-            <a:r>
-              <a:rPr lang="en-US" dirty="0" smtClean="0"/>
-              <a:t> learn</a:t>
-            </a:r>
-            <a:endParaRPr lang="en-US" dirty="0"/>
-          </a:p>
-        </p:txBody>
-      </p:sp>
-    </p:spTree>
-    <p:extLst>
-      <p:ext uri="{BB962C8B-B14F-4D97-AF65-F5344CB8AC3E}">
-        <p14:creationId xmlns:p14="http://schemas.microsoft.com/office/powerpoint/2010/main" val="21529205"/>
-      </p:ext>
-    </p:extLst>
-  </p:cSld>
-  <p:clrMapOvr>
-    <a:masterClrMapping/>
-  </p:clrMapOvr>
-  <p:timing>
-    <p:tnLst>
-      <p:par>
-        <p:cTn xmlns:p14="http://schemas.microsoft.com/office/powerpoint/2010/main" id="1" dur="indefinite" restart="never" nodeType="tmRoot"/>
-      </p:par>
-    </p:tnLst>
-  </p:timing>
-</p:sld>
-</file>
-
-<file path=ppt/slides/slide20.xml><?xml version="1.0" encoding="utf-8"?>
-<p:sld xmlns:a="http://schemas.openxmlformats.org/drawingml/2006/main" xmlns:r="http://schemas.openxmlformats.org/officeDocument/2006/relationships" xmlns:p="http://schemas.openxmlformats.org/presentationml/2006/main">
-  <p:cSld>
-    <p:spTree>
-      <p:nvGrpSpPr>
-        <p:cNvPr id="1" name=""/>
-        <p:cNvGrpSpPr/>
-        <p:nvPr/>
-      </p:nvGrpSpPr>
-      <p:grpSpPr>
-        <a:xfrm>
-          <a:off x="0" y="0"/>
-          <a:ext cx="0" cy="0"/>
-          <a:chOff x="0" y="0"/>
-          <a:chExt cx="0" cy="0"/>
-        </a:xfrm>
-      </p:grpSpPr>
-      <p:sp>
-        <p:nvSpPr>
-          <p:cNvPr id="2" name="Title 1"/>
-          <p:cNvSpPr>
-            <a:spLocks noGrp="1"/>
-          </p:cNvSpPr>
-          <p:nvPr>
-            <p:ph type="title"/>
-          </p:nvPr>
-        </p:nvSpPr>
-        <p:spPr>
-          <a:xfrm>
-            <a:off x="457200" y="171626"/>
-            <a:ext cx="8229600" cy="925635"/>
-          </a:xfrm>
-        </p:spPr>
-        <p:txBody>
-          <a:bodyPr/>
-          <a:lstStyle/>
-          <a:p>
-            <a:r>
-              <a:rPr lang="en-US" dirty="0" smtClean="0"/>
-              <a:t>Polynomial Regression</a:t>
-            </a:r>
-            <a:endParaRPr lang="en-US" dirty="0"/>
-          </a:p>
-        </p:txBody>
-      </p:sp>
-      <p:pic>
-        <p:nvPicPr>
-          <p:cNvPr id="4" name="Content Placeholder 3"/>
-          <p:cNvPicPr>
-            <a:picLocks noGrp="1" noChangeAspect="1"/>
-          </p:cNvPicPr>
-          <p:nvPr>
-            <p:ph idx="1"/>
-          </p:nvPr>
-        </p:nvPicPr>
-        <p:blipFill rotWithShape="1">
-          <a:blip r:embed="rId2"/>
-          <a:srcRect t="-2878" b="-1581"/>
-          <a:stretch/>
-        </p:blipFill>
-        <p:spPr>
-          <a:xfrm>
-            <a:off x="1372883" y="1075544"/>
-            <a:ext cx="6467299" cy="5206073"/>
-          </a:xfrm>
-        </p:spPr>
-      </p:pic>
-    </p:spTree>
-    <p:extLst>
-      <p:ext uri="{BB962C8B-B14F-4D97-AF65-F5344CB8AC3E}">
-        <p14:creationId xmlns:p14="http://schemas.microsoft.com/office/powerpoint/2010/main" val="559194007"/>
-      </p:ext>
-    </p:extLst>
-  </p:cSld>
-  <p:clrMapOvr>
-    <a:masterClrMapping/>
-  </p:clrMapOvr>
-  <p:timing>
-    <p:tnLst>
-      <p:par>
-        <p:cTn xmlns:p14="http://schemas.microsoft.com/office/powerpoint/2010/main" id="1" dur="indefinite" restart="never" nodeType="tmRoot"/>
-      </p:par>
-    </p:tnLst>
-  </p:timing>
-</p:sld>
-</file>
-
-<file path=ppt/slides/slide21.xml><?xml version="1.0" encoding="utf-8"?>
-<p:sld xmlns:a="http://schemas.openxmlformats.org/drawingml/2006/main" xmlns:r="http://schemas.openxmlformats.org/officeDocument/2006/relationships" xmlns:p="http://schemas.openxmlformats.org/presentationml/2006/main">
-  <p:cSld>
-    <p:spTree>
-      <p:nvGrpSpPr>
-        <p:cNvPr id="1" name=""/>
-        <p:cNvGrpSpPr/>
-        <p:nvPr/>
-      </p:nvGrpSpPr>
-      <p:grpSpPr>
-        <a:xfrm>
-          <a:off x="0" y="0"/>
-          <a:ext cx="0" cy="0"/>
-          <a:chOff x="0" y="0"/>
-          <a:chExt cx="0" cy="0"/>
-        </a:xfrm>
-      </p:grpSpPr>
-      <p:sp>
-        <p:nvSpPr>
-          <p:cNvPr id="2" name="Title 1"/>
-          <p:cNvSpPr>
-            <a:spLocks noGrp="1"/>
-          </p:cNvSpPr>
-          <p:nvPr>
-            <p:ph type="title"/>
-          </p:nvPr>
-        </p:nvSpPr>
-        <p:spPr>
-          <a:xfrm>
-            <a:off x="308471" y="91534"/>
-            <a:ext cx="8229600" cy="994287"/>
-          </a:xfrm>
-        </p:spPr>
-        <p:txBody>
-          <a:bodyPr/>
-          <a:lstStyle/>
-          <a:p>
-            <a:r>
-              <a:rPr lang="en-US" dirty="0" smtClean="0"/>
-              <a:t>Leave One Out Cross Validation</a:t>
-            </a:r>
-            <a:endParaRPr lang="en-US" dirty="0"/>
-          </a:p>
-        </p:txBody>
-      </p:sp>
-      <p:pic>
-        <p:nvPicPr>
-          <p:cNvPr id="4" name="Content Placeholder 3"/>
-          <p:cNvPicPr>
-            <a:picLocks noGrp="1" noChangeAspect="1"/>
-          </p:cNvPicPr>
-          <p:nvPr>
-            <p:ph idx="1"/>
-          </p:nvPr>
-        </p:nvPicPr>
-        <p:blipFill rotWithShape="1">
-          <a:blip r:embed="rId2"/>
-          <a:srcRect t="2571" b="-27"/>
-          <a:stretch/>
-        </p:blipFill>
-        <p:spPr>
-          <a:xfrm>
-            <a:off x="159738" y="1398426"/>
-            <a:ext cx="4625342" cy="3298602"/>
-          </a:xfrm>
-        </p:spPr>
-      </p:pic>
-      <p:pic>
-        <p:nvPicPr>
-          <p:cNvPr id="5" name="Picture 4"/>
-          <p:cNvPicPr>
-            <a:picLocks noChangeAspect="1"/>
-          </p:cNvPicPr>
-          <p:nvPr/>
-        </p:nvPicPr>
-        <p:blipFill>
-          <a:blip r:embed="rId3"/>
-          <a:stretch>
-            <a:fillRect/>
-          </a:stretch>
-        </p:blipFill>
-        <p:spPr>
-          <a:xfrm>
-            <a:off x="4821553" y="1444194"/>
-            <a:ext cx="4255950" cy="3098243"/>
-          </a:xfrm>
-          <a:prstGeom prst="rect">
-            <a:avLst/>
-          </a:prstGeom>
-        </p:spPr>
-      </p:pic>
-      <p:sp>
-        <p:nvSpPr>
-          <p:cNvPr id="6" name="Rectangle 5"/>
-          <p:cNvSpPr/>
-          <p:nvPr/>
-        </p:nvSpPr>
-        <p:spPr>
-          <a:xfrm>
-            <a:off x="2286000" y="5142497"/>
-            <a:ext cx="4572000" cy="646331"/>
-          </a:xfrm>
-          <a:prstGeom prst="rect">
-            <a:avLst/>
-          </a:prstGeom>
-        </p:spPr>
         <p:txBody>
           <a:bodyPr>
             <a:spAutoFit/>
@@ -6227,7 +7180,7 @@
             </a:r>
             <a:r>
               <a:rPr lang="en-US" dirty="0" smtClean="0"/>
-              <a:t>= 2.00880314729</a:t>
+              <a:t>= 0.259334</a:t>
             </a:r>
             <a:endParaRPr lang="en-US" dirty="0"/>
           </a:p>
@@ -6238,525 +7191,7 @@
             </a:r>
             <a:r>
               <a:rPr lang="en-US" dirty="0" smtClean="0"/>
-              <a:t>= 0.949527796605</a:t>
-            </a:r>
-            <a:endParaRPr lang="en-US" dirty="0"/>
-          </a:p>
-        </p:txBody>
-      </p:sp>
-    </p:spTree>
-    <p:extLst>
-      <p:ext uri="{BB962C8B-B14F-4D97-AF65-F5344CB8AC3E}">
-        <p14:creationId xmlns:p14="http://schemas.microsoft.com/office/powerpoint/2010/main" val="1911671103"/>
-      </p:ext>
-    </p:extLst>
-  </p:cSld>
-  <p:clrMapOvr>
-    <a:masterClrMapping/>
-  </p:clrMapOvr>
-  <p:timing>
-    <p:tnLst>
-      <p:par>
-        <p:cTn xmlns:p14="http://schemas.microsoft.com/office/powerpoint/2010/main" id="1" dur="indefinite" restart="never" nodeType="tmRoot"/>
-      </p:par>
-    </p:tnLst>
-  </p:timing>
-</p:sld>
-</file>
-
-<file path=ppt/slides/slide22.xml><?xml version="1.0" encoding="utf-8"?>
-<p:sld xmlns:a="http://schemas.openxmlformats.org/drawingml/2006/main" xmlns:r="http://schemas.openxmlformats.org/officeDocument/2006/relationships" xmlns:p="http://schemas.openxmlformats.org/presentationml/2006/main">
-  <p:cSld>
-    <p:spTree>
-      <p:nvGrpSpPr>
-        <p:cNvPr id="1" name=""/>
-        <p:cNvGrpSpPr/>
-        <p:nvPr/>
-      </p:nvGrpSpPr>
-      <p:grpSpPr>
-        <a:xfrm>
-          <a:off x="0" y="0"/>
-          <a:ext cx="0" cy="0"/>
-          <a:chOff x="0" y="0"/>
-          <a:chExt cx="0" cy="0"/>
-        </a:xfrm>
-      </p:grpSpPr>
-      <p:sp>
-        <p:nvSpPr>
-          <p:cNvPr id="2" name="Title 1"/>
-          <p:cNvSpPr>
-            <a:spLocks noGrp="1"/>
-          </p:cNvSpPr>
-          <p:nvPr>
-            <p:ph type="title"/>
-          </p:nvPr>
-        </p:nvSpPr>
-        <p:spPr>
-          <a:xfrm>
-            <a:off x="457200" y="205952"/>
-            <a:ext cx="8229600" cy="994287"/>
-          </a:xfrm>
-        </p:spPr>
-        <p:txBody>
-          <a:bodyPr/>
-          <a:lstStyle/>
-          <a:p>
-            <a:r>
-              <a:rPr lang="en-US" dirty="0" smtClean="0"/>
-              <a:t>K-Fold Cross Validation</a:t>
-            </a:r>
-            <a:endParaRPr lang="en-US" dirty="0"/>
-          </a:p>
-        </p:txBody>
-      </p:sp>
-      <p:pic>
-        <p:nvPicPr>
-          <p:cNvPr id="9" name="Content Placeholder 8"/>
-          <p:cNvPicPr>
-            <a:picLocks noGrp="1" noChangeAspect="1"/>
-          </p:cNvPicPr>
-          <p:nvPr>
-            <p:ph idx="1"/>
-          </p:nvPr>
-        </p:nvPicPr>
-        <p:blipFill rotWithShape="1">
-          <a:blip r:embed="rId2"/>
-          <a:srcRect t="-1798" b="2807"/>
-          <a:stretch/>
-        </p:blipFill>
-        <p:spPr>
-          <a:xfrm>
-            <a:off x="114407" y="1312571"/>
-            <a:ext cx="4648224" cy="3367174"/>
-          </a:xfrm>
-        </p:spPr>
-      </p:pic>
-      <p:pic>
-        <p:nvPicPr>
-          <p:cNvPr id="10" name="Picture 9"/>
-          <p:cNvPicPr>
-            <a:picLocks noChangeAspect="1"/>
-          </p:cNvPicPr>
-          <p:nvPr/>
-        </p:nvPicPr>
-        <p:blipFill>
-          <a:blip r:embed="rId3"/>
-          <a:stretch>
-            <a:fillRect/>
-          </a:stretch>
-        </p:blipFill>
-        <p:spPr>
-          <a:xfrm>
-            <a:off x="4762631" y="1521774"/>
-            <a:ext cx="4182093" cy="3044477"/>
-          </a:xfrm>
-          <a:prstGeom prst="rect">
-            <a:avLst/>
-          </a:prstGeom>
-        </p:spPr>
-      </p:pic>
-      <p:sp>
-        <p:nvSpPr>
-          <p:cNvPr id="11" name="Rectangle 10"/>
-          <p:cNvSpPr/>
-          <p:nvPr/>
-        </p:nvSpPr>
-        <p:spPr>
-          <a:xfrm>
-            <a:off x="2476631" y="5096729"/>
-            <a:ext cx="4572000" cy="646331"/>
-          </a:xfrm>
-          <a:prstGeom prst="rect">
-            <a:avLst/>
-          </a:prstGeom>
-        </p:spPr>
-        <p:txBody>
-          <a:bodyPr>
-            <a:spAutoFit/>
-          </a:bodyPr>
-          <a:lstStyle/>
-          <a:p>
-            <a:r>
-              <a:rPr lang="en-US" dirty="0"/>
-              <a:t>mean squared error </a:t>
-            </a:r>
-            <a:r>
-              <a:rPr lang="en-US" dirty="0" smtClean="0"/>
-              <a:t>= 1.93131328262</a:t>
-            </a:r>
-            <a:endParaRPr lang="en-US" dirty="0"/>
-          </a:p>
-          <a:p>
-            <a:r>
-              <a:rPr lang="en-US" dirty="0"/>
-              <a:t>mean absolute error </a:t>
-            </a:r>
-            <a:r>
-              <a:rPr lang="en-US" dirty="0" smtClean="0"/>
-              <a:t>= 0.949527796605</a:t>
-            </a:r>
-            <a:endParaRPr lang="en-US" dirty="0"/>
-          </a:p>
-        </p:txBody>
-      </p:sp>
-    </p:spTree>
-    <p:extLst>
-      <p:ext uri="{BB962C8B-B14F-4D97-AF65-F5344CB8AC3E}">
-        <p14:creationId xmlns:p14="http://schemas.microsoft.com/office/powerpoint/2010/main" val="303056085"/>
-      </p:ext>
-    </p:extLst>
-  </p:cSld>
-  <p:clrMapOvr>
-    <a:masterClrMapping/>
-  </p:clrMapOvr>
-  <p:timing>
-    <p:tnLst>
-      <p:par>
-        <p:cTn xmlns:p14="http://schemas.microsoft.com/office/powerpoint/2010/main" id="1" dur="indefinite" restart="never" nodeType="tmRoot"/>
-      </p:par>
-    </p:tnLst>
-  </p:timing>
-</p:sld>
-</file>
-
-<file path=ppt/slides/slide23.xml><?xml version="1.0" encoding="utf-8"?>
-<p:sld xmlns:a="http://schemas.openxmlformats.org/drawingml/2006/main" xmlns:r="http://schemas.openxmlformats.org/officeDocument/2006/relationships" xmlns:p="http://schemas.openxmlformats.org/presentationml/2006/main">
-  <p:cSld>
-    <p:spTree>
-      <p:nvGrpSpPr>
-        <p:cNvPr id="1" name=""/>
-        <p:cNvGrpSpPr/>
-        <p:nvPr/>
-      </p:nvGrpSpPr>
-      <p:grpSpPr>
-        <a:xfrm>
-          <a:off x="0" y="0"/>
-          <a:ext cx="0" cy="0"/>
-          <a:chOff x="0" y="0"/>
-          <a:chExt cx="0" cy="0"/>
-        </a:xfrm>
-      </p:grpSpPr>
-      <p:sp>
-        <p:nvSpPr>
-          <p:cNvPr id="2" name="Title 1"/>
-          <p:cNvSpPr>
-            <a:spLocks noGrp="1"/>
-          </p:cNvSpPr>
-          <p:nvPr>
-            <p:ph type="title"/>
-          </p:nvPr>
-        </p:nvSpPr>
-        <p:spPr>
-          <a:xfrm>
-            <a:off x="457200" y="286046"/>
-            <a:ext cx="8229600" cy="902752"/>
-          </a:xfrm>
-        </p:spPr>
-        <p:txBody>
-          <a:bodyPr/>
-          <a:lstStyle/>
-          <a:p>
-            <a:r>
-              <a:rPr lang="en-US" dirty="0" smtClean="0"/>
-              <a:t>Cross Validation Results</a:t>
-            </a:r>
-            <a:endParaRPr lang="en-US" dirty="0"/>
-          </a:p>
-        </p:txBody>
-      </p:sp>
-      <p:sp>
-        <p:nvSpPr>
-          <p:cNvPr id="3" name="Content Placeholder 2"/>
-          <p:cNvSpPr>
-            <a:spLocks noGrp="1"/>
-          </p:cNvSpPr>
-          <p:nvPr>
-            <p:ph idx="1"/>
-          </p:nvPr>
-        </p:nvSpPr>
-        <p:spPr>
-          <a:xfrm>
-            <a:off x="457200" y="1188798"/>
-            <a:ext cx="8229600" cy="4937365"/>
-          </a:xfrm>
-        </p:spPr>
-        <p:txBody>
-          <a:bodyPr/>
-          <a:lstStyle/>
-          <a:p>
-            <a:r>
-              <a:rPr lang="en-US" dirty="0" smtClean="0"/>
-              <a:t>Both LOO and K-fold result in similar mean errors for the dataset.</a:t>
-            </a:r>
-          </a:p>
-          <a:p>
-            <a:r>
-              <a:rPr lang="en-US" dirty="0" smtClean="0"/>
-              <a:t>The polynomial regression model results are relatively unchanged when run using these two techniques.</a:t>
-            </a:r>
-          </a:p>
-          <a:p>
-            <a:r>
-              <a:rPr lang="en-US" dirty="0" smtClean="0"/>
-              <a:t>This shows that outliers are not strongly effecting the model parameters determined from training.</a:t>
-            </a:r>
-            <a:endParaRPr lang="en-US" dirty="0"/>
-          </a:p>
-        </p:txBody>
-      </p:sp>
-    </p:spTree>
-    <p:extLst>
-      <p:ext uri="{BB962C8B-B14F-4D97-AF65-F5344CB8AC3E}">
-        <p14:creationId xmlns:p14="http://schemas.microsoft.com/office/powerpoint/2010/main" val="3694424847"/>
-      </p:ext>
-    </p:extLst>
-  </p:cSld>
-  <p:clrMapOvr>
-    <a:masterClrMapping/>
-  </p:clrMapOvr>
-  <p:timing>
-    <p:tnLst>
-      <p:par>
-        <p:cTn xmlns:p14="http://schemas.microsoft.com/office/powerpoint/2010/main" id="1" dur="indefinite" restart="never" nodeType="tmRoot"/>
-      </p:par>
-    </p:tnLst>
-  </p:timing>
-</p:sld>
-</file>
-
-<file path=ppt/slides/slide24.xml><?xml version="1.0" encoding="utf-8"?>
-<p:sld xmlns:a="http://schemas.openxmlformats.org/drawingml/2006/main" xmlns:r="http://schemas.openxmlformats.org/officeDocument/2006/relationships" xmlns:p="http://schemas.openxmlformats.org/presentationml/2006/main">
-  <p:cSld>
-    <p:spTree>
-      <p:nvGrpSpPr>
-        <p:cNvPr id="1" name=""/>
-        <p:cNvGrpSpPr/>
-        <p:nvPr/>
-      </p:nvGrpSpPr>
-      <p:grpSpPr>
-        <a:xfrm>
-          <a:off x="0" y="0"/>
-          <a:ext cx="0" cy="0"/>
-          <a:chOff x="0" y="0"/>
-          <a:chExt cx="0" cy="0"/>
-        </a:xfrm>
-      </p:grpSpPr>
-      <p:sp>
-        <p:nvSpPr>
-          <p:cNvPr id="2" name="Title 1"/>
-          <p:cNvSpPr>
-            <a:spLocks noGrp="1"/>
-          </p:cNvSpPr>
-          <p:nvPr>
-            <p:ph type="title"/>
-          </p:nvPr>
-        </p:nvSpPr>
-        <p:spPr>
-          <a:xfrm>
-            <a:off x="457200" y="205955"/>
-            <a:ext cx="8229600" cy="776890"/>
-          </a:xfrm>
-        </p:spPr>
-        <p:txBody>
-          <a:bodyPr/>
-          <a:lstStyle/>
-          <a:p>
-            <a:r>
-              <a:rPr lang="en-US" dirty="0" smtClean="0"/>
-              <a:t>Random Forest </a:t>
-            </a:r>
-            <a:r>
-              <a:rPr lang="en-US" dirty="0" err="1" smtClean="0"/>
-              <a:t>Regressor</a:t>
-            </a:r>
-            <a:endParaRPr lang="en-US" dirty="0"/>
-          </a:p>
-        </p:txBody>
-      </p:sp>
-      <p:pic>
-        <p:nvPicPr>
-          <p:cNvPr id="4" name="Content Placeholder 3"/>
-          <p:cNvPicPr>
-            <a:picLocks noGrp="1" noChangeAspect="1"/>
-          </p:cNvPicPr>
-          <p:nvPr>
-            <p:ph idx="1"/>
-          </p:nvPr>
-        </p:nvPicPr>
-        <p:blipFill rotWithShape="1">
-          <a:blip r:embed="rId2"/>
-          <a:srcRect l="-27102" t="-18489" r="-32645" b="-33093"/>
-          <a:stretch/>
-        </p:blipFill>
-        <p:spPr>
-          <a:xfrm>
-            <a:off x="457200" y="411910"/>
-            <a:ext cx="8229600" cy="5714254"/>
-          </a:xfrm>
-        </p:spPr>
-      </p:pic>
-      <p:sp>
-        <p:nvSpPr>
-          <p:cNvPr id="6" name="Content Placeholder 2"/>
-          <p:cNvSpPr txBox="1">
-            <a:spLocks/>
-          </p:cNvSpPr>
-          <p:nvPr/>
-        </p:nvSpPr>
-        <p:spPr>
-          <a:xfrm>
-            <a:off x="343222" y="4942909"/>
-            <a:ext cx="8343578" cy="1183255"/>
-          </a:xfrm>
-          <a:prstGeom prst="rect">
-            <a:avLst/>
-          </a:prstGeom>
-        </p:spPr>
-        <p:txBody>
-          <a:bodyPr vert="horz" lIns="91440" tIns="45720" rIns="91440" bIns="45720" rtlCol="0">
-            <a:normAutofit/>
-          </a:bodyPr>
-          <a:lstStyle>
-            <a:lvl1pPr marL="342900" indent="-342900" algn="l" defTabSz="457200" rtl="0" eaLnBrk="1" latinLnBrk="0" hangingPunct="1">
-              <a:spcBef>
-                <a:spcPct val="20000"/>
-              </a:spcBef>
-              <a:buFont typeface="Arial"/>
-              <a:buChar char="•"/>
-              <a:defRPr sz="3200" kern="1200">
-                <a:solidFill>
-                  <a:schemeClr val="tx1"/>
-                </a:solidFill>
-                <a:latin typeface="+mn-lt"/>
-                <a:ea typeface="+mn-ea"/>
-                <a:cs typeface="+mn-cs"/>
-              </a:defRPr>
-            </a:lvl1pPr>
-            <a:lvl2pPr marL="742950" indent="-285750" algn="l" defTabSz="457200" rtl="0" eaLnBrk="1" latinLnBrk="0" hangingPunct="1">
-              <a:spcBef>
-                <a:spcPct val="20000"/>
-              </a:spcBef>
-              <a:buFont typeface="Arial"/>
-              <a:buChar char="–"/>
-              <a:defRPr sz="2800" kern="1200">
-                <a:solidFill>
-                  <a:schemeClr val="tx1"/>
-                </a:solidFill>
-                <a:latin typeface="+mn-lt"/>
-                <a:ea typeface="+mn-ea"/>
-                <a:cs typeface="+mn-cs"/>
-              </a:defRPr>
-            </a:lvl2pPr>
-            <a:lvl3pPr marL="1143000" indent="-228600" algn="l" defTabSz="457200" rtl="0" eaLnBrk="1" latinLnBrk="0" hangingPunct="1">
-              <a:spcBef>
-                <a:spcPct val="20000"/>
-              </a:spcBef>
-              <a:buFont typeface="Arial"/>
-              <a:buChar char="•"/>
-              <a:defRPr sz="2400" kern="1200">
-                <a:solidFill>
-                  <a:schemeClr val="tx1"/>
-                </a:solidFill>
-                <a:latin typeface="+mn-lt"/>
-                <a:ea typeface="+mn-ea"/>
-                <a:cs typeface="+mn-cs"/>
-              </a:defRPr>
-            </a:lvl3pPr>
-            <a:lvl4pPr marL="1600200" indent="-228600" algn="l" defTabSz="457200" rtl="0" eaLnBrk="1" latinLnBrk="0" hangingPunct="1">
-              <a:spcBef>
-                <a:spcPct val="20000"/>
-              </a:spcBef>
-              <a:buFont typeface="Arial"/>
-              <a:buChar char="–"/>
-              <a:defRPr sz="2000" kern="1200">
-                <a:solidFill>
-                  <a:schemeClr val="tx1"/>
-                </a:solidFill>
-                <a:latin typeface="+mn-lt"/>
-                <a:ea typeface="+mn-ea"/>
-                <a:cs typeface="+mn-cs"/>
-              </a:defRPr>
-            </a:lvl4pPr>
-            <a:lvl5pPr marL="2057400" indent="-228600" algn="l" defTabSz="457200" rtl="0" eaLnBrk="1" latinLnBrk="0" hangingPunct="1">
-              <a:spcBef>
-                <a:spcPct val="20000"/>
-              </a:spcBef>
-              <a:buFont typeface="Arial"/>
-              <a:buChar char="»"/>
-              <a:defRPr sz="2000" kern="1200">
-                <a:solidFill>
-                  <a:schemeClr val="tx1"/>
-                </a:solidFill>
-                <a:latin typeface="+mn-lt"/>
-                <a:ea typeface="+mn-ea"/>
-                <a:cs typeface="+mn-cs"/>
-              </a:defRPr>
-            </a:lvl5pPr>
-            <a:lvl6pPr marL="2514600" indent="-228600" algn="l" defTabSz="457200" rtl="0" eaLnBrk="1" latinLnBrk="0" hangingPunct="1">
-              <a:spcBef>
-                <a:spcPct val="20000"/>
-              </a:spcBef>
-              <a:buFont typeface="Arial"/>
-              <a:buChar char="•"/>
-              <a:defRPr sz="2000" kern="1200">
-                <a:solidFill>
-                  <a:schemeClr val="tx1"/>
-                </a:solidFill>
-                <a:latin typeface="+mn-lt"/>
-                <a:ea typeface="+mn-ea"/>
-                <a:cs typeface="+mn-cs"/>
-              </a:defRPr>
-            </a:lvl6pPr>
-            <a:lvl7pPr marL="2971800" indent="-228600" algn="l" defTabSz="457200" rtl="0" eaLnBrk="1" latinLnBrk="0" hangingPunct="1">
-              <a:spcBef>
-                <a:spcPct val="20000"/>
-              </a:spcBef>
-              <a:buFont typeface="Arial"/>
-              <a:buChar char="•"/>
-              <a:defRPr sz="2000" kern="1200">
-                <a:solidFill>
-                  <a:schemeClr val="tx1"/>
-                </a:solidFill>
-                <a:latin typeface="+mn-lt"/>
-                <a:ea typeface="+mn-ea"/>
-                <a:cs typeface="+mn-cs"/>
-              </a:defRPr>
-            </a:lvl7pPr>
-            <a:lvl8pPr marL="3429000" indent="-228600" algn="l" defTabSz="457200" rtl="0" eaLnBrk="1" latinLnBrk="0" hangingPunct="1">
-              <a:spcBef>
-                <a:spcPct val="20000"/>
-              </a:spcBef>
-              <a:buFont typeface="Arial"/>
-              <a:buChar char="•"/>
-              <a:defRPr sz="2000" kern="1200">
-                <a:solidFill>
-                  <a:schemeClr val="tx1"/>
-                </a:solidFill>
-                <a:latin typeface="+mn-lt"/>
-                <a:ea typeface="+mn-ea"/>
-                <a:cs typeface="+mn-cs"/>
-              </a:defRPr>
-            </a:lvl8pPr>
-            <a:lvl9pPr marL="3886200" indent="-228600" algn="l" defTabSz="457200" rtl="0" eaLnBrk="1" latinLnBrk="0" hangingPunct="1">
-              <a:spcBef>
-                <a:spcPct val="20000"/>
-              </a:spcBef>
-              <a:buFont typeface="Arial"/>
-              <a:buChar char="•"/>
-              <a:defRPr sz="2000" kern="1200">
-                <a:solidFill>
-                  <a:schemeClr val="tx1"/>
-                </a:solidFill>
-                <a:latin typeface="+mn-lt"/>
-                <a:ea typeface="+mn-ea"/>
-                <a:cs typeface="+mn-cs"/>
-              </a:defRPr>
-            </a:lvl9pPr>
-          </a:lstStyle>
-          <a:p>
-            <a:r>
-              <a:rPr lang="en-US" dirty="0" smtClean="0"/>
-              <a:t>Great!  But I cheated by testing with the training data.</a:t>
+              <a:t>= 0.3546</a:t>
             </a:r>
             <a:endParaRPr lang="en-US" dirty="0"/>
           </a:p>
@@ -6811,7 +7246,7 @@
         </p:nvSpPr>
         <p:spPr>
           <a:xfrm>
-            <a:off x="457200" y="242052"/>
+            <a:off x="457200" y="140452"/>
             <a:ext cx="8229600" cy="614883"/>
           </a:xfrm>
         </p:spPr>
@@ -6845,14 +7280,101 @@
         </p:blipFill>
         <p:spPr>
           <a:xfrm>
-            <a:off x="1269034" y="1042268"/>
-            <a:ext cx="6568722" cy="4806799"/>
+            <a:off x="1104900" y="755335"/>
+            <a:ext cx="6453456" cy="4722451"/>
           </a:xfrm>
           <a:prstGeom prst="rect">
             <a:avLst/>
           </a:prstGeom>
         </p:spPr>
       </p:pic>
+      <p:sp>
+        <p:nvSpPr>
+          <p:cNvPr id="3" name="Slide Number Placeholder 2"/>
+          <p:cNvSpPr>
+            <a:spLocks noGrp="1"/>
+          </p:cNvSpPr>
+          <p:nvPr>
+            <p:ph type="sldNum" sz="quarter" idx="12"/>
+          </p:nvPr>
+        </p:nvSpPr>
+        <p:spPr/>
+        <p:txBody>
+          <a:bodyPr/>
+          <a:lstStyle/>
+          <a:p>
+            <a:fld id="{F4868C7E-E561-7D4F-8BFA-0F5E3C84BDAE}" type="slidenum">
+              <a:rPr lang="en-US" smtClean="0"/>
+              <a:t>25</a:t>
+            </a:fld>
+            <a:endParaRPr lang="en-US"/>
+          </a:p>
+        </p:txBody>
+      </p:sp>
+      <p:sp>
+        <p:nvSpPr>
+          <p:cNvPr id="4" name="Rectangle 3"/>
+          <p:cNvSpPr/>
+          <p:nvPr/>
+        </p:nvSpPr>
+        <p:spPr>
+          <a:xfrm>
+            <a:off x="2032000" y="1569135"/>
+            <a:ext cx="4572000" cy="646331"/>
+          </a:xfrm>
+          <a:prstGeom prst="rect">
+            <a:avLst/>
+          </a:prstGeom>
+        </p:spPr>
+        <p:txBody>
+          <a:bodyPr>
+            <a:spAutoFit/>
+          </a:bodyPr>
+          <a:lstStyle/>
+          <a:p>
+            <a:r>
+              <a:rPr lang="en-US" dirty="0"/>
+              <a:t>mean squared error 1.7855</a:t>
+            </a:r>
+          </a:p>
+          <a:p>
+            <a:r>
+              <a:rPr lang="en-US" dirty="0"/>
+              <a:t>mean absolute error 0.948</a:t>
+            </a:r>
+          </a:p>
+        </p:txBody>
+      </p:sp>
+      <p:sp>
+        <p:nvSpPr>
+          <p:cNvPr id="6" name="TextBox 5"/>
+          <p:cNvSpPr txBox="1"/>
+          <p:nvPr/>
+        </p:nvSpPr>
+        <p:spPr>
+          <a:xfrm>
+            <a:off x="130931" y="5390952"/>
+            <a:ext cx="8890318" cy="923330"/>
+          </a:xfrm>
+          <a:prstGeom prst="rect">
+            <a:avLst/>
+          </a:prstGeom>
+          <a:noFill/>
+        </p:spPr>
+        <p:txBody>
+          <a:bodyPr wrap="square" rtlCol="0">
+            <a:spAutoFit/>
+          </a:bodyPr>
+          <a:lstStyle/>
+          <a:p>
+            <a:r>
+              <a:rPr lang="en-US" dirty="0" smtClean="0"/>
+              <a:t>This method performs better than either linear or polynomial regression, because it is able to weight the inputs and assign them significance.  It is also a type of ensemble technique that aggregates the results of many models (or at least such is my understanding!).</a:t>
+            </a:r>
+            <a:endParaRPr lang="en-US" dirty="0"/>
+          </a:p>
+        </p:txBody>
+      </p:sp>
     </p:spTree>
     <p:extLst>
       <p:ext uri="{BB962C8B-B14F-4D97-AF65-F5344CB8AC3E}">
@@ -6892,36 +7414,6 @@
       </p:grpSpPr>
       <p:sp>
         <p:nvSpPr>
-          <p:cNvPr id="2" name="Title 1"/>
-          <p:cNvSpPr>
-            <a:spLocks noGrp="1"/>
-          </p:cNvSpPr>
-          <p:nvPr>
-            <p:ph type="title"/>
-          </p:nvPr>
-        </p:nvSpPr>
-        <p:spPr>
-          <a:xfrm>
-            <a:off x="398940" y="64920"/>
-            <a:ext cx="8229600" cy="715689"/>
-          </a:xfrm>
-        </p:spPr>
-        <p:txBody>
-          <a:bodyPr>
-            <a:normAutofit fontScale="90000"/>
-          </a:bodyPr>
-          <a:lstStyle/>
-          <a:p>
-            <a:r>
-              <a:rPr lang="en-US" dirty="0" smtClean="0"/>
-              <a:t>Discovered Correlations</a:t>
-            </a:r>
-            <a:endParaRPr lang="en-US" dirty="0"/>
-          </a:p>
-        </p:txBody>
-      </p:sp>
-      <p:sp>
-        <p:nvSpPr>
           <p:cNvPr id="3" name="Content Placeholder 2"/>
           <p:cNvSpPr>
             <a:spLocks noGrp="1"/>
@@ -6932,8 +7424,8 @@
         </p:nvSpPr>
         <p:spPr>
           <a:xfrm>
-            <a:off x="163129" y="1106837"/>
-            <a:ext cx="8937175" cy="5194092"/>
+            <a:off x="457200" y="1612900"/>
+            <a:ext cx="8229600" cy="4525963"/>
           </a:xfrm>
         </p:spPr>
         <p:txBody>
@@ -6942,53 +7434,63 @@
           </a:bodyPr>
           <a:lstStyle/>
           <a:p>
-            <a:r>
-              <a:rPr lang="en-US" dirty="0" smtClean="0"/>
-              <a:t>No correlation with suicide rate</a:t>
-            </a:r>
-          </a:p>
-          <a:p>
-            <a:r>
-              <a:rPr lang="en-US" dirty="0" smtClean="0"/>
-              <a:t>No correlation with gun ownership</a:t>
-            </a:r>
-          </a:p>
-          <a:p>
-            <a:r>
-              <a:rPr lang="en-US" dirty="0" smtClean="0"/>
-              <a:t>Weak negative correlation with average income</a:t>
-            </a:r>
-          </a:p>
-          <a:p>
-            <a:r>
-              <a:rPr lang="en-US" dirty="0" smtClean="0"/>
-              <a:t>Weak positive correlation with population density</a:t>
-            </a:r>
-          </a:p>
-          <a:p>
-            <a:r>
-              <a:rPr lang="en-US" dirty="0" smtClean="0"/>
-              <a:t>Strong positive correlation with poverty rate</a:t>
-            </a:r>
-          </a:p>
-          <a:p>
-            <a:r>
-              <a:rPr lang="en-US" dirty="0" smtClean="0"/>
-              <a:t>Strong positive correlation with percentage of population that did not graduate HS</a:t>
-            </a:r>
-          </a:p>
-          <a:p>
-            <a:r>
-              <a:rPr lang="en-US" dirty="0" smtClean="0"/>
-              <a:t>Strong positive correlation with incarceration rate</a:t>
-            </a:r>
+            <a:pPr marL="0" indent="0" algn="ctr">
+              <a:buNone/>
+            </a:pPr>
+            <a:r>
+              <a:rPr lang="en-US" sz="4800" dirty="0" smtClean="0"/>
+              <a:t>A quick digression on another happy topic…</a:t>
+            </a:r>
+            <a:r>
+              <a:rPr lang="en-US" sz="4800" dirty="0" smtClean="0"/>
+              <a:t>.</a:t>
+            </a:r>
+          </a:p>
+          <a:p>
+            <a:pPr marL="0" indent="0" algn="ctr">
+              <a:buNone/>
+            </a:pPr>
+            <a:endParaRPr lang="en-US" sz="4800" dirty="0" smtClean="0"/>
+          </a:p>
+          <a:p>
+            <a:pPr marL="0" indent="0" algn="ctr">
+              <a:buNone/>
+            </a:pPr>
+            <a:r>
+              <a:rPr lang="en-US" sz="4800" dirty="0" smtClean="0"/>
+              <a:t>Suicide.</a:t>
+            </a:r>
+            <a:endParaRPr lang="en-US" sz="4800" dirty="0" smtClean="0"/>
+          </a:p>
+        </p:txBody>
+      </p:sp>
+      <p:sp>
+        <p:nvSpPr>
+          <p:cNvPr id="4" name="Slide Number Placeholder 3"/>
+          <p:cNvSpPr>
+            <a:spLocks noGrp="1"/>
+          </p:cNvSpPr>
+          <p:nvPr>
+            <p:ph type="sldNum" sz="quarter" idx="12"/>
+          </p:nvPr>
+        </p:nvSpPr>
+        <p:spPr/>
+        <p:txBody>
+          <a:bodyPr/>
+          <a:lstStyle/>
+          <a:p>
+            <a:fld id="{F4868C7E-E561-7D4F-8BFA-0F5E3C84BDAE}" type="slidenum">
+              <a:rPr lang="en-US" smtClean="0"/>
+              <a:t>26</a:t>
+            </a:fld>
+            <a:endParaRPr lang="en-US"/>
           </a:p>
         </p:txBody>
       </p:sp>
     </p:spTree>
     <p:extLst>
       <p:ext uri="{BB962C8B-B14F-4D97-AF65-F5344CB8AC3E}">
-        <p14:creationId xmlns:p14="http://schemas.microsoft.com/office/powerpoint/2010/main" val="3134373939"/>
+        <p14:creationId xmlns:p14="http://schemas.microsoft.com/office/powerpoint/2010/main" val="2694768116"/>
       </p:ext>
     </p:extLst>
   </p:cSld>
@@ -7034,8 +7536,282 @@
         </p:nvSpPr>
         <p:spPr>
           <a:xfrm>
-            <a:off x="433896" y="89476"/>
-            <a:ext cx="8229600" cy="704036"/>
+            <a:off x="457200" y="54840"/>
+            <a:ext cx="8229600" cy="885407"/>
+          </a:xfrm>
+        </p:spPr>
+        <p:txBody>
+          <a:bodyPr/>
+          <a:lstStyle/>
+          <a:p>
+            <a:r>
+              <a:rPr lang="en-US" dirty="0" smtClean="0"/>
+              <a:t>Suicide</a:t>
+            </a:r>
+            <a:endParaRPr lang="en-US" dirty="0"/>
+          </a:p>
+        </p:txBody>
+      </p:sp>
+      <p:sp>
+        <p:nvSpPr>
+          <p:cNvPr id="4" name="Slide Number Placeholder 3"/>
+          <p:cNvSpPr>
+            <a:spLocks noGrp="1"/>
+          </p:cNvSpPr>
+          <p:nvPr>
+            <p:ph type="sldNum" sz="quarter" idx="12"/>
+          </p:nvPr>
+        </p:nvSpPr>
+        <p:spPr/>
+        <p:txBody>
+          <a:bodyPr/>
+          <a:lstStyle/>
+          <a:p>
+            <a:fld id="{F4868C7E-E561-7D4F-8BFA-0F5E3C84BDAE}" type="slidenum">
+              <a:rPr lang="en-US" smtClean="0"/>
+              <a:t>27</a:t>
+            </a:fld>
+            <a:endParaRPr lang="en-US"/>
+          </a:p>
+        </p:txBody>
+      </p:sp>
+      <p:pic>
+        <p:nvPicPr>
+          <p:cNvPr id="5" name="Picture 4"/>
+          <p:cNvPicPr>
+            <a:picLocks noChangeAspect="1"/>
+          </p:cNvPicPr>
+          <p:nvPr/>
+        </p:nvPicPr>
+        <p:blipFill>
+          <a:blip r:embed="rId2"/>
+          <a:stretch>
+            <a:fillRect/>
+          </a:stretch>
+        </p:blipFill>
+        <p:spPr>
+          <a:xfrm>
+            <a:off x="362568" y="812800"/>
+            <a:ext cx="3745191" cy="2744568"/>
+          </a:xfrm>
+          <a:prstGeom prst="rect">
+            <a:avLst/>
+          </a:prstGeom>
+        </p:spPr>
+      </p:pic>
+      <p:pic>
+        <p:nvPicPr>
+          <p:cNvPr id="6" name="Picture 5"/>
+          <p:cNvPicPr>
+            <a:picLocks noChangeAspect="1"/>
+          </p:cNvPicPr>
+          <p:nvPr/>
+        </p:nvPicPr>
+        <p:blipFill>
+          <a:blip r:embed="rId3"/>
+          <a:stretch>
+            <a:fillRect/>
+          </a:stretch>
+        </p:blipFill>
+        <p:spPr>
+          <a:xfrm>
+            <a:off x="4794364" y="882236"/>
+            <a:ext cx="3804628" cy="2788124"/>
+          </a:xfrm>
+          <a:prstGeom prst="rect">
+            <a:avLst/>
+          </a:prstGeom>
+        </p:spPr>
+      </p:pic>
+      <p:sp>
+        <p:nvSpPr>
+          <p:cNvPr id="9" name="Rectangle 8"/>
+          <p:cNvSpPr/>
+          <p:nvPr/>
+        </p:nvSpPr>
+        <p:spPr>
+          <a:xfrm>
+            <a:off x="4855309" y="1782805"/>
+            <a:ext cx="195398" cy="1208888"/>
+          </a:xfrm>
+          <a:prstGeom prst="rect">
+            <a:avLst/>
+          </a:prstGeom>
+          <a:solidFill>
+            <a:schemeClr val="bg1"/>
+          </a:solidFill>
+          <a:ln>
+            <a:noFill/>
+          </a:ln>
+          <a:effectLst/>
+        </p:spPr>
+        <p:style>
+          <a:lnRef idx="1">
+            <a:schemeClr val="accent1"/>
+          </a:lnRef>
+          <a:fillRef idx="3">
+            <a:schemeClr val="accent1"/>
+          </a:fillRef>
+          <a:effectRef idx="2">
+            <a:schemeClr val="accent1"/>
+          </a:effectRef>
+          <a:fontRef idx="minor">
+            <a:schemeClr val="lt1"/>
+          </a:fontRef>
+        </p:style>
+        <p:txBody>
+          <a:bodyPr rtlCol="0" anchor="ctr"/>
+          <a:lstStyle/>
+          <a:p>
+            <a:pPr algn="ctr"/>
+            <a:endParaRPr lang="en-US"/>
+          </a:p>
+        </p:txBody>
+      </p:sp>
+      <p:sp>
+        <p:nvSpPr>
+          <p:cNvPr id="10" name="Rectangle 9"/>
+          <p:cNvSpPr/>
+          <p:nvPr/>
+        </p:nvSpPr>
+        <p:spPr>
+          <a:xfrm>
+            <a:off x="4672124" y="4377404"/>
+            <a:ext cx="195398" cy="1208888"/>
+          </a:xfrm>
+          <a:prstGeom prst="rect">
+            <a:avLst/>
+          </a:prstGeom>
+          <a:solidFill>
+            <a:schemeClr val="bg1"/>
+          </a:solidFill>
+          <a:ln>
+            <a:noFill/>
+          </a:ln>
+          <a:effectLst/>
+        </p:spPr>
+        <p:style>
+          <a:lnRef idx="1">
+            <a:schemeClr val="accent1"/>
+          </a:lnRef>
+          <a:fillRef idx="3">
+            <a:schemeClr val="accent1"/>
+          </a:fillRef>
+          <a:effectRef idx="2">
+            <a:schemeClr val="accent1"/>
+          </a:effectRef>
+          <a:fontRef idx="minor">
+            <a:schemeClr val="lt1"/>
+          </a:fontRef>
+        </p:style>
+        <p:txBody>
+          <a:bodyPr rtlCol="0" anchor="ctr"/>
+          <a:lstStyle/>
+          <a:p>
+            <a:pPr algn="ctr"/>
+            <a:endParaRPr lang="en-US"/>
+          </a:p>
+        </p:txBody>
+      </p:sp>
+      <p:pic>
+        <p:nvPicPr>
+          <p:cNvPr id="3" name="Picture 2"/>
+          <p:cNvPicPr>
+            <a:picLocks noChangeAspect="1"/>
+          </p:cNvPicPr>
+          <p:nvPr/>
+        </p:nvPicPr>
+        <p:blipFill>
+          <a:blip r:embed="rId4"/>
+          <a:stretch>
+            <a:fillRect/>
+          </a:stretch>
+        </p:blipFill>
+        <p:spPr>
+          <a:xfrm>
+            <a:off x="362568" y="3657660"/>
+            <a:ext cx="3917332" cy="2897112"/>
+          </a:xfrm>
+          <a:prstGeom prst="rect">
+            <a:avLst/>
+          </a:prstGeom>
+        </p:spPr>
+      </p:pic>
+      <p:pic>
+        <p:nvPicPr>
+          <p:cNvPr id="11" name="Picture 10"/>
+          <p:cNvPicPr>
+            <a:picLocks noChangeAspect="1"/>
+          </p:cNvPicPr>
+          <p:nvPr/>
+        </p:nvPicPr>
+        <p:blipFill>
+          <a:blip r:embed="rId5"/>
+          <a:stretch>
+            <a:fillRect/>
+          </a:stretch>
+        </p:blipFill>
+        <p:spPr>
+          <a:xfrm>
+            <a:off x="4961807" y="3695700"/>
+            <a:ext cx="3804040" cy="2813326"/>
+          </a:xfrm>
+          <a:prstGeom prst="rect">
+            <a:avLst/>
+          </a:prstGeom>
+        </p:spPr>
+      </p:pic>
+    </p:spTree>
+    <p:extLst>
+      <p:ext uri="{BB962C8B-B14F-4D97-AF65-F5344CB8AC3E}">
+        <p14:creationId xmlns:p14="http://schemas.microsoft.com/office/powerpoint/2010/main" val="9653307"/>
+      </p:ext>
+    </p:extLst>
+  </p:cSld>
+  <p:clrMapOvr>
+    <a:masterClrMapping/>
+  </p:clrMapOvr>
+  <p:timing>
+    <p:tnLst>
+      <p:par>
+        <p:cTn xmlns:p14="http://schemas.microsoft.com/office/powerpoint/2010/main" id="1" dur="indefinite" restart="never" nodeType="tmRoot"/>
+      </p:par>
+    </p:tnLst>
+  </p:timing>
+</p:sld>
+</file>
+
+<file path=ppt/slides/slide28.xml><?xml version="1.0" encoding="utf-8"?>
+<p:sld xmlns:a="http://schemas.openxmlformats.org/drawingml/2006/main" xmlns:r="http://schemas.openxmlformats.org/officeDocument/2006/relationships" xmlns:p="http://schemas.openxmlformats.org/presentationml/2006/main">
+  <p:cSld>
+    <p:spTree>
+      <p:nvGrpSpPr>
+        <p:cNvPr id="1" name=""/>
+        <p:cNvGrpSpPr/>
+        <p:nvPr/>
+      </p:nvGrpSpPr>
+      <p:grpSpPr>
+        <a:xfrm>
+          <a:off x="0" y="0"/>
+          <a:ext cx="0" cy="0"/>
+          <a:chOff x="0" y="0"/>
+          <a:chExt cx="0" cy="0"/>
+        </a:xfrm>
+      </p:grpSpPr>
+      <p:sp>
+        <p:nvSpPr>
+          <p:cNvPr id="2" name="Title 1"/>
+          <p:cNvSpPr>
+            <a:spLocks noGrp="1"/>
+          </p:cNvSpPr>
+          <p:nvPr>
+            <p:ph type="title"/>
+          </p:nvPr>
+        </p:nvSpPr>
+        <p:spPr>
+          <a:xfrm>
+            <a:off x="431800" y="100356"/>
+            <a:ext cx="8229600" cy="616765"/>
           </a:xfrm>
         </p:spPr>
         <p:txBody>
@@ -7046,7 +7822,7 @@
           <a:p>
             <a:r>
               <a:rPr lang="en-US" dirty="0" smtClean="0"/>
-              <a:t>Conclusions</a:t>
+              <a:t>What did I learn?</a:t>
             </a:r>
             <a:endParaRPr lang="en-US" dirty="0"/>
           </a:p>
@@ -7054,7 +7830,30 @@
       </p:sp>
       <p:sp>
         <p:nvSpPr>
-          <p:cNvPr id="3" name="Content Placeholder 2"/>
+          <p:cNvPr id="4" name="Slide Number Placeholder 3"/>
+          <p:cNvSpPr>
+            <a:spLocks noGrp="1"/>
+          </p:cNvSpPr>
+          <p:nvPr>
+            <p:ph type="sldNum" sz="quarter" idx="12"/>
+          </p:nvPr>
+        </p:nvSpPr>
+        <p:spPr/>
+        <p:txBody>
+          <a:bodyPr/>
+          <a:lstStyle/>
+          <a:p>
+            <a:fld id="{F4868C7E-E561-7D4F-8BFA-0F5E3C84BDAE}" type="slidenum">
+              <a:rPr lang="en-US" smtClean="0"/>
+              <a:t>28</a:t>
+            </a:fld>
+            <a:endParaRPr lang="en-US"/>
+          </a:p>
+        </p:txBody>
+      </p:sp>
+      <p:sp>
+        <p:nvSpPr>
+          <p:cNvPr id="5" name="Content Placeholder 2"/>
           <p:cNvSpPr>
             <a:spLocks noGrp="1"/>
           </p:cNvSpPr>
@@ -7064,48 +7863,170 @@
         </p:nvSpPr>
         <p:spPr>
           <a:xfrm>
-            <a:off x="198087" y="875070"/>
-            <a:ext cx="8750740" cy="5522518"/>
+            <a:off x="274288" y="707355"/>
+            <a:ext cx="8686801" cy="6103121"/>
           </a:xfrm>
         </p:spPr>
         <p:txBody>
           <a:bodyPr>
-            <a:normAutofit fontScale="92500" lnSpcReduction="20000"/>
+            <a:normAutofit fontScale="70000" lnSpcReduction="20000"/>
           </a:bodyPr>
           <a:lstStyle/>
           <a:p>
             <a:r>
               <a:rPr lang="en-US" dirty="0" smtClean="0"/>
-              <a:t>Population density, suicide rate, average income, and gun ownership by US state are not good predictors of murder.</a:t>
-            </a:r>
-          </a:p>
-          <a:p>
-            <a:r>
-              <a:rPr lang="en-US" dirty="0" smtClean="0"/>
-              <a:t>Poverty rate, education level, and incarceration rate are good predictors of murder rate and show strong correlation.</a:t>
-            </a:r>
-          </a:p>
-          <a:p>
-            <a:r>
-              <a:rPr lang="en-US" dirty="0" smtClean="0"/>
-              <a:t>In particular, murder rate has a strong positive correlation with poverty rate, percentage of the population without a HS education, and incarceration rate.</a:t>
-            </a:r>
-          </a:p>
-          <a:p>
-            <a:r>
-              <a:rPr lang="en-US" dirty="0" smtClean="0"/>
-              <a:t>Analysis is hindered by small sample size.  This could be improved by using smaller geographic units (cities, counties).</a:t>
-            </a:r>
-          </a:p>
-          <a:p>
+              <a:t>Which features were determined to have identifiable correlations?</a:t>
+            </a:r>
+          </a:p>
+          <a:p>
+            <a:pPr lvl="1"/>
+            <a:r>
+              <a:rPr lang="en-US" dirty="0" smtClean="0"/>
+              <a:t>Poverty Rate, Incarceration Rate, % Graduating High School</a:t>
+            </a:r>
+          </a:p>
+          <a:p>
+            <a:r>
+              <a:rPr lang="en-US" dirty="0" smtClean="0"/>
+              <a:t>Was it possible to create an accurate statistical model?</a:t>
+            </a:r>
+          </a:p>
+          <a:p>
+            <a:pPr lvl="1"/>
+            <a:r>
+              <a:rPr lang="en-US" dirty="0" smtClean="0"/>
+              <a:t>Errors when using correlated features were less than mean deviation</a:t>
+            </a:r>
+            <a:r>
+              <a:rPr lang="en-US" dirty="0" smtClean="0"/>
+              <a:t>.</a:t>
+            </a:r>
+            <a:endParaRPr lang="en-US" dirty="0" smtClean="0"/>
+          </a:p>
+          <a:p>
+            <a:r>
+              <a:rPr lang="en-US" dirty="0" smtClean="0"/>
+              <a:t>Cross validation indicated that the models suffered from the problem of of low statistics.</a:t>
+            </a:r>
+          </a:p>
+          <a:p>
+            <a:pPr lvl="1"/>
+            <a:r>
+              <a:rPr lang="en-US" dirty="0" smtClean="0"/>
+              <a:t>The errors increased non-negligibly when using LOO to validate the models.</a:t>
+            </a:r>
+          </a:p>
+          <a:p>
+            <a:pPr lvl="1"/>
+            <a:r>
+              <a:rPr lang="en-US" dirty="0" smtClean="0"/>
+              <a:t>Removing just 1 data point </a:t>
+            </a:r>
+            <a:r>
+              <a:rPr lang="en-US" dirty="0"/>
+              <a:t>=</a:t>
+            </a:r>
+            <a:r>
+              <a:rPr lang="en-US" dirty="0" smtClean="0"/>
+              <a:t> 2% of the entire data set!</a:t>
+            </a:r>
+          </a:p>
+          <a:p>
+            <a:pPr lvl="1"/>
+            <a:r>
+              <a:rPr lang="en-US" dirty="0" smtClean="0"/>
+              <a:t>If I was doing this over again, I would use smaller geographical units like counties or </a:t>
+            </a:r>
+            <a:r>
+              <a:rPr lang="en-US" dirty="0" smtClean="0"/>
+              <a:t>cities and probably violence crime rate rather than murder rate OR use tabulated data for a long time period (~10 years).</a:t>
+            </a:r>
+            <a:endParaRPr lang="en-US" dirty="0" smtClean="0"/>
+          </a:p>
+          <a:p>
+            <a:r>
+              <a:rPr lang="en-US" dirty="0" smtClean="0"/>
+              <a:t>Did I explore various regression/validation techniques in </a:t>
+            </a:r>
+            <a:r>
+              <a:rPr lang="en-US" dirty="0" err="1" smtClean="0"/>
+              <a:t>scikit</a:t>
+            </a:r>
+            <a:r>
+              <a:rPr lang="en-US" dirty="0"/>
+              <a:t>-</a:t>
+            </a:r>
+            <a:r>
+              <a:rPr lang="en-US" dirty="0" smtClean="0"/>
+              <a:t>learn?  </a:t>
+            </a:r>
             <a:endParaRPr lang="en-US" dirty="0"/>
+          </a:p>
+          <a:p>
+            <a:pPr lvl="1">
+              <a:buFont typeface="Wingdings" charset="2"/>
+              <a:buChar char="ü"/>
+            </a:pPr>
+            <a:r>
+              <a:rPr lang="en-US" dirty="0" smtClean="0"/>
+              <a:t>Linear Regression</a:t>
+            </a:r>
+          </a:p>
+          <a:p>
+            <a:pPr lvl="1">
+              <a:buFont typeface="Wingdings" charset="2"/>
+              <a:buChar char="ü"/>
+            </a:pPr>
+            <a:r>
+              <a:rPr lang="en-US" dirty="0" smtClean="0"/>
+              <a:t>Polynomial Regression</a:t>
+            </a:r>
+          </a:p>
+          <a:p>
+            <a:pPr lvl="1">
+              <a:buFont typeface="Wingdings" charset="2"/>
+              <a:buChar char="ü"/>
+            </a:pPr>
+            <a:r>
+              <a:rPr lang="en-US" dirty="0" smtClean="0"/>
+              <a:t>Random Forest Regression</a:t>
+            </a:r>
+          </a:p>
+          <a:p>
+            <a:pPr lvl="1">
+              <a:buFont typeface="Wingdings" charset="2"/>
+              <a:buChar char="ü"/>
+            </a:pPr>
+            <a:r>
+              <a:rPr lang="en-US" dirty="0" smtClean="0"/>
+              <a:t>LOO Cross Validation</a:t>
+            </a:r>
+          </a:p>
+          <a:p>
+            <a:pPr lvl="1">
+              <a:buFont typeface="Wingdings" charset="2"/>
+              <a:buChar char="ü"/>
+            </a:pPr>
+            <a:r>
+              <a:rPr lang="en-US" dirty="0" smtClean="0"/>
+              <a:t>K-Fold Cross Validation</a:t>
+            </a:r>
+          </a:p>
+          <a:p>
+            <a:r>
+              <a:rPr lang="en-US" dirty="0"/>
+              <a:t>Taking classes at GA will make it less likely that you commit murder.  ;-)</a:t>
+            </a:r>
+          </a:p>
+          <a:p>
+            <a:endParaRPr lang="en-US" dirty="0" smtClean="0"/>
           </a:p>
         </p:txBody>
       </p:sp>
     </p:spTree>
     <p:extLst>
       <p:ext uri="{BB962C8B-B14F-4D97-AF65-F5344CB8AC3E}">
-        <p14:creationId xmlns:p14="http://schemas.microsoft.com/office/powerpoint/2010/main" val="613935991"/>
+        <p14:creationId xmlns:p14="http://schemas.microsoft.com/office/powerpoint/2010/main" val="387878881"/>
       </p:ext>
     </p:extLst>
   </p:cSld>
@@ -7185,19 +8106,23 @@
         </p:spPr>
         <p:txBody>
           <a:bodyPr>
-            <a:normAutofit fontScale="85000" lnSpcReduction="20000"/>
+            <a:normAutofit fontScale="92500" lnSpcReduction="20000"/>
           </a:bodyPr>
           <a:lstStyle/>
           <a:p>
             <a:r>
               <a:rPr lang="en-US" dirty="0" smtClean="0"/>
-              <a:t>Functional relationship between input (features) and response (murder rate)</a:t>
-            </a:r>
-          </a:p>
-          <a:p>
-            <a:r>
-              <a:rPr lang="en-US" dirty="0" smtClean="0"/>
-              <a:t>Analytically solvable problem which minimizes the sum of the squared residuals (errors) </a:t>
+              <a:t>Functional relationship between input (features) and response (predicted)</a:t>
+            </a:r>
+          </a:p>
+          <a:p>
+            <a:r>
+              <a:rPr lang="en-US" dirty="0"/>
+              <a:t>M</a:t>
+            </a:r>
+            <a:r>
+              <a:rPr lang="en-US" dirty="0" smtClean="0"/>
+              <a:t>inimizes the sum of the squared residuals (errors) </a:t>
             </a:r>
           </a:p>
           <a:p>
@@ -7368,6 +8293,29 @@
                 <a:srgbClr val="FF0000"/>
               </a:solidFill>
             </a:endParaRPr>
+          </a:p>
+        </p:txBody>
+      </p:sp>
+      <p:sp>
+        <p:nvSpPr>
+          <p:cNvPr id="5" name="Slide Number Placeholder 4"/>
+          <p:cNvSpPr>
+            <a:spLocks noGrp="1"/>
+          </p:cNvSpPr>
+          <p:nvPr>
+            <p:ph type="sldNum" sz="quarter" idx="12"/>
+          </p:nvPr>
+        </p:nvSpPr>
+        <p:spPr/>
+        <p:txBody>
+          <a:bodyPr/>
+          <a:lstStyle/>
+          <a:p>
+            <a:fld id="{F4868C7E-E561-7D4F-8BFA-0F5E3C84BDAE}" type="slidenum">
+              <a:rPr lang="en-US" smtClean="0"/>
+              <a:t>3</a:t>
+            </a:fld>
+            <a:endParaRPr lang="en-US"/>
           </a:p>
         </p:txBody>
       </p:sp>
@@ -7408,6 +8356,30 @@
           <a:chExt cx="0" cy="0"/>
         </a:xfrm>
       </p:grpSpPr>
+      <p:pic>
+        <p:nvPicPr>
+          <p:cNvPr id="5" name="Picture 4"/>
+          <p:cNvPicPr>
+            <a:picLocks noChangeAspect="1"/>
+          </p:cNvPicPr>
+          <p:nvPr/>
+        </p:nvPicPr>
+        <p:blipFill>
+          <a:blip r:embed="rId2"/>
+          <a:stretch>
+            <a:fillRect/>
+          </a:stretch>
+        </p:blipFill>
+        <p:spPr>
+          <a:xfrm>
+            <a:off x="5380466" y="2597150"/>
+            <a:ext cx="3543300" cy="2298700"/>
+          </a:xfrm>
+          <a:prstGeom prst="rect">
+            <a:avLst/>
+          </a:prstGeom>
+        </p:spPr>
+      </p:pic>
       <p:sp>
         <p:nvSpPr>
           <p:cNvPr id="2" name="Title 1"/>
@@ -7556,6 +8528,29 @@
               <a:rPr lang="en-US" i="1" dirty="0" smtClean="0"/>
               <a:t>Primarily 2010 data</a:t>
             </a:r>
+          </a:p>
+        </p:txBody>
+      </p:sp>
+      <p:sp>
+        <p:nvSpPr>
+          <p:cNvPr id="4" name="Slide Number Placeholder 3"/>
+          <p:cNvSpPr>
+            <a:spLocks noGrp="1"/>
+          </p:cNvSpPr>
+          <p:nvPr>
+            <p:ph type="sldNum" sz="quarter" idx="12"/>
+          </p:nvPr>
+        </p:nvSpPr>
+        <p:spPr/>
+        <p:txBody>
+          <a:bodyPr/>
+          <a:lstStyle/>
+          <a:p>
+            <a:fld id="{F4868C7E-E561-7D4F-8BFA-0F5E3C84BDAE}" type="slidenum">
+              <a:rPr lang="en-US" smtClean="0"/>
+              <a:t>4</a:t>
+            </a:fld>
+            <a:endParaRPr lang="en-US"/>
           </a:p>
         </p:txBody>
       </p:sp>
@@ -7642,7 +8637,7 @@
         </p:spPr>
         <p:txBody>
           <a:bodyPr>
-            <a:normAutofit lnSpcReduction="10000"/>
+            <a:normAutofit fontScale="92500"/>
           </a:bodyPr>
           <a:lstStyle/>
           <a:p>
@@ -7670,15 +8665,33 @@
             <a:pPr lvl="1"/>
             <a:r>
               <a:rPr lang="en-US" dirty="0" smtClean="0"/>
-              <a:t>Do not want to use regression with too many polynomial degrees (probably max 2 or 3).</a:t>
-            </a:r>
+              <a:t>Do not want to use </a:t>
+            </a:r>
+            <a:r>
+              <a:rPr lang="en-US" dirty="0" smtClean="0"/>
+              <a:t>polynomial regression </a:t>
+            </a:r>
+            <a:r>
+              <a:rPr lang="en-US" dirty="0" smtClean="0"/>
+              <a:t>with too many </a:t>
+            </a:r>
+            <a:r>
+              <a:rPr lang="en-US" dirty="0" smtClean="0"/>
+              <a:t>degrees.</a:t>
+            </a:r>
+            <a:endParaRPr lang="en-US" dirty="0" smtClean="0"/>
           </a:p>
           <a:p>
             <a:pPr lvl="1"/>
             <a:r>
               <a:rPr lang="en-US" dirty="0" smtClean="0"/>
-              <a:t>Use L1-norm to generate sparse solutions.</a:t>
-            </a:r>
+              <a:t>For polynomial fitting use LASSO (L1-norm) to generate sparse </a:t>
+            </a:r>
+            <a:r>
+              <a:rPr lang="en-US" dirty="0" smtClean="0"/>
+              <a:t>solutions and minimize co-efficient values.</a:t>
+            </a:r>
+            <a:endParaRPr lang="en-US" dirty="0" smtClean="0"/>
           </a:p>
           <a:p>
             <a:r>
@@ -7690,9 +8703,35 @@
             <a:pPr lvl="1"/>
             <a:r>
               <a:rPr lang="en-US" dirty="0" smtClean="0"/>
-              <a:t>  Use single input variables as predictors (no multi-dimensional fits used).</a:t>
-            </a:r>
-            <a:endParaRPr lang="en-US" dirty="0" smtClean="0"/>
+              <a:t> Use single input variables as predictors (no multi-dimensional fits are used for linear or polynomial)</a:t>
+            </a:r>
+            <a:r>
+              <a:rPr lang="en-US" dirty="0" smtClean="0"/>
+              <a:t>.</a:t>
+            </a:r>
+          </a:p>
+        </p:txBody>
+      </p:sp>
+      <p:sp>
+        <p:nvSpPr>
+          <p:cNvPr id="4" name="Slide Number Placeholder 3"/>
+          <p:cNvSpPr>
+            <a:spLocks noGrp="1"/>
+          </p:cNvSpPr>
+          <p:nvPr>
+            <p:ph type="sldNum" sz="quarter" idx="12"/>
+          </p:nvPr>
+        </p:nvSpPr>
+        <p:spPr/>
+        <p:txBody>
+          <a:bodyPr/>
+          <a:lstStyle/>
+          <a:p>
+            <a:fld id="{F4868C7E-E561-7D4F-8BFA-0F5E3C84BDAE}" type="slidenum">
+              <a:rPr lang="en-US" smtClean="0"/>
+              <a:t>5</a:t>
+            </a:fld>
+            <a:endParaRPr lang="en-US"/>
           </a:p>
         </p:txBody>
       </p:sp>
@@ -7768,7 +8807,7 @@
         </p:nvSpPr>
         <p:spPr>
           <a:xfrm>
-            <a:off x="305309" y="1600200"/>
+            <a:off x="305309" y="1417638"/>
             <a:ext cx="8695195" cy="4525963"/>
           </a:xfrm>
         </p:spPr>
@@ -7785,13 +8824,24 @@
             <a:pPr lvl="1"/>
             <a:r>
               <a:rPr lang="en-US" dirty="0" smtClean="0"/>
-              <a:t>Mostly 2010 </a:t>
-            </a:r>
-            <a:r>
-              <a:rPr lang="en-US" dirty="0" smtClean="0"/>
-              <a:t>sources</a:t>
-            </a:r>
-            <a:endParaRPr lang="en-US" dirty="0" smtClean="0"/>
+              <a:t>Unix ‘</a:t>
+            </a:r>
+            <a:r>
+              <a:rPr lang="en-US" dirty="0" err="1" smtClean="0"/>
+              <a:t>awk</a:t>
+            </a:r>
+            <a:r>
+              <a:rPr lang="en-US" dirty="0" smtClean="0"/>
+              <a:t>’ and ‘</a:t>
+            </a:r>
+            <a:r>
+              <a:rPr lang="en-US" dirty="0" err="1" smtClean="0"/>
+              <a:t>sed</a:t>
+            </a:r>
+            <a:r>
+              <a:rPr lang="en-US" dirty="0" smtClean="0"/>
+              <a:t>’ are my friends.</a:t>
+            </a:r>
           </a:p>
           <a:p>
             <a:r>
@@ -7808,15 +8858,7 @@
             <a:pPr lvl="1"/>
             <a:r>
               <a:rPr lang="en-US" dirty="0" smtClean="0"/>
-              <a:t>Join together using merge </a:t>
-            </a:r>
-            <a:r>
-              <a:rPr lang="en-US" dirty="0" smtClean="0"/>
-              <a:t>operation on </a:t>
-            </a:r>
-            <a:r>
-              <a:rPr lang="en-US" dirty="0" smtClean="0"/>
-              <a:t>state name</a:t>
+              <a:t>Join together using merge operation on state name</a:t>
             </a:r>
           </a:p>
           <a:p>
@@ -7829,9 +8871,32 @@
             <a:pPr lvl="1"/>
             <a:r>
               <a:rPr lang="en-US" dirty="0" smtClean="0"/>
-              <a:t>It is more like a city than a state.</a:t>
+              <a:t>It is more like a city than a state, so we leave it out.</a:t>
             </a:r>
             <a:endParaRPr lang="en-US" dirty="0"/>
+          </a:p>
+        </p:txBody>
+      </p:sp>
+      <p:sp>
+        <p:nvSpPr>
+          <p:cNvPr id="4" name="Slide Number Placeholder 3"/>
+          <p:cNvSpPr>
+            <a:spLocks noGrp="1"/>
+          </p:cNvSpPr>
+          <p:nvPr>
+            <p:ph type="sldNum" sz="quarter" idx="12"/>
+          </p:nvPr>
+        </p:nvSpPr>
+        <p:spPr/>
+        <p:txBody>
+          <a:bodyPr/>
+          <a:lstStyle/>
+          <a:p>
+            <a:fld id="{F4868C7E-E561-7D4F-8BFA-0F5E3C84BDAE}" type="slidenum">
+              <a:rPr lang="en-US" smtClean="0"/>
+              <a:t>6</a:t>
+            </a:fld>
+            <a:endParaRPr lang="en-US"/>
           </a:p>
         </p:txBody>
       </p:sp>
@@ -7882,9 +8947,16 @@
             <p:ph type="title"/>
           </p:nvPr>
         </p:nvSpPr>
-        <p:spPr/>
-        <p:txBody>
-          <a:bodyPr/>
+        <p:spPr>
+          <a:xfrm>
+            <a:off x="457200" y="183164"/>
+            <a:ext cx="8229600" cy="697189"/>
+          </a:xfrm>
+        </p:spPr>
+        <p:txBody>
+          <a:bodyPr>
+            <a:normAutofit fontScale="90000"/>
+          </a:bodyPr>
           <a:lstStyle/>
           <a:p>
             <a:r>
@@ -7917,7 +8989,7 @@
         </p:blipFill>
         <p:spPr>
           <a:xfrm>
-            <a:off x="286232" y="2024038"/>
+            <a:off x="286232" y="1173418"/>
             <a:ext cx="8686800" cy="2623530"/>
           </a:xfrm>
           <a:prstGeom prst="rect">
@@ -7925,6 +8997,179 @@
           </a:prstGeom>
         </p:spPr>
       </p:pic>
+      <p:sp>
+        <p:nvSpPr>
+          <p:cNvPr id="3" name="Slide Number Placeholder 2"/>
+          <p:cNvSpPr>
+            <a:spLocks noGrp="1"/>
+          </p:cNvSpPr>
+          <p:nvPr>
+            <p:ph type="sldNum" sz="quarter" idx="12"/>
+          </p:nvPr>
+        </p:nvSpPr>
+        <p:spPr/>
+        <p:txBody>
+          <a:bodyPr/>
+          <a:lstStyle/>
+          <a:p>
+            <a:fld id="{F4868C7E-E561-7D4F-8BFA-0F5E3C84BDAE}" type="slidenum">
+              <a:rPr lang="en-US" smtClean="0"/>
+              <a:t>7</a:t>
+            </a:fld>
+            <a:endParaRPr lang="en-US"/>
+          </a:p>
+        </p:txBody>
+      </p:sp>
+      <p:pic>
+        <p:nvPicPr>
+          <p:cNvPr id="4" name="Picture 3" descr="Screen Shot 2015-07-08 at 9.26.23 PM.png"/>
+          <p:cNvPicPr>
+            <a:picLocks noChangeAspect="1"/>
+          </p:cNvPicPr>
+          <p:nvPr/>
+        </p:nvPicPr>
+        <p:blipFill>
+          <a:blip r:embed="rId3">
+            <a:extLst>
+              <a:ext uri="{28A0092B-C50C-407E-A947-70E740481C1C}">
+                <a14:useLocalDpi xmlns:a14="http://schemas.microsoft.com/office/drawing/2010/main" val="0"/>
+              </a:ext>
+            </a:extLst>
+          </a:blip>
+          <a:stretch>
+            <a:fillRect/>
+          </a:stretch>
+        </p:blipFill>
+        <p:spPr>
+          <a:xfrm>
+            <a:off x="1226584" y="4190426"/>
+            <a:ext cx="2514600" cy="2273300"/>
+          </a:xfrm>
+          <a:prstGeom prst="rect">
+            <a:avLst/>
+          </a:prstGeom>
+        </p:spPr>
+      </p:pic>
+      <p:pic>
+        <p:nvPicPr>
+          <p:cNvPr id="5" name="Picture 4" descr="Screen Shot 2015-07-08 at 9.25.45 PM.png"/>
+          <p:cNvPicPr>
+            <a:picLocks noChangeAspect="1"/>
+          </p:cNvPicPr>
+          <p:nvPr/>
+        </p:nvPicPr>
+        <p:blipFill>
+          <a:blip r:embed="rId4">
+            <a:extLst>
+              <a:ext uri="{28A0092B-C50C-407E-A947-70E740481C1C}">
+                <a14:useLocalDpi xmlns:a14="http://schemas.microsoft.com/office/drawing/2010/main" val="0"/>
+              </a:ext>
+            </a:extLst>
+          </a:blip>
+          <a:stretch>
+            <a:fillRect/>
+          </a:stretch>
+        </p:blipFill>
+        <p:spPr>
+          <a:xfrm>
+            <a:off x="4681021" y="4215826"/>
+            <a:ext cx="2590800" cy="2247900"/>
+          </a:xfrm>
+          <a:prstGeom prst="rect">
+            <a:avLst/>
+          </a:prstGeom>
+        </p:spPr>
+      </p:pic>
+      <p:sp>
+        <p:nvSpPr>
+          <p:cNvPr id="7" name="Oval 6"/>
+          <p:cNvSpPr/>
+          <p:nvPr/>
+        </p:nvSpPr>
+        <p:spPr>
+          <a:xfrm>
+            <a:off x="749299" y="2285999"/>
+            <a:ext cx="749301" cy="431089"/>
+          </a:xfrm>
+          <a:prstGeom prst="ellipse">
+            <a:avLst/>
+          </a:prstGeom>
+          <a:noFill/>
+          <a:ln w="19050">
+            <a:solidFill>
+              <a:srgbClr val="FF0000"/>
+            </a:solidFill>
+          </a:ln>
+          <a:effectLst/>
+        </p:spPr>
+        <p:style>
+          <a:lnRef idx="1">
+            <a:schemeClr val="accent1"/>
+          </a:lnRef>
+          <a:fillRef idx="3">
+            <a:schemeClr val="accent1"/>
+          </a:fillRef>
+          <a:effectRef idx="2">
+            <a:schemeClr val="accent1"/>
+          </a:effectRef>
+          <a:fontRef idx="minor">
+            <a:schemeClr val="lt1"/>
+          </a:fontRef>
+        </p:style>
+        <p:txBody>
+          <a:bodyPr rtlCol="0" anchor="ctr"/>
+          <a:lstStyle/>
+          <a:p>
+            <a:pPr algn="ctr"/>
+            <a:endParaRPr lang="en-US"/>
+          </a:p>
+        </p:txBody>
+      </p:sp>
+      <p:sp>
+        <p:nvSpPr>
+          <p:cNvPr id="8" name="Oval 7"/>
+          <p:cNvSpPr/>
+          <p:nvPr/>
+        </p:nvSpPr>
+        <p:spPr>
+          <a:xfrm>
+            <a:off x="749299" y="3365859"/>
+            <a:ext cx="749301" cy="431089"/>
+          </a:xfrm>
+          <a:prstGeom prst="ellipse">
+            <a:avLst/>
+          </a:prstGeom>
+          <a:noFill/>
+          <a:ln w="19050">
+            <a:solidFill>
+              <a:srgbClr val="FF0000"/>
+            </a:solidFill>
+          </a:ln>
+          <a:effectLst/>
+        </p:spPr>
+        <p:style>
+          <a:lnRef idx="1">
+            <a:schemeClr val="accent1"/>
+          </a:lnRef>
+          <a:fillRef idx="3">
+            <a:schemeClr val="accent1"/>
+          </a:fillRef>
+          <a:effectRef idx="2">
+            <a:schemeClr val="accent1"/>
+          </a:effectRef>
+          <a:fontRef idx="minor">
+            <a:schemeClr val="lt1"/>
+          </a:fontRef>
+        </p:style>
+        <p:txBody>
+          <a:bodyPr rtlCol="0" anchor="ctr"/>
+          <a:lstStyle/>
+          <a:p>
+            <a:pPr algn="ctr"/>
+            <a:endParaRPr lang="en-US"/>
+          </a:p>
+        </p:txBody>
+      </p:sp>
     </p:spTree>
     <p:extLst>
       <p:ext uri="{BB962C8B-B14F-4D97-AF65-F5344CB8AC3E}">
@@ -7935,6 +9180,13 @@
   <p:clrMapOvr>
     <a:masterClrMapping/>
   </p:clrMapOvr>
+  <p:timing>
+    <p:tnLst>
+      <p:par>
+        <p:cTn xmlns:p14="http://schemas.microsoft.com/office/powerpoint/2010/main" id="1" dur="indefinite" restart="never" nodeType="tmRoot"/>
+      </p:par>
+    </p:tnLst>
+  </p:timing>
 </p:sld>
 </file>
 
@@ -8051,6 +9303,29 @@
           </a:p>
           <a:p>
             <a:endParaRPr lang="en-US" dirty="0"/>
+          </a:p>
+        </p:txBody>
+      </p:sp>
+      <p:sp>
+        <p:nvSpPr>
+          <p:cNvPr id="5" name="Slide Number Placeholder 4"/>
+          <p:cNvSpPr>
+            <a:spLocks noGrp="1"/>
+          </p:cNvSpPr>
+          <p:nvPr>
+            <p:ph type="sldNum" sz="quarter" idx="12"/>
+          </p:nvPr>
+        </p:nvSpPr>
+        <p:spPr/>
+        <p:txBody>
+          <a:bodyPr/>
+          <a:lstStyle/>
+          <a:p>
+            <a:fld id="{F4868C7E-E561-7D4F-8BFA-0F5E3C84BDAE}" type="slidenum">
+              <a:rPr lang="en-US" smtClean="0"/>
+              <a:t>8</a:t>
+            </a:fld>
+            <a:endParaRPr lang="en-US"/>
           </a:p>
         </p:txBody>
       </p:sp>
@@ -8184,6 +9459,29 @@
           <a:lstStyle/>
           <a:p>
             <a:pPr algn="ctr"/>
+            <a:endParaRPr lang="en-US"/>
+          </a:p>
+        </p:txBody>
+      </p:sp>
+      <p:sp>
+        <p:nvSpPr>
+          <p:cNvPr id="4" name="Slide Number Placeholder 3"/>
+          <p:cNvSpPr>
+            <a:spLocks noGrp="1"/>
+          </p:cNvSpPr>
+          <p:nvPr>
+            <p:ph type="sldNum" sz="quarter" idx="12"/>
+          </p:nvPr>
+        </p:nvSpPr>
+        <p:spPr/>
+        <p:txBody>
+          <a:bodyPr/>
+          <a:lstStyle/>
+          <a:p>
+            <a:fld id="{F4868C7E-E561-7D4F-8BFA-0F5E3C84BDAE}" type="slidenum">
+              <a:rPr lang="en-US" smtClean="0"/>
+              <a:t>9</a:t>
+            </a:fld>
             <a:endParaRPr lang="en-US"/>
           </a:p>
         </p:txBody>

--- a/myproject/Murder.pptx
+++ b/myproject/Murder.pptx
@@ -15,10 +15,10 @@
     <p:sldId id="273" r:id="rId3"/>
     <p:sldId id="284" r:id="rId4"/>
     <p:sldId id="257" r:id="rId5"/>
-    <p:sldId id="258" r:id="rId6"/>
-    <p:sldId id="282" r:id="rId7"/>
-    <p:sldId id="286" r:id="rId8"/>
-    <p:sldId id="262" r:id="rId9"/>
+    <p:sldId id="282" r:id="rId6"/>
+    <p:sldId id="286" r:id="rId7"/>
+    <p:sldId id="262" r:id="rId8"/>
+    <p:sldId id="258" r:id="rId9"/>
     <p:sldId id="283" r:id="rId10"/>
     <p:sldId id="285" r:id="rId11"/>
     <p:sldId id="274" r:id="rId12"/>
@@ -4180,10 +4180,15 @@
             <p:ph idx="1"/>
           </p:nvPr>
         </p:nvSpPr>
-        <p:spPr/>
+        <p:spPr>
+          <a:xfrm>
+            <a:off x="101600" y="1600200"/>
+            <a:ext cx="8890000" cy="4525963"/>
+          </a:xfrm>
+        </p:spPr>
         <p:txBody>
           <a:bodyPr>
-            <a:normAutofit fontScale="92500"/>
+            <a:normAutofit fontScale="92500" lnSpcReduction="10000"/>
           </a:bodyPr>
           <a:lstStyle/>
           <a:p>
@@ -4196,13 +4201,13 @@
             <a:pPr lvl="1"/>
             <a:r>
               <a:rPr lang="en-US" dirty="0" smtClean="0"/>
-              <a:t>This fit will have the largest errors but it is a clear way to visualize possible positive/negative correlations. </a:t>
+              <a:t>This fit will have the largest errors but it is a clear way to visualize positive/negative correlation by looking at the slope of the fit line. </a:t>
             </a:r>
           </a:p>
           <a:p>
             <a:r>
               <a:rPr lang="en-US" dirty="0" smtClean="0"/>
-              <a:t>Use a more advanced fit to reduce errors</a:t>
+              <a:t>Use a more advanced technique to reduce errors</a:t>
             </a:r>
           </a:p>
           <a:p>
@@ -4346,7 +4351,7 @@
         </p:nvSpPr>
         <p:spPr>
           <a:xfrm>
-            <a:off x="457200" y="1500187"/>
+            <a:off x="457200" y="1436687"/>
             <a:ext cx="8229600" cy="4525963"/>
           </a:xfrm>
         </p:spPr>
@@ -4406,8 +4411,8 @@
         </p:blipFill>
         <p:spPr>
           <a:xfrm>
-            <a:off x="2578100" y="3310466"/>
-            <a:ext cx="3987800" cy="2658533"/>
+            <a:off x="2178048" y="3208866"/>
+            <a:ext cx="4730752" cy="3153834"/>
           </a:xfrm>
           <a:prstGeom prst="rect">
             <a:avLst/>
@@ -4559,7 +4564,7 @@
         <p:spPr>
           <a:xfrm>
             <a:off x="586193" y="5433892"/>
-            <a:ext cx="8194489" cy="646331"/>
+            <a:ext cx="8194489" cy="707886"/>
           </a:xfrm>
           <a:prstGeom prst="rect">
             <a:avLst/>
@@ -4573,10 +4578,10 @@
           <a:lstStyle/>
           <a:p>
             <a:r>
-              <a:rPr lang="en-US" dirty="0" smtClean="0"/>
-              <a:t>The errors are nearly unchanged between the linear and polynomial regression so the line fit works well for this feature.</a:t>
-            </a:r>
-            <a:endParaRPr lang="en-US" dirty="0"/>
+              <a:rPr lang="en-US" sz="2000" dirty="0" smtClean="0"/>
+              <a:t>The errors are nearly unchanged between the linear and polynomial regression, so the line fit appears to work well.</a:t>
+            </a:r>
+            <a:endParaRPr lang="en-US" sz="2000" dirty="0"/>
           </a:p>
         </p:txBody>
       </p:sp>
@@ -4769,8 +4774,8 @@
         </p:nvSpPr>
         <p:spPr>
           <a:xfrm>
-            <a:off x="2821054" y="5345414"/>
-            <a:ext cx="3528242" cy="369332"/>
+            <a:off x="216281" y="5421360"/>
+            <a:ext cx="8889620" cy="707886"/>
           </a:xfrm>
           <a:prstGeom prst="rect">
             <a:avLst/>
@@ -4778,16 +4783,16 @@
           <a:noFill/>
         </p:spPr>
         <p:txBody>
-          <a:bodyPr wrap="none" rtlCol="0">
+          <a:bodyPr wrap="square" rtlCol="0">
             <a:spAutoFit/>
           </a:bodyPr>
           <a:lstStyle/>
           <a:p>
             <a:r>
-              <a:rPr lang="en-US" dirty="0" smtClean="0"/>
-              <a:t>Again, the line fit looks pretty good.</a:t>
-            </a:r>
-            <a:endParaRPr lang="en-US" dirty="0"/>
+              <a:rPr lang="en-US" sz="2000" dirty="0" smtClean="0"/>
+              <a:t>Again, the line fit looks pretty good.  There is a clear positive correlation discovered here.  Variance Score also indicates a dependence.</a:t>
+            </a:r>
+            <a:endParaRPr lang="en-US" sz="2000" dirty="0"/>
           </a:p>
         </p:txBody>
       </p:sp>
@@ -4980,8 +4985,8 @@
         </p:nvSpPr>
         <p:spPr>
           <a:xfrm>
-            <a:off x="2580992" y="5530080"/>
-            <a:ext cx="3704184" cy="369332"/>
+            <a:off x="592014" y="5530080"/>
+            <a:ext cx="8245931" cy="646331"/>
           </a:xfrm>
           <a:prstGeom prst="rect">
             <a:avLst/>
@@ -4989,14 +4994,14 @@
           <a:noFill/>
         </p:spPr>
         <p:txBody>
-          <a:bodyPr wrap="none" rtlCol="0">
+          <a:bodyPr wrap="square" rtlCol="0">
             <a:spAutoFit/>
           </a:bodyPr>
           <a:lstStyle/>
           <a:p>
             <a:r>
               <a:rPr lang="en-US" dirty="0" smtClean="0"/>
-              <a:t>The polynomial fit is a little bit better.</a:t>
+              <a:t>The line fit reveals a strong positive correlation.  The polynomial fit is a little bit better.  Variance Score is highest of all the input variables.</a:t>
             </a:r>
             <a:endParaRPr lang="en-US" dirty="0"/>
           </a:p>
@@ -5322,7 +5327,7 @@
           <a:p>
             <a:r>
               <a:rPr lang="en-US" dirty="0" smtClean="0"/>
-              <a:t>The Variance Score indicates the line fit is extremely poor.  The polynomial is better but still not very good, so these techniques do not indicate a correlation between the input and output.</a:t>
+              <a:t>The low Variance Score indicates the line fit is poor.  The polynomial is better but still not very good, so these techniques do not indicate a correlation between the input and output.</a:t>
             </a:r>
             <a:endParaRPr lang="en-US" dirty="0"/>
           </a:p>
@@ -5557,8 +5562,8 @@
         </p:nvSpPr>
         <p:spPr>
           <a:xfrm>
-            <a:off x="457200" y="5481863"/>
-            <a:ext cx="8621835" cy="923330"/>
+            <a:off x="457200" y="5291363"/>
+            <a:ext cx="8621835" cy="1200329"/>
           </a:xfrm>
           <a:prstGeom prst="rect">
             <a:avLst/>
@@ -5573,11 +5578,7 @@
           <a:p>
             <a:r>
               <a:rPr lang="en-US" dirty="0" smtClean="0"/>
-              <a:t>The low Variance Score indicates that the line fit </a:t>
-            </a:r>
-            <a:r>
-              <a:rPr lang="en-US" dirty="0" smtClean="0"/>
-              <a:t>does not show correlation.  The polynomial has a much better Variance Score, indicating that it reveals some structure in the data.</a:t>
+              <a:t>The low Variance Score indicates that the line fit does not show correlation.  The polynomial has a much better Variance Score, indicating that it reveals some structure in the data, which is a negative correlation that transforms into a (weak) positive correlation past a certain income level.</a:t>
             </a:r>
             <a:endParaRPr lang="en-US" dirty="0"/>
           </a:p>
@@ -5723,7 +5724,7 @@
         <p:spPr>
           <a:xfrm>
             <a:off x="329733" y="5617058"/>
-            <a:ext cx="8814267" cy="369332"/>
+            <a:ext cx="8814267" cy="646331"/>
           </a:xfrm>
           <a:prstGeom prst="rect">
             <a:avLst/>
@@ -5738,7 +5739,7 @@
           <a:p>
             <a:r>
               <a:rPr lang="en-US" dirty="0" smtClean="0"/>
-              <a:t>Low Variance Scores on both fits indicates that input and output appear to be uncorrelated.</a:t>
+              <a:t>Low Variance Scores on both fits indicates that input and output appear to be completely uncorrelated.</a:t>
             </a:r>
             <a:endParaRPr lang="en-US" dirty="0"/>
           </a:p>
@@ -6099,11 +6100,7 @@
           <a:p>
             <a:r>
               <a:rPr lang="en-US" sz="2400" dirty="0" smtClean="0"/>
-              <a:t>I found the lack of correlation with this input surprising</a:t>
-            </a:r>
-            <a:r>
-              <a:rPr lang="en-US" sz="2400" dirty="0" smtClean="0"/>
-              <a:t>!  I would have expected a positive correlation.</a:t>
+              <a:t>I found the lack of correlation with this input surprising!  I would have expected a positive correlation.</a:t>
             </a:r>
             <a:endParaRPr lang="en-US" sz="2400" dirty="0"/>
           </a:p>
@@ -6644,8 +6641,8 @@
         </p:nvSpPr>
         <p:spPr>
           <a:xfrm>
-            <a:off x="676771" y="996434"/>
-            <a:ext cx="1387294" cy="369332"/>
+            <a:off x="791071" y="932934"/>
+            <a:ext cx="1788170" cy="461665"/>
           </a:xfrm>
           <a:prstGeom prst="rect">
             <a:avLst/>
@@ -6659,10 +6656,10 @@
           <a:lstStyle/>
           <a:p>
             <a:r>
-              <a:rPr lang="en-US" dirty="0" smtClean="0"/>
+              <a:rPr lang="en-US" sz="2400" dirty="0" smtClean="0"/>
               <a:t>Poverty Rate</a:t>
             </a:r>
-            <a:endParaRPr lang="en-US" dirty="0"/>
+            <a:endParaRPr lang="en-US" sz="2400" dirty="0"/>
           </a:p>
         </p:txBody>
       </p:sp>
@@ -6674,8 +6671,8 @@
         </p:nvSpPr>
         <p:spPr>
           <a:xfrm>
-            <a:off x="3724771" y="1001722"/>
-            <a:ext cx="1908132" cy="369332"/>
+            <a:off x="3521571" y="976322"/>
+            <a:ext cx="2482621" cy="461665"/>
           </a:xfrm>
           <a:prstGeom prst="rect">
             <a:avLst/>
@@ -6689,10 +6686,10 @@
           <a:lstStyle/>
           <a:p>
             <a:r>
-              <a:rPr lang="en-US" dirty="0" smtClean="0"/>
+              <a:rPr lang="en-US" sz="2400" dirty="0" smtClean="0"/>
               <a:t>Incarceration Rate</a:t>
             </a:r>
-            <a:endParaRPr lang="en-US" dirty="0"/>
+            <a:endParaRPr lang="en-US" sz="2400" dirty="0"/>
           </a:p>
         </p:txBody>
       </p:sp>
@@ -6704,8 +6701,8 @@
         </p:nvSpPr>
         <p:spPr>
           <a:xfrm>
-            <a:off x="6553200" y="1011811"/>
-            <a:ext cx="2335533" cy="369332"/>
+            <a:off x="6413500" y="1024511"/>
+            <a:ext cx="2574518" cy="400110"/>
           </a:xfrm>
           <a:prstGeom prst="rect">
             <a:avLst/>
@@ -6719,10 +6716,10 @@
           <a:lstStyle/>
           <a:p>
             <a:r>
-              <a:rPr lang="en-US" dirty="0" smtClean="0"/>
+              <a:rPr lang="en-US" sz="2000" dirty="0" smtClean="0"/>
               <a:t>Percentage without HS</a:t>
             </a:r>
-            <a:endParaRPr lang="en-US" dirty="0"/>
+            <a:endParaRPr lang="en-US" sz="2000" dirty="0"/>
           </a:p>
         </p:txBody>
       </p:sp>
@@ -6814,23 +6811,7 @@
             </a:pPr>
             <a:r>
               <a:rPr lang="en-US" sz="4800" dirty="0" smtClean="0"/>
-              <a:t>Now let’s use </a:t>
-            </a:r>
-            <a:r>
-              <a:rPr lang="en-US" sz="4800" dirty="0" smtClean="0"/>
-              <a:t>a different </a:t>
-            </a:r>
-            <a:r>
-              <a:rPr lang="en-US" sz="4800" dirty="0" smtClean="0"/>
-              <a:t>technique which can </a:t>
-            </a:r>
-            <a:r>
-              <a:rPr lang="en-US" sz="4800" dirty="0" smtClean="0"/>
-              <a:t>utilize </a:t>
-            </a:r>
-            <a:r>
-              <a:rPr lang="en-US" sz="4800" dirty="0" smtClean="0"/>
-              <a:t>all the features simultaneously….</a:t>
+              <a:t>Now let’s use a different technique which can utilize all the features simultaneously….</a:t>
             </a:r>
           </a:p>
           <a:p>
@@ -6839,11 +6820,7 @@
             </a:pPr>
             <a:r>
               <a:rPr lang="en-US" sz="4800" dirty="0" smtClean="0"/>
-              <a:t>Random </a:t>
-            </a:r>
-            <a:r>
-              <a:rPr lang="en-US" sz="4800" dirty="0" smtClean="0"/>
-              <a:t>Forest Regression</a:t>
+              <a:t>Random Forest Regression</a:t>
             </a:r>
             <a:endParaRPr lang="en-US" sz="4800" dirty="0"/>
           </a:p>
@@ -7124,7 +7101,7 @@
           <a:p>
             <a:r>
               <a:rPr lang="en-US" dirty="0" smtClean="0"/>
-              <a:t>This works great but I cheated by testing with the same data.</a:t>
+              <a:t>This works great BUT I cheated by testing with the same data that was fitted.</a:t>
             </a:r>
             <a:endParaRPr lang="en-US" dirty="0"/>
           </a:p>
@@ -7280,8 +7257,8 @@
         </p:blipFill>
         <p:spPr>
           <a:xfrm>
-            <a:off x="1104900" y="755335"/>
-            <a:ext cx="6453456" cy="4722451"/>
+            <a:off x="1270000" y="799950"/>
+            <a:ext cx="6288356" cy="4601636"/>
           </a:xfrm>
           <a:prstGeom prst="rect">
             <a:avLst/>
@@ -7319,7 +7296,7 @@
         </p:nvSpPr>
         <p:spPr>
           <a:xfrm>
-            <a:off x="2032000" y="1569135"/>
+            <a:off x="2032000" y="1492935"/>
             <a:ext cx="4572000" cy="646331"/>
           </a:xfrm>
           <a:prstGeom prst="rect">
@@ -7353,8 +7330,8 @@
         </p:nvSpPr>
         <p:spPr>
           <a:xfrm>
-            <a:off x="130931" y="5390952"/>
-            <a:ext cx="8890318" cy="923330"/>
+            <a:off x="156331" y="5327452"/>
+            <a:ext cx="8890318" cy="1200329"/>
           </a:xfrm>
           <a:prstGeom prst="rect">
             <a:avLst/>
@@ -7369,7 +7346,7 @@
           <a:p>
             <a:r>
               <a:rPr lang="en-US" dirty="0" smtClean="0"/>
-              <a:t>This method performs better than either linear or polynomial regression, because it is able to weight the inputs and assign them significance.  It is also a type of ensemble technique that aggregates the results of many models (or at least such is my understanding!).</a:t>
+              <a:t>This method performs better than either linear or polynomial regression, because it is able to weight the inputs and assign them significance.  It is also a type of ensemble technique that aggregates the results of many models (or at least such is my understanding!).  It probably ends up using the most correlated features and assigns low weight to the uncorrelated ones.</a:t>
             </a:r>
             <a:endParaRPr lang="en-US" dirty="0"/>
           </a:p>
@@ -7424,8 +7401,8 @@
         </p:nvSpPr>
         <p:spPr>
           <a:xfrm>
-            <a:off x="457200" y="1612900"/>
-            <a:ext cx="8229600" cy="4525963"/>
+            <a:off x="508000" y="2044701"/>
+            <a:ext cx="8229600" cy="1930400"/>
           </a:xfrm>
         </p:spPr>
         <p:txBody>
@@ -7444,21 +7421,6 @@
             <a:r>
               <a:rPr lang="en-US" sz="4800" dirty="0" smtClean="0"/>
               <a:t>.</a:t>
-            </a:r>
-          </a:p>
-          <a:p>
-            <a:pPr marL="0" indent="0" algn="ctr">
-              <a:buNone/>
-            </a:pPr>
-            <a:endParaRPr lang="en-US" sz="4800" dirty="0" smtClean="0"/>
-          </a:p>
-          <a:p>
-            <a:pPr marL="0" indent="0" algn="ctr">
-              <a:buNone/>
-            </a:pPr>
-            <a:r>
-              <a:rPr lang="en-US" sz="4800" dirty="0" smtClean="0"/>
-              <a:t>Suicide.</a:t>
             </a:r>
             <a:endParaRPr lang="en-US" sz="4800" dirty="0" smtClean="0"/>
           </a:p>
@@ -7536,7 +7498,7 @@
         </p:nvSpPr>
         <p:spPr>
           <a:xfrm>
-            <a:off x="457200" y="54840"/>
+            <a:off x="457200" y="4040"/>
             <a:ext cx="8229600" cy="885407"/>
           </a:xfrm>
         </p:spPr>
@@ -7863,8 +7825,8 @@
         </p:nvSpPr>
         <p:spPr>
           <a:xfrm>
-            <a:off x="274288" y="707355"/>
-            <a:ext cx="8686801" cy="6103121"/>
+            <a:off x="261588" y="694655"/>
+            <a:ext cx="8869712" cy="6150645"/>
           </a:xfrm>
         </p:spPr>
         <p:txBody>
@@ -7895,25 +7857,27 @@
             <a:pPr lvl="1"/>
             <a:r>
               <a:rPr lang="en-US" dirty="0" smtClean="0"/>
-              <a:t>Errors when using correlated features were less than mean deviation</a:t>
-            </a:r>
+              <a:t>Errors when using correlated features were less than mean deviation.</a:t>
+            </a:r>
+          </a:p>
+          <a:p>
+            <a:pPr lvl="1"/>
             <a:r>
               <a:rPr lang="en-US" dirty="0" smtClean="0"/>
-              <a:t>.</a:t>
-            </a:r>
-            <a:endParaRPr lang="en-US" dirty="0" smtClean="0"/>
+              <a:t>Variance Scores indicated that there was correlation/dependence identified for at least some variables.</a:t>
+            </a:r>
           </a:p>
           <a:p>
             <a:r>
               <a:rPr lang="en-US" dirty="0" smtClean="0"/>
-              <a:t>Cross validation indicated that the models suffered from the problem of of low statistics.</a:t>
+              <a:t>Models suffered from the problem of of low statistics.</a:t>
             </a:r>
           </a:p>
           <a:p>
             <a:pPr lvl="1"/>
             <a:r>
               <a:rPr lang="en-US" dirty="0" smtClean="0"/>
-              <a:t>The errors increased non-negligibly when using LOO to validate the models.</a:t>
+              <a:t>The errors increased non-negligibly when using LOO.</a:t>
             </a:r>
           </a:p>
           <a:p>
@@ -7935,13 +7899,8 @@
             <a:pPr lvl="1"/>
             <a:r>
               <a:rPr lang="en-US" dirty="0" smtClean="0"/>
-              <a:t>If I was doing this over again, I would use smaller geographical units like counties or </a:t>
-            </a:r>
-            <a:r>
-              <a:rPr lang="en-US" dirty="0" smtClean="0"/>
-              <a:t>cities and probably violence crime rate rather than murder rate OR use tabulated data for a long time period (~10 years).</a:t>
-            </a:r>
-            <a:endParaRPr lang="en-US" dirty="0" smtClean="0"/>
+              <a:t>If I was doing this over again, I would use smaller geographical units like counties or cities and probably violent crime rate rather than murder rate.</a:t>
+            </a:r>
           </a:p>
           <a:p>
             <a:r>
@@ -8003,19 +7962,29 @@
             </a:r>
           </a:p>
           <a:p>
-            <a:pPr lvl="1">
-              <a:buFont typeface="Wingdings" charset="2"/>
-              <a:buChar char="ü"/>
-            </a:pPr>
             <a:r>
               <a:rPr lang="en-US" dirty="0" smtClean="0"/>
-              <a:t>K-Fold Cross Validation</a:t>
-            </a:r>
-          </a:p>
-          <a:p>
+              <a:t>Because lack of education is positively correlated with murder rate, </a:t>
+            </a:r>
             <a:r>
               <a:rPr lang="en-US" dirty="0"/>
-              <a:t>Taking classes at GA will make it less likely that you commit murder.  ;-)</a:t>
+              <a:t>t</a:t>
+            </a:r>
+            <a:r>
+              <a:rPr lang="en-US" dirty="0" smtClean="0"/>
+              <a:t>aking </a:t>
+            </a:r>
+            <a:r>
+              <a:rPr lang="en-US" dirty="0"/>
+              <a:t>classes at GA will make it less likely that you </a:t>
+            </a:r>
+            <a:r>
+              <a:rPr lang="en-US" dirty="0" smtClean="0"/>
+              <a:t>commit homicide.  </a:t>
+            </a:r>
+            <a:r>
+              <a:rPr lang="en-US" dirty="0"/>
+              <a:t>;-)</a:t>
             </a:r>
           </a:p>
           <a:p>
@@ -8426,7 +8395,7 @@
         </p:spPr>
         <p:txBody>
           <a:bodyPr>
-            <a:normAutofit fontScale="77500" lnSpcReduction="20000"/>
+            <a:normAutofit fontScale="70000" lnSpcReduction="20000"/>
           </a:bodyPr>
           <a:lstStyle/>
           <a:p>
@@ -8437,6 +8406,13 @@
             <a:r>
               <a:rPr lang="en-US" dirty="0" smtClean="0"/>
               <a:t>opulation density</a:t>
+            </a:r>
+          </a:p>
+          <a:p>
+            <a:pPr lvl="1"/>
+            <a:r>
+              <a:rPr lang="en-US" dirty="0" smtClean="0"/>
+              <a:t>People / square mile</a:t>
             </a:r>
           </a:p>
           <a:p>
@@ -8601,19 +8577,14 @@
             <p:ph type="title"/>
           </p:nvPr>
         </p:nvSpPr>
-        <p:spPr>
-          <a:xfrm>
-            <a:off x="457200" y="274638"/>
-            <a:ext cx="8229600" cy="1030261"/>
-          </a:xfrm>
-        </p:spPr>
+        <p:spPr/>
         <p:txBody>
           <a:bodyPr/>
           <a:lstStyle/>
           <a:p>
             <a:r>
               <a:rPr lang="en-US" dirty="0" smtClean="0"/>
-              <a:t>Issues</a:t>
+              <a:t>Data Import</a:t>
             </a:r>
             <a:endParaRPr lang="en-US" dirty="0"/>
           </a:p>
@@ -8631,84 +8602,73 @@
         </p:nvSpPr>
         <p:spPr>
           <a:xfrm>
-            <a:off x="457199" y="1304898"/>
-            <a:ext cx="8482243" cy="5032607"/>
-          </a:xfrm>
-        </p:spPr>
-        <p:txBody>
-          <a:bodyPr>
-            <a:normAutofit fontScale="92500"/>
-          </a:bodyPr>
+            <a:off x="305309" y="1417638"/>
+            <a:ext cx="8695195" cy="4525963"/>
+          </a:xfrm>
+        </p:spPr>
+        <p:txBody>
+          <a:bodyPr/>
           <a:lstStyle/>
           <a:p>
             <a:r>
               <a:rPr lang="en-US" dirty="0" smtClean="0"/>
-              <a:t>Only 50 data points (1 for each US state) which is a small amount of data for many regression models.</a:t>
+              <a:t>Scrape data from Wikipedia and other data sources</a:t>
             </a:r>
           </a:p>
           <a:p>
             <a:pPr lvl="1"/>
             <a:r>
               <a:rPr lang="en-US" dirty="0" smtClean="0"/>
-              <a:t>Risk of </a:t>
+              <a:t>Unix ‘</a:t>
             </a:r>
             <a:r>
               <a:rPr lang="en-US" dirty="0" err="1" smtClean="0"/>
-              <a:t>overfitting</a:t>
+              <a:t>awk</a:t>
             </a:r>
             <a:r>
               <a:rPr lang="en-US" dirty="0" smtClean="0"/>
-              <a:t>!</a:t>
-            </a:r>
+              <a:t>’ and ‘</a:t>
+            </a:r>
+            <a:r>
+              <a:rPr lang="en-US" dirty="0" err="1" smtClean="0"/>
+              <a:t>sed</a:t>
+            </a:r>
+            <a:r>
+              <a:rPr lang="en-US" dirty="0" smtClean="0"/>
+              <a:t>’ are my friends.</a:t>
+            </a:r>
+          </a:p>
+          <a:p>
+            <a:r>
+              <a:rPr lang="en-US" dirty="0" smtClean="0"/>
+              <a:t>Combine into single </a:t>
+            </a:r>
+            <a:r>
+              <a:rPr lang="en-US" dirty="0" err="1" smtClean="0"/>
+              <a:t>DataFrame</a:t>
+            </a:r>
+            <a:endParaRPr lang="en-US" dirty="0" smtClean="0"/>
           </a:p>
           <a:p>
             <a:pPr lvl="1"/>
             <a:r>
               <a:rPr lang="en-US" dirty="0" smtClean="0"/>
-              <a:t>Do not want to use </a:t>
-            </a:r>
+              <a:t>Join together using merge operation on state name</a:t>
+            </a:r>
+          </a:p>
+          <a:p>
             <a:r>
               <a:rPr lang="en-US" dirty="0" smtClean="0"/>
-              <a:t>polynomial regression </a:t>
-            </a:r>
+              <a:t>Leave out Washington D.C.</a:t>
+            </a:r>
+          </a:p>
+          <a:p>
+            <a:pPr lvl="1"/>
             <a:r>
               <a:rPr lang="en-US" dirty="0" smtClean="0"/>
-              <a:t>with too many </a:t>
-            </a:r>
-            <a:r>
-              <a:rPr lang="en-US" dirty="0" smtClean="0"/>
-              <a:t>degrees.</a:t>
-            </a:r>
-            <a:endParaRPr lang="en-US" dirty="0" smtClean="0"/>
-          </a:p>
-          <a:p>
-            <a:pPr lvl="1"/>
-            <a:r>
-              <a:rPr lang="en-US" dirty="0" smtClean="0"/>
-              <a:t>For polynomial fitting use LASSO (L1-norm) to generate sparse </a:t>
-            </a:r>
-            <a:r>
-              <a:rPr lang="en-US" dirty="0" smtClean="0"/>
-              <a:t>solutions and minimize co-efficient values.</a:t>
-            </a:r>
-            <a:endParaRPr lang="en-US" dirty="0" smtClean="0"/>
-          </a:p>
-          <a:p>
-            <a:r>
-              <a:rPr lang="en-US" dirty="0" smtClean="0"/>
-              <a:t>Variables strongly correlated.</a:t>
-            </a:r>
-          </a:p>
-          <a:p>
-            <a:pPr lvl="1"/>
-            <a:r>
-              <a:rPr lang="en-US" dirty="0" smtClean="0"/>
-              <a:t> Use single input variables as predictors (no multi-dimensional fits are used for linear or polynomial)</a:t>
-            </a:r>
-            <a:r>
-              <a:rPr lang="en-US" dirty="0" smtClean="0"/>
-              <a:t>.</a:t>
-            </a:r>
+              <a:t>It is more like a city than a state, so we leave it out.</a:t>
+            </a:r>
+            <a:endParaRPr lang="en-US" dirty="0"/>
           </a:p>
         </p:txBody>
       </p:sp>
@@ -8738,7 +8698,7 @@
     </p:spTree>
     <p:extLst>
       <p:ext uri="{BB962C8B-B14F-4D97-AF65-F5344CB8AC3E}">
-        <p14:creationId xmlns:p14="http://schemas.microsoft.com/office/powerpoint/2010/main" val="446157027"/>
+        <p14:creationId xmlns:p14="http://schemas.microsoft.com/office/powerpoint/2010/main" val="4232165826"/>
       </p:ext>
     </p:extLst>
   </p:cSld>
@@ -8782,104 +8742,59 @@
             <p:ph type="title"/>
           </p:nvPr>
         </p:nvSpPr>
-        <p:spPr/>
-        <p:txBody>
-          <a:bodyPr/>
+        <p:spPr>
+          <a:xfrm>
+            <a:off x="457200" y="183164"/>
+            <a:ext cx="8229600" cy="697189"/>
+          </a:xfrm>
+        </p:spPr>
+        <p:txBody>
+          <a:bodyPr>
+            <a:normAutofit fontScale="90000"/>
+          </a:bodyPr>
           <a:lstStyle/>
           <a:p>
             <a:r>
               <a:rPr lang="en-US" dirty="0" smtClean="0"/>
-              <a:t>Data Import</a:t>
+              <a:t>Data Summary</a:t>
             </a:r>
             <a:endParaRPr lang="en-US" dirty="0"/>
           </a:p>
         </p:txBody>
       </p:sp>
-      <p:sp>
-        <p:nvSpPr>
-          <p:cNvPr id="3" name="Content Placeholder 2"/>
-          <p:cNvSpPr>
-            <a:spLocks noGrp="1"/>
-          </p:cNvSpPr>
-          <p:nvPr>
-            <p:ph idx="1"/>
-          </p:nvPr>
-        </p:nvSpPr>
-        <p:spPr>
-          <a:xfrm>
-            <a:off x="305309" y="1417638"/>
-            <a:ext cx="8695195" cy="4525963"/>
-          </a:xfrm>
-        </p:spPr>
-        <p:txBody>
-          <a:bodyPr/>
-          <a:lstStyle/>
-          <a:p>
-            <a:r>
-              <a:rPr lang="en-US" dirty="0" smtClean="0"/>
-              <a:t>Scrape data from Wikipedia and other data sources</a:t>
-            </a:r>
-          </a:p>
-          <a:p>
-            <a:pPr lvl="1"/>
-            <a:r>
-              <a:rPr lang="en-US" dirty="0" smtClean="0"/>
-              <a:t>Unix ‘</a:t>
-            </a:r>
-            <a:r>
-              <a:rPr lang="en-US" dirty="0" err="1" smtClean="0"/>
-              <a:t>awk</a:t>
-            </a:r>
-            <a:r>
-              <a:rPr lang="en-US" dirty="0" smtClean="0"/>
-              <a:t>’ and ‘</a:t>
-            </a:r>
-            <a:r>
-              <a:rPr lang="en-US" dirty="0" err="1" smtClean="0"/>
-              <a:t>sed</a:t>
-            </a:r>
-            <a:r>
-              <a:rPr lang="en-US" dirty="0" smtClean="0"/>
-              <a:t>’ are my friends.</a:t>
-            </a:r>
-          </a:p>
-          <a:p>
-            <a:r>
-              <a:rPr lang="en-US" dirty="0" smtClean="0"/>
-              <a:t>Combine into single </a:t>
-            </a:r>
-            <a:r>
-              <a:rPr lang="en-US" dirty="0" err="1" smtClean="0"/>
-              <a:t>DataFrame</a:t>
-            </a:r>
-            <a:endParaRPr lang="en-US" dirty="0" smtClean="0"/>
-          </a:p>
-          <a:p>
-            <a:pPr lvl="1"/>
-            <a:r>
-              <a:rPr lang="en-US" dirty="0" smtClean="0"/>
-              <a:t>Join together using merge operation on state name</a:t>
-            </a:r>
-          </a:p>
-          <a:p>
-            <a:r>
-              <a:rPr lang="en-US" dirty="0" smtClean="0"/>
-              <a:t>Leave out Washington D.C.</a:t>
-            </a:r>
-          </a:p>
-          <a:p>
-            <a:pPr lvl="1"/>
-            <a:r>
-              <a:rPr lang="en-US" dirty="0" smtClean="0"/>
-              <a:t>It is more like a city than a state, so we leave it out.</a:t>
-            </a:r>
-            <a:endParaRPr lang="en-US" dirty="0"/>
-          </a:p>
-        </p:txBody>
-      </p:sp>
-      <p:sp>
-        <p:nvSpPr>
-          <p:cNvPr id="4" name="Slide Number Placeholder 3"/>
+      <p:pic>
+        <p:nvPicPr>
+          <p:cNvPr id="6" name="Picture 5" descr="Screen Shot 2015-07-07 at 10.05.20 PM.png"/>
+          <p:cNvPicPr>
+            <a:picLocks noChangeAspect="1"/>
+          </p:cNvPicPr>
+          <p:nvPr/>
+        </p:nvPicPr>
+        <p:blipFill>
+          <a:blip r:embed="rId2">
+            <a:extLst>
+              <a:ext uri="{28A0092B-C50C-407E-A947-70E740481C1C}">
+                <a14:useLocalDpi xmlns:a14="http://schemas.microsoft.com/office/drawing/2010/main" val="0"/>
+              </a:ext>
+            </a:extLst>
+          </a:blip>
+          <a:stretch>
+            <a:fillRect/>
+          </a:stretch>
+        </p:blipFill>
+        <p:spPr>
+          <a:xfrm>
+            <a:off x="286232" y="1173418"/>
+            <a:ext cx="8686800" cy="2623530"/>
+          </a:xfrm>
+          <a:prstGeom prst="rect">
+            <a:avLst/>
+          </a:prstGeom>
+        </p:spPr>
+      </p:pic>
+      <p:sp>
+        <p:nvSpPr>
+          <p:cNvPr id="3" name="Slide Number Placeholder 2"/>
           <p:cNvSpPr>
             <a:spLocks noGrp="1"/>
           </p:cNvSpPr>
@@ -8896,6 +8811,156 @@
               <a:rPr lang="en-US" smtClean="0"/>
               <a:t>6</a:t>
             </a:fld>
+            <a:endParaRPr lang="en-US"/>
+          </a:p>
+        </p:txBody>
+      </p:sp>
+      <p:pic>
+        <p:nvPicPr>
+          <p:cNvPr id="4" name="Picture 3" descr="Screen Shot 2015-07-08 at 9.26.23 PM.png"/>
+          <p:cNvPicPr>
+            <a:picLocks noChangeAspect="1"/>
+          </p:cNvPicPr>
+          <p:nvPr/>
+        </p:nvPicPr>
+        <p:blipFill>
+          <a:blip r:embed="rId3">
+            <a:extLst>
+              <a:ext uri="{28A0092B-C50C-407E-A947-70E740481C1C}">
+                <a14:useLocalDpi xmlns:a14="http://schemas.microsoft.com/office/drawing/2010/main" val="0"/>
+              </a:ext>
+            </a:extLst>
+          </a:blip>
+          <a:stretch>
+            <a:fillRect/>
+          </a:stretch>
+        </p:blipFill>
+        <p:spPr>
+          <a:xfrm>
+            <a:off x="1226584" y="4190426"/>
+            <a:ext cx="2514600" cy="2273300"/>
+          </a:xfrm>
+          <a:prstGeom prst="rect">
+            <a:avLst/>
+          </a:prstGeom>
+        </p:spPr>
+      </p:pic>
+      <p:pic>
+        <p:nvPicPr>
+          <p:cNvPr id="5" name="Picture 4" descr="Screen Shot 2015-07-08 at 9.25.45 PM.png"/>
+          <p:cNvPicPr>
+            <a:picLocks noChangeAspect="1"/>
+          </p:cNvPicPr>
+          <p:nvPr/>
+        </p:nvPicPr>
+        <p:blipFill>
+          <a:blip r:embed="rId4">
+            <a:extLst>
+              <a:ext uri="{28A0092B-C50C-407E-A947-70E740481C1C}">
+                <a14:useLocalDpi xmlns:a14="http://schemas.microsoft.com/office/drawing/2010/main" val="0"/>
+              </a:ext>
+            </a:extLst>
+          </a:blip>
+          <a:stretch>
+            <a:fillRect/>
+          </a:stretch>
+        </p:blipFill>
+        <p:spPr>
+          <a:xfrm>
+            <a:off x="4681021" y="4215826"/>
+            <a:ext cx="2590800" cy="2247900"/>
+          </a:xfrm>
+          <a:prstGeom prst="rect">
+            <a:avLst/>
+          </a:prstGeom>
+        </p:spPr>
+      </p:pic>
+      <p:sp>
+        <p:nvSpPr>
+          <p:cNvPr id="7" name="Oval 6"/>
+          <p:cNvSpPr/>
+          <p:nvPr/>
+        </p:nvSpPr>
+        <p:spPr>
+          <a:xfrm>
+            <a:off x="749299" y="2285999"/>
+            <a:ext cx="749301" cy="431089"/>
+          </a:xfrm>
+          <a:prstGeom prst="ellipse">
+            <a:avLst/>
+          </a:prstGeom>
+          <a:noFill/>
+          <a:ln w="19050">
+            <a:solidFill>
+              <a:srgbClr val="FF0000"/>
+            </a:solidFill>
+          </a:ln>
+          <a:effectLst/>
+        </p:spPr>
+        <p:style>
+          <a:lnRef idx="1">
+            <a:schemeClr val="accent1"/>
+          </a:lnRef>
+          <a:fillRef idx="3">
+            <a:schemeClr val="accent1"/>
+          </a:fillRef>
+          <a:effectRef idx="2">
+            <a:schemeClr val="accent1"/>
+          </a:effectRef>
+          <a:fontRef idx="minor">
+            <a:schemeClr val="lt1"/>
+          </a:fontRef>
+        </p:style>
+        <p:txBody>
+          <a:bodyPr rtlCol="0" anchor="ctr"/>
+          <a:lstStyle/>
+          <a:p>
+            <a:pPr algn="ctr"/>
+            <a:endParaRPr lang="en-US"/>
+          </a:p>
+        </p:txBody>
+      </p:sp>
+      <p:sp>
+        <p:nvSpPr>
+          <p:cNvPr id="8" name="Oval 7"/>
+          <p:cNvSpPr/>
+          <p:nvPr/>
+        </p:nvSpPr>
+        <p:spPr>
+          <a:xfrm>
+            <a:off x="749299" y="3365859"/>
+            <a:ext cx="749301" cy="431089"/>
+          </a:xfrm>
+          <a:prstGeom prst="ellipse">
+            <a:avLst/>
+          </a:prstGeom>
+          <a:noFill/>
+          <a:ln w="19050">
+            <a:solidFill>
+              <a:srgbClr val="FF0000"/>
+            </a:solidFill>
+          </a:ln>
+          <a:effectLst/>
+        </p:spPr>
+        <p:style>
+          <a:lnRef idx="1">
+            <a:schemeClr val="accent1"/>
+          </a:lnRef>
+          <a:fillRef idx="3">
+            <a:schemeClr val="accent1"/>
+          </a:fillRef>
+          <a:effectRef idx="2">
+            <a:schemeClr val="accent1"/>
+          </a:effectRef>
+          <a:fontRef idx="minor">
+            <a:schemeClr val="lt1"/>
+          </a:fontRef>
+        </p:style>
+        <p:txBody>
+          <a:bodyPr rtlCol="0" anchor="ctr"/>
+          <a:lstStyle/>
+          <a:p>
+            <a:pPr algn="ctr"/>
             <a:endParaRPr lang="en-US"/>
           </a:p>
         </p:txBody>
@@ -8903,7 +8968,7 @@
     </p:spTree>
     <p:extLst>
       <p:ext uri="{BB962C8B-B14F-4D97-AF65-F5344CB8AC3E}">
-        <p14:creationId xmlns:p14="http://schemas.microsoft.com/office/powerpoint/2010/main" val="4232165826"/>
+        <p14:creationId xmlns:p14="http://schemas.microsoft.com/office/powerpoint/2010/main" val="2610604818"/>
       </p:ext>
     </p:extLst>
   </p:cSld>
@@ -8947,21 +9012,14 @@
             <p:ph type="title"/>
           </p:nvPr>
         </p:nvSpPr>
-        <p:spPr>
-          <a:xfrm>
-            <a:off x="457200" y="183164"/>
-            <a:ext cx="8229600" cy="697189"/>
-          </a:xfrm>
-        </p:spPr>
-        <p:txBody>
-          <a:bodyPr>
-            <a:normAutofit fontScale="90000"/>
-          </a:bodyPr>
+        <p:spPr/>
+        <p:txBody>
+          <a:bodyPr/>
           <a:lstStyle/>
           <a:p>
             <a:r>
               <a:rPr lang="en-US" dirty="0" smtClean="0"/>
-              <a:t>Data Summary</a:t>
+              <a:t>Correlation Matrix</a:t>
             </a:r>
             <a:endParaRPr lang="en-US" dirty="0"/>
           </a:p>
@@ -8969,7 +9027,7 @@
       </p:sp>
       <p:pic>
         <p:nvPicPr>
-          <p:cNvPr id="6" name="Picture 5" descr="Screen Shot 2015-07-07 at 10.05.20 PM.png"/>
+          <p:cNvPr id="4" name="Picture 3" descr="Screen Shot 2015-06-14 at 1.40.25 AM.png"/>
           <p:cNvPicPr>
             <a:picLocks noChangeAspect="1"/>
           </p:cNvPicPr>
@@ -8989,8 +9047,8 @@
         </p:blipFill>
         <p:spPr>
           <a:xfrm>
-            <a:off x="286232" y="1173418"/>
-            <a:ext cx="8686800" cy="2623530"/>
+            <a:off x="0" y="1875071"/>
+            <a:ext cx="9144000" cy="2619326"/>
           </a:xfrm>
           <a:prstGeom prst="rect">
             <a:avLst/>
@@ -8999,173 +9057,69 @@
       </p:pic>
       <p:sp>
         <p:nvSpPr>
-          <p:cNvPr id="3" name="Slide Number Placeholder 2"/>
-          <p:cNvSpPr>
-            <a:spLocks noGrp="1"/>
-          </p:cNvSpPr>
-          <p:nvPr>
-            <p:ph type="sldNum" sz="quarter" idx="12"/>
-          </p:nvPr>
-        </p:nvSpPr>
-        <p:spPr/>
-        <p:txBody>
-          <a:bodyPr/>
-          <a:lstStyle/>
-          <a:p>
-            <a:fld id="{F4868C7E-E561-7D4F-8BFA-0F5E3C84BDAE}" type="slidenum">
-              <a:rPr lang="en-US" smtClean="0"/>
-              <a:t>7</a:t>
-            </a:fld>
-            <a:endParaRPr lang="en-US"/>
-          </a:p>
-        </p:txBody>
-      </p:sp>
-      <p:pic>
-        <p:nvPicPr>
-          <p:cNvPr id="4" name="Picture 3" descr="Screen Shot 2015-07-08 at 9.26.23 PM.png"/>
-          <p:cNvPicPr>
-            <a:picLocks noChangeAspect="1"/>
-          </p:cNvPicPr>
+          <p:cNvPr id="3" name="TextBox 2"/>
+          <p:cNvSpPr txBox="1"/>
           <p:nvPr/>
-        </p:nvPicPr>
-        <p:blipFill>
-          <a:blip r:embed="rId3">
-            <a:extLst>
-              <a:ext uri="{28A0092B-C50C-407E-A947-70E740481C1C}">
-                <a14:useLocalDpi xmlns:a14="http://schemas.microsoft.com/office/drawing/2010/main" val="0"/>
-              </a:ext>
-            </a:extLst>
-          </a:blip>
-          <a:stretch>
-            <a:fillRect/>
-          </a:stretch>
-        </p:blipFill>
-        <p:spPr>
-          <a:xfrm>
-            <a:off x="1226584" y="4190426"/>
-            <a:ext cx="2514600" cy="2273300"/>
+        </p:nvSpPr>
+        <p:spPr>
+          <a:xfrm>
+            <a:off x="457200" y="4652389"/>
+            <a:ext cx="8408969" cy="1477328"/>
           </a:xfrm>
           <a:prstGeom prst="rect">
             <a:avLst/>
           </a:prstGeom>
-        </p:spPr>
-      </p:pic>
-      <p:pic>
-        <p:nvPicPr>
-          <p:cNvPr id="5" name="Picture 4" descr="Screen Shot 2015-07-08 at 9.25.45 PM.png"/>
-          <p:cNvPicPr>
-            <a:picLocks noChangeAspect="1"/>
-          </p:cNvPicPr>
-          <p:nvPr/>
-        </p:nvPicPr>
-        <p:blipFill>
-          <a:blip r:embed="rId4">
-            <a:extLst>
-              <a:ext uri="{28A0092B-C50C-407E-A947-70E740481C1C}">
-                <a14:useLocalDpi xmlns:a14="http://schemas.microsoft.com/office/drawing/2010/main" val="0"/>
-              </a:ext>
-            </a:extLst>
-          </a:blip>
-          <a:stretch>
-            <a:fillRect/>
-          </a:stretch>
-        </p:blipFill>
-        <p:spPr>
-          <a:xfrm>
-            <a:off x="4681021" y="4215826"/>
-            <a:ext cx="2590800" cy="2247900"/>
-          </a:xfrm>
-          <a:prstGeom prst="rect">
-            <a:avLst/>
-          </a:prstGeom>
-        </p:spPr>
-      </p:pic>
-      <p:sp>
-        <p:nvSpPr>
-          <p:cNvPr id="7" name="Oval 6"/>
-          <p:cNvSpPr/>
-          <p:nvPr/>
-        </p:nvSpPr>
-        <p:spPr>
-          <a:xfrm>
-            <a:off x="749299" y="2285999"/>
-            <a:ext cx="749301" cy="431089"/>
-          </a:xfrm>
-          <a:prstGeom prst="ellipse">
-            <a:avLst/>
-          </a:prstGeom>
           <a:noFill/>
-          <a:ln w="19050">
-            <a:solidFill>
-              <a:srgbClr val="FF0000"/>
-            </a:solidFill>
-          </a:ln>
-          <a:effectLst/>
-        </p:spPr>
-        <p:style>
-          <a:lnRef idx="1">
-            <a:schemeClr val="accent1"/>
-          </a:lnRef>
-          <a:fillRef idx="3">
-            <a:schemeClr val="accent1"/>
-          </a:fillRef>
-          <a:effectRef idx="2">
-            <a:schemeClr val="accent1"/>
-          </a:effectRef>
-          <a:fontRef idx="minor">
-            <a:schemeClr val="lt1"/>
-          </a:fontRef>
-        </p:style>
-        <p:txBody>
-          <a:bodyPr rtlCol="0" anchor="ctr"/>
-          <a:lstStyle/>
-          <a:p>
-            <a:pPr algn="ctr"/>
-            <a:endParaRPr lang="en-US"/>
-          </a:p>
-        </p:txBody>
-      </p:sp>
-      <p:sp>
-        <p:nvSpPr>
-          <p:cNvPr id="8" name="Oval 7"/>
-          <p:cNvSpPr/>
-          <p:nvPr/>
-        </p:nvSpPr>
-        <p:spPr>
-          <a:xfrm>
-            <a:off x="749299" y="3365859"/>
-            <a:ext cx="749301" cy="431089"/>
-          </a:xfrm>
-          <a:prstGeom prst="ellipse">
-            <a:avLst/>
-          </a:prstGeom>
-          <a:noFill/>
-          <a:ln w="19050">
-            <a:solidFill>
-              <a:srgbClr val="FF0000"/>
-            </a:solidFill>
-          </a:ln>
-          <a:effectLst/>
-        </p:spPr>
-        <p:style>
-          <a:lnRef idx="1">
-            <a:schemeClr val="accent1"/>
-          </a:lnRef>
-          <a:fillRef idx="3">
-            <a:schemeClr val="accent1"/>
-          </a:fillRef>
-          <a:effectRef idx="2">
-            <a:schemeClr val="accent1"/>
-          </a:effectRef>
-          <a:fontRef idx="minor">
-            <a:schemeClr val="lt1"/>
-          </a:fontRef>
-        </p:style>
-        <p:txBody>
-          <a:bodyPr rtlCol="0" anchor="ctr"/>
-          <a:lstStyle/>
-          <a:p>
-            <a:pPr algn="ctr"/>
+        </p:spPr>
+        <p:txBody>
+          <a:bodyPr wrap="square" rtlCol="0">
+            <a:spAutoFit/>
+          </a:bodyPr>
+          <a:lstStyle/>
+          <a:p>
+            <a:pPr marL="285750" indent="-285750">
+              <a:buFont typeface="Arial"/>
+              <a:buChar char="•"/>
+            </a:pPr>
+            <a:r>
+              <a:rPr lang="en-US" dirty="0" smtClean="0"/>
+              <a:t>Some of our features seem to have strong correlations, so for this analysis we will look at regression using single input variables. </a:t>
+            </a:r>
+          </a:p>
+          <a:p>
+            <a:pPr marL="742950" lvl="1" indent="-285750">
+              <a:buFont typeface="Arial"/>
+              <a:buChar char="•"/>
+            </a:pPr>
+            <a:r>
+              <a:rPr lang="en-US" dirty="0" smtClean="0"/>
+              <a:t>For instance, poverty rate, % graduating high school, and incarceration rate are all strongly correlated, so multivariate discrimination will not work well.</a:t>
+            </a:r>
+          </a:p>
+          <a:p>
+            <a:endParaRPr lang="en-US" dirty="0"/>
+          </a:p>
+        </p:txBody>
+      </p:sp>
+      <p:sp>
+        <p:nvSpPr>
+          <p:cNvPr id="5" name="Slide Number Placeholder 4"/>
+          <p:cNvSpPr>
+            <a:spLocks noGrp="1"/>
+          </p:cNvSpPr>
+          <p:nvPr>
+            <p:ph type="sldNum" sz="quarter" idx="12"/>
+          </p:nvPr>
+        </p:nvSpPr>
+        <p:spPr/>
+        <p:txBody>
+          <a:bodyPr/>
+          <a:lstStyle/>
+          <a:p>
+            <a:fld id="{F4868C7E-E561-7D4F-8BFA-0F5E3C84BDAE}" type="slidenum">
+              <a:rPr lang="en-US" smtClean="0"/>
+              <a:t>7</a:t>
+            </a:fld>
             <a:endParaRPr lang="en-US"/>
           </a:p>
         </p:txBody>
@@ -9173,7 +9127,7 @@
     </p:spTree>
     <p:extLst>
       <p:ext uri="{BB962C8B-B14F-4D97-AF65-F5344CB8AC3E}">
-        <p14:creationId xmlns:p14="http://schemas.microsoft.com/office/powerpoint/2010/main" val="2610604818"/>
+        <p14:creationId xmlns:p14="http://schemas.microsoft.com/office/powerpoint/2010/main" val="1824038185"/>
       </p:ext>
     </p:extLst>
   </p:cSld>
@@ -9217,98 +9171,94 @@
             <p:ph type="title"/>
           </p:nvPr>
         </p:nvSpPr>
-        <p:spPr/>
+        <p:spPr>
+          <a:xfrm>
+            <a:off x="457200" y="274638"/>
+            <a:ext cx="8229600" cy="1030261"/>
+          </a:xfrm>
+        </p:spPr>
         <p:txBody>
           <a:bodyPr/>
           <a:lstStyle/>
           <a:p>
             <a:r>
               <a:rPr lang="en-US" dirty="0" smtClean="0"/>
-              <a:t>Correlation Matrix</a:t>
+              <a:t>Issues</a:t>
             </a:r>
             <a:endParaRPr lang="en-US" dirty="0"/>
           </a:p>
         </p:txBody>
       </p:sp>
-      <p:pic>
-        <p:nvPicPr>
-          <p:cNvPr id="4" name="Picture 3" descr="Screen Shot 2015-06-14 at 1.40.25 AM.png"/>
-          <p:cNvPicPr>
-            <a:picLocks noChangeAspect="1"/>
-          </p:cNvPicPr>
-          <p:nvPr/>
-        </p:nvPicPr>
-        <p:blipFill>
-          <a:blip r:embed="rId2">
-            <a:extLst>
-              <a:ext uri="{28A0092B-C50C-407E-A947-70E740481C1C}">
-                <a14:useLocalDpi xmlns:a14="http://schemas.microsoft.com/office/drawing/2010/main" val="0"/>
-              </a:ext>
-            </a:extLst>
-          </a:blip>
-          <a:stretch>
-            <a:fillRect/>
-          </a:stretch>
-        </p:blipFill>
-        <p:spPr>
-          <a:xfrm>
-            <a:off x="0" y="1875071"/>
-            <a:ext cx="9144000" cy="2619326"/>
-          </a:xfrm>
-          <a:prstGeom prst="rect">
-            <a:avLst/>
-          </a:prstGeom>
-        </p:spPr>
-      </p:pic>
-      <p:sp>
-        <p:nvSpPr>
-          <p:cNvPr id="3" name="TextBox 2"/>
-          <p:cNvSpPr txBox="1"/>
-          <p:nvPr/>
-        </p:nvSpPr>
-        <p:spPr>
-          <a:xfrm>
-            <a:off x="457200" y="4652389"/>
-            <a:ext cx="8408969" cy="1477328"/>
-          </a:xfrm>
-          <a:prstGeom prst="rect">
-            <a:avLst/>
-          </a:prstGeom>
-          <a:noFill/>
-        </p:spPr>
-        <p:txBody>
-          <a:bodyPr wrap="square" rtlCol="0">
-            <a:spAutoFit/>
+      <p:sp>
+        <p:nvSpPr>
+          <p:cNvPr id="3" name="Content Placeholder 2"/>
+          <p:cNvSpPr>
+            <a:spLocks noGrp="1"/>
+          </p:cNvSpPr>
+          <p:nvPr>
+            <p:ph idx="1"/>
+          </p:nvPr>
+        </p:nvSpPr>
+        <p:spPr>
+          <a:xfrm>
+            <a:off x="457199" y="1304898"/>
+            <a:ext cx="8482243" cy="5032607"/>
+          </a:xfrm>
+        </p:spPr>
+        <p:txBody>
+          <a:bodyPr>
+            <a:normAutofit fontScale="92500"/>
           </a:bodyPr>
           <a:lstStyle/>
           <a:p>
-            <a:pPr marL="285750" indent="-285750">
-              <a:buFont typeface="Arial"/>
-              <a:buChar char="•"/>
-            </a:pPr>
             <a:r>
               <a:rPr lang="en-US" dirty="0" smtClean="0"/>
-              <a:t>Some of our features seem to have strong correlations, so for this analysis we will look at regression using single input variables. </a:t>
-            </a:r>
-          </a:p>
-          <a:p>
-            <a:pPr marL="742950" lvl="1" indent="-285750">
-              <a:buFont typeface="Arial"/>
-              <a:buChar char="•"/>
-            </a:pPr>
+              <a:t>Only 50 data points (1 for each US state) which is a small amount of data for many regression models.</a:t>
+            </a:r>
+          </a:p>
+          <a:p>
+            <a:pPr lvl="1"/>
+            <a:r>
+              <a:rPr lang="en-US" dirty="0"/>
+              <a:t>R</a:t>
+            </a:r>
             <a:r>
               <a:rPr lang="en-US" dirty="0" smtClean="0"/>
-              <a:t>For instance, poverty rate, % graduating high school, and incarceration rate are all strongly correlated, so multivariate discrimination will not work well.</a:t>
-            </a:r>
-          </a:p>
-          <a:p>
-            <a:endParaRPr lang="en-US" dirty="0"/>
-          </a:p>
-        </p:txBody>
-      </p:sp>
-      <p:sp>
-        <p:nvSpPr>
-          <p:cNvPr id="5" name="Slide Number Placeholder 4"/>
+              <a:t>isk of over-fitting!</a:t>
+            </a:r>
+          </a:p>
+          <a:p>
+            <a:pPr lvl="1"/>
+            <a:r>
+              <a:rPr lang="en-US" dirty="0" smtClean="0"/>
+              <a:t>Do not want to use polynomial regression with too many degrees.</a:t>
+            </a:r>
+          </a:p>
+          <a:p>
+            <a:pPr lvl="1"/>
+            <a:r>
+              <a:rPr lang="en-US" dirty="0" smtClean="0"/>
+              <a:t>For polynomial fitting use LASSO (L1-norm) to generate sparse solutions that minimize co-efficient values.</a:t>
+            </a:r>
+          </a:p>
+          <a:p>
+            <a:r>
+              <a:rPr lang="en-US" dirty="0" smtClean="0"/>
+              <a:t>Variables strongly correlated.</a:t>
+            </a:r>
+          </a:p>
+          <a:p>
+            <a:pPr lvl="1"/>
+            <a:r>
+              <a:rPr lang="en-US" dirty="0" smtClean="0"/>
+              <a:t> Use single input variables as predictors (no multi-dimensional fits are used for linear or polynomial).</a:t>
+            </a:r>
+          </a:p>
+        </p:txBody>
+      </p:sp>
+      <p:sp>
+        <p:nvSpPr>
+          <p:cNvPr id="4" name="Slide Number Placeholder 3"/>
           <p:cNvSpPr>
             <a:spLocks noGrp="1"/>
           </p:cNvSpPr>
@@ -9332,7 +9282,7 @@
     </p:spTree>
     <p:extLst>
       <p:ext uri="{BB962C8B-B14F-4D97-AF65-F5344CB8AC3E}">
-        <p14:creationId xmlns:p14="http://schemas.microsoft.com/office/powerpoint/2010/main" val="1824038185"/>
+        <p14:creationId xmlns:p14="http://schemas.microsoft.com/office/powerpoint/2010/main" val="446157027"/>
       </p:ext>
     </p:extLst>
   </p:cSld>
